--- a/Presentation.pptx
+++ b/Presentation.pptx
@@ -5,7 +5,7 @@
     <p:sldMasterId id="2147483684" r:id="rId1"/>
   </p:sldMasterIdLst>
   <p:notesMasterIdLst>
-    <p:notesMasterId r:id="rId34"/>
+    <p:notesMasterId r:id="rId32"/>
   </p:notesMasterIdLst>
   <p:sldIdLst>
     <p:sldId id="256" r:id="rId2"/>
@@ -21,25 +21,23 @@
     <p:sldId id="279" r:id="rId12"/>
     <p:sldId id="278" r:id="rId13"/>
     <p:sldId id="265" r:id="rId14"/>
-    <p:sldId id="286" r:id="rId15"/>
-    <p:sldId id="285" r:id="rId16"/>
-    <p:sldId id="273" r:id="rId17"/>
-    <p:sldId id="284" r:id="rId18"/>
-    <p:sldId id="283" r:id="rId19"/>
-    <p:sldId id="282" r:id="rId20"/>
-    <p:sldId id="281" r:id="rId21"/>
-    <p:sldId id="260" r:id="rId22"/>
-    <p:sldId id="287" r:id="rId23"/>
-    <p:sldId id="288" r:id="rId24"/>
-    <p:sldId id="289" r:id="rId25"/>
-    <p:sldId id="290" r:id="rId26"/>
-    <p:sldId id="291" r:id="rId27"/>
-    <p:sldId id="292" r:id="rId28"/>
-    <p:sldId id="293" r:id="rId29"/>
-    <p:sldId id="294" r:id="rId30"/>
-    <p:sldId id="275" r:id="rId31"/>
-    <p:sldId id="274" r:id="rId32"/>
-    <p:sldId id="295" r:id="rId33"/>
+    <p:sldId id="285" r:id="rId15"/>
+    <p:sldId id="273" r:id="rId16"/>
+    <p:sldId id="283" r:id="rId17"/>
+    <p:sldId id="282" r:id="rId18"/>
+    <p:sldId id="281" r:id="rId19"/>
+    <p:sldId id="260" r:id="rId20"/>
+    <p:sldId id="287" r:id="rId21"/>
+    <p:sldId id="298" r:id="rId22"/>
+    <p:sldId id="293" r:id="rId23"/>
+    <p:sldId id="296" r:id="rId24"/>
+    <p:sldId id="294" r:id="rId25"/>
+    <p:sldId id="297" r:id="rId26"/>
+    <p:sldId id="275" r:id="rId27"/>
+    <p:sldId id="299" r:id="rId28"/>
+    <p:sldId id="295" r:id="rId29"/>
+    <p:sldId id="300" r:id="rId30"/>
+    <p:sldId id="274" r:id="rId31"/>
   </p:sldIdLst>
   <p:sldSz cx="9144000" cy="6858000" type="screen4x3"/>
   <p:notesSz cx="6858000" cy="9144000"/>
@@ -3881,758 +3879,11 @@
 </dgm:colorsDef>
 </file>
 
-<file path=ppt/diagrams/colors6.xml><?xml version="1.0" encoding="utf-8"?>
-<dgm:colorsDef xmlns:dgm="http://schemas.openxmlformats.org/drawingml/2006/diagram" xmlns:a="http://schemas.openxmlformats.org/drawingml/2006/main" uniqueId="urn:microsoft.com/office/officeart/2005/8/colors/accent1_2">
-  <dgm:title val=""/>
-  <dgm:desc val=""/>
-  <dgm:catLst>
-    <dgm:cat type="accent1" pri="11200"/>
-  </dgm:catLst>
-  <dgm:styleLbl name="node0">
-    <dgm:fillClrLst meth="repeat">
-      <a:schemeClr val="accent1"/>
-    </dgm:fillClrLst>
-    <dgm:linClrLst meth="repeat">
-      <a:schemeClr val="lt1"/>
-    </dgm:linClrLst>
-    <dgm:effectClrLst/>
-    <dgm:txLinClrLst/>
-    <dgm:txFillClrLst/>
-    <dgm:txEffectClrLst/>
-  </dgm:styleLbl>
-  <dgm:styleLbl name="alignNode1">
-    <dgm:fillClrLst meth="repeat">
-      <a:schemeClr val="accent1"/>
-    </dgm:fillClrLst>
-    <dgm:linClrLst meth="repeat">
-      <a:schemeClr val="accent1"/>
-    </dgm:linClrLst>
-    <dgm:effectClrLst/>
-    <dgm:txLinClrLst/>
-    <dgm:txFillClrLst/>
-    <dgm:txEffectClrLst/>
-  </dgm:styleLbl>
-  <dgm:styleLbl name="node1">
-    <dgm:fillClrLst meth="repeat">
-      <a:schemeClr val="accent1"/>
-    </dgm:fillClrLst>
-    <dgm:linClrLst meth="repeat">
-      <a:schemeClr val="lt1"/>
-    </dgm:linClrLst>
-    <dgm:effectClrLst/>
-    <dgm:txLinClrLst/>
-    <dgm:txFillClrLst/>
-    <dgm:txEffectClrLst/>
-  </dgm:styleLbl>
-  <dgm:styleLbl name="lnNode1">
-    <dgm:fillClrLst meth="repeat">
-      <a:schemeClr val="accent1"/>
-    </dgm:fillClrLst>
-    <dgm:linClrLst meth="repeat">
-      <a:schemeClr val="lt1"/>
-    </dgm:linClrLst>
-    <dgm:effectClrLst/>
-    <dgm:txLinClrLst/>
-    <dgm:txFillClrLst/>
-    <dgm:txEffectClrLst/>
-  </dgm:styleLbl>
-  <dgm:styleLbl name="vennNode1">
-    <dgm:fillClrLst meth="repeat">
-      <a:schemeClr val="accent1">
-        <a:alpha val="50000"/>
-      </a:schemeClr>
-    </dgm:fillClrLst>
-    <dgm:linClrLst meth="repeat">
-      <a:schemeClr val="lt1"/>
-    </dgm:linClrLst>
-    <dgm:effectClrLst/>
-    <dgm:txLinClrLst/>
-    <dgm:txFillClrLst/>
-    <dgm:txEffectClrLst/>
-  </dgm:styleLbl>
-  <dgm:styleLbl name="node2">
-    <dgm:fillClrLst meth="repeat">
-      <a:schemeClr val="accent1"/>
-    </dgm:fillClrLst>
-    <dgm:linClrLst meth="repeat">
-      <a:schemeClr val="lt1"/>
-    </dgm:linClrLst>
-    <dgm:effectClrLst/>
-    <dgm:txLinClrLst/>
-    <dgm:txFillClrLst/>
-    <dgm:txEffectClrLst/>
-  </dgm:styleLbl>
-  <dgm:styleLbl name="node3">
-    <dgm:fillClrLst meth="repeat">
-      <a:schemeClr val="accent1"/>
-    </dgm:fillClrLst>
-    <dgm:linClrLst meth="repeat">
-      <a:schemeClr val="lt1"/>
-    </dgm:linClrLst>
-    <dgm:effectClrLst/>
-    <dgm:txLinClrLst/>
-    <dgm:txFillClrLst/>
-    <dgm:txEffectClrLst/>
-  </dgm:styleLbl>
-  <dgm:styleLbl name="node4">
-    <dgm:fillClrLst meth="repeat">
-      <a:schemeClr val="accent1"/>
-    </dgm:fillClrLst>
-    <dgm:linClrLst meth="repeat">
-      <a:schemeClr val="lt1"/>
-    </dgm:linClrLst>
-    <dgm:effectClrLst/>
-    <dgm:txLinClrLst/>
-    <dgm:txFillClrLst/>
-    <dgm:txEffectClrLst/>
-  </dgm:styleLbl>
-  <dgm:styleLbl name="fgImgPlace1">
-    <dgm:fillClrLst meth="repeat">
-      <a:schemeClr val="accent1">
-        <a:tint val="50000"/>
-      </a:schemeClr>
-    </dgm:fillClrLst>
-    <dgm:linClrLst meth="repeat">
-      <a:schemeClr val="lt1"/>
-    </dgm:linClrLst>
-    <dgm:effectClrLst/>
-    <dgm:txLinClrLst/>
-    <dgm:txFillClrLst meth="repeat">
-      <a:schemeClr val="lt1"/>
-    </dgm:txFillClrLst>
-    <dgm:txEffectClrLst/>
-  </dgm:styleLbl>
-  <dgm:styleLbl name="alignImgPlace1">
-    <dgm:fillClrLst meth="repeat">
-      <a:schemeClr val="accent1">
-        <a:tint val="50000"/>
-      </a:schemeClr>
-    </dgm:fillClrLst>
-    <dgm:linClrLst meth="repeat">
-      <a:schemeClr val="lt1"/>
-    </dgm:linClrLst>
-    <dgm:effectClrLst/>
-    <dgm:txLinClrLst/>
-    <dgm:txFillClrLst meth="repeat">
-      <a:schemeClr val="lt1"/>
-    </dgm:txFillClrLst>
-    <dgm:txEffectClrLst/>
-  </dgm:styleLbl>
-  <dgm:styleLbl name="bgImgPlace1">
-    <dgm:fillClrLst meth="repeat">
-      <a:schemeClr val="accent1">
-        <a:tint val="50000"/>
-      </a:schemeClr>
-    </dgm:fillClrLst>
-    <dgm:linClrLst meth="repeat">
-      <a:schemeClr val="lt1"/>
-    </dgm:linClrLst>
-    <dgm:effectClrLst/>
-    <dgm:txLinClrLst/>
-    <dgm:txFillClrLst meth="repeat">
-      <a:schemeClr val="lt1"/>
-    </dgm:txFillClrLst>
-    <dgm:txEffectClrLst/>
-  </dgm:styleLbl>
-  <dgm:styleLbl name="sibTrans2D1">
-    <dgm:fillClrLst meth="repeat">
-      <a:schemeClr val="accent1">
-        <a:tint val="60000"/>
-      </a:schemeClr>
-    </dgm:fillClrLst>
-    <dgm:linClrLst meth="repeat">
-      <a:schemeClr val="accent1">
-        <a:tint val="60000"/>
-      </a:schemeClr>
-    </dgm:linClrLst>
-    <dgm:effectClrLst/>
-    <dgm:txLinClrLst/>
-    <dgm:txFillClrLst/>
-    <dgm:txEffectClrLst/>
-  </dgm:styleLbl>
-  <dgm:styleLbl name="fgSibTrans2D1">
-    <dgm:fillClrLst meth="repeat">
-      <a:schemeClr val="accent1">
-        <a:tint val="60000"/>
-      </a:schemeClr>
-    </dgm:fillClrLst>
-    <dgm:linClrLst meth="repeat">
-      <a:schemeClr val="accent1">
-        <a:tint val="60000"/>
-      </a:schemeClr>
-    </dgm:linClrLst>
-    <dgm:effectClrLst/>
-    <dgm:txLinClrLst/>
-    <dgm:txFillClrLst/>
-    <dgm:txEffectClrLst/>
-  </dgm:styleLbl>
-  <dgm:styleLbl name="bgSibTrans2D1">
-    <dgm:fillClrLst meth="repeat">
-      <a:schemeClr val="accent1">
-        <a:tint val="60000"/>
-      </a:schemeClr>
-    </dgm:fillClrLst>
-    <dgm:linClrLst meth="repeat">
-      <a:schemeClr val="accent1">
-        <a:tint val="60000"/>
-      </a:schemeClr>
-    </dgm:linClrLst>
-    <dgm:effectClrLst/>
-    <dgm:txLinClrLst/>
-    <dgm:txFillClrLst/>
-    <dgm:txEffectClrLst/>
-  </dgm:styleLbl>
-  <dgm:styleLbl name="sibTrans1D1">
-    <dgm:fillClrLst meth="repeat">
-      <a:schemeClr val="accent1"/>
-    </dgm:fillClrLst>
-    <dgm:linClrLst meth="repeat">
-      <a:schemeClr val="accent1"/>
-    </dgm:linClrLst>
-    <dgm:effectClrLst/>
-    <dgm:txLinClrLst/>
-    <dgm:txFillClrLst meth="repeat">
-      <a:schemeClr val="tx1"/>
-    </dgm:txFillClrLst>
-    <dgm:txEffectClrLst/>
-  </dgm:styleLbl>
-  <dgm:styleLbl name="callout">
-    <dgm:fillClrLst meth="repeat">
-      <a:schemeClr val="accent1"/>
-    </dgm:fillClrLst>
-    <dgm:linClrLst meth="repeat">
-      <a:schemeClr val="accent1">
-        <a:tint val="50000"/>
-      </a:schemeClr>
-    </dgm:linClrLst>
-    <dgm:effectClrLst/>
-    <dgm:txLinClrLst/>
-    <dgm:txFillClrLst meth="repeat">
-      <a:schemeClr val="tx1"/>
-    </dgm:txFillClrLst>
-    <dgm:txEffectClrLst/>
-  </dgm:styleLbl>
-  <dgm:styleLbl name="asst0">
-    <dgm:fillClrLst meth="repeat">
-      <a:schemeClr val="accent1"/>
-    </dgm:fillClrLst>
-    <dgm:linClrLst meth="repeat">
-      <a:schemeClr val="lt1"/>
-    </dgm:linClrLst>
-    <dgm:effectClrLst/>
-    <dgm:txLinClrLst/>
-    <dgm:txFillClrLst/>
-    <dgm:txEffectClrLst/>
-  </dgm:styleLbl>
-  <dgm:styleLbl name="asst1">
-    <dgm:fillClrLst meth="repeat">
-      <a:schemeClr val="accent1"/>
-    </dgm:fillClrLst>
-    <dgm:linClrLst meth="repeat">
-      <a:schemeClr val="lt1"/>
-    </dgm:linClrLst>
-    <dgm:effectClrLst/>
-    <dgm:txLinClrLst/>
-    <dgm:txFillClrLst/>
-    <dgm:txEffectClrLst/>
-  </dgm:styleLbl>
-  <dgm:styleLbl name="asst2">
-    <dgm:fillClrLst meth="repeat">
-      <a:schemeClr val="accent1"/>
-    </dgm:fillClrLst>
-    <dgm:linClrLst meth="repeat">
-      <a:schemeClr val="lt1"/>
-    </dgm:linClrLst>
-    <dgm:effectClrLst/>
-    <dgm:txLinClrLst/>
-    <dgm:txFillClrLst/>
-    <dgm:txEffectClrLst/>
-  </dgm:styleLbl>
-  <dgm:styleLbl name="asst3">
-    <dgm:fillClrLst meth="repeat">
-      <a:schemeClr val="accent1"/>
-    </dgm:fillClrLst>
-    <dgm:linClrLst meth="repeat">
-      <a:schemeClr val="lt1"/>
-    </dgm:linClrLst>
-    <dgm:effectClrLst/>
-    <dgm:txLinClrLst/>
-    <dgm:txFillClrLst/>
-    <dgm:txEffectClrLst/>
-  </dgm:styleLbl>
-  <dgm:styleLbl name="asst4">
-    <dgm:fillClrLst meth="repeat">
-      <a:schemeClr val="accent1"/>
-    </dgm:fillClrLst>
-    <dgm:linClrLst meth="repeat">
-      <a:schemeClr val="lt1"/>
-    </dgm:linClrLst>
-    <dgm:effectClrLst/>
-    <dgm:txLinClrLst/>
-    <dgm:txFillClrLst/>
-    <dgm:txEffectClrLst/>
-  </dgm:styleLbl>
-  <dgm:styleLbl name="parChTrans2D1">
-    <dgm:fillClrLst meth="repeat">
-      <a:schemeClr val="accent1">
-        <a:tint val="60000"/>
-      </a:schemeClr>
-    </dgm:fillClrLst>
-    <dgm:linClrLst meth="repeat">
-      <a:schemeClr val="accent1">
-        <a:tint val="60000"/>
-      </a:schemeClr>
-    </dgm:linClrLst>
-    <dgm:effectClrLst/>
-    <dgm:txLinClrLst/>
-    <dgm:txFillClrLst meth="repeat">
-      <a:schemeClr val="lt1"/>
-    </dgm:txFillClrLst>
-    <dgm:txEffectClrLst/>
-  </dgm:styleLbl>
-  <dgm:styleLbl name="parChTrans2D2">
-    <dgm:fillClrLst meth="repeat">
-      <a:schemeClr val="accent1"/>
-    </dgm:fillClrLst>
-    <dgm:linClrLst meth="repeat">
-      <a:schemeClr val="accent1"/>
-    </dgm:linClrLst>
-    <dgm:effectClrLst/>
-    <dgm:txLinClrLst/>
-    <dgm:txFillClrLst meth="repeat">
-      <a:schemeClr val="lt1"/>
-    </dgm:txFillClrLst>
-    <dgm:txEffectClrLst/>
-  </dgm:styleLbl>
-  <dgm:styleLbl name="parChTrans2D3">
-    <dgm:fillClrLst meth="repeat">
-      <a:schemeClr val="accent1"/>
-    </dgm:fillClrLst>
-    <dgm:linClrLst meth="repeat">
-      <a:schemeClr val="accent1"/>
-    </dgm:linClrLst>
-    <dgm:effectClrLst/>
-    <dgm:txLinClrLst/>
-    <dgm:txFillClrLst meth="repeat">
-      <a:schemeClr val="lt1"/>
-    </dgm:txFillClrLst>
-    <dgm:txEffectClrLst/>
-  </dgm:styleLbl>
-  <dgm:styleLbl name="parChTrans2D4">
-    <dgm:fillClrLst meth="repeat">
-      <a:schemeClr val="accent1"/>
-    </dgm:fillClrLst>
-    <dgm:linClrLst meth="repeat">
-      <a:schemeClr val="accent1"/>
-    </dgm:linClrLst>
-    <dgm:effectClrLst/>
-    <dgm:txLinClrLst/>
-    <dgm:txFillClrLst meth="repeat">
-      <a:schemeClr val="lt1"/>
-    </dgm:txFillClrLst>
-    <dgm:txEffectClrLst/>
-  </dgm:styleLbl>
-  <dgm:styleLbl name="parChTrans1D1">
-    <dgm:fillClrLst meth="repeat">
-      <a:schemeClr val="accent1"/>
-    </dgm:fillClrLst>
-    <dgm:linClrLst meth="repeat">
-      <a:schemeClr val="accent1">
-        <a:shade val="60000"/>
-      </a:schemeClr>
-    </dgm:linClrLst>
-    <dgm:effectClrLst/>
-    <dgm:txLinClrLst/>
-    <dgm:txFillClrLst meth="repeat">
-      <a:schemeClr val="tx1"/>
-    </dgm:txFillClrLst>
-    <dgm:txEffectClrLst/>
-  </dgm:styleLbl>
-  <dgm:styleLbl name="parChTrans1D2">
-    <dgm:fillClrLst meth="repeat">
-      <a:schemeClr val="accent1"/>
-    </dgm:fillClrLst>
-    <dgm:linClrLst meth="repeat">
-      <a:schemeClr val="accent1">
-        <a:shade val="60000"/>
-      </a:schemeClr>
-    </dgm:linClrLst>
-    <dgm:effectClrLst/>
-    <dgm:txLinClrLst/>
-    <dgm:txFillClrLst meth="repeat">
-      <a:schemeClr val="tx1"/>
-    </dgm:txFillClrLst>
-    <dgm:txEffectClrLst/>
-  </dgm:styleLbl>
-  <dgm:styleLbl name="parChTrans1D3">
-    <dgm:fillClrLst meth="repeat">
-      <a:schemeClr val="accent1"/>
-    </dgm:fillClrLst>
-    <dgm:linClrLst meth="repeat">
-      <a:schemeClr val="accent1">
-        <a:shade val="80000"/>
-      </a:schemeClr>
-    </dgm:linClrLst>
-    <dgm:effectClrLst/>
-    <dgm:txLinClrLst/>
-    <dgm:txFillClrLst meth="repeat">
-      <a:schemeClr val="tx1"/>
-    </dgm:txFillClrLst>
-    <dgm:txEffectClrLst/>
-  </dgm:styleLbl>
-  <dgm:styleLbl name="parChTrans1D4">
-    <dgm:fillClrLst meth="repeat">
-      <a:schemeClr val="accent1"/>
-    </dgm:fillClrLst>
-    <dgm:linClrLst meth="repeat">
-      <a:schemeClr val="accent1">
-        <a:shade val="80000"/>
-      </a:schemeClr>
-    </dgm:linClrLst>
-    <dgm:effectClrLst/>
-    <dgm:txLinClrLst/>
-    <dgm:txFillClrLst meth="repeat">
-      <a:schemeClr val="tx1"/>
-    </dgm:txFillClrLst>
-    <dgm:txEffectClrLst/>
-  </dgm:styleLbl>
-  <dgm:styleLbl name="fgAcc1">
-    <dgm:fillClrLst meth="repeat">
-      <a:schemeClr val="lt1">
-        <a:alpha val="90000"/>
-      </a:schemeClr>
-    </dgm:fillClrLst>
-    <dgm:linClrLst meth="repeat">
-      <a:schemeClr val="accent1"/>
-    </dgm:linClrLst>
-    <dgm:effectClrLst/>
-    <dgm:txLinClrLst/>
-    <dgm:txFillClrLst meth="repeat">
-      <a:schemeClr val="dk1"/>
-    </dgm:txFillClrLst>
-    <dgm:txEffectClrLst/>
-  </dgm:styleLbl>
-  <dgm:styleLbl name="conFgAcc1">
-    <dgm:fillClrLst meth="repeat">
-      <a:schemeClr val="lt1">
-        <a:alpha val="90000"/>
-      </a:schemeClr>
-    </dgm:fillClrLst>
-    <dgm:linClrLst meth="repeat">
-      <a:schemeClr val="accent1"/>
-    </dgm:linClrLst>
-    <dgm:effectClrLst/>
-    <dgm:txLinClrLst/>
-    <dgm:txFillClrLst meth="repeat">
-      <a:schemeClr val="dk1"/>
-    </dgm:txFillClrLst>
-    <dgm:txEffectClrLst/>
-  </dgm:styleLbl>
-  <dgm:styleLbl name="alignAcc1">
-    <dgm:fillClrLst meth="repeat">
-      <a:schemeClr val="lt1">
-        <a:alpha val="90000"/>
-      </a:schemeClr>
-    </dgm:fillClrLst>
-    <dgm:linClrLst meth="repeat">
-      <a:schemeClr val="accent1"/>
-    </dgm:linClrLst>
-    <dgm:effectClrLst/>
-    <dgm:txLinClrLst/>
-    <dgm:txFillClrLst meth="repeat">
-      <a:schemeClr val="dk1"/>
-    </dgm:txFillClrLst>
-    <dgm:txEffectClrLst/>
-  </dgm:styleLbl>
-  <dgm:styleLbl name="trAlignAcc1">
-    <dgm:fillClrLst meth="repeat">
-      <a:schemeClr val="lt1">
-        <a:alpha val="40000"/>
-      </a:schemeClr>
-    </dgm:fillClrLst>
-    <dgm:linClrLst meth="repeat">
-      <a:schemeClr val="accent1"/>
-    </dgm:linClrLst>
-    <dgm:effectClrLst/>
-    <dgm:txLinClrLst/>
-    <dgm:txFillClrLst meth="repeat">
-      <a:schemeClr val="dk1"/>
-    </dgm:txFillClrLst>
-    <dgm:txEffectClrLst/>
-  </dgm:styleLbl>
-  <dgm:styleLbl name="bgAcc1">
-    <dgm:fillClrLst meth="repeat">
-      <a:schemeClr val="lt1">
-        <a:alpha val="90000"/>
-      </a:schemeClr>
-    </dgm:fillClrLst>
-    <dgm:linClrLst meth="repeat">
-      <a:schemeClr val="accent1"/>
-    </dgm:linClrLst>
-    <dgm:effectClrLst/>
-    <dgm:txLinClrLst/>
-    <dgm:txFillClrLst meth="repeat">
-      <a:schemeClr val="dk1"/>
-    </dgm:txFillClrLst>
-    <dgm:txEffectClrLst/>
-  </dgm:styleLbl>
-  <dgm:styleLbl name="solidFgAcc1">
-    <dgm:fillClrLst meth="repeat">
-      <a:schemeClr val="lt1"/>
-    </dgm:fillClrLst>
-    <dgm:linClrLst meth="repeat">
-      <a:schemeClr val="accent1"/>
-    </dgm:linClrLst>
-    <dgm:effectClrLst/>
-    <dgm:txLinClrLst/>
-    <dgm:txFillClrLst meth="repeat">
-      <a:schemeClr val="dk1"/>
-    </dgm:txFillClrLst>
-    <dgm:txEffectClrLst/>
-  </dgm:styleLbl>
-  <dgm:styleLbl name="solidAlignAcc1">
-    <dgm:fillClrLst meth="repeat">
-      <a:schemeClr val="lt1"/>
-    </dgm:fillClrLst>
-    <dgm:linClrLst meth="repeat">
-      <a:schemeClr val="accent1"/>
-    </dgm:linClrLst>
-    <dgm:effectClrLst/>
-    <dgm:txLinClrLst/>
-    <dgm:txFillClrLst meth="repeat">
-      <a:schemeClr val="dk1"/>
-    </dgm:txFillClrLst>
-    <dgm:txEffectClrLst/>
-  </dgm:styleLbl>
-  <dgm:styleLbl name="solidBgAcc1">
-    <dgm:fillClrLst meth="repeat">
-      <a:schemeClr val="lt1"/>
-    </dgm:fillClrLst>
-    <dgm:linClrLst meth="repeat">
-      <a:schemeClr val="accent1"/>
-    </dgm:linClrLst>
-    <dgm:effectClrLst/>
-    <dgm:txLinClrLst/>
-    <dgm:txFillClrLst meth="repeat">
-      <a:schemeClr val="dk1"/>
-    </dgm:txFillClrLst>
-    <dgm:txEffectClrLst/>
-  </dgm:styleLbl>
-  <dgm:styleLbl name="fgAccFollowNode1">
-    <dgm:fillClrLst meth="repeat">
-      <a:schemeClr val="accent1">
-        <a:alpha val="90000"/>
-        <a:tint val="40000"/>
-      </a:schemeClr>
-    </dgm:fillClrLst>
-    <dgm:linClrLst meth="repeat">
-      <a:schemeClr val="accent1">
-        <a:alpha val="90000"/>
-        <a:tint val="40000"/>
-      </a:schemeClr>
-    </dgm:linClrLst>
-    <dgm:effectClrLst/>
-    <dgm:txLinClrLst/>
-    <dgm:txFillClrLst meth="repeat">
-      <a:schemeClr val="dk1"/>
-    </dgm:txFillClrLst>
-    <dgm:txEffectClrLst/>
-  </dgm:styleLbl>
-  <dgm:styleLbl name="alignAccFollowNode1">
-    <dgm:fillClrLst meth="repeat">
-      <a:schemeClr val="accent1">
-        <a:alpha val="90000"/>
-        <a:tint val="40000"/>
-      </a:schemeClr>
-    </dgm:fillClrLst>
-    <dgm:linClrLst meth="repeat">
-      <a:schemeClr val="accent1">
-        <a:alpha val="90000"/>
-        <a:tint val="40000"/>
-      </a:schemeClr>
-    </dgm:linClrLst>
-    <dgm:effectClrLst/>
-    <dgm:txLinClrLst/>
-    <dgm:txFillClrLst meth="repeat">
-      <a:schemeClr val="dk1"/>
-    </dgm:txFillClrLst>
-    <dgm:txEffectClrLst/>
-  </dgm:styleLbl>
-  <dgm:styleLbl name="bgAccFollowNode1">
-    <dgm:fillClrLst meth="repeat">
-      <a:schemeClr val="accent1">
-        <a:alpha val="90000"/>
-        <a:tint val="40000"/>
-      </a:schemeClr>
-    </dgm:fillClrLst>
-    <dgm:linClrLst meth="repeat">
-      <a:schemeClr val="accent1">
-        <a:alpha val="90000"/>
-        <a:tint val="40000"/>
-      </a:schemeClr>
-    </dgm:linClrLst>
-    <dgm:effectClrLst/>
-    <dgm:txLinClrLst/>
-    <dgm:txFillClrLst meth="repeat">
-      <a:schemeClr val="dk1"/>
-    </dgm:txFillClrLst>
-    <dgm:txEffectClrLst/>
-  </dgm:styleLbl>
-  <dgm:styleLbl name="fgAcc0">
-    <dgm:fillClrLst meth="repeat">
-      <a:schemeClr val="lt1">
-        <a:alpha val="90000"/>
-      </a:schemeClr>
-    </dgm:fillClrLst>
-    <dgm:linClrLst meth="repeat">
-      <a:schemeClr val="accent1"/>
-    </dgm:linClrLst>
-    <dgm:effectClrLst/>
-    <dgm:txLinClrLst/>
-    <dgm:txFillClrLst meth="repeat">
-      <a:schemeClr val="dk1"/>
-    </dgm:txFillClrLst>
-    <dgm:txEffectClrLst/>
-  </dgm:styleLbl>
-  <dgm:styleLbl name="fgAcc2">
-    <dgm:fillClrLst meth="repeat">
-      <a:schemeClr val="lt1">
-        <a:alpha val="90000"/>
-      </a:schemeClr>
-    </dgm:fillClrLst>
-    <dgm:linClrLst meth="repeat">
-      <a:schemeClr val="accent1"/>
-    </dgm:linClrLst>
-    <dgm:effectClrLst/>
-    <dgm:txLinClrLst/>
-    <dgm:txFillClrLst meth="repeat">
-      <a:schemeClr val="dk1"/>
-    </dgm:txFillClrLst>
-    <dgm:txEffectClrLst/>
-  </dgm:styleLbl>
-  <dgm:styleLbl name="fgAcc3">
-    <dgm:fillClrLst meth="repeat">
-      <a:schemeClr val="lt1">
-        <a:alpha val="90000"/>
-      </a:schemeClr>
-    </dgm:fillClrLst>
-    <dgm:linClrLst meth="repeat">
-      <a:schemeClr val="accent1"/>
-    </dgm:linClrLst>
-    <dgm:effectClrLst/>
-    <dgm:txLinClrLst/>
-    <dgm:txFillClrLst meth="repeat">
-      <a:schemeClr val="dk1"/>
-    </dgm:txFillClrLst>
-    <dgm:txEffectClrLst/>
-  </dgm:styleLbl>
-  <dgm:styleLbl name="fgAcc4">
-    <dgm:fillClrLst meth="repeat">
-      <a:schemeClr val="lt1">
-        <a:alpha val="90000"/>
-      </a:schemeClr>
-    </dgm:fillClrLst>
-    <dgm:linClrLst meth="repeat">
-      <a:schemeClr val="accent1"/>
-    </dgm:linClrLst>
-    <dgm:effectClrLst/>
-    <dgm:txLinClrLst/>
-    <dgm:txFillClrLst meth="repeat">
-      <a:schemeClr val="dk1"/>
-    </dgm:txFillClrLst>
-    <dgm:txEffectClrLst/>
-  </dgm:styleLbl>
-  <dgm:styleLbl name="bgShp">
-    <dgm:fillClrLst meth="repeat">
-      <a:schemeClr val="accent1">
-        <a:tint val="40000"/>
-      </a:schemeClr>
-    </dgm:fillClrLst>
-    <dgm:linClrLst meth="repeat">
-      <a:schemeClr val="accent1"/>
-    </dgm:linClrLst>
-    <dgm:effectClrLst/>
-    <dgm:txLinClrLst/>
-    <dgm:txFillClrLst meth="repeat">
-      <a:schemeClr val="dk1"/>
-    </dgm:txFillClrLst>
-    <dgm:txEffectClrLst/>
-  </dgm:styleLbl>
-  <dgm:styleLbl name="dkBgShp">
-    <dgm:fillClrLst meth="repeat">
-      <a:schemeClr val="accent1">
-        <a:shade val="80000"/>
-      </a:schemeClr>
-    </dgm:fillClrLst>
-    <dgm:linClrLst meth="repeat">
-      <a:schemeClr val="accent1"/>
-    </dgm:linClrLst>
-    <dgm:effectClrLst/>
-    <dgm:txLinClrLst/>
-    <dgm:txFillClrLst meth="repeat">
-      <a:schemeClr val="lt1"/>
-    </dgm:txFillClrLst>
-    <dgm:txEffectClrLst/>
-  </dgm:styleLbl>
-  <dgm:styleLbl name="trBgShp">
-    <dgm:fillClrLst meth="repeat">
-      <a:schemeClr val="accent1">
-        <a:tint val="50000"/>
-        <a:alpha val="40000"/>
-      </a:schemeClr>
-    </dgm:fillClrLst>
-    <dgm:linClrLst meth="repeat">
-      <a:schemeClr val="accent1"/>
-    </dgm:linClrLst>
-    <dgm:effectClrLst/>
-    <dgm:txLinClrLst/>
-    <dgm:txFillClrLst meth="repeat">
-      <a:schemeClr val="lt1"/>
-    </dgm:txFillClrLst>
-    <dgm:txEffectClrLst/>
-  </dgm:styleLbl>
-  <dgm:styleLbl name="fgShp">
-    <dgm:fillClrLst meth="repeat">
-      <a:schemeClr val="accent1">
-        <a:tint val="60000"/>
-      </a:schemeClr>
-    </dgm:fillClrLst>
-    <dgm:linClrLst meth="repeat">
-      <a:schemeClr val="lt1"/>
-    </dgm:linClrLst>
-    <dgm:effectClrLst/>
-    <dgm:txLinClrLst/>
-    <dgm:txFillClrLst meth="repeat">
-      <a:schemeClr val="dk1"/>
-    </dgm:txFillClrLst>
-    <dgm:txEffectClrLst/>
-  </dgm:styleLbl>
-  <dgm:styleLbl name="revTx">
-    <dgm:fillClrLst meth="repeat">
-      <a:schemeClr val="lt1">
-        <a:alpha val="0"/>
-      </a:schemeClr>
-    </dgm:fillClrLst>
-    <dgm:linClrLst meth="repeat">
-      <a:schemeClr val="dk1">
-        <a:alpha val="0"/>
-      </a:schemeClr>
-    </dgm:linClrLst>
-    <dgm:effectClrLst/>
-    <dgm:txLinClrLst/>
-    <dgm:txFillClrLst meth="repeat">
-      <a:schemeClr val="tx1"/>
-    </dgm:txFillClrLst>
-    <dgm:txEffectClrLst/>
-  </dgm:styleLbl>
-</dgm:colorsDef>
-</file>
-
 <file path=ppt/diagrams/data1.xml><?xml version="1.0" encoding="utf-8"?>
 <dgm:dataModel xmlns:dgm="http://schemas.openxmlformats.org/drawingml/2006/diagram" xmlns:a="http://schemas.openxmlformats.org/drawingml/2006/main">
   <dgm:ptLst>
     <dgm:pt modelId="{C9423769-D2C8-4F94-846B-7D5A16C918E2}" type="doc">
-      <dgm:prSet loTypeId="urn:microsoft.com/office/officeart/2005/8/layout/hierarchy6" loCatId="hierarchy" qsTypeId="urn:microsoft.com/office/officeart/2005/8/quickstyle/simple1" qsCatId="simple" csTypeId="urn:microsoft.com/office/officeart/2005/8/colors/accent1_2" csCatId="accent1" phldr="0"/>
+      <dgm:prSet loTypeId="urn:microsoft.com/office/officeart/2005/8/layout/hierarchy6" loCatId="hierarchy" qsTypeId="urn:microsoft.com/office/officeart/2005/8/quickstyle/simple1" qsCatId="simple" csTypeId="urn:microsoft.com/office/officeart/2005/8/colors/accent1_2" csCatId="accent1" phldr="1"/>
       <dgm:spPr/>
       <dgm:t>
         <a:bodyPr/>
@@ -4841,13 +4092,16 @@
       </dgm:t>
     </dgm:pt>
     <dgm:pt modelId="{14EE3551-C957-401B-BE55-6A86EC1BB91D}">
-      <dgm:prSet phldrT="[Text]" phldr="1"/>
+      <dgm:prSet phldrT="[Text]"/>
       <dgm:spPr/>
       <dgm:t>
         <a:bodyPr/>
         <a:lstStyle/>
         <a:p>
-          <a:endParaRPr lang="en-US"/>
+          <a:r>
+            <a:rPr lang="en-US" dirty="0"/>
+            <a:t>Data collection</a:t>
+          </a:r>
         </a:p>
       </dgm:t>
     </dgm:pt>
@@ -4874,13 +4128,16 @@
       </dgm:t>
     </dgm:pt>
     <dgm:pt modelId="{DDC24D32-E1F2-46F3-80DF-2F960C53D79A}">
-      <dgm:prSet phldrT="[Text]" phldr="1"/>
+      <dgm:prSet phldrT="[Text]"/>
       <dgm:spPr/>
       <dgm:t>
         <a:bodyPr/>
         <a:lstStyle/>
         <a:p>
-          <a:endParaRPr lang="en-US"/>
+          <a:r>
+            <a:rPr lang="en-US" dirty="0"/>
+            <a:t>Alignment</a:t>
+          </a:r>
         </a:p>
       </dgm:t>
     </dgm:pt>
@@ -4907,13 +4164,20 @@
       </dgm:t>
     </dgm:pt>
     <dgm:pt modelId="{5886B898-FE96-4569-92A7-C70ED90E8690}">
-      <dgm:prSet phldrT="[Text]" phldr="1"/>
+      <dgm:prSet phldrT="[Text]"/>
       <dgm:spPr/>
       <dgm:t>
         <a:bodyPr/>
         <a:lstStyle/>
         <a:p>
-          <a:endParaRPr lang="en-US"/>
+          <a:r>
+            <a:rPr lang="en-US" dirty="0" err="1"/>
+            <a:t>Phylo</a:t>
+          </a:r>
+          <a:r>
+            <a:rPr lang="en-US" dirty="0"/>
+            <a:t> Tree Gen</a:t>
+          </a:r>
         </a:p>
       </dgm:t>
     </dgm:pt>
@@ -7553,591 +6817,6 @@
 </dgm:dataModel>
 </file>
 
-<file path=ppt/diagrams/data6.xml><?xml version="1.0" encoding="utf-8"?>
-<dgm:dataModel xmlns:dgm="http://schemas.openxmlformats.org/drawingml/2006/diagram" xmlns:a="http://schemas.openxmlformats.org/drawingml/2006/main">
-  <dgm:ptLst>
-    <dgm:pt modelId="{C9423769-D2C8-4F94-846B-7D5A16C918E2}" type="doc">
-      <dgm:prSet loTypeId="urn:microsoft.com/office/officeart/2005/8/layout/hierarchy6" loCatId="hierarchy" qsTypeId="urn:microsoft.com/office/officeart/2005/8/quickstyle/simple1" qsCatId="simple" csTypeId="urn:microsoft.com/office/officeart/2005/8/colors/accent1_2" csCatId="accent1" phldr="0"/>
-      <dgm:spPr/>
-      <dgm:t>
-        <a:bodyPr/>
-        <a:lstStyle/>
-        <a:p>
-          <a:endParaRPr lang="en-US"/>
-        </a:p>
-      </dgm:t>
-    </dgm:pt>
-    <dgm:pt modelId="{8BD4BDAD-9251-4A3C-A964-FB3942EBF29F}">
-      <dgm:prSet phldrT="[Text]" phldr="1"/>
-      <dgm:spPr/>
-      <dgm:t>
-        <a:bodyPr/>
-        <a:lstStyle/>
-        <a:p>
-          <a:endParaRPr lang="en-US"/>
-        </a:p>
-      </dgm:t>
-    </dgm:pt>
-    <dgm:pt modelId="{ED78E4F0-8793-4ED6-8C78-C2E08BE3F2BA}" type="parTrans" cxnId="{EFF78ABE-75F6-411E-8E36-C7AE830E4D44}">
-      <dgm:prSet/>
-      <dgm:spPr/>
-      <dgm:t>
-        <a:bodyPr/>
-        <a:lstStyle/>
-        <a:p>
-          <a:endParaRPr lang="en-US"/>
-        </a:p>
-      </dgm:t>
-    </dgm:pt>
-    <dgm:pt modelId="{1157FA12-ABF6-4921-A224-938A84516575}" type="sibTrans" cxnId="{EFF78ABE-75F6-411E-8E36-C7AE830E4D44}">
-      <dgm:prSet/>
-      <dgm:spPr/>
-      <dgm:t>
-        <a:bodyPr/>
-        <a:lstStyle/>
-        <a:p>
-          <a:endParaRPr lang="en-US"/>
-        </a:p>
-      </dgm:t>
-    </dgm:pt>
-    <dgm:pt modelId="{B727F245-4F93-4119-B764-B9ADAED66400}">
-      <dgm:prSet phldrT="[Text]" phldr="1"/>
-      <dgm:spPr/>
-      <dgm:t>
-        <a:bodyPr/>
-        <a:lstStyle/>
-        <a:p>
-          <a:endParaRPr lang="en-US"/>
-        </a:p>
-      </dgm:t>
-    </dgm:pt>
-    <dgm:pt modelId="{CFD67C2E-3F59-4D51-8814-276F3C03B1CF}" type="parTrans" cxnId="{AEDD7DC0-9F43-4711-87AC-7643E618D19C}">
-      <dgm:prSet/>
-      <dgm:spPr/>
-      <dgm:t>
-        <a:bodyPr/>
-        <a:lstStyle/>
-        <a:p>
-          <a:endParaRPr lang="en-US"/>
-        </a:p>
-      </dgm:t>
-    </dgm:pt>
-    <dgm:pt modelId="{D0B6F159-445B-4E64-AC44-9F6793D8E73F}" type="sibTrans" cxnId="{AEDD7DC0-9F43-4711-87AC-7643E618D19C}">
-      <dgm:prSet/>
-      <dgm:spPr/>
-      <dgm:t>
-        <a:bodyPr/>
-        <a:lstStyle/>
-        <a:p>
-          <a:endParaRPr lang="en-US"/>
-        </a:p>
-      </dgm:t>
-    </dgm:pt>
-    <dgm:pt modelId="{362B6F71-2C4F-4317-9EC8-498FECBC478E}">
-      <dgm:prSet phldrT="[Text]" phldr="1"/>
-      <dgm:spPr/>
-      <dgm:t>
-        <a:bodyPr/>
-        <a:lstStyle/>
-        <a:p>
-          <a:endParaRPr lang="en-US"/>
-        </a:p>
-      </dgm:t>
-    </dgm:pt>
-    <dgm:pt modelId="{EBDB7462-7388-49FC-8946-19AE7418E50A}" type="parTrans" cxnId="{472B1210-5581-4B02-8AAB-4080117896E3}">
-      <dgm:prSet/>
-      <dgm:spPr/>
-      <dgm:t>
-        <a:bodyPr/>
-        <a:lstStyle/>
-        <a:p>
-          <a:endParaRPr lang="en-US"/>
-        </a:p>
-      </dgm:t>
-    </dgm:pt>
-    <dgm:pt modelId="{41A990D1-C92D-434F-9C15-CE8D25416D9E}" type="sibTrans" cxnId="{472B1210-5581-4B02-8AAB-4080117896E3}">
-      <dgm:prSet/>
-      <dgm:spPr/>
-      <dgm:t>
-        <a:bodyPr/>
-        <a:lstStyle/>
-        <a:p>
-          <a:endParaRPr lang="en-US"/>
-        </a:p>
-      </dgm:t>
-    </dgm:pt>
-    <dgm:pt modelId="{B7538200-B295-403B-B9BC-2E30AB7E660B}">
-      <dgm:prSet phldrT="[Text]" phldr="1"/>
-      <dgm:spPr/>
-      <dgm:t>
-        <a:bodyPr/>
-        <a:lstStyle/>
-        <a:p>
-          <a:endParaRPr lang="en-US"/>
-        </a:p>
-      </dgm:t>
-    </dgm:pt>
-    <dgm:pt modelId="{FB44797D-FB1B-47AF-AE6A-EB67BCFC4487}" type="parTrans" cxnId="{7F8338E8-CC9E-48CE-8831-4120F02649BA}">
-      <dgm:prSet/>
-      <dgm:spPr/>
-      <dgm:t>
-        <a:bodyPr/>
-        <a:lstStyle/>
-        <a:p>
-          <a:endParaRPr lang="en-US"/>
-        </a:p>
-      </dgm:t>
-    </dgm:pt>
-    <dgm:pt modelId="{21646F3C-5B36-4EC2-A516-13C88D840E5E}" type="sibTrans" cxnId="{7F8338E8-CC9E-48CE-8831-4120F02649BA}">
-      <dgm:prSet/>
-      <dgm:spPr/>
-      <dgm:t>
-        <a:bodyPr/>
-        <a:lstStyle/>
-        <a:p>
-          <a:endParaRPr lang="en-US"/>
-        </a:p>
-      </dgm:t>
-    </dgm:pt>
-    <dgm:pt modelId="{2BA38ACC-78CB-4052-AC7D-83344B3F76AC}">
-      <dgm:prSet phldrT="[Text]" phldr="1"/>
-      <dgm:spPr/>
-      <dgm:t>
-        <a:bodyPr/>
-        <a:lstStyle/>
-        <a:p>
-          <a:endParaRPr lang="en-US"/>
-        </a:p>
-      </dgm:t>
-    </dgm:pt>
-    <dgm:pt modelId="{D4606117-042D-4855-A66D-D4CA4005F926}" type="parTrans" cxnId="{0C866A40-BBBF-4ACE-9B49-ACE669E682FE}">
-      <dgm:prSet/>
-      <dgm:spPr/>
-      <dgm:t>
-        <a:bodyPr/>
-        <a:lstStyle/>
-        <a:p>
-          <a:endParaRPr lang="en-US"/>
-        </a:p>
-      </dgm:t>
-    </dgm:pt>
-    <dgm:pt modelId="{CA76A408-696D-4B24-A69F-45F76A30BC51}" type="sibTrans" cxnId="{0C866A40-BBBF-4ACE-9B49-ACE669E682FE}">
-      <dgm:prSet/>
-      <dgm:spPr/>
-      <dgm:t>
-        <a:bodyPr/>
-        <a:lstStyle/>
-        <a:p>
-          <a:endParaRPr lang="en-US"/>
-        </a:p>
-      </dgm:t>
-    </dgm:pt>
-    <dgm:pt modelId="{90AEFB84-1338-4240-A3EC-68F3C92149EC}">
-      <dgm:prSet phldrT="[Text]" phldr="1"/>
-      <dgm:spPr/>
-      <dgm:t>
-        <a:bodyPr/>
-        <a:lstStyle/>
-        <a:p>
-          <a:endParaRPr lang="en-US"/>
-        </a:p>
-      </dgm:t>
-    </dgm:pt>
-    <dgm:pt modelId="{DD705CB8-984B-4881-A1AB-069427C93122}" type="parTrans" cxnId="{5C2D6A6B-1854-41D7-B556-53D5A5504FB3}">
-      <dgm:prSet/>
-      <dgm:spPr/>
-      <dgm:t>
-        <a:bodyPr/>
-        <a:lstStyle/>
-        <a:p>
-          <a:endParaRPr lang="en-US"/>
-        </a:p>
-      </dgm:t>
-    </dgm:pt>
-    <dgm:pt modelId="{5E4A4361-7AC6-46D4-AF99-B3531D6816A5}" type="sibTrans" cxnId="{5C2D6A6B-1854-41D7-B556-53D5A5504FB3}">
-      <dgm:prSet/>
-      <dgm:spPr/>
-      <dgm:t>
-        <a:bodyPr/>
-        <a:lstStyle/>
-        <a:p>
-          <a:endParaRPr lang="en-US"/>
-        </a:p>
-      </dgm:t>
-    </dgm:pt>
-    <dgm:pt modelId="{14EE3551-C957-401B-BE55-6A86EC1BB91D}">
-      <dgm:prSet phldrT="[Text]" phldr="1"/>
-      <dgm:spPr/>
-      <dgm:t>
-        <a:bodyPr/>
-        <a:lstStyle/>
-        <a:p>
-          <a:endParaRPr lang="en-US"/>
-        </a:p>
-      </dgm:t>
-    </dgm:pt>
-    <dgm:pt modelId="{5FE8A452-5873-496E-8782-9717A8384B3D}" type="parTrans" cxnId="{3376FCCA-36BE-48E1-A636-FC7F1AD7E577}">
-      <dgm:prSet/>
-      <dgm:spPr/>
-      <dgm:t>
-        <a:bodyPr/>
-        <a:lstStyle/>
-        <a:p>
-          <a:endParaRPr lang="en-US"/>
-        </a:p>
-      </dgm:t>
-    </dgm:pt>
-    <dgm:pt modelId="{5C65FFE3-0C25-409A-97D3-4C866BF7EA3E}" type="sibTrans" cxnId="{3376FCCA-36BE-48E1-A636-FC7F1AD7E577}">
-      <dgm:prSet/>
-      <dgm:spPr/>
-      <dgm:t>
-        <a:bodyPr/>
-        <a:lstStyle/>
-        <a:p>
-          <a:endParaRPr lang="en-US"/>
-        </a:p>
-      </dgm:t>
-    </dgm:pt>
-    <dgm:pt modelId="{DDC24D32-E1F2-46F3-80DF-2F960C53D79A}">
-      <dgm:prSet phldrT="[Text]" phldr="1"/>
-      <dgm:spPr/>
-      <dgm:t>
-        <a:bodyPr/>
-        <a:lstStyle/>
-        <a:p>
-          <a:endParaRPr lang="en-US"/>
-        </a:p>
-      </dgm:t>
-    </dgm:pt>
-    <dgm:pt modelId="{67F65B4F-411F-4A54-B17C-3850B3FACCFF}" type="parTrans" cxnId="{84CC86D6-1625-4404-B1B0-F2A904189D1B}">
-      <dgm:prSet/>
-      <dgm:spPr/>
-      <dgm:t>
-        <a:bodyPr/>
-        <a:lstStyle/>
-        <a:p>
-          <a:endParaRPr lang="en-US"/>
-        </a:p>
-      </dgm:t>
-    </dgm:pt>
-    <dgm:pt modelId="{6EB03620-DFA9-4125-BF30-A06B825535C2}" type="sibTrans" cxnId="{84CC86D6-1625-4404-B1B0-F2A904189D1B}">
-      <dgm:prSet/>
-      <dgm:spPr/>
-      <dgm:t>
-        <a:bodyPr/>
-        <a:lstStyle/>
-        <a:p>
-          <a:endParaRPr lang="en-US"/>
-        </a:p>
-      </dgm:t>
-    </dgm:pt>
-    <dgm:pt modelId="{5886B898-FE96-4569-92A7-C70ED90E8690}">
-      <dgm:prSet phldrT="[Text]" phldr="1"/>
-      <dgm:spPr/>
-      <dgm:t>
-        <a:bodyPr/>
-        <a:lstStyle/>
-        <a:p>
-          <a:endParaRPr lang="en-US"/>
-        </a:p>
-      </dgm:t>
-    </dgm:pt>
-    <dgm:pt modelId="{BCF51EA3-9D11-4B3B-9765-562538CC1898}" type="parTrans" cxnId="{ADCB8761-0808-40BE-B733-BE4B54EE712C}">
-      <dgm:prSet/>
-      <dgm:spPr/>
-      <dgm:t>
-        <a:bodyPr/>
-        <a:lstStyle/>
-        <a:p>
-          <a:endParaRPr lang="en-US"/>
-        </a:p>
-      </dgm:t>
-    </dgm:pt>
-    <dgm:pt modelId="{90337B25-0C40-4509-8B1F-540451EBA8BC}" type="sibTrans" cxnId="{ADCB8761-0808-40BE-B733-BE4B54EE712C}">
-      <dgm:prSet/>
-      <dgm:spPr/>
-      <dgm:t>
-        <a:bodyPr/>
-        <a:lstStyle/>
-        <a:p>
-          <a:endParaRPr lang="en-US"/>
-        </a:p>
-      </dgm:t>
-    </dgm:pt>
-    <dgm:pt modelId="{E25C3278-2C7F-4DF4-954B-3BDD0C883031}" type="pres">
-      <dgm:prSet presAssocID="{C9423769-D2C8-4F94-846B-7D5A16C918E2}" presName="mainComposite" presStyleCnt="0">
-        <dgm:presLayoutVars>
-          <dgm:chPref val="1"/>
-          <dgm:dir/>
-          <dgm:animOne val="branch"/>
-          <dgm:animLvl val="lvl"/>
-          <dgm:resizeHandles val="exact"/>
-        </dgm:presLayoutVars>
-      </dgm:prSet>
-      <dgm:spPr/>
-    </dgm:pt>
-    <dgm:pt modelId="{7939B062-BDC8-483B-909B-4E2A2E729CFE}" type="pres">
-      <dgm:prSet presAssocID="{C9423769-D2C8-4F94-846B-7D5A16C918E2}" presName="hierFlow" presStyleCnt="0"/>
-      <dgm:spPr/>
-    </dgm:pt>
-    <dgm:pt modelId="{FD490BC2-F399-4417-AE01-4379DD21EB0B}" type="pres">
-      <dgm:prSet presAssocID="{C9423769-D2C8-4F94-846B-7D5A16C918E2}" presName="firstBuf" presStyleCnt="0"/>
-      <dgm:spPr/>
-    </dgm:pt>
-    <dgm:pt modelId="{CDCBC623-5754-4B61-B38C-15EDDFA5C265}" type="pres">
-      <dgm:prSet presAssocID="{C9423769-D2C8-4F94-846B-7D5A16C918E2}" presName="hierChild1" presStyleCnt="0">
-        <dgm:presLayoutVars>
-          <dgm:chPref val="1"/>
-          <dgm:animOne val="branch"/>
-          <dgm:animLvl val="lvl"/>
-        </dgm:presLayoutVars>
-      </dgm:prSet>
-      <dgm:spPr/>
-    </dgm:pt>
-    <dgm:pt modelId="{B4106418-510A-4861-925C-4927D39F0893}" type="pres">
-      <dgm:prSet presAssocID="{8BD4BDAD-9251-4A3C-A964-FB3942EBF29F}" presName="Name14" presStyleCnt="0"/>
-      <dgm:spPr/>
-    </dgm:pt>
-    <dgm:pt modelId="{DAEBC06F-7250-4148-A5DF-9E74C1131D38}" type="pres">
-      <dgm:prSet presAssocID="{8BD4BDAD-9251-4A3C-A964-FB3942EBF29F}" presName="level1Shape" presStyleLbl="node0" presStyleIdx="0" presStyleCnt="1">
-        <dgm:presLayoutVars>
-          <dgm:chPref val="3"/>
-        </dgm:presLayoutVars>
-      </dgm:prSet>
-      <dgm:spPr/>
-    </dgm:pt>
-    <dgm:pt modelId="{E78A51DE-1261-4AFF-B26A-CF8585F9FD21}" type="pres">
-      <dgm:prSet presAssocID="{8BD4BDAD-9251-4A3C-A964-FB3942EBF29F}" presName="hierChild2" presStyleCnt="0"/>
-      <dgm:spPr/>
-    </dgm:pt>
-    <dgm:pt modelId="{96C48980-A0CD-4E4A-BC68-F2194729EB0A}" type="pres">
-      <dgm:prSet presAssocID="{CFD67C2E-3F59-4D51-8814-276F3C03B1CF}" presName="Name19" presStyleLbl="parChTrans1D2" presStyleIdx="0" presStyleCnt="2"/>
-      <dgm:spPr/>
-    </dgm:pt>
-    <dgm:pt modelId="{8917AA6F-59E0-4051-9ACE-C879EB7FCE11}" type="pres">
-      <dgm:prSet presAssocID="{B727F245-4F93-4119-B764-B9ADAED66400}" presName="Name21" presStyleCnt="0"/>
-      <dgm:spPr/>
-    </dgm:pt>
-    <dgm:pt modelId="{822E8B1A-00BA-4B0F-90B8-18F0336C57F6}" type="pres">
-      <dgm:prSet presAssocID="{B727F245-4F93-4119-B764-B9ADAED66400}" presName="level2Shape" presStyleLbl="node2" presStyleIdx="0" presStyleCnt="2"/>
-      <dgm:spPr/>
-    </dgm:pt>
-    <dgm:pt modelId="{EF6348E2-F1BC-41CB-B5FA-75C1D56DB8D2}" type="pres">
-      <dgm:prSet presAssocID="{B727F245-4F93-4119-B764-B9ADAED66400}" presName="hierChild3" presStyleCnt="0"/>
-      <dgm:spPr/>
-    </dgm:pt>
-    <dgm:pt modelId="{7B6EC39C-6336-4C4E-A454-54B9AA3030FF}" type="pres">
-      <dgm:prSet presAssocID="{EBDB7462-7388-49FC-8946-19AE7418E50A}" presName="Name19" presStyleLbl="parChTrans1D3" presStyleIdx="0" presStyleCnt="3"/>
-      <dgm:spPr/>
-    </dgm:pt>
-    <dgm:pt modelId="{DE48BA69-CA8A-43E1-9569-99A9D3162810}" type="pres">
-      <dgm:prSet presAssocID="{362B6F71-2C4F-4317-9EC8-498FECBC478E}" presName="Name21" presStyleCnt="0"/>
-      <dgm:spPr/>
-    </dgm:pt>
-    <dgm:pt modelId="{091FB92E-6D71-4B69-A05E-08B79C356B9B}" type="pres">
-      <dgm:prSet presAssocID="{362B6F71-2C4F-4317-9EC8-498FECBC478E}" presName="level2Shape" presStyleLbl="node3" presStyleIdx="0" presStyleCnt="3"/>
-      <dgm:spPr/>
-    </dgm:pt>
-    <dgm:pt modelId="{9F0BF059-863C-4F7C-A63A-F1F4CA490CF0}" type="pres">
-      <dgm:prSet presAssocID="{362B6F71-2C4F-4317-9EC8-498FECBC478E}" presName="hierChild3" presStyleCnt="0"/>
-      <dgm:spPr/>
-    </dgm:pt>
-    <dgm:pt modelId="{DBED264E-3F5D-4E43-9244-2184F4AC14BB}" type="pres">
-      <dgm:prSet presAssocID="{FB44797D-FB1B-47AF-AE6A-EB67BCFC4487}" presName="Name19" presStyleLbl="parChTrans1D3" presStyleIdx="1" presStyleCnt="3"/>
-      <dgm:spPr/>
-    </dgm:pt>
-    <dgm:pt modelId="{C1F3E61E-E2E5-455A-BCFD-6A8960E20322}" type="pres">
-      <dgm:prSet presAssocID="{B7538200-B295-403B-B9BC-2E30AB7E660B}" presName="Name21" presStyleCnt="0"/>
-      <dgm:spPr/>
-    </dgm:pt>
-    <dgm:pt modelId="{DF2BD87E-22AB-440F-A7E6-ED89429BC82E}" type="pres">
-      <dgm:prSet presAssocID="{B7538200-B295-403B-B9BC-2E30AB7E660B}" presName="level2Shape" presStyleLbl="node3" presStyleIdx="1" presStyleCnt="3"/>
-      <dgm:spPr/>
-    </dgm:pt>
-    <dgm:pt modelId="{C5664702-69CD-41D8-89B1-FC42ED383485}" type="pres">
-      <dgm:prSet presAssocID="{B7538200-B295-403B-B9BC-2E30AB7E660B}" presName="hierChild3" presStyleCnt="0"/>
-      <dgm:spPr/>
-    </dgm:pt>
-    <dgm:pt modelId="{667A4CE5-1C37-4F92-B905-3AD81A3D9953}" type="pres">
-      <dgm:prSet presAssocID="{D4606117-042D-4855-A66D-D4CA4005F926}" presName="Name19" presStyleLbl="parChTrans1D2" presStyleIdx="1" presStyleCnt="2"/>
-      <dgm:spPr/>
-    </dgm:pt>
-    <dgm:pt modelId="{7F87252C-6C30-4161-BD01-B20B3DDC9887}" type="pres">
-      <dgm:prSet presAssocID="{2BA38ACC-78CB-4052-AC7D-83344B3F76AC}" presName="Name21" presStyleCnt="0"/>
-      <dgm:spPr/>
-    </dgm:pt>
-    <dgm:pt modelId="{20DD1262-3461-405D-957B-563CCED4640C}" type="pres">
-      <dgm:prSet presAssocID="{2BA38ACC-78CB-4052-AC7D-83344B3F76AC}" presName="level2Shape" presStyleLbl="node2" presStyleIdx="1" presStyleCnt="2"/>
-      <dgm:spPr/>
-    </dgm:pt>
-    <dgm:pt modelId="{6CBEA55A-41AD-4A36-BEF0-64D638F9BF16}" type="pres">
-      <dgm:prSet presAssocID="{2BA38ACC-78CB-4052-AC7D-83344B3F76AC}" presName="hierChild3" presStyleCnt="0"/>
-      <dgm:spPr/>
-    </dgm:pt>
-    <dgm:pt modelId="{6060F710-9C30-484B-BCA4-695BA2D8448A}" type="pres">
-      <dgm:prSet presAssocID="{DD705CB8-984B-4881-A1AB-069427C93122}" presName="Name19" presStyleLbl="parChTrans1D3" presStyleIdx="2" presStyleCnt="3"/>
-      <dgm:spPr/>
-    </dgm:pt>
-    <dgm:pt modelId="{2F6700AB-7930-4D7B-B148-B05114B3AC86}" type="pres">
-      <dgm:prSet presAssocID="{90AEFB84-1338-4240-A3EC-68F3C92149EC}" presName="Name21" presStyleCnt="0"/>
-      <dgm:spPr/>
-    </dgm:pt>
-    <dgm:pt modelId="{1361E14E-42E7-4127-80B2-1E72A97A6BD5}" type="pres">
-      <dgm:prSet presAssocID="{90AEFB84-1338-4240-A3EC-68F3C92149EC}" presName="level2Shape" presStyleLbl="node3" presStyleIdx="2" presStyleCnt="3"/>
-      <dgm:spPr/>
-    </dgm:pt>
-    <dgm:pt modelId="{7DF88357-E2C6-4A5B-AF28-366F3C303A7A}" type="pres">
-      <dgm:prSet presAssocID="{90AEFB84-1338-4240-A3EC-68F3C92149EC}" presName="hierChild3" presStyleCnt="0"/>
-      <dgm:spPr/>
-    </dgm:pt>
-    <dgm:pt modelId="{3EDE3D2C-4134-4B81-980B-39AA11B65F76}" type="pres">
-      <dgm:prSet presAssocID="{C9423769-D2C8-4F94-846B-7D5A16C918E2}" presName="bgShapesFlow" presStyleCnt="0"/>
-      <dgm:spPr/>
-    </dgm:pt>
-    <dgm:pt modelId="{9812C23C-142D-4DA7-8BDB-B80C152169B2}" type="pres">
-      <dgm:prSet presAssocID="{14EE3551-C957-401B-BE55-6A86EC1BB91D}" presName="rectComp" presStyleCnt="0"/>
-      <dgm:spPr/>
-    </dgm:pt>
-    <dgm:pt modelId="{81D8F765-1C2B-47E8-9104-BC25204BF581}" type="pres">
-      <dgm:prSet presAssocID="{14EE3551-C957-401B-BE55-6A86EC1BB91D}" presName="bgRect" presStyleLbl="bgShp" presStyleIdx="0" presStyleCnt="3"/>
-      <dgm:spPr/>
-    </dgm:pt>
-    <dgm:pt modelId="{74E3C15C-C478-4A6D-9FF3-524873CAFEDE}" type="pres">
-      <dgm:prSet presAssocID="{14EE3551-C957-401B-BE55-6A86EC1BB91D}" presName="bgRectTx" presStyleLbl="bgShp" presStyleIdx="0" presStyleCnt="3">
-        <dgm:presLayoutVars>
-          <dgm:bulletEnabled val="1"/>
-        </dgm:presLayoutVars>
-      </dgm:prSet>
-      <dgm:spPr/>
-    </dgm:pt>
-    <dgm:pt modelId="{55BEA8F3-DFE0-4F98-99CE-55A83BCBD8B2}" type="pres">
-      <dgm:prSet presAssocID="{14EE3551-C957-401B-BE55-6A86EC1BB91D}" presName="spComp" presStyleCnt="0"/>
-      <dgm:spPr/>
-    </dgm:pt>
-    <dgm:pt modelId="{DF825ED0-0132-4F1F-8071-8195DC9ADB0C}" type="pres">
-      <dgm:prSet presAssocID="{14EE3551-C957-401B-BE55-6A86EC1BB91D}" presName="vSp" presStyleCnt="0"/>
-      <dgm:spPr/>
-    </dgm:pt>
-    <dgm:pt modelId="{55D03013-9FF8-4249-A6BF-4565A19718FD}" type="pres">
-      <dgm:prSet presAssocID="{DDC24D32-E1F2-46F3-80DF-2F960C53D79A}" presName="rectComp" presStyleCnt="0"/>
-      <dgm:spPr/>
-    </dgm:pt>
-    <dgm:pt modelId="{A05F9B63-8F7E-4D2E-A54D-E75C443C0853}" type="pres">
-      <dgm:prSet presAssocID="{DDC24D32-E1F2-46F3-80DF-2F960C53D79A}" presName="bgRect" presStyleLbl="bgShp" presStyleIdx="1" presStyleCnt="3"/>
-      <dgm:spPr/>
-    </dgm:pt>
-    <dgm:pt modelId="{7EBFBBFE-C60D-406E-83E5-B82EB744E92B}" type="pres">
-      <dgm:prSet presAssocID="{DDC24D32-E1F2-46F3-80DF-2F960C53D79A}" presName="bgRectTx" presStyleLbl="bgShp" presStyleIdx="1" presStyleCnt="3">
-        <dgm:presLayoutVars>
-          <dgm:bulletEnabled val="1"/>
-        </dgm:presLayoutVars>
-      </dgm:prSet>
-      <dgm:spPr/>
-    </dgm:pt>
-    <dgm:pt modelId="{A16A3AE9-62B1-4C6E-B033-CAE38713C7B2}" type="pres">
-      <dgm:prSet presAssocID="{DDC24D32-E1F2-46F3-80DF-2F960C53D79A}" presName="spComp" presStyleCnt="0"/>
-      <dgm:spPr/>
-    </dgm:pt>
-    <dgm:pt modelId="{F140890D-D112-4225-98E6-D15629373752}" type="pres">
-      <dgm:prSet presAssocID="{DDC24D32-E1F2-46F3-80DF-2F960C53D79A}" presName="vSp" presStyleCnt="0"/>
-      <dgm:spPr/>
-    </dgm:pt>
-    <dgm:pt modelId="{B2FD22FA-F5A0-41A7-BA44-A42BBA8171B3}" type="pres">
-      <dgm:prSet presAssocID="{5886B898-FE96-4569-92A7-C70ED90E8690}" presName="rectComp" presStyleCnt="0"/>
-      <dgm:spPr/>
-    </dgm:pt>
-    <dgm:pt modelId="{7EB3B241-9331-4643-88DB-BC87C28C8D72}" type="pres">
-      <dgm:prSet presAssocID="{5886B898-FE96-4569-92A7-C70ED90E8690}" presName="bgRect" presStyleLbl="bgShp" presStyleIdx="2" presStyleCnt="3"/>
-      <dgm:spPr/>
-    </dgm:pt>
-    <dgm:pt modelId="{A5FC9992-5796-4EB8-B587-70F2EA027AF9}" type="pres">
-      <dgm:prSet presAssocID="{5886B898-FE96-4569-92A7-C70ED90E8690}" presName="bgRectTx" presStyleLbl="bgShp" presStyleIdx="2" presStyleCnt="3">
-        <dgm:presLayoutVars>
-          <dgm:bulletEnabled val="1"/>
-        </dgm:presLayoutVars>
-      </dgm:prSet>
-      <dgm:spPr/>
-    </dgm:pt>
-  </dgm:ptLst>
-  <dgm:cxnLst>
-    <dgm:cxn modelId="{472B1210-5581-4B02-8AAB-4080117896E3}" srcId="{B727F245-4F93-4119-B764-B9ADAED66400}" destId="{362B6F71-2C4F-4317-9EC8-498FECBC478E}" srcOrd="0" destOrd="0" parTransId="{EBDB7462-7388-49FC-8946-19AE7418E50A}" sibTransId="{41A990D1-C92D-434F-9C15-CE8D25416D9E}"/>
-    <dgm:cxn modelId="{11B38B1A-072E-4113-9F34-385B80B3C0CA}" type="presOf" srcId="{DD705CB8-984B-4881-A1AB-069427C93122}" destId="{6060F710-9C30-484B-BCA4-695BA2D8448A}" srcOrd="0" destOrd="0" presId="urn:microsoft.com/office/officeart/2005/8/layout/hierarchy6"/>
-    <dgm:cxn modelId="{3FB66122-9F4C-464F-832B-0DC0CEDEC664}" type="presOf" srcId="{FB44797D-FB1B-47AF-AE6A-EB67BCFC4487}" destId="{DBED264E-3F5D-4E43-9244-2184F4AC14BB}" srcOrd="0" destOrd="0" presId="urn:microsoft.com/office/officeart/2005/8/layout/hierarchy6"/>
-    <dgm:cxn modelId="{62445E30-BEAC-4E78-95D5-8B2501813987}" type="presOf" srcId="{B7538200-B295-403B-B9BC-2E30AB7E660B}" destId="{DF2BD87E-22AB-440F-A7E6-ED89429BC82E}" srcOrd="0" destOrd="0" presId="urn:microsoft.com/office/officeart/2005/8/layout/hierarchy6"/>
-    <dgm:cxn modelId="{0C866A40-BBBF-4ACE-9B49-ACE669E682FE}" srcId="{8BD4BDAD-9251-4A3C-A964-FB3942EBF29F}" destId="{2BA38ACC-78CB-4052-AC7D-83344B3F76AC}" srcOrd="1" destOrd="0" parTransId="{D4606117-042D-4855-A66D-D4CA4005F926}" sibTransId="{CA76A408-696D-4B24-A69F-45F76A30BC51}"/>
-    <dgm:cxn modelId="{ADCB8761-0808-40BE-B733-BE4B54EE712C}" srcId="{C9423769-D2C8-4F94-846B-7D5A16C918E2}" destId="{5886B898-FE96-4569-92A7-C70ED90E8690}" srcOrd="3" destOrd="0" parTransId="{BCF51EA3-9D11-4B3B-9765-562538CC1898}" sibTransId="{90337B25-0C40-4509-8B1F-540451EBA8BC}"/>
-    <dgm:cxn modelId="{5C2D6A6B-1854-41D7-B556-53D5A5504FB3}" srcId="{2BA38ACC-78CB-4052-AC7D-83344B3F76AC}" destId="{90AEFB84-1338-4240-A3EC-68F3C92149EC}" srcOrd="0" destOrd="0" parTransId="{DD705CB8-984B-4881-A1AB-069427C93122}" sibTransId="{5E4A4361-7AC6-46D4-AF99-B3531D6816A5}"/>
-    <dgm:cxn modelId="{78F40471-4898-4979-A5D9-A3B741F9655D}" type="presOf" srcId="{DDC24D32-E1F2-46F3-80DF-2F960C53D79A}" destId="{A05F9B63-8F7E-4D2E-A54D-E75C443C0853}" srcOrd="0" destOrd="0" presId="urn:microsoft.com/office/officeart/2005/8/layout/hierarchy6"/>
-    <dgm:cxn modelId="{D4191855-F451-4C6B-A583-BB501F4A10D6}" type="presOf" srcId="{14EE3551-C957-401B-BE55-6A86EC1BB91D}" destId="{74E3C15C-C478-4A6D-9FF3-524873CAFEDE}" srcOrd="1" destOrd="0" presId="urn:microsoft.com/office/officeart/2005/8/layout/hierarchy6"/>
-    <dgm:cxn modelId="{C8B8717C-4640-42FB-B1FE-32A6D31BCEDE}" type="presOf" srcId="{B727F245-4F93-4119-B764-B9ADAED66400}" destId="{822E8B1A-00BA-4B0F-90B8-18F0336C57F6}" srcOrd="0" destOrd="0" presId="urn:microsoft.com/office/officeart/2005/8/layout/hierarchy6"/>
-    <dgm:cxn modelId="{4E60407E-527E-4C31-A32C-5D4146D60E8F}" type="presOf" srcId="{2BA38ACC-78CB-4052-AC7D-83344B3F76AC}" destId="{20DD1262-3461-405D-957B-563CCED4640C}" srcOrd="0" destOrd="0" presId="urn:microsoft.com/office/officeart/2005/8/layout/hierarchy6"/>
-    <dgm:cxn modelId="{640E1481-51BB-473A-A4B0-C4DCB3DE932E}" type="presOf" srcId="{362B6F71-2C4F-4317-9EC8-498FECBC478E}" destId="{091FB92E-6D71-4B69-A05E-08B79C356B9B}" srcOrd="0" destOrd="0" presId="urn:microsoft.com/office/officeart/2005/8/layout/hierarchy6"/>
-    <dgm:cxn modelId="{A57B8185-98C4-4DAB-9CC8-9496B6AE03FB}" type="presOf" srcId="{5886B898-FE96-4569-92A7-C70ED90E8690}" destId="{7EB3B241-9331-4643-88DB-BC87C28C8D72}" srcOrd="0" destOrd="0" presId="urn:microsoft.com/office/officeart/2005/8/layout/hierarchy6"/>
-    <dgm:cxn modelId="{0E51708F-E48F-444E-A80E-AD659DC95D65}" type="presOf" srcId="{C9423769-D2C8-4F94-846B-7D5A16C918E2}" destId="{E25C3278-2C7F-4DF4-954B-3BDD0C883031}" srcOrd="0" destOrd="0" presId="urn:microsoft.com/office/officeart/2005/8/layout/hierarchy6"/>
-    <dgm:cxn modelId="{BBE9DF9D-1349-48ED-9BAA-DC771530C72E}" type="presOf" srcId="{D4606117-042D-4855-A66D-D4CA4005F926}" destId="{667A4CE5-1C37-4F92-B905-3AD81A3D9953}" srcOrd="0" destOrd="0" presId="urn:microsoft.com/office/officeart/2005/8/layout/hierarchy6"/>
-    <dgm:cxn modelId="{EF0D66A1-0162-47AE-9161-ABD33AE723C0}" type="presOf" srcId="{DDC24D32-E1F2-46F3-80DF-2F960C53D79A}" destId="{7EBFBBFE-C60D-406E-83E5-B82EB744E92B}" srcOrd="1" destOrd="0" presId="urn:microsoft.com/office/officeart/2005/8/layout/hierarchy6"/>
-    <dgm:cxn modelId="{94908DAA-0E6B-41D3-B070-1EDB6F1045F3}" type="presOf" srcId="{5886B898-FE96-4569-92A7-C70ED90E8690}" destId="{A5FC9992-5796-4EB8-B587-70F2EA027AF9}" srcOrd="1" destOrd="0" presId="urn:microsoft.com/office/officeart/2005/8/layout/hierarchy6"/>
-    <dgm:cxn modelId="{536684AF-4E3F-4CA8-8D45-C93F02624F6E}" type="presOf" srcId="{14EE3551-C957-401B-BE55-6A86EC1BB91D}" destId="{81D8F765-1C2B-47E8-9104-BC25204BF581}" srcOrd="0" destOrd="0" presId="urn:microsoft.com/office/officeart/2005/8/layout/hierarchy6"/>
-    <dgm:cxn modelId="{E91C4EB6-9192-4B3D-91D5-75EC00493A32}" type="presOf" srcId="{CFD67C2E-3F59-4D51-8814-276F3C03B1CF}" destId="{96C48980-A0CD-4E4A-BC68-F2194729EB0A}" srcOrd="0" destOrd="0" presId="urn:microsoft.com/office/officeart/2005/8/layout/hierarchy6"/>
-    <dgm:cxn modelId="{EFF78ABE-75F6-411E-8E36-C7AE830E4D44}" srcId="{C9423769-D2C8-4F94-846B-7D5A16C918E2}" destId="{8BD4BDAD-9251-4A3C-A964-FB3942EBF29F}" srcOrd="0" destOrd="0" parTransId="{ED78E4F0-8793-4ED6-8C78-C2E08BE3F2BA}" sibTransId="{1157FA12-ABF6-4921-A224-938A84516575}"/>
-    <dgm:cxn modelId="{AEDD7DC0-9F43-4711-87AC-7643E618D19C}" srcId="{8BD4BDAD-9251-4A3C-A964-FB3942EBF29F}" destId="{B727F245-4F93-4119-B764-B9ADAED66400}" srcOrd="0" destOrd="0" parTransId="{CFD67C2E-3F59-4D51-8814-276F3C03B1CF}" sibTransId="{D0B6F159-445B-4E64-AC44-9F6793D8E73F}"/>
-    <dgm:cxn modelId="{3376FCCA-36BE-48E1-A636-FC7F1AD7E577}" srcId="{C9423769-D2C8-4F94-846B-7D5A16C918E2}" destId="{14EE3551-C957-401B-BE55-6A86EC1BB91D}" srcOrd="1" destOrd="0" parTransId="{5FE8A452-5873-496E-8782-9717A8384B3D}" sibTransId="{5C65FFE3-0C25-409A-97D3-4C866BF7EA3E}"/>
-    <dgm:cxn modelId="{84CC86D6-1625-4404-B1B0-F2A904189D1B}" srcId="{C9423769-D2C8-4F94-846B-7D5A16C918E2}" destId="{DDC24D32-E1F2-46F3-80DF-2F960C53D79A}" srcOrd="2" destOrd="0" parTransId="{67F65B4F-411F-4A54-B17C-3850B3FACCFF}" sibTransId="{6EB03620-DFA9-4125-BF30-A06B825535C2}"/>
-    <dgm:cxn modelId="{FF02C9D7-CA25-483C-B251-0B696AC098BB}" type="presOf" srcId="{90AEFB84-1338-4240-A3EC-68F3C92149EC}" destId="{1361E14E-42E7-4127-80B2-1E72A97A6BD5}" srcOrd="0" destOrd="0" presId="urn:microsoft.com/office/officeart/2005/8/layout/hierarchy6"/>
-    <dgm:cxn modelId="{455DC9E1-80F7-474E-A73D-30D20028DE0D}" type="presOf" srcId="{8BD4BDAD-9251-4A3C-A964-FB3942EBF29F}" destId="{DAEBC06F-7250-4148-A5DF-9E74C1131D38}" srcOrd="0" destOrd="0" presId="urn:microsoft.com/office/officeart/2005/8/layout/hierarchy6"/>
-    <dgm:cxn modelId="{7F8338E8-CC9E-48CE-8831-4120F02649BA}" srcId="{B727F245-4F93-4119-B764-B9ADAED66400}" destId="{B7538200-B295-403B-B9BC-2E30AB7E660B}" srcOrd="1" destOrd="0" parTransId="{FB44797D-FB1B-47AF-AE6A-EB67BCFC4487}" sibTransId="{21646F3C-5B36-4EC2-A516-13C88D840E5E}"/>
-    <dgm:cxn modelId="{9101C0FE-3495-4991-B4DA-90C1E3A3A09E}" type="presOf" srcId="{EBDB7462-7388-49FC-8946-19AE7418E50A}" destId="{7B6EC39C-6336-4C4E-A454-54B9AA3030FF}" srcOrd="0" destOrd="0" presId="urn:microsoft.com/office/officeart/2005/8/layout/hierarchy6"/>
-    <dgm:cxn modelId="{82F5D592-66F3-49C8-B449-863DCE028881}" type="presParOf" srcId="{E25C3278-2C7F-4DF4-954B-3BDD0C883031}" destId="{7939B062-BDC8-483B-909B-4E2A2E729CFE}" srcOrd="0" destOrd="0" presId="urn:microsoft.com/office/officeart/2005/8/layout/hierarchy6"/>
-    <dgm:cxn modelId="{1E74FA72-9F50-4660-8778-74F9833FCF5B}" type="presParOf" srcId="{7939B062-BDC8-483B-909B-4E2A2E729CFE}" destId="{FD490BC2-F399-4417-AE01-4379DD21EB0B}" srcOrd="0" destOrd="0" presId="urn:microsoft.com/office/officeart/2005/8/layout/hierarchy6"/>
-    <dgm:cxn modelId="{DCA94637-5C4E-47C4-A3C0-AA22CB002FE8}" type="presParOf" srcId="{7939B062-BDC8-483B-909B-4E2A2E729CFE}" destId="{CDCBC623-5754-4B61-B38C-15EDDFA5C265}" srcOrd="1" destOrd="0" presId="urn:microsoft.com/office/officeart/2005/8/layout/hierarchy6"/>
-    <dgm:cxn modelId="{43089E3A-E60A-4BF6-8E4C-49E234DCE456}" type="presParOf" srcId="{CDCBC623-5754-4B61-B38C-15EDDFA5C265}" destId="{B4106418-510A-4861-925C-4927D39F0893}" srcOrd="0" destOrd="0" presId="urn:microsoft.com/office/officeart/2005/8/layout/hierarchy6"/>
-    <dgm:cxn modelId="{8C89053D-6935-419E-BF34-8C03C79B9B1E}" type="presParOf" srcId="{B4106418-510A-4861-925C-4927D39F0893}" destId="{DAEBC06F-7250-4148-A5DF-9E74C1131D38}" srcOrd="0" destOrd="0" presId="urn:microsoft.com/office/officeart/2005/8/layout/hierarchy6"/>
-    <dgm:cxn modelId="{1246D743-D436-4704-A5D4-956DF15E3D1B}" type="presParOf" srcId="{B4106418-510A-4861-925C-4927D39F0893}" destId="{E78A51DE-1261-4AFF-B26A-CF8585F9FD21}" srcOrd="1" destOrd="0" presId="urn:microsoft.com/office/officeart/2005/8/layout/hierarchy6"/>
-    <dgm:cxn modelId="{32B84279-E86F-48F6-9BAE-98E49DFD2644}" type="presParOf" srcId="{E78A51DE-1261-4AFF-B26A-CF8585F9FD21}" destId="{96C48980-A0CD-4E4A-BC68-F2194729EB0A}" srcOrd="0" destOrd="0" presId="urn:microsoft.com/office/officeart/2005/8/layout/hierarchy6"/>
-    <dgm:cxn modelId="{34CD74E0-19E0-47A6-AFD4-29F48E99CA42}" type="presParOf" srcId="{E78A51DE-1261-4AFF-B26A-CF8585F9FD21}" destId="{8917AA6F-59E0-4051-9ACE-C879EB7FCE11}" srcOrd="1" destOrd="0" presId="urn:microsoft.com/office/officeart/2005/8/layout/hierarchy6"/>
-    <dgm:cxn modelId="{24D3CE26-7707-4058-B723-F7689FD00349}" type="presParOf" srcId="{8917AA6F-59E0-4051-9ACE-C879EB7FCE11}" destId="{822E8B1A-00BA-4B0F-90B8-18F0336C57F6}" srcOrd="0" destOrd="0" presId="urn:microsoft.com/office/officeart/2005/8/layout/hierarchy6"/>
-    <dgm:cxn modelId="{038D3EC6-A360-4342-91CE-276D77652414}" type="presParOf" srcId="{8917AA6F-59E0-4051-9ACE-C879EB7FCE11}" destId="{EF6348E2-F1BC-41CB-B5FA-75C1D56DB8D2}" srcOrd="1" destOrd="0" presId="urn:microsoft.com/office/officeart/2005/8/layout/hierarchy6"/>
-    <dgm:cxn modelId="{E9645D0C-52CC-4EE5-9199-AE98A3DD29C0}" type="presParOf" srcId="{EF6348E2-F1BC-41CB-B5FA-75C1D56DB8D2}" destId="{7B6EC39C-6336-4C4E-A454-54B9AA3030FF}" srcOrd="0" destOrd="0" presId="urn:microsoft.com/office/officeart/2005/8/layout/hierarchy6"/>
-    <dgm:cxn modelId="{739FA663-C585-438D-96FE-CE93654B827B}" type="presParOf" srcId="{EF6348E2-F1BC-41CB-B5FA-75C1D56DB8D2}" destId="{DE48BA69-CA8A-43E1-9569-99A9D3162810}" srcOrd="1" destOrd="0" presId="urn:microsoft.com/office/officeart/2005/8/layout/hierarchy6"/>
-    <dgm:cxn modelId="{C7722D14-D33E-4A62-96CB-ED14611096EB}" type="presParOf" srcId="{DE48BA69-CA8A-43E1-9569-99A9D3162810}" destId="{091FB92E-6D71-4B69-A05E-08B79C356B9B}" srcOrd="0" destOrd="0" presId="urn:microsoft.com/office/officeart/2005/8/layout/hierarchy6"/>
-    <dgm:cxn modelId="{CC270696-4677-4F79-A89C-7EAD5B56D746}" type="presParOf" srcId="{DE48BA69-CA8A-43E1-9569-99A9D3162810}" destId="{9F0BF059-863C-4F7C-A63A-F1F4CA490CF0}" srcOrd="1" destOrd="0" presId="urn:microsoft.com/office/officeart/2005/8/layout/hierarchy6"/>
-    <dgm:cxn modelId="{40C53466-8281-414E-B634-133FF49E7A41}" type="presParOf" srcId="{EF6348E2-F1BC-41CB-B5FA-75C1D56DB8D2}" destId="{DBED264E-3F5D-4E43-9244-2184F4AC14BB}" srcOrd="2" destOrd="0" presId="urn:microsoft.com/office/officeart/2005/8/layout/hierarchy6"/>
-    <dgm:cxn modelId="{583D1C04-8063-4D97-9D0B-3512C35E0DDE}" type="presParOf" srcId="{EF6348E2-F1BC-41CB-B5FA-75C1D56DB8D2}" destId="{C1F3E61E-E2E5-455A-BCFD-6A8960E20322}" srcOrd="3" destOrd="0" presId="urn:microsoft.com/office/officeart/2005/8/layout/hierarchy6"/>
-    <dgm:cxn modelId="{BFA9BB84-99F4-48D5-B28C-841619089145}" type="presParOf" srcId="{C1F3E61E-E2E5-455A-BCFD-6A8960E20322}" destId="{DF2BD87E-22AB-440F-A7E6-ED89429BC82E}" srcOrd="0" destOrd="0" presId="urn:microsoft.com/office/officeart/2005/8/layout/hierarchy6"/>
-    <dgm:cxn modelId="{288C7A5E-1F47-48C8-833A-807A6AC8286F}" type="presParOf" srcId="{C1F3E61E-E2E5-455A-BCFD-6A8960E20322}" destId="{C5664702-69CD-41D8-89B1-FC42ED383485}" srcOrd="1" destOrd="0" presId="urn:microsoft.com/office/officeart/2005/8/layout/hierarchy6"/>
-    <dgm:cxn modelId="{F8D9A3B9-C954-4A4B-B0F8-E21E71A1E9A2}" type="presParOf" srcId="{E78A51DE-1261-4AFF-B26A-CF8585F9FD21}" destId="{667A4CE5-1C37-4F92-B905-3AD81A3D9953}" srcOrd="2" destOrd="0" presId="urn:microsoft.com/office/officeart/2005/8/layout/hierarchy6"/>
-    <dgm:cxn modelId="{5C6D4686-CBD3-4DB1-AA06-DAFE9F72927A}" type="presParOf" srcId="{E78A51DE-1261-4AFF-B26A-CF8585F9FD21}" destId="{7F87252C-6C30-4161-BD01-B20B3DDC9887}" srcOrd="3" destOrd="0" presId="urn:microsoft.com/office/officeart/2005/8/layout/hierarchy6"/>
-    <dgm:cxn modelId="{C6A1D058-5FDB-4C7D-A66D-1EC217063F97}" type="presParOf" srcId="{7F87252C-6C30-4161-BD01-B20B3DDC9887}" destId="{20DD1262-3461-405D-957B-563CCED4640C}" srcOrd="0" destOrd="0" presId="urn:microsoft.com/office/officeart/2005/8/layout/hierarchy6"/>
-    <dgm:cxn modelId="{65179EDB-EEBD-43CA-A2EE-4E76A09CBEF9}" type="presParOf" srcId="{7F87252C-6C30-4161-BD01-B20B3DDC9887}" destId="{6CBEA55A-41AD-4A36-BEF0-64D638F9BF16}" srcOrd="1" destOrd="0" presId="urn:microsoft.com/office/officeart/2005/8/layout/hierarchy6"/>
-    <dgm:cxn modelId="{58AD1D3A-07DF-4258-BCBE-BE9B686A6D63}" type="presParOf" srcId="{6CBEA55A-41AD-4A36-BEF0-64D638F9BF16}" destId="{6060F710-9C30-484B-BCA4-695BA2D8448A}" srcOrd="0" destOrd="0" presId="urn:microsoft.com/office/officeart/2005/8/layout/hierarchy6"/>
-    <dgm:cxn modelId="{3F7CB2B5-5F2C-4C4D-8E01-037495C1FCEB}" type="presParOf" srcId="{6CBEA55A-41AD-4A36-BEF0-64D638F9BF16}" destId="{2F6700AB-7930-4D7B-B148-B05114B3AC86}" srcOrd="1" destOrd="0" presId="urn:microsoft.com/office/officeart/2005/8/layout/hierarchy6"/>
-    <dgm:cxn modelId="{124DCD26-4C95-43D7-BD93-7F4F16ACA6F8}" type="presParOf" srcId="{2F6700AB-7930-4D7B-B148-B05114B3AC86}" destId="{1361E14E-42E7-4127-80B2-1E72A97A6BD5}" srcOrd="0" destOrd="0" presId="urn:microsoft.com/office/officeart/2005/8/layout/hierarchy6"/>
-    <dgm:cxn modelId="{A8C7CB14-84E9-4BF0-9A28-966AB781471D}" type="presParOf" srcId="{2F6700AB-7930-4D7B-B148-B05114B3AC86}" destId="{7DF88357-E2C6-4A5B-AF28-366F3C303A7A}" srcOrd="1" destOrd="0" presId="urn:microsoft.com/office/officeart/2005/8/layout/hierarchy6"/>
-    <dgm:cxn modelId="{63938257-EE03-4A89-8208-97FA13EFC739}" type="presParOf" srcId="{E25C3278-2C7F-4DF4-954B-3BDD0C883031}" destId="{3EDE3D2C-4134-4B81-980B-39AA11B65F76}" srcOrd="1" destOrd="0" presId="urn:microsoft.com/office/officeart/2005/8/layout/hierarchy6"/>
-    <dgm:cxn modelId="{F75FCC67-0A72-48F8-99C0-9BACF2E82846}" type="presParOf" srcId="{3EDE3D2C-4134-4B81-980B-39AA11B65F76}" destId="{9812C23C-142D-4DA7-8BDB-B80C152169B2}" srcOrd="0" destOrd="0" presId="urn:microsoft.com/office/officeart/2005/8/layout/hierarchy6"/>
-    <dgm:cxn modelId="{BD6567C2-D1C1-45B1-B633-46292BA4E66B}" type="presParOf" srcId="{9812C23C-142D-4DA7-8BDB-B80C152169B2}" destId="{81D8F765-1C2B-47E8-9104-BC25204BF581}" srcOrd="0" destOrd="0" presId="urn:microsoft.com/office/officeart/2005/8/layout/hierarchy6"/>
-    <dgm:cxn modelId="{9BB25932-8E13-4881-B786-B9BD4C9B0A9D}" type="presParOf" srcId="{9812C23C-142D-4DA7-8BDB-B80C152169B2}" destId="{74E3C15C-C478-4A6D-9FF3-524873CAFEDE}" srcOrd="1" destOrd="0" presId="urn:microsoft.com/office/officeart/2005/8/layout/hierarchy6"/>
-    <dgm:cxn modelId="{04D55B79-EE00-4ED1-BE42-9CFE944D81A4}" type="presParOf" srcId="{3EDE3D2C-4134-4B81-980B-39AA11B65F76}" destId="{55BEA8F3-DFE0-4F98-99CE-55A83BCBD8B2}" srcOrd="1" destOrd="0" presId="urn:microsoft.com/office/officeart/2005/8/layout/hierarchy6"/>
-    <dgm:cxn modelId="{EABB68E1-6100-44A7-A750-D33C93A33DD2}" type="presParOf" srcId="{55BEA8F3-DFE0-4F98-99CE-55A83BCBD8B2}" destId="{DF825ED0-0132-4F1F-8071-8195DC9ADB0C}" srcOrd="0" destOrd="0" presId="urn:microsoft.com/office/officeart/2005/8/layout/hierarchy6"/>
-    <dgm:cxn modelId="{3847A056-1DCC-41F7-9363-05E6CEADBF97}" type="presParOf" srcId="{3EDE3D2C-4134-4B81-980B-39AA11B65F76}" destId="{55D03013-9FF8-4249-A6BF-4565A19718FD}" srcOrd="2" destOrd="0" presId="urn:microsoft.com/office/officeart/2005/8/layout/hierarchy6"/>
-    <dgm:cxn modelId="{212AF351-93F9-48F7-A502-92C8B36DA502}" type="presParOf" srcId="{55D03013-9FF8-4249-A6BF-4565A19718FD}" destId="{A05F9B63-8F7E-4D2E-A54D-E75C443C0853}" srcOrd="0" destOrd="0" presId="urn:microsoft.com/office/officeart/2005/8/layout/hierarchy6"/>
-    <dgm:cxn modelId="{3F8A5569-20F4-47C5-9843-BA1F322FBFE2}" type="presParOf" srcId="{55D03013-9FF8-4249-A6BF-4565A19718FD}" destId="{7EBFBBFE-C60D-406E-83E5-B82EB744E92B}" srcOrd="1" destOrd="0" presId="urn:microsoft.com/office/officeart/2005/8/layout/hierarchy6"/>
-    <dgm:cxn modelId="{B5DC3CC0-1099-41BD-8296-C90EB8DA0A88}" type="presParOf" srcId="{3EDE3D2C-4134-4B81-980B-39AA11B65F76}" destId="{A16A3AE9-62B1-4C6E-B033-CAE38713C7B2}" srcOrd="3" destOrd="0" presId="urn:microsoft.com/office/officeart/2005/8/layout/hierarchy6"/>
-    <dgm:cxn modelId="{A85F6DAF-1301-41DF-8637-919F6ECF9BFF}" type="presParOf" srcId="{A16A3AE9-62B1-4C6E-B033-CAE38713C7B2}" destId="{F140890D-D112-4225-98E6-D15629373752}" srcOrd="0" destOrd="0" presId="urn:microsoft.com/office/officeart/2005/8/layout/hierarchy6"/>
-    <dgm:cxn modelId="{3E4844E0-A036-470E-8862-3AB1B295F123}" type="presParOf" srcId="{3EDE3D2C-4134-4B81-980B-39AA11B65F76}" destId="{B2FD22FA-F5A0-41A7-BA44-A42BBA8171B3}" srcOrd="4" destOrd="0" presId="urn:microsoft.com/office/officeart/2005/8/layout/hierarchy6"/>
-    <dgm:cxn modelId="{D626ABD6-54F0-4AF6-B650-71785A3DEF79}" type="presParOf" srcId="{B2FD22FA-F5A0-41A7-BA44-A42BBA8171B3}" destId="{7EB3B241-9331-4643-88DB-BC87C28C8D72}" srcOrd="0" destOrd="0" presId="urn:microsoft.com/office/officeart/2005/8/layout/hierarchy6"/>
-    <dgm:cxn modelId="{8147040A-CEBB-4A33-AF50-604EE2448F33}" type="presParOf" srcId="{B2FD22FA-F5A0-41A7-BA44-A42BBA8171B3}" destId="{A5FC9992-5796-4EB8-B587-70F2EA027AF9}" srcOrd="1" destOrd="0" presId="urn:microsoft.com/office/officeart/2005/8/layout/hierarchy6"/>
-  </dgm:cxnLst>
-  <dgm:bg/>
-  <dgm:whole/>
-  <dgm:extLst>
-    <a:ext uri="http://schemas.microsoft.com/office/drawing/2008/diagram">
-      <dsp:dataModelExt xmlns:dsp="http://schemas.microsoft.com/office/drawing/2008/diagram" relId="rId6" minVer="http://schemas.openxmlformats.org/drawingml/2006/diagram"/>
-    </a:ext>
-  </dgm:extLst>
-</dgm:dataModel>
-</file>
-
 <file path=ppt/diagrams/drawing1.xml><?xml version="1.0" encoding="utf-8"?>
 <dsp:drawing xmlns:dgm="http://schemas.openxmlformats.org/drawingml/2006/diagram" xmlns:dsp="http://schemas.microsoft.com/office/drawing/2008/diagram" xmlns:a="http://schemas.openxmlformats.org/drawingml/2006/main">
   <dsp:spTree>
@@ -8188,12 +6867,12 @@
         <a:fontRef idx="minor"/>
       </dsp:style>
       <dsp:txBody>
-        <a:bodyPr spcFirstLastPara="0" vert="horz" wrap="square" lIns="227584" tIns="227584" rIns="227584" bIns="227584" numCol="1" spcCol="1270" anchor="ctr" anchorCtr="0">
+        <a:bodyPr spcFirstLastPara="0" vert="horz" wrap="square" lIns="149352" tIns="149352" rIns="149352" bIns="149352" numCol="1" spcCol="1270" anchor="ctr" anchorCtr="0">
           <a:noAutofit/>
         </a:bodyPr>
         <a:lstStyle/>
         <a:p>
-          <a:pPr marL="0" lvl="0" indent="0" algn="ctr" defTabSz="1422400">
+          <a:pPr marL="0" lvl="0" indent="0" algn="ctr" defTabSz="933450">
             <a:lnSpc>
               <a:spcPct val="90000"/>
             </a:lnSpc>
@@ -8205,7 +6884,14 @@
             </a:spcAft>
             <a:buNone/>
           </a:pPr>
-          <a:endParaRPr lang="en-US" sz="3200" kern="1200"/>
+          <a:r>
+            <a:rPr lang="en-US" sz="2100" kern="1200" dirty="0" err="1"/>
+            <a:t>Phylo</a:t>
+          </a:r>
+          <a:r>
+            <a:rPr lang="en-US" sz="2100" kern="1200" dirty="0"/>
+            <a:t> Tree Gen</a:t>
+          </a:r>
         </a:p>
       </dsp:txBody>
       <dsp:txXfrm>
@@ -8255,12 +6941,12 @@
         <a:fontRef idx="minor"/>
       </dsp:style>
       <dsp:txBody>
-        <a:bodyPr spcFirstLastPara="0" vert="horz" wrap="square" lIns="227584" tIns="227584" rIns="227584" bIns="227584" numCol="1" spcCol="1270" anchor="ctr" anchorCtr="0">
+        <a:bodyPr spcFirstLastPara="0" vert="horz" wrap="square" lIns="149352" tIns="149352" rIns="149352" bIns="149352" numCol="1" spcCol="1270" anchor="ctr" anchorCtr="0">
           <a:noAutofit/>
         </a:bodyPr>
         <a:lstStyle/>
         <a:p>
-          <a:pPr marL="0" lvl="0" indent="0" algn="ctr" defTabSz="1422400">
+          <a:pPr marL="0" lvl="0" indent="0" algn="ctr" defTabSz="933450">
             <a:lnSpc>
               <a:spcPct val="90000"/>
             </a:lnSpc>
@@ -8272,7 +6958,10 @@
             </a:spcAft>
             <a:buNone/>
           </a:pPr>
-          <a:endParaRPr lang="en-US" sz="3200" kern="1200"/>
+          <a:r>
+            <a:rPr lang="en-US" sz="2100" kern="1200" dirty="0"/>
+            <a:t>Alignment</a:t>
+          </a:r>
         </a:p>
       </dsp:txBody>
       <dsp:txXfrm>
@@ -8322,12 +7011,12 @@
         <a:fontRef idx="minor"/>
       </dsp:style>
       <dsp:txBody>
-        <a:bodyPr spcFirstLastPara="0" vert="horz" wrap="square" lIns="227584" tIns="227584" rIns="227584" bIns="227584" numCol="1" spcCol="1270" anchor="ctr" anchorCtr="0">
+        <a:bodyPr spcFirstLastPara="0" vert="horz" wrap="square" lIns="149352" tIns="149352" rIns="149352" bIns="149352" numCol="1" spcCol="1270" anchor="ctr" anchorCtr="0">
           <a:noAutofit/>
         </a:bodyPr>
         <a:lstStyle/>
         <a:p>
-          <a:pPr marL="0" lvl="0" indent="0" algn="ctr" defTabSz="1422400">
+          <a:pPr marL="0" lvl="0" indent="0" algn="ctr" defTabSz="933450">
             <a:lnSpc>
               <a:spcPct val="90000"/>
             </a:lnSpc>
@@ -8339,7 +7028,10 @@
             </a:spcAft>
             <a:buNone/>
           </a:pPr>
-          <a:endParaRPr lang="en-US" sz="3200" kern="1200"/>
+          <a:r>
+            <a:rPr lang="en-US" sz="2100" kern="1200" dirty="0"/>
+            <a:t>Data collection</a:t>
+          </a:r>
         </a:p>
       </dsp:txBody>
       <dsp:txXfrm>
@@ -13033,985 +11725,6 @@
 </dsp:drawing>
 </file>
 
-<file path=ppt/diagrams/drawing6.xml><?xml version="1.0" encoding="utf-8"?>
-<dsp:drawing xmlns:dgm="http://schemas.openxmlformats.org/drawingml/2006/diagram" xmlns:dsp="http://schemas.microsoft.com/office/drawing/2008/diagram" xmlns:a="http://schemas.openxmlformats.org/drawingml/2006/main">
-  <dsp:spTree>
-    <dsp:nvGrpSpPr>
-      <dsp:cNvPr id="0" name=""/>
-      <dsp:cNvGrpSpPr/>
-    </dsp:nvGrpSpPr>
-    <dsp:grpSpPr/>
-    <dsp:sp modelId="{7EB3B241-9331-4643-88DB-BC87C28C8D72}">
-      <dsp:nvSpPr>
-        <dsp:cNvPr id="0" name=""/>
-        <dsp:cNvSpPr/>
-      </dsp:nvSpPr>
-      <dsp:spPr>
-        <a:xfrm>
-          <a:off x="0" y="2645568"/>
-          <a:ext cx="6096000" cy="920353"/>
-        </a:xfrm>
-        <a:prstGeom prst="roundRect">
-          <a:avLst>
-            <a:gd name="adj" fmla="val 10000"/>
-          </a:avLst>
-        </a:prstGeom>
-        <a:solidFill>
-          <a:schemeClr val="accent1">
-            <a:tint val="40000"/>
-            <a:hueOff val="0"/>
-            <a:satOff val="0"/>
-            <a:lumOff val="0"/>
-            <a:alphaOff val="0"/>
-          </a:schemeClr>
-        </a:solidFill>
-        <a:ln>
-          <a:noFill/>
-        </a:ln>
-        <a:effectLst/>
-      </dsp:spPr>
-      <dsp:style>
-        <a:lnRef idx="0">
-          <a:scrgbClr r="0" g="0" b="0"/>
-        </a:lnRef>
-        <a:fillRef idx="1">
-          <a:scrgbClr r="0" g="0" b="0"/>
-        </a:fillRef>
-        <a:effectRef idx="0">
-          <a:scrgbClr r="0" g="0" b="0"/>
-        </a:effectRef>
-        <a:fontRef idx="minor"/>
-      </dsp:style>
-      <dsp:txBody>
-        <a:bodyPr spcFirstLastPara="0" vert="horz" wrap="square" lIns="227584" tIns="227584" rIns="227584" bIns="227584" numCol="1" spcCol="1270" anchor="ctr" anchorCtr="0">
-          <a:noAutofit/>
-        </a:bodyPr>
-        <a:lstStyle/>
-        <a:p>
-          <a:pPr marL="0" lvl="0" indent="0" algn="ctr" defTabSz="1422400">
-            <a:lnSpc>
-              <a:spcPct val="90000"/>
-            </a:lnSpc>
-            <a:spcBef>
-              <a:spcPct val="0"/>
-            </a:spcBef>
-            <a:spcAft>
-              <a:spcPct val="35000"/>
-            </a:spcAft>
-            <a:buNone/>
-          </a:pPr>
-          <a:endParaRPr lang="en-US" sz="3200" kern="1200"/>
-        </a:p>
-      </dsp:txBody>
-      <dsp:txXfrm>
-        <a:off x="0" y="2645568"/>
-        <a:ext cx="1828800" cy="920353"/>
-      </dsp:txXfrm>
-    </dsp:sp>
-    <dsp:sp modelId="{A05F9B63-8F7E-4D2E-A54D-E75C443C0853}">
-      <dsp:nvSpPr>
-        <dsp:cNvPr id="0" name=""/>
-        <dsp:cNvSpPr/>
-      </dsp:nvSpPr>
-      <dsp:spPr>
-        <a:xfrm>
-          <a:off x="0" y="1571823"/>
-          <a:ext cx="6096000" cy="920353"/>
-        </a:xfrm>
-        <a:prstGeom prst="roundRect">
-          <a:avLst>
-            <a:gd name="adj" fmla="val 10000"/>
-          </a:avLst>
-        </a:prstGeom>
-        <a:solidFill>
-          <a:schemeClr val="accent1">
-            <a:tint val="40000"/>
-            <a:hueOff val="0"/>
-            <a:satOff val="0"/>
-            <a:lumOff val="0"/>
-            <a:alphaOff val="0"/>
-          </a:schemeClr>
-        </a:solidFill>
-        <a:ln>
-          <a:noFill/>
-        </a:ln>
-        <a:effectLst/>
-      </dsp:spPr>
-      <dsp:style>
-        <a:lnRef idx="0">
-          <a:scrgbClr r="0" g="0" b="0"/>
-        </a:lnRef>
-        <a:fillRef idx="1">
-          <a:scrgbClr r="0" g="0" b="0"/>
-        </a:fillRef>
-        <a:effectRef idx="0">
-          <a:scrgbClr r="0" g="0" b="0"/>
-        </a:effectRef>
-        <a:fontRef idx="minor"/>
-      </dsp:style>
-      <dsp:txBody>
-        <a:bodyPr spcFirstLastPara="0" vert="horz" wrap="square" lIns="227584" tIns="227584" rIns="227584" bIns="227584" numCol="1" spcCol="1270" anchor="ctr" anchorCtr="0">
-          <a:noAutofit/>
-        </a:bodyPr>
-        <a:lstStyle/>
-        <a:p>
-          <a:pPr marL="0" lvl="0" indent="0" algn="ctr" defTabSz="1422400">
-            <a:lnSpc>
-              <a:spcPct val="90000"/>
-            </a:lnSpc>
-            <a:spcBef>
-              <a:spcPct val="0"/>
-            </a:spcBef>
-            <a:spcAft>
-              <a:spcPct val="35000"/>
-            </a:spcAft>
-            <a:buNone/>
-          </a:pPr>
-          <a:endParaRPr lang="en-US" sz="3200" kern="1200"/>
-        </a:p>
-      </dsp:txBody>
-      <dsp:txXfrm>
-        <a:off x="0" y="1571823"/>
-        <a:ext cx="1828800" cy="920353"/>
-      </dsp:txXfrm>
-    </dsp:sp>
-    <dsp:sp modelId="{81D8F765-1C2B-47E8-9104-BC25204BF581}">
-      <dsp:nvSpPr>
-        <dsp:cNvPr id="0" name=""/>
-        <dsp:cNvSpPr/>
-      </dsp:nvSpPr>
-      <dsp:spPr>
-        <a:xfrm>
-          <a:off x="0" y="498078"/>
-          <a:ext cx="6096000" cy="920353"/>
-        </a:xfrm>
-        <a:prstGeom prst="roundRect">
-          <a:avLst>
-            <a:gd name="adj" fmla="val 10000"/>
-          </a:avLst>
-        </a:prstGeom>
-        <a:solidFill>
-          <a:schemeClr val="accent1">
-            <a:tint val="40000"/>
-            <a:hueOff val="0"/>
-            <a:satOff val="0"/>
-            <a:lumOff val="0"/>
-            <a:alphaOff val="0"/>
-          </a:schemeClr>
-        </a:solidFill>
-        <a:ln>
-          <a:noFill/>
-        </a:ln>
-        <a:effectLst/>
-      </dsp:spPr>
-      <dsp:style>
-        <a:lnRef idx="0">
-          <a:scrgbClr r="0" g="0" b="0"/>
-        </a:lnRef>
-        <a:fillRef idx="1">
-          <a:scrgbClr r="0" g="0" b="0"/>
-        </a:fillRef>
-        <a:effectRef idx="0">
-          <a:scrgbClr r="0" g="0" b="0"/>
-        </a:effectRef>
-        <a:fontRef idx="minor"/>
-      </dsp:style>
-      <dsp:txBody>
-        <a:bodyPr spcFirstLastPara="0" vert="horz" wrap="square" lIns="227584" tIns="227584" rIns="227584" bIns="227584" numCol="1" spcCol="1270" anchor="ctr" anchorCtr="0">
-          <a:noAutofit/>
-        </a:bodyPr>
-        <a:lstStyle/>
-        <a:p>
-          <a:pPr marL="0" lvl="0" indent="0" algn="ctr" defTabSz="1422400">
-            <a:lnSpc>
-              <a:spcPct val="90000"/>
-            </a:lnSpc>
-            <a:spcBef>
-              <a:spcPct val="0"/>
-            </a:spcBef>
-            <a:spcAft>
-              <a:spcPct val="35000"/>
-            </a:spcAft>
-            <a:buNone/>
-          </a:pPr>
-          <a:endParaRPr lang="en-US" sz="3200" kern="1200"/>
-        </a:p>
-      </dsp:txBody>
-      <dsp:txXfrm>
-        <a:off x="0" y="498078"/>
-        <a:ext cx="1828800" cy="920353"/>
-      </dsp:txXfrm>
-    </dsp:sp>
-    <dsp:sp modelId="{DAEBC06F-7250-4148-A5DF-9E74C1131D38}">
-      <dsp:nvSpPr>
-        <dsp:cNvPr id="0" name=""/>
-        <dsp:cNvSpPr/>
-      </dsp:nvSpPr>
-      <dsp:spPr>
-        <a:xfrm>
-          <a:off x="3700112" y="574774"/>
-          <a:ext cx="1150441" cy="766960"/>
-        </a:xfrm>
-        <a:prstGeom prst="roundRect">
-          <a:avLst>
-            <a:gd name="adj" fmla="val 10000"/>
-          </a:avLst>
-        </a:prstGeom>
-        <a:solidFill>
-          <a:schemeClr val="accent1">
-            <a:hueOff val="0"/>
-            <a:satOff val="0"/>
-            <a:lumOff val="0"/>
-            <a:alphaOff val="0"/>
-          </a:schemeClr>
-        </a:solidFill>
-        <a:ln w="12700" cap="flat" cmpd="sng" algn="ctr">
-          <a:solidFill>
-            <a:schemeClr val="lt1">
-              <a:hueOff val="0"/>
-              <a:satOff val="0"/>
-              <a:lumOff val="0"/>
-              <a:alphaOff val="0"/>
-            </a:schemeClr>
-          </a:solidFill>
-          <a:prstDash val="solid"/>
-          <a:miter lim="800000"/>
-        </a:ln>
-        <a:effectLst/>
-      </dsp:spPr>
-      <dsp:style>
-        <a:lnRef idx="2">
-          <a:scrgbClr r="0" g="0" b="0"/>
-        </a:lnRef>
-        <a:fillRef idx="1">
-          <a:scrgbClr r="0" g="0" b="0"/>
-        </a:fillRef>
-        <a:effectRef idx="0">
-          <a:scrgbClr r="0" g="0" b="0"/>
-        </a:effectRef>
-        <a:fontRef idx="minor">
-          <a:schemeClr val="lt1"/>
-        </a:fontRef>
-      </dsp:style>
-      <dsp:txBody>
-        <a:bodyPr spcFirstLastPara="0" vert="horz" wrap="square" lIns="114300" tIns="114300" rIns="114300" bIns="114300" numCol="1" spcCol="1270" anchor="ctr" anchorCtr="0">
-          <a:noAutofit/>
-        </a:bodyPr>
-        <a:lstStyle/>
-        <a:p>
-          <a:pPr marL="0" lvl="0" indent="0" algn="ctr" defTabSz="1333500">
-            <a:lnSpc>
-              <a:spcPct val="90000"/>
-            </a:lnSpc>
-            <a:spcBef>
-              <a:spcPct val="0"/>
-            </a:spcBef>
-            <a:spcAft>
-              <a:spcPct val="35000"/>
-            </a:spcAft>
-            <a:buNone/>
-          </a:pPr>
-          <a:endParaRPr lang="en-US" sz="3000" kern="1200"/>
-        </a:p>
-      </dsp:txBody>
-      <dsp:txXfrm>
-        <a:off x="3722575" y="597237"/>
-        <a:ext cx="1105515" cy="722034"/>
-      </dsp:txXfrm>
-    </dsp:sp>
-    <dsp:sp modelId="{96C48980-A0CD-4E4A-BC68-F2194729EB0A}">
-      <dsp:nvSpPr>
-        <dsp:cNvPr id="0" name=""/>
-        <dsp:cNvSpPr/>
-      </dsp:nvSpPr>
-      <dsp:spPr>
-        <a:xfrm>
-          <a:off x="3153653" y="1341735"/>
-          <a:ext cx="1121680" cy="306784"/>
-        </a:xfrm>
-        <a:custGeom>
-          <a:avLst/>
-          <a:gdLst/>
-          <a:ahLst/>
-          <a:cxnLst/>
-          <a:rect l="0" t="0" r="0" b="0"/>
-          <a:pathLst>
-            <a:path>
-              <a:moveTo>
-                <a:pt x="1121680" y="0"/>
-              </a:moveTo>
-              <a:lnTo>
-                <a:pt x="1121680" y="153392"/>
-              </a:lnTo>
-              <a:lnTo>
-                <a:pt x="0" y="153392"/>
-              </a:lnTo>
-              <a:lnTo>
-                <a:pt x="0" y="306784"/>
-              </a:lnTo>
-            </a:path>
-          </a:pathLst>
-        </a:custGeom>
-        <a:noFill/>
-        <a:ln w="12700" cap="flat" cmpd="sng" algn="ctr">
-          <a:solidFill>
-            <a:schemeClr val="accent1">
-              <a:shade val="60000"/>
-              <a:hueOff val="0"/>
-              <a:satOff val="0"/>
-              <a:lumOff val="0"/>
-              <a:alphaOff val="0"/>
-            </a:schemeClr>
-          </a:solidFill>
-          <a:prstDash val="solid"/>
-          <a:miter lim="800000"/>
-        </a:ln>
-        <a:effectLst/>
-      </dsp:spPr>
-      <dsp:style>
-        <a:lnRef idx="2">
-          <a:scrgbClr r="0" g="0" b="0"/>
-        </a:lnRef>
-        <a:fillRef idx="0">
-          <a:scrgbClr r="0" g="0" b="0"/>
-        </a:fillRef>
-        <a:effectRef idx="0">
-          <a:scrgbClr r="0" g="0" b="0"/>
-        </a:effectRef>
-        <a:fontRef idx="minor"/>
-      </dsp:style>
-    </dsp:sp>
-    <dsp:sp modelId="{822E8B1A-00BA-4B0F-90B8-18F0336C57F6}">
-      <dsp:nvSpPr>
-        <dsp:cNvPr id="0" name=""/>
-        <dsp:cNvSpPr/>
-      </dsp:nvSpPr>
-      <dsp:spPr>
-        <a:xfrm>
-          <a:off x="2578432" y="1648519"/>
-          <a:ext cx="1150441" cy="766960"/>
-        </a:xfrm>
-        <a:prstGeom prst="roundRect">
-          <a:avLst>
-            <a:gd name="adj" fmla="val 10000"/>
-          </a:avLst>
-        </a:prstGeom>
-        <a:solidFill>
-          <a:schemeClr val="accent1">
-            <a:hueOff val="0"/>
-            <a:satOff val="0"/>
-            <a:lumOff val="0"/>
-            <a:alphaOff val="0"/>
-          </a:schemeClr>
-        </a:solidFill>
-        <a:ln w="12700" cap="flat" cmpd="sng" algn="ctr">
-          <a:solidFill>
-            <a:schemeClr val="lt1">
-              <a:hueOff val="0"/>
-              <a:satOff val="0"/>
-              <a:lumOff val="0"/>
-              <a:alphaOff val="0"/>
-            </a:schemeClr>
-          </a:solidFill>
-          <a:prstDash val="solid"/>
-          <a:miter lim="800000"/>
-        </a:ln>
-        <a:effectLst/>
-      </dsp:spPr>
-      <dsp:style>
-        <a:lnRef idx="2">
-          <a:scrgbClr r="0" g="0" b="0"/>
-        </a:lnRef>
-        <a:fillRef idx="1">
-          <a:scrgbClr r="0" g="0" b="0"/>
-        </a:fillRef>
-        <a:effectRef idx="0">
-          <a:scrgbClr r="0" g="0" b="0"/>
-        </a:effectRef>
-        <a:fontRef idx="minor">
-          <a:schemeClr val="lt1"/>
-        </a:fontRef>
-      </dsp:style>
-      <dsp:txBody>
-        <a:bodyPr spcFirstLastPara="0" vert="horz" wrap="square" lIns="114300" tIns="114300" rIns="114300" bIns="114300" numCol="1" spcCol="1270" anchor="ctr" anchorCtr="0">
-          <a:noAutofit/>
-        </a:bodyPr>
-        <a:lstStyle/>
-        <a:p>
-          <a:pPr marL="0" lvl="0" indent="0" algn="ctr" defTabSz="1333500">
-            <a:lnSpc>
-              <a:spcPct val="90000"/>
-            </a:lnSpc>
-            <a:spcBef>
-              <a:spcPct val="0"/>
-            </a:spcBef>
-            <a:spcAft>
-              <a:spcPct val="35000"/>
-            </a:spcAft>
-            <a:buNone/>
-          </a:pPr>
-          <a:endParaRPr lang="en-US" sz="3000" kern="1200"/>
-        </a:p>
-      </dsp:txBody>
-      <dsp:txXfrm>
-        <a:off x="2600895" y="1670982"/>
-        <a:ext cx="1105515" cy="722034"/>
-      </dsp:txXfrm>
-    </dsp:sp>
-    <dsp:sp modelId="{7B6EC39C-6336-4C4E-A454-54B9AA3030FF}">
-      <dsp:nvSpPr>
-        <dsp:cNvPr id="0" name=""/>
-        <dsp:cNvSpPr/>
-      </dsp:nvSpPr>
-      <dsp:spPr>
-        <a:xfrm>
-          <a:off x="2405866" y="2415480"/>
-          <a:ext cx="747786" cy="306784"/>
-        </a:xfrm>
-        <a:custGeom>
-          <a:avLst/>
-          <a:gdLst/>
-          <a:ahLst/>
-          <a:cxnLst/>
-          <a:rect l="0" t="0" r="0" b="0"/>
-          <a:pathLst>
-            <a:path>
-              <a:moveTo>
-                <a:pt x="747786" y="0"/>
-              </a:moveTo>
-              <a:lnTo>
-                <a:pt x="747786" y="153392"/>
-              </a:lnTo>
-              <a:lnTo>
-                <a:pt x="0" y="153392"/>
-              </a:lnTo>
-              <a:lnTo>
-                <a:pt x="0" y="306784"/>
-              </a:lnTo>
-            </a:path>
-          </a:pathLst>
-        </a:custGeom>
-        <a:noFill/>
-        <a:ln w="12700" cap="flat" cmpd="sng" algn="ctr">
-          <a:solidFill>
-            <a:schemeClr val="accent1">
-              <a:shade val="80000"/>
-              <a:hueOff val="0"/>
-              <a:satOff val="0"/>
-              <a:lumOff val="0"/>
-              <a:alphaOff val="0"/>
-            </a:schemeClr>
-          </a:solidFill>
-          <a:prstDash val="solid"/>
-          <a:miter lim="800000"/>
-        </a:ln>
-        <a:effectLst/>
-      </dsp:spPr>
-      <dsp:style>
-        <a:lnRef idx="2">
-          <a:scrgbClr r="0" g="0" b="0"/>
-        </a:lnRef>
-        <a:fillRef idx="0">
-          <a:scrgbClr r="0" g="0" b="0"/>
-        </a:fillRef>
-        <a:effectRef idx="0">
-          <a:scrgbClr r="0" g="0" b="0"/>
-        </a:effectRef>
-        <a:fontRef idx="minor"/>
-      </dsp:style>
-    </dsp:sp>
-    <dsp:sp modelId="{091FB92E-6D71-4B69-A05E-08B79C356B9B}">
-      <dsp:nvSpPr>
-        <dsp:cNvPr id="0" name=""/>
-        <dsp:cNvSpPr/>
-      </dsp:nvSpPr>
-      <dsp:spPr>
-        <a:xfrm>
-          <a:off x="1830645" y="2722264"/>
-          <a:ext cx="1150441" cy="766960"/>
-        </a:xfrm>
-        <a:prstGeom prst="roundRect">
-          <a:avLst>
-            <a:gd name="adj" fmla="val 10000"/>
-          </a:avLst>
-        </a:prstGeom>
-        <a:solidFill>
-          <a:schemeClr val="accent1">
-            <a:hueOff val="0"/>
-            <a:satOff val="0"/>
-            <a:lumOff val="0"/>
-            <a:alphaOff val="0"/>
-          </a:schemeClr>
-        </a:solidFill>
-        <a:ln w="12700" cap="flat" cmpd="sng" algn="ctr">
-          <a:solidFill>
-            <a:schemeClr val="lt1">
-              <a:hueOff val="0"/>
-              <a:satOff val="0"/>
-              <a:lumOff val="0"/>
-              <a:alphaOff val="0"/>
-            </a:schemeClr>
-          </a:solidFill>
-          <a:prstDash val="solid"/>
-          <a:miter lim="800000"/>
-        </a:ln>
-        <a:effectLst/>
-      </dsp:spPr>
-      <dsp:style>
-        <a:lnRef idx="2">
-          <a:scrgbClr r="0" g="0" b="0"/>
-        </a:lnRef>
-        <a:fillRef idx="1">
-          <a:scrgbClr r="0" g="0" b="0"/>
-        </a:fillRef>
-        <a:effectRef idx="0">
-          <a:scrgbClr r="0" g="0" b="0"/>
-        </a:effectRef>
-        <a:fontRef idx="minor">
-          <a:schemeClr val="lt1"/>
-        </a:fontRef>
-      </dsp:style>
-      <dsp:txBody>
-        <a:bodyPr spcFirstLastPara="0" vert="horz" wrap="square" lIns="114300" tIns="114300" rIns="114300" bIns="114300" numCol="1" spcCol="1270" anchor="ctr" anchorCtr="0">
-          <a:noAutofit/>
-        </a:bodyPr>
-        <a:lstStyle/>
-        <a:p>
-          <a:pPr marL="0" lvl="0" indent="0" algn="ctr" defTabSz="1333500">
-            <a:lnSpc>
-              <a:spcPct val="90000"/>
-            </a:lnSpc>
-            <a:spcBef>
-              <a:spcPct val="0"/>
-            </a:spcBef>
-            <a:spcAft>
-              <a:spcPct val="35000"/>
-            </a:spcAft>
-            <a:buNone/>
-          </a:pPr>
-          <a:endParaRPr lang="en-US" sz="3000" kern="1200"/>
-        </a:p>
-      </dsp:txBody>
-      <dsp:txXfrm>
-        <a:off x="1853108" y="2744727"/>
-        <a:ext cx="1105515" cy="722034"/>
-      </dsp:txXfrm>
-    </dsp:sp>
-    <dsp:sp modelId="{DBED264E-3F5D-4E43-9244-2184F4AC14BB}">
-      <dsp:nvSpPr>
-        <dsp:cNvPr id="0" name=""/>
-        <dsp:cNvSpPr/>
-      </dsp:nvSpPr>
-      <dsp:spPr>
-        <a:xfrm>
-          <a:off x="3153653" y="2415480"/>
-          <a:ext cx="747786" cy="306784"/>
-        </a:xfrm>
-        <a:custGeom>
-          <a:avLst/>
-          <a:gdLst/>
-          <a:ahLst/>
-          <a:cxnLst/>
-          <a:rect l="0" t="0" r="0" b="0"/>
-          <a:pathLst>
-            <a:path>
-              <a:moveTo>
-                <a:pt x="0" y="0"/>
-              </a:moveTo>
-              <a:lnTo>
-                <a:pt x="0" y="153392"/>
-              </a:lnTo>
-              <a:lnTo>
-                <a:pt x="747786" y="153392"/>
-              </a:lnTo>
-              <a:lnTo>
-                <a:pt x="747786" y="306784"/>
-              </a:lnTo>
-            </a:path>
-          </a:pathLst>
-        </a:custGeom>
-        <a:noFill/>
-        <a:ln w="12700" cap="flat" cmpd="sng" algn="ctr">
-          <a:solidFill>
-            <a:schemeClr val="accent1">
-              <a:shade val="80000"/>
-              <a:hueOff val="0"/>
-              <a:satOff val="0"/>
-              <a:lumOff val="0"/>
-              <a:alphaOff val="0"/>
-            </a:schemeClr>
-          </a:solidFill>
-          <a:prstDash val="solid"/>
-          <a:miter lim="800000"/>
-        </a:ln>
-        <a:effectLst/>
-      </dsp:spPr>
-      <dsp:style>
-        <a:lnRef idx="2">
-          <a:scrgbClr r="0" g="0" b="0"/>
-        </a:lnRef>
-        <a:fillRef idx="0">
-          <a:scrgbClr r="0" g="0" b="0"/>
-        </a:fillRef>
-        <a:effectRef idx="0">
-          <a:scrgbClr r="0" g="0" b="0"/>
-        </a:effectRef>
-        <a:fontRef idx="minor"/>
-      </dsp:style>
-    </dsp:sp>
-    <dsp:sp modelId="{DF2BD87E-22AB-440F-A7E6-ED89429BC82E}">
-      <dsp:nvSpPr>
-        <dsp:cNvPr id="0" name=""/>
-        <dsp:cNvSpPr/>
-      </dsp:nvSpPr>
-      <dsp:spPr>
-        <a:xfrm>
-          <a:off x="3326219" y="2722264"/>
-          <a:ext cx="1150441" cy="766960"/>
-        </a:xfrm>
-        <a:prstGeom prst="roundRect">
-          <a:avLst>
-            <a:gd name="adj" fmla="val 10000"/>
-          </a:avLst>
-        </a:prstGeom>
-        <a:solidFill>
-          <a:schemeClr val="accent1">
-            <a:hueOff val="0"/>
-            <a:satOff val="0"/>
-            <a:lumOff val="0"/>
-            <a:alphaOff val="0"/>
-          </a:schemeClr>
-        </a:solidFill>
-        <a:ln w="12700" cap="flat" cmpd="sng" algn="ctr">
-          <a:solidFill>
-            <a:schemeClr val="lt1">
-              <a:hueOff val="0"/>
-              <a:satOff val="0"/>
-              <a:lumOff val="0"/>
-              <a:alphaOff val="0"/>
-            </a:schemeClr>
-          </a:solidFill>
-          <a:prstDash val="solid"/>
-          <a:miter lim="800000"/>
-        </a:ln>
-        <a:effectLst/>
-      </dsp:spPr>
-      <dsp:style>
-        <a:lnRef idx="2">
-          <a:scrgbClr r="0" g="0" b="0"/>
-        </a:lnRef>
-        <a:fillRef idx="1">
-          <a:scrgbClr r="0" g="0" b="0"/>
-        </a:fillRef>
-        <a:effectRef idx="0">
-          <a:scrgbClr r="0" g="0" b="0"/>
-        </a:effectRef>
-        <a:fontRef idx="minor">
-          <a:schemeClr val="lt1"/>
-        </a:fontRef>
-      </dsp:style>
-      <dsp:txBody>
-        <a:bodyPr spcFirstLastPara="0" vert="horz" wrap="square" lIns="114300" tIns="114300" rIns="114300" bIns="114300" numCol="1" spcCol="1270" anchor="ctr" anchorCtr="0">
-          <a:noAutofit/>
-        </a:bodyPr>
-        <a:lstStyle/>
-        <a:p>
-          <a:pPr marL="0" lvl="0" indent="0" algn="ctr" defTabSz="1333500">
-            <a:lnSpc>
-              <a:spcPct val="90000"/>
-            </a:lnSpc>
-            <a:spcBef>
-              <a:spcPct val="0"/>
-            </a:spcBef>
-            <a:spcAft>
-              <a:spcPct val="35000"/>
-            </a:spcAft>
-            <a:buNone/>
-          </a:pPr>
-          <a:endParaRPr lang="en-US" sz="3000" kern="1200"/>
-        </a:p>
-      </dsp:txBody>
-      <dsp:txXfrm>
-        <a:off x="3348682" y="2744727"/>
-        <a:ext cx="1105515" cy="722034"/>
-      </dsp:txXfrm>
-    </dsp:sp>
-    <dsp:sp modelId="{667A4CE5-1C37-4F92-B905-3AD81A3D9953}">
-      <dsp:nvSpPr>
-        <dsp:cNvPr id="0" name=""/>
-        <dsp:cNvSpPr/>
-      </dsp:nvSpPr>
-      <dsp:spPr>
-        <a:xfrm>
-          <a:off x="4275333" y="1341735"/>
-          <a:ext cx="1121680" cy="306784"/>
-        </a:xfrm>
-        <a:custGeom>
-          <a:avLst/>
-          <a:gdLst/>
-          <a:ahLst/>
-          <a:cxnLst/>
-          <a:rect l="0" t="0" r="0" b="0"/>
-          <a:pathLst>
-            <a:path>
-              <a:moveTo>
-                <a:pt x="0" y="0"/>
-              </a:moveTo>
-              <a:lnTo>
-                <a:pt x="0" y="153392"/>
-              </a:lnTo>
-              <a:lnTo>
-                <a:pt x="1121680" y="153392"/>
-              </a:lnTo>
-              <a:lnTo>
-                <a:pt x="1121680" y="306784"/>
-              </a:lnTo>
-            </a:path>
-          </a:pathLst>
-        </a:custGeom>
-        <a:noFill/>
-        <a:ln w="12700" cap="flat" cmpd="sng" algn="ctr">
-          <a:solidFill>
-            <a:schemeClr val="accent1">
-              <a:shade val="60000"/>
-              <a:hueOff val="0"/>
-              <a:satOff val="0"/>
-              <a:lumOff val="0"/>
-              <a:alphaOff val="0"/>
-            </a:schemeClr>
-          </a:solidFill>
-          <a:prstDash val="solid"/>
-          <a:miter lim="800000"/>
-        </a:ln>
-        <a:effectLst/>
-      </dsp:spPr>
-      <dsp:style>
-        <a:lnRef idx="2">
-          <a:scrgbClr r="0" g="0" b="0"/>
-        </a:lnRef>
-        <a:fillRef idx="0">
-          <a:scrgbClr r="0" g="0" b="0"/>
-        </a:fillRef>
-        <a:effectRef idx="0">
-          <a:scrgbClr r="0" g="0" b="0"/>
-        </a:effectRef>
-        <a:fontRef idx="minor"/>
-      </dsp:style>
-    </dsp:sp>
-    <dsp:sp modelId="{20DD1262-3461-405D-957B-563CCED4640C}">
-      <dsp:nvSpPr>
-        <dsp:cNvPr id="0" name=""/>
-        <dsp:cNvSpPr/>
-      </dsp:nvSpPr>
-      <dsp:spPr>
-        <a:xfrm>
-          <a:off x="4821793" y="1648519"/>
-          <a:ext cx="1150441" cy="766960"/>
-        </a:xfrm>
-        <a:prstGeom prst="roundRect">
-          <a:avLst>
-            <a:gd name="adj" fmla="val 10000"/>
-          </a:avLst>
-        </a:prstGeom>
-        <a:solidFill>
-          <a:schemeClr val="accent1">
-            <a:hueOff val="0"/>
-            <a:satOff val="0"/>
-            <a:lumOff val="0"/>
-            <a:alphaOff val="0"/>
-          </a:schemeClr>
-        </a:solidFill>
-        <a:ln w="12700" cap="flat" cmpd="sng" algn="ctr">
-          <a:solidFill>
-            <a:schemeClr val="lt1">
-              <a:hueOff val="0"/>
-              <a:satOff val="0"/>
-              <a:lumOff val="0"/>
-              <a:alphaOff val="0"/>
-            </a:schemeClr>
-          </a:solidFill>
-          <a:prstDash val="solid"/>
-          <a:miter lim="800000"/>
-        </a:ln>
-        <a:effectLst/>
-      </dsp:spPr>
-      <dsp:style>
-        <a:lnRef idx="2">
-          <a:scrgbClr r="0" g="0" b="0"/>
-        </a:lnRef>
-        <a:fillRef idx="1">
-          <a:scrgbClr r="0" g="0" b="0"/>
-        </a:fillRef>
-        <a:effectRef idx="0">
-          <a:scrgbClr r="0" g="0" b="0"/>
-        </a:effectRef>
-        <a:fontRef idx="minor">
-          <a:schemeClr val="lt1"/>
-        </a:fontRef>
-      </dsp:style>
-      <dsp:txBody>
-        <a:bodyPr spcFirstLastPara="0" vert="horz" wrap="square" lIns="114300" tIns="114300" rIns="114300" bIns="114300" numCol="1" spcCol="1270" anchor="ctr" anchorCtr="0">
-          <a:noAutofit/>
-        </a:bodyPr>
-        <a:lstStyle/>
-        <a:p>
-          <a:pPr marL="0" lvl="0" indent="0" algn="ctr" defTabSz="1333500">
-            <a:lnSpc>
-              <a:spcPct val="90000"/>
-            </a:lnSpc>
-            <a:spcBef>
-              <a:spcPct val="0"/>
-            </a:spcBef>
-            <a:spcAft>
-              <a:spcPct val="35000"/>
-            </a:spcAft>
-            <a:buNone/>
-          </a:pPr>
-          <a:endParaRPr lang="en-US" sz="3000" kern="1200"/>
-        </a:p>
-      </dsp:txBody>
-      <dsp:txXfrm>
-        <a:off x="4844256" y="1670982"/>
-        <a:ext cx="1105515" cy="722034"/>
-      </dsp:txXfrm>
-    </dsp:sp>
-    <dsp:sp modelId="{6060F710-9C30-484B-BCA4-695BA2D8448A}">
-      <dsp:nvSpPr>
-        <dsp:cNvPr id="0" name=""/>
-        <dsp:cNvSpPr/>
-      </dsp:nvSpPr>
-      <dsp:spPr>
-        <a:xfrm>
-          <a:off x="5351293" y="2415480"/>
-          <a:ext cx="91440" cy="306784"/>
-        </a:xfrm>
-        <a:custGeom>
-          <a:avLst/>
-          <a:gdLst/>
-          <a:ahLst/>
-          <a:cxnLst/>
-          <a:rect l="0" t="0" r="0" b="0"/>
-          <a:pathLst>
-            <a:path>
-              <a:moveTo>
-                <a:pt x="45720" y="0"/>
-              </a:moveTo>
-              <a:lnTo>
-                <a:pt x="45720" y="306784"/>
-              </a:lnTo>
-            </a:path>
-          </a:pathLst>
-        </a:custGeom>
-        <a:noFill/>
-        <a:ln w="12700" cap="flat" cmpd="sng" algn="ctr">
-          <a:solidFill>
-            <a:schemeClr val="accent1">
-              <a:shade val="80000"/>
-              <a:hueOff val="0"/>
-              <a:satOff val="0"/>
-              <a:lumOff val="0"/>
-              <a:alphaOff val="0"/>
-            </a:schemeClr>
-          </a:solidFill>
-          <a:prstDash val="solid"/>
-          <a:miter lim="800000"/>
-        </a:ln>
-        <a:effectLst/>
-      </dsp:spPr>
-      <dsp:style>
-        <a:lnRef idx="2">
-          <a:scrgbClr r="0" g="0" b="0"/>
-        </a:lnRef>
-        <a:fillRef idx="0">
-          <a:scrgbClr r="0" g="0" b="0"/>
-        </a:fillRef>
-        <a:effectRef idx="0">
-          <a:scrgbClr r="0" g="0" b="0"/>
-        </a:effectRef>
-        <a:fontRef idx="minor"/>
-      </dsp:style>
-    </dsp:sp>
-    <dsp:sp modelId="{1361E14E-42E7-4127-80B2-1E72A97A6BD5}">
-      <dsp:nvSpPr>
-        <dsp:cNvPr id="0" name=""/>
-        <dsp:cNvSpPr/>
-      </dsp:nvSpPr>
-      <dsp:spPr>
-        <a:xfrm>
-          <a:off x="4821793" y="2722264"/>
-          <a:ext cx="1150441" cy="766960"/>
-        </a:xfrm>
-        <a:prstGeom prst="roundRect">
-          <a:avLst>
-            <a:gd name="adj" fmla="val 10000"/>
-          </a:avLst>
-        </a:prstGeom>
-        <a:solidFill>
-          <a:schemeClr val="accent1">
-            <a:hueOff val="0"/>
-            <a:satOff val="0"/>
-            <a:lumOff val="0"/>
-            <a:alphaOff val="0"/>
-          </a:schemeClr>
-        </a:solidFill>
-        <a:ln w="12700" cap="flat" cmpd="sng" algn="ctr">
-          <a:solidFill>
-            <a:schemeClr val="lt1">
-              <a:hueOff val="0"/>
-              <a:satOff val="0"/>
-              <a:lumOff val="0"/>
-              <a:alphaOff val="0"/>
-            </a:schemeClr>
-          </a:solidFill>
-          <a:prstDash val="solid"/>
-          <a:miter lim="800000"/>
-        </a:ln>
-        <a:effectLst/>
-      </dsp:spPr>
-      <dsp:style>
-        <a:lnRef idx="2">
-          <a:scrgbClr r="0" g="0" b="0"/>
-        </a:lnRef>
-        <a:fillRef idx="1">
-          <a:scrgbClr r="0" g="0" b="0"/>
-        </a:fillRef>
-        <a:effectRef idx="0">
-          <a:scrgbClr r="0" g="0" b="0"/>
-        </a:effectRef>
-        <a:fontRef idx="minor">
-          <a:schemeClr val="lt1"/>
-        </a:fontRef>
-      </dsp:style>
-      <dsp:txBody>
-        <a:bodyPr spcFirstLastPara="0" vert="horz" wrap="square" lIns="114300" tIns="114300" rIns="114300" bIns="114300" numCol="1" spcCol="1270" anchor="ctr" anchorCtr="0">
-          <a:noAutofit/>
-        </a:bodyPr>
-        <a:lstStyle/>
-        <a:p>
-          <a:pPr marL="0" lvl="0" indent="0" algn="ctr" defTabSz="1333500">
-            <a:lnSpc>
-              <a:spcPct val="90000"/>
-            </a:lnSpc>
-            <a:spcBef>
-              <a:spcPct val="0"/>
-            </a:spcBef>
-            <a:spcAft>
-              <a:spcPct val="35000"/>
-            </a:spcAft>
-            <a:buNone/>
-          </a:pPr>
-          <a:endParaRPr lang="en-US" sz="3000" kern="1200"/>
-        </a:p>
-      </dsp:txBody>
-      <dsp:txXfrm>
-        <a:off x="4844256" y="2744727"/>
-        <a:ext cx="1105515" cy="722034"/>
-      </dsp:txXfrm>
-    </dsp:sp>
-  </dsp:spTree>
-</dsp:drawing>
-</file>
-
 <file path=ppt/diagrams/layout1.xml><?xml version="1.0" encoding="utf-8"?>
 <dgm:layoutDef xmlns:dgm="http://schemas.openxmlformats.org/drawingml/2006/diagram" xmlns:a="http://schemas.openxmlformats.org/drawingml/2006/main" uniqueId="urn:microsoft.com/office/officeart/2005/8/layout/hierarchy6">
   <dgm:title val=""/>
@@ -16567,517 +14280,6 @@
 </dgm:layoutDef>
 </file>
 
-<file path=ppt/diagrams/layout6.xml><?xml version="1.0" encoding="utf-8"?>
-<dgm:layoutDef xmlns:dgm="http://schemas.openxmlformats.org/drawingml/2006/diagram" xmlns:a="http://schemas.openxmlformats.org/drawingml/2006/main" uniqueId="urn:microsoft.com/office/officeart/2005/8/layout/hierarchy6">
-  <dgm:title val=""/>
-  <dgm:desc val=""/>
-  <dgm:catLst>
-    <dgm:cat type="hierarchy" pri="3000"/>
-  </dgm:catLst>
-  <dgm:sampData>
-    <dgm:dataModel>
-      <dgm:ptLst>
-        <dgm:pt modelId="0" type="doc"/>
-        <dgm:pt modelId="1">
-          <dgm:prSet phldr="1"/>
-        </dgm:pt>
-        <dgm:pt modelId="2">
-          <dgm:prSet phldr="1"/>
-        </dgm:pt>
-        <dgm:pt modelId="21">
-          <dgm:prSet phldr="1"/>
-        </dgm:pt>
-        <dgm:pt modelId="22">
-          <dgm:prSet phldr="1"/>
-        </dgm:pt>
-        <dgm:pt modelId="3">
-          <dgm:prSet phldr="1"/>
-        </dgm:pt>
-        <dgm:pt modelId="31">
-          <dgm:prSet phldr="1"/>
-        </dgm:pt>
-        <dgm:pt modelId="4">
-          <dgm:prSet phldr="1"/>
-        </dgm:pt>
-        <dgm:pt modelId="5">
-          <dgm:prSet phldr="1"/>
-        </dgm:pt>
-        <dgm:pt modelId="6">
-          <dgm:prSet phldr="1"/>
-        </dgm:pt>
-      </dgm:ptLst>
-      <dgm:cxnLst>
-        <dgm:cxn modelId="7" srcId="0" destId="1" srcOrd="0" destOrd="0"/>
-        <dgm:cxn modelId="8" srcId="1" destId="2" srcOrd="0" destOrd="0"/>
-        <dgm:cxn modelId="9" srcId="1" destId="3" srcOrd="1" destOrd="0"/>
-        <dgm:cxn modelId="23" srcId="2" destId="21" srcOrd="0" destOrd="0"/>
-        <dgm:cxn modelId="24" srcId="2" destId="22" srcOrd="1" destOrd="0"/>
-        <dgm:cxn modelId="33" srcId="3" destId="31" srcOrd="0" destOrd="0"/>
-        <dgm:cxn modelId="10" srcId="0" destId="4" srcOrd="1" destOrd="0"/>
-        <dgm:cxn modelId="11" srcId="0" destId="5" srcOrd="2" destOrd="0"/>
-        <dgm:cxn modelId="12" srcId="0" destId="6" srcOrd="3" destOrd="0"/>
-      </dgm:cxnLst>
-      <dgm:bg/>
-      <dgm:whole/>
-    </dgm:dataModel>
-  </dgm:sampData>
-  <dgm:styleData>
-    <dgm:dataModel>
-      <dgm:ptLst>
-        <dgm:pt modelId="0" type="doc"/>
-        <dgm:pt modelId="1"/>
-        <dgm:pt modelId="11"/>
-        <dgm:pt modelId="12"/>
-        <dgm:pt modelId="2"/>
-        <dgm:pt modelId="3"/>
-      </dgm:ptLst>
-      <dgm:cxnLst>
-        <dgm:cxn modelId="4" srcId="0" destId="1" srcOrd="0" destOrd="0"/>
-        <dgm:cxn modelId="13" srcId="1" destId="11" srcOrd="0" destOrd="0"/>
-        <dgm:cxn modelId="14" srcId="1" destId="12" srcOrd="1" destOrd="0"/>
-        <dgm:cxn modelId="5" srcId="0" destId="2" srcOrd="1" destOrd="0"/>
-        <dgm:cxn modelId="6" srcId="0" destId="3" srcOrd="2" destOrd="0"/>
-      </dgm:cxnLst>
-      <dgm:bg/>
-      <dgm:whole/>
-    </dgm:dataModel>
-  </dgm:styleData>
-  <dgm:clrData>
-    <dgm:dataModel>
-      <dgm:ptLst>
-        <dgm:pt modelId="0" type="doc"/>
-        <dgm:pt modelId="1"/>
-        <dgm:pt modelId="2"/>
-        <dgm:pt modelId="21"/>
-        <dgm:pt modelId="211"/>
-        <dgm:pt modelId="3"/>
-        <dgm:pt modelId="31"/>
-        <dgm:pt modelId="311"/>
-        <dgm:pt modelId="4"/>
-        <dgm:pt modelId="5"/>
-        <dgm:pt modelId="6"/>
-        <dgm:pt modelId="7"/>
-      </dgm:ptLst>
-      <dgm:cxnLst>
-        <dgm:cxn modelId="8" srcId="0" destId="1" srcOrd="0" destOrd="0"/>
-        <dgm:cxn modelId="9" srcId="1" destId="2" srcOrd="0" destOrd="0"/>
-        <dgm:cxn modelId="10" srcId="1" destId="3" srcOrd="1" destOrd="0"/>
-        <dgm:cxn modelId="23" srcId="2" destId="21" srcOrd="0" destOrd="0"/>
-        <dgm:cxn modelId="24" srcId="21" destId="211" srcOrd="0" destOrd="0"/>
-        <dgm:cxn modelId="33" srcId="3" destId="31" srcOrd="0" destOrd="0"/>
-        <dgm:cxn modelId="34" srcId="31" destId="311" srcOrd="0" destOrd="0"/>
-        <dgm:cxn modelId="11" srcId="0" destId="4" srcOrd="1" destOrd="0"/>
-        <dgm:cxn modelId="12" srcId="0" destId="5" srcOrd="2" destOrd="0"/>
-        <dgm:cxn modelId="13" srcId="0" destId="6" srcOrd="3" destOrd="0"/>
-        <dgm:cxn modelId="14" srcId="0" destId="7" srcOrd="4" destOrd="0"/>
-      </dgm:cxnLst>
-      <dgm:bg/>
-      <dgm:whole/>
-    </dgm:dataModel>
-  </dgm:clrData>
-  <dgm:layoutNode name="mainComposite">
-    <dgm:varLst>
-      <dgm:chPref val="1"/>
-      <dgm:dir/>
-      <dgm:animOne val="branch"/>
-      <dgm:animLvl val="lvl"/>
-      <dgm:resizeHandles val="exact"/>
-    </dgm:varLst>
-    <dgm:alg type="composite">
-      <dgm:param type="vertAlign" val="mid"/>
-      <dgm:param type="horzAlign" val="ctr"/>
-    </dgm:alg>
-    <dgm:shape xmlns:r="http://schemas.openxmlformats.org/officeDocument/2006/relationships" r:blip="">
-      <dgm:adjLst/>
-    </dgm:shape>
-    <dgm:presOf/>
-    <dgm:choose name="Name0">
-      <dgm:if name="Name1" axis="ch" ptType="node" func="cnt" op="gte" val="2">
-        <dgm:choose name="Name2">
-          <dgm:if name="Name3" func="var" arg="dir" op="equ" val="norm">
-            <dgm:constrLst>
-              <dgm:constr type="l" for="ch" forName="hierFlow" refType="w" fact="0.3"/>
-              <dgm:constr type="t" for="ch" forName="hierFlow"/>
-              <dgm:constr type="r" for="ch" forName="hierFlow" refType="w" fact="0.98"/>
-              <dgm:constr type="b" for="ch" forName="hierFlow" refType="h" fact="0.98"/>
-              <dgm:constr type="l" for="ch" forName="bgShapesFlow"/>
-              <dgm:constr type="t" for="ch" forName="bgShapesFlow"/>
-              <dgm:constr type="r" for="ch" forName="bgShapesFlow" refType="w"/>
-              <dgm:constr type="b" for="ch" forName="bgShapesFlow" refType="h"/>
-              <dgm:constr type="w" for="des" forName="level1Shape" refType="w"/>
-              <dgm:constr type="h" for="des" forName="level1Shape" refType="w" refFor="des" refForName="level1Shape" fact="0.66667"/>
-              <dgm:constr type="w" for="des" forName="level2Shape" refType="w" refFor="des" refForName="level1Shape" op="equ"/>
-              <dgm:constr type="h" for="des" forName="level2Shape" refType="h" refFor="des" refForName="level1Shape" op="equ"/>
-              <dgm:constr type="sp" for="des" refType="h" refFor="des" refForName="level1Shape" op="equ" fact="0.4"/>
-              <dgm:constr type="sibSp" for="des" forName="hierChild1" refType="w" refFor="des" refForName="level1Shape" op="equ" fact="0.3"/>
-              <dgm:constr type="sibSp" for="des" forName="hierChild2" refType="sibSp" refFor="des" refForName="hierChild1" op="equ"/>
-              <dgm:constr type="sibSp" for="des" forName="hierChild3" refType="sibSp" refFor="des" refForName="hierChild1" op="equ"/>
-              <dgm:constr type="userA" for="des" refType="h" refFor="des" refForName="level1Shape" op="equ"/>
-              <dgm:constr type="userB" for="des" refType="sp" refFor="des" op="equ"/>
-              <dgm:constr type="h" for="des" forName="firstBuf" refType="h" refFor="des" refForName="level1Shape" fact="0.1"/>
-            </dgm:constrLst>
-          </dgm:if>
-          <dgm:else name="Name4">
-            <dgm:constrLst>
-              <dgm:constr type="l" for="ch" forName="hierFlow" refType="w" fact="0.02"/>
-              <dgm:constr type="t" for="ch" forName="hierFlow"/>
-              <dgm:constr type="r" for="ch" forName="hierFlow" refType="w" fact="0.7"/>
-              <dgm:constr type="b" for="ch" forName="hierFlow" refType="h" fact="0.98"/>
-              <dgm:constr type="l" for="ch" forName="bgShapesFlow"/>
-              <dgm:constr type="t" for="ch" forName="bgShapesFlow"/>
-              <dgm:constr type="r" for="ch" forName="bgShapesFlow" refType="w"/>
-              <dgm:constr type="b" for="ch" forName="bgShapesFlow" refType="h"/>
-              <dgm:constr type="w" for="des" forName="level1Shape" refType="w"/>
-              <dgm:constr type="h" for="des" forName="level1Shape" refType="w" refFor="des" refForName="level1Shape" fact="0.66667"/>
-              <dgm:constr type="w" for="des" forName="level2Shape" refType="w" refFor="des" refForName="level1Shape" op="equ"/>
-              <dgm:constr type="h" for="des" forName="level2Shape" refType="h" refFor="des" refForName="level1Shape" op="equ"/>
-              <dgm:constr type="sp" for="des" refType="h" refFor="des" refForName="level1Shape" op="equ" fact="0.4"/>
-              <dgm:constr type="sibSp" for="des" forName="hierChild1" refType="w" refFor="des" refForName="level1Shape" op="equ" fact="0.3"/>
-              <dgm:constr type="sibSp" for="des" forName="hierChild2" refType="sibSp" refFor="des" refForName="hierChild1" op="equ"/>
-              <dgm:constr type="sibSp" for="des" forName="hierChild3" refType="sibSp" refFor="des" refForName="hierChild1" op="equ"/>
-              <dgm:constr type="userA" for="des" refType="h" refFor="des" refForName="level1Shape" op="equ"/>
-              <dgm:constr type="userB" for="des" refType="sp" refFor="des" op="equ"/>
-              <dgm:constr type="h" for="des" forName="firstBuf" refType="h" refFor="des" refForName="level1Shape" fact="0.1"/>
-            </dgm:constrLst>
-          </dgm:else>
-        </dgm:choose>
-      </dgm:if>
-      <dgm:else name="Name5">
-        <dgm:constrLst>
-          <dgm:constr type="l" for="ch" forName="hierFlow"/>
-          <dgm:constr type="t" for="ch" forName="hierFlow"/>
-          <dgm:constr type="r" for="ch" forName="hierFlow" refType="w"/>
-          <dgm:constr type="b" for="ch" forName="hierFlow" refType="h"/>
-          <dgm:constr type="l" for="ch" forName="bgShapesFlow"/>
-          <dgm:constr type="t" for="ch" forName="bgShapesFlow"/>
-          <dgm:constr type="r" for="ch" forName="bgShapesFlow" refType="w"/>
-          <dgm:constr type="b" for="ch" forName="bgShapesFlow" refType="h"/>
-          <dgm:constr type="w" for="des" forName="level1Shape" refType="w"/>
-          <dgm:constr type="h" for="des" forName="level1Shape" refType="w" refFor="des" refForName="level1Shape" fact="0.66667"/>
-          <dgm:constr type="w" for="des" forName="level2Shape" refType="w" refFor="des" refForName="level1Shape" op="equ"/>
-          <dgm:constr type="h" for="des" forName="level2Shape" refType="h" refFor="des" refForName="level1Shape" op="equ"/>
-          <dgm:constr type="sp" for="des" refType="h" refFor="des" refForName="level1Shape" op="equ" fact="0.4"/>
-          <dgm:constr type="sibSp" for="des" forName="hierChild1" refType="w" refFor="des" refForName="level1Shape" op="equ" fact="0.3"/>
-          <dgm:constr type="sibSp" for="des" forName="hierChild2" refType="sibSp" refFor="des" refForName="hierChild1" op="equ"/>
-          <dgm:constr type="sibSp" for="des" forName="hierChild3" refType="sibSp" refFor="des" refForName="hierChild1" op="equ"/>
-          <dgm:constr type="userA" for="des" refType="h" refFor="des" refForName="level1Shape" op="equ"/>
-          <dgm:constr type="userB" for="des" refType="sp" refFor="des" op="equ"/>
-          <dgm:constr type="h" for="des" forName="firstBuf" refType="h" refFor="des" refForName="level1Shape" fact="0.1"/>
-        </dgm:constrLst>
-      </dgm:else>
-    </dgm:choose>
-    <dgm:ruleLst/>
-    <dgm:layoutNode name="hierFlow">
-      <dgm:alg type="lin">
-        <dgm:param type="linDir" val="fromT"/>
-        <dgm:param type="nodeVertAlign" val="t"/>
-        <dgm:param type="vertAlign" val="t"/>
-        <dgm:param type="nodeHorzAlign" val="ctr"/>
-        <dgm:param type="fallback" val="2D"/>
-      </dgm:alg>
-      <dgm:shape xmlns:r="http://schemas.openxmlformats.org/officeDocument/2006/relationships" r:blip="">
-        <dgm:adjLst/>
-      </dgm:shape>
-      <dgm:presOf/>
-      <dgm:constrLst/>
-      <dgm:ruleLst/>
-      <dgm:choose name="Name6">
-        <dgm:if name="Name7" axis="ch" ptType="node" func="cnt" op="gte" val="2">
-          <dgm:layoutNode name="firstBuf">
-            <dgm:alg type="sp"/>
-            <dgm:shape xmlns:r="http://schemas.openxmlformats.org/officeDocument/2006/relationships" r:blip="">
-              <dgm:adjLst/>
-            </dgm:shape>
-            <dgm:presOf/>
-            <dgm:constrLst/>
-            <dgm:ruleLst/>
-          </dgm:layoutNode>
-        </dgm:if>
-        <dgm:else name="Name8"/>
-      </dgm:choose>
-      <dgm:layoutNode name="hierChild1">
-        <dgm:varLst>
-          <dgm:chPref val="1"/>
-          <dgm:animOne val="branch"/>
-          <dgm:animLvl val="lvl"/>
-        </dgm:varLst>
-        <dgm:choose name="Name9">
-          <dgm:if name="Name10" func="var" arg="dir" op="equ" val="norm">
-            <dgm:alg type="hierChild">
-              <dgm:param type="linDir" val="fromL"/>
-              <dgm:param type="vertAlign" val="t"/>
-            </dgm:alg>
-          </dgm:if>
-          <dgm:else name="Name11">
-            <dgm:alg type="hierChild">
-              <dgm:param type="linDir" val="fromR"/>
-              <dgm:param type="vertAlign" val="t"/>
-            </dgm:alg>
-          </dgm:else>
-        </dgm:choose>
-        <dgm:shape xmlns:r="http://schemas.openxmlformats.org/officeDocument/2006/relationships" r:blip="">
-          <dgm:adjLst/>
-        </dgm:shape>
-        <dgm:presOf/>
-        <dgm:constrLst>
-          <dgm:constr type="primFontSz" for="des" ptType="node" op="equ"/>
-        </dgm:constrLst>
-        <dgm:ruleLst/>
-        <dgm:forEach name="Name12" axis="ch" cnt="3">
-          <dgm:forEach name="Name13" axis="self" ptType="node">
-            <dgm:layoutNode name="Name14">
-              <dgm:alg type="hierRoot"/>
-              <dgm:shape xmlns:r="http://schemas.openxmlformats.org/officeDocument/2006/relationships" r:blip="">
-                <dgm:adjLst/>
-              </dgm:shape>
-              <dgm:presOf/>
-              <dgm:constrLst/>
-              <dgm:ruleLst/>
-              <dgm:layoutNode name="level1Shape" styleLbl="node0">
-                <dgm:varLst>
-                  <dgm:chPref val="3"/>
-                </dgm:varLst>
-                <dgm:alg type="tx"/>
-                <dgm:shape xmlns:r="http://schemas.openxmlformats.org/officeDocument/2006/relationships" type="roundRect" r:blip="">
-                  <dgm:adjLst>
-                    <dgm:adj idx="1" val="0.1"/>
-                  </dgm:adjLst>
-                </dgm:shape>
-                <dgm:presOf axis="self"/>
-                <dgm:constrLst>
-                  <dgm:constr type="primFontSz" val="65"/>
-                  <dgm:constr type="tMarg" refType="primFontSz" fact="0.3"/>
-                  <dgm:constr type="bMarg" refType="primFontSz" fact="0.3"/>
-                  <dgm:constr type="lMarg" refType="primFontSz" fact="0.3"/>
-                  <dgm:constr type="rMarg" refType="primFontSz" fact="0.3"/>
-                </dgm:constrLst>
-                <dgm:ruleLst>
-                  <dgm:rule type="primFontSz" val="5" fact="NaN" max="NaN"/>
-                </dgm:ruleLst>
-              </dgm:layoutNode>
-              <dgm:layoutNode name="hierChild2">
-                <dgm:choose name="Name15">
-                  <dgm:if name="Name16" func="var" arg="dir" op="equ" val="norm">
-                    <dgm:alg type="hierChild">
-                      <dgm:param type="linDir" val="fromL"/>
-                    </dgm:alg>
-                  </dgm:if>
-                  <dgm:else name="Name17">
-                    <dgm:alg type="hierChild">
-                      <dgm:param type="linDir" val="fromR"/>
-                    </dgm:alg>
-                  </dgm:else>
-                </dgm:choose>
-                <dgm:shape xmlns:r="http://schemas.openxmlformats.org/officeDocument/2006/relationships" r:blip="">
-                  <dgm:adjLst/>
-                </dgm:shape>
-                <dgm:presOf/>
-                <dgm:constrLst/>
-                <dgm:ruleLst/>
-                <dgm:forEach name="repeat" axis="ch">
-                  <dgm:forEach name="Name18" axis="self" ptType="parTrans" cnt="1">
-                    <dgm:layoutNode name="Name19">
-                      <dgm:alg type="conn">
-                        <dgm:param type="dim" val="1D"/>
-                        <dgm:param type="endSty" val="noArr"/>
-                        <dgm:param type="connRout" val="bend"/>
-                        <dgm:param type="begPts" val="bCtr"/>
-                        <dgm:param type="endPts" val="tCtr"/>
-                      </dgm:alg>
-                      <dgm:shape xmlns:r="http://schemas.openxmlformats.org/officeDocument/2006/relationships" type="conn" r:blip="">
-                        <dgm:adjLst/>
-                      </dgm:shape>
-                      <dgm:presOf axis="self"/>
-                      <dgm:constrLst>
-                        <dgm:constr type="w" val="1"/>
-                        <dgm:constr type="h" val="1"/>
-                        <dgm:constr type="begPad"/>
-                        <dgm:constr type="endPad"/>
-                      </dgm:constrLst>
-                      <dgm:ruleLst/>
-                    </dgm:layoutNode>
-                  </dgm:forEach>
-                  <dgm:forEach name="Name20" axis="self" ptType="node">
-                    <dgm:layoutNode name="Name21">
-                      <dgm:alg type="hierRoot"/>
-                      <dgm:shape xmlns:r="http://schemas.openxmlformats.org/officeDocument/2006/relationships" r:blip="">
-                        <dgm:adjLst/>
-                      </dgm:shape>
-                      <dgm:presOf/>
-                      <dgm:constrLst/>
-                      <dgm:ruleLst/>
-                      <dgm:layoutNode name="level2Shape">
-                        <dgm:alg type="tx"/>
-                        <dgm:shape xmlns:r="http://schemas.openxmlformats.org/officeDocument/2006/relationships" type="roundRect" r:blip="">
-                          <dgm:adjLst>
-                            <dgm:adj idx="1" val="0.1"/>
-                          </dgm:adjLst>
-                        </dgm:shape>
-                        <dgm:presOf axis="self"/>
-                        <dgm:constrLst>
-                          <dgm:constr type="primFontSz" val="65"/>
-                          <dgm:constr type="tMarg" refType="primFontSz" fact="0.3"/>
-                          <dgm:constr type="bMarg" refType="primFontSz" fact="0.3"/>
-                          <dgm:constr type="lMarg" refType="primFontSz" fact="0.3"/>
-                          <dgm:constr type="rMarg" refType="primFontSz" fact="0.3"/>
-                        </dgm:constrLst>
-                        <dgm:ruleLst>
-                          <dgm:rule type="primFontSz" val="5" fact="NaN" max="NaN"/>
-                        </dgm:ruleLst>
-                      </dgm:layoutNode>
-                      <dgm:layoutNode name="hierChild3">
-                        <dgm:choose name="Name22">
-                          <dgm:if name="Name23" func="var" arg="dir" op="equ" val="norm">
-                            <dgm:alg type="hierChild">
-                              <dgm:param type="linDir" val="fromL"/>
-                            </dgm:alg>
-                          </dgm:if>
-                          <dgm:else name="Name24">
-                            <dgm:alg type="hierChild">
-                              <dgm:param type="linDir" val="fromR"/>
-                            </dgm:alg>
-                          </dgm:else>
-                        </dgm:choose>
-                        <dgm:shape xmlns:r="http://schemas.openxmlformats.org/officeDocument/2006/relationships" r:blip="">
-                          <dgm:adjLst/>
-                        </dgm:shape>
-                        <dgm:presOf/>
-                        <dgm:constrLst/>
-                        <dgm:ruleLst/>
-                        <dgm:forEach name="Name25" ref="repeat"/>
-                      </dgm:layoutNode>
-                    </dgm:layoutNode>
-                  </dgm:forEach>
-                </dgm:forEach>
-              </dgm:layoutNode>
-            </dgm:layoutNode>
-          </dgm:forEach>
-        </dgm:forEach>
-      </dgm:layoutNode>
-    </dgm:layoutNode>
-    <dgm:layoutNode name="bgShapesFlow">
-      <dgm:alg type="lin">
-        <dgm:param type="linDir" val="fromT"/>
-        <dgm:param type="nodeVertAlign" val="t"/>
-        <dgm:param type="vertAlign" val="t"/>
-        <dgm:param type="nodeHorzAlign" val="ctr"/>
-      </dgm:alg>
-      <dgm:shape xmlns:r="http://schemas.openxmlformats.org/officeDocument/2006/relationships" r:blip="">
-        <dgm:adjLst/>
-      </dgm:shape>
-      <dgm:presOf/>
-      <dgm:constrLst>
-        <dgm:constr type="userB"/>
-        <dgm:constr type="w" for="ch" forName="rectComp" refType="w"/>
-        <dgm:constr type="h" for="ch" forName="rectComp" refType="h"/>
-        <dgm:constr type="w" for="des" forName="bgRect" refType="w"/>
-        <dgm:constr type="primFontSz" for="des" forName="bgRectTx" op="equ"/>
-      </dgm:constrLst>
-      <dgm:ruleLst/>
-      <dgm:forEach name="Name26" axis="ch" ptType="node" st="2">
-        <dgm:layoutNode name="rectComp">
-          <dgm:alg type="composite">
-            <dgm:param type="vertAlign" val="t"/>
-            <dgm:param type="horzAlign" val="ctr"/>
-          </dgm:alg>
-          <dgm:shape xmlns:r="http://schemas.openxmlformats.org/officeDocument/2006/relationships" r:blip="">
-            <dgm:adjLst/>
-          </dgm:shape>
-          <dgm:presOf/>
-          <dgm:choose name="Name27">
-            <dgm:if name="Name28" func="var" arg="dir" op="equ" val="norm">
-              <dgm:constrLst>
-                <dgm:constr type="userA"/>
-                <dgm:constr type="l" for="ch" forName="bgRect"/>
-                <dgm:constr type="t" for="ch" forName="bgRect"/>
-                <dgm:constr type="h" for="ch" forName="bgRect" refType="userA" fact="1.2"/>
-                <dgm:constr type="l" for="ch" forName="bgRectTx"/>
-                <dgm:constr type="t" for="ch" forName="bgRectTx"/>
-                <dgm:constr type="w" for="ch" forName="bgRectTx" refType="w" refFor="ch" refForName="bgRect" fact="0.3"/>
-                <dgm:constr type="h" for="ch" forName="bgRectTx" refType="h" refFor="ch" refForName="bgRect" op="equ"/>
-              </dgm:constrLst>
-            </dgm:if>
-            <dgm:else name="Name29">
-              <dgm:constrLst>
-                <dgm:constr type="userA"/>
-                <dgm:constr type="l" for="ch" forName="bgRect"/>
-                <dgm:constr type="t" for="ch" forName="bgRect"/>
-                <dgm:constr type="h" for="ch" forName="bgRect" refType="userA" fact="1.2"/>
-                <dgm:constr type="r" for="ch" forName="bgRectTx" refType="w"/>
-                <dgm:constr type="t" for="ch" forName="bgRectTx"/>
-                <dgm:constr type="w" for="ch" forName="bgRectTx" refType="w" refFor="ch" refForName="bgRect" fact="0.3"/>
-                <dgm:constr type="h" for="ch" forName="bgRectTx" refType="h" refFor="ch" refForName="bgRect" op="equ"/>
-              </dgm:constrLst>
-            </dgm:else>
-          </dgm:choose>
-          <dgm:ruleLst/>
-          <dgm:layoutNode name="bgRect" styleLbl="bgShp">
-            <dgm:alg type="sp"/>
-            <dgm:shape xmlns:r="http://schemas.openxmlformats.org/officeDocument/2006/relationships" type="roundRect" r:blip="" zOrderOff="-999">
-              <dgm:adjLst>
-                <dgm:adj idx="1" val="0.1"/>
-              </dgm:adjLst>
-            </dgm:shape>
-            <dgm:presOf axis="desOrSelf" ptType="node"/>
-            <dgm:constrLst/>
-            <dgm:ruleLst/>
-          </dgm:layoutNode>
-          <dgm:layoutNode name="bgRectTx" styleLbl="bgShp">
-            <dgm:varLst>
-              <dgm:bulletEnabled val="1"/>
-            </dgm:varLst>
-            <dgm:alg type="tx"/>
-            <dgm:presOf axis="desOrSelf" ptType="node"/>
-            <dgm:shape xmlns:r="http://schemas.openxmlformats.org/officeDocument/2006/relationships" type="rect" r:blip="" zOrderOff="-999" hideGeom="1">
-              <dgm:adjLst/>
-            </dgm:shape>
-            <dgm:constrLst>
-              <dgm:constr type="primFontSz" val="65"/>
-            </dgm:constrLst>
-            <dgm:ruleLst>
-              <dgm:rule type="primFontSz" val="5" fact="NaN" max="NaN"/>
-            </dgm:ruleLst>
-          </dgm:layoutNode>
-        </dgm:layoutNode>
-        <dgm:choose name="Name30">
-          <dgm:if name="Name31" axis="self" ptType="node" func="revPos" op="gte" val="2">
-            <dgm:layoutNode name="spComp">
-              <dgm:alg type="composite">
-                <dgm:param type="vertAlign" val="t"/>
-                <dgm:param type="horzAlign" val="ctr"/>
-              </dgm:alg>
-              <dgm:shape xmlns:r="http://schemas.openxmlformats.org/officeDocument/2006/relationships" r:blip="">
-                <dgm:adjLst/>
-              </dgm:shape>
-              <dgm:presOf/>
-              <dgm:constrLst>
-                <dgm:constr type="userA"/>
-                <dgm:constr type="userB"/>
-                <dgm:constr type="l" for="ch" forName="vSp"/>
-                <dgm:constr type="t" for="ch" forName="vSp"/>
-                <dgm:constr type="h" for="ch" forName="vSp" refType="userB"/>
-                <dgm:constr type="hOff" for="ch" forName="vSp" refType="userA" fact="-0.2"/>
-              </dgm:constrLst>
-              <dgm:ruleLst/>
-              <dgm:layoutNode name="vSp">
-                <dgm:alg type="sp"/>
-                <dgm:shape xmlns:r="http://schemas.openxmlformats.org/officeDocument/2006/relationships" r:blip="">
-                  <dgm:adjLst/>
-                </dgm:shape>
-                <dgm:presOf/>
-                <dgm:constrLst/>
-                <dgm:ruleLst/>
-              </dgm:layoutNode>
-            </dgm:layoutNode>
-          </dgm:if>
-          <dgm:else name="Name32"/>
-        </dgm:choose>
-      </dgm:forEach>
-    </dgm:layoutNode>
-  </dgm:layoutNode>
-</dgm:layoutDef>
-</file>
-
 <file path=ppt/diagrams/quickStyle1.xml><?xml version="1.0" encoding="utf-8"?>
 <dgm:styleDef xmlns:dgm="http://schemas.openxmlformats.org/drawingml/2006/diagram" xmlns:a="http://schemas.openxmlformats.org/drawingml/2006/main" uniqueId="urn:microsoft.com/office/officeart/2005/8/quickstyle/simple1">
   <dgm:title val=""/>
@@ -21215,1040 +18417,6 @@
 </file>
 
 <file path=ppt/diagrams/quickStyle5.xml><?xml version="1.0" encoding="utf-8"?>
-<dgm:styleDef xmlns:dgm="http://schemas.openxmlformats.org/drawingml/2006/diagram" xmlns:a="http://schemas.openxmlformats.org/drawingml/2006/main" uniqueId="urn:microsoft.com/office/officeart/2005/8/quickstyle/simple1">
-  <dgm:title val=""/>
-  <dgm:desc val=""/>
-  <dgm:catLst>
-    <dgm:cat type="simple" pri="10100"/>
-  </dgm:catLst>
-  <dgm:scene3d>
-    <a:camera prst="orthographicFront"/>
-    <a:lightRig rig="threePt" dir="t"/>
-  </dgm:scene3d>
-  <dgm:styleLbl name="node0">
-    <dgm:scene3d>
-      <a:camera prst="orthographicFront"/>
-      <a:lightRig rig="threePt" dir="t"/>
-    </dgm:scene3d>
-    <dgm:sp3d/>
-    <dgm:txPr/>
-    <dgm:style>
-      <a:lnRef idx="2">
-        <a:scrgbClr r="0" g="0" b="0"/>
-      </a:lnRef>
-      <a:fillRef idx="1">
-        <a:scrgbClr r="0" g="0" b="0"/>
-      </a:fillRef>
-      <a:effectRef idx="0">
-        <a:scrgbClr r="0" g="0" b="0"/>
-      </a:effectRef>
-      <a:fontRef idx="minor">
-        <a:schemeClr val="lt1"/>
-      </a:fontRef>
-    </dgm:style>
-  </dgm:styleLbl>
-  <dgm:styleLbl name="lnNode1">
-    <dgm:scene3d>
-      <a:camera prst="orthographicFront"/>
-      <a:lightRig rig="threePt" dir="t"/>
-    </dgm:scene3d>
-    <dgm:sp3d/>
-    <dgm:txPr/>
-    <dgm:style>
-      <a:lnRef idx="2">
-        <a:scrgbClr r="0" g="0" b="0"/>
-      </a:lnRef>
-      <a:fillRef idx="1">
-        <a:scrgbClr r="0" g="0" b="0"/>
-      </a:fillRef>
-      <a:effectRef idx="0">
-        <a:scrgbClr r="0" g="0" b="0"/>
-      </a:effectRef>
-      <a:fontRef idx="minor">
-        <a:schemeClr val="lt1"/>
-      </a:fontRef>
-    </dgm:style>
-  </dgm:styleLbl>
-  <dgm:styleLbl name="vennNode1">
-    <dgm:scene3d>
-      <a:camera prst="orthographicFront"/>
-      <a:lightRig rig="threePt" dir="t"/>
-    </dgm:scene3d>
-    <dgm:sp3d/>
-    <dgm:txPr/>
-    <dgm:style>
-      <a:lnRef idx="2">
-        <a:scrgbClr r="0" g="0" b="0"/>
-      </a:lnRef>
-      <a:fillRef idx="1">
-        <a:scrgbClr r="0" g="0" b="0"/>
-      </a:fillRef>
-      <a:effectRef idx="0">
-        <a:scrgbClr r="0" g="0" b="0"/>
-      </a:effectRef>
-      <a:fontRef idx="minor">
-        <a:schemeClr val="tx1"/>
-      </a:fontRef>
-    </dgm:style>
-  </dgm:styleLbl>
-  <dgm:styleLbl name="alignNode1">
-    <dgm:scene3d>
-      <a:camera prst="orthographicFront"/>
-      <a:lightRig rig="threePt" dir="t"/>
-    </dgm:scene3d>
-    <dgm:sp3d/>
-    <dgm:txPr/>
-    <dgm:style>
-      <a:lnRef idx="2">
-        <a:scrgbClr r="0" g="0" b="0"/>
-      </a:lnRef>
-      <a:fillRef idx="1">
-        <a:scrgbClr r="0" g="0" b="0"/>
-      </a:fillRef>
-      <a:effectRef idx="0">
-        <a:scrgbClr r="0" g="0" b="0"/>
-      </a:effectRef>
-      <a:fontRef idx="minor">
-        <a:schemeClr val="lt1"/>
-      </a:fontRef>
-    </dgm:style>
-  </dgm:styleLbl>
-  <dgm:styleLbl name="node1">
-    <dgm:scene3d>
-      <a:camera prst="orthographicFront"/>
-      <a:lightRig rig="threePt" dir="t"/>
-    </dgm:scene3d>
-    <dgm:sp3d/>
-    <dgm:txPr/>
-    <dgm:style>
-      <a:lnRef idx="2">
-        <a:scrgbClr r="0" g="0" b="0"/>
-      </a:lnRef>
-      <a:fillRef idx="1">
-        <a:scrgbClr r="0" g="0" b="0"/>
-      </a:fillRef>
-      <a:effectRef idx="0">
-        <a:scrgbClr r="0" g="0" b="0"/>
-      </a:effectRef>
-      <a:fontRef idx="minor">
-        <a:schemeClr val="lt1"/>
-      </a:fontRef>
-    </dgm:style>
-  </dgm:styleLbl>
-  <dgm:styleLbl name="node2">
-    <dgm:scene3d>
-      <a:camera prst="orthographicFront"/>
-      <a:lightRig rig="threePt" dir="t"/>
-    </dgm:scene3d>
-    <dgm:sp3d/>
-    <dgm:txPr/>
-    <dgm:style>
-      <a:lnRef idx="2">
-        <a:scrgbClr r="0" g="0" b="0"/>
-      </a:lnRef>
-      <a:fillRef idx="1">
-        <a:scrgbClr r="0" g="0" b="0"/>
-      </a:fillRef>
-      <a:effectRef idx="0">
-        <a:scrgbClr r="0" g="0" b="0"/>
-      </a:effectRef>
-      <a:fontRef idx="minor">
-        <a:schemeClr val="lt1"/>
-      </a:fontRef>
-    </dgm:style>
-  </dgm:styleLbl>
-  <dgm:styleLbl name="node3">
-    <dgm:scene3d>
-      <a:camera prst="orthographicFront"/>
-      <a:lightRig rig="threePt" dir="t"/>
-    </dgm:scene3d>
-    <dgm:sp3d/>
-    <dgm:txPr/>
-    <dgm:style>
-      <a:lnRef idx="2">
-        <a:scrgbClr r="0" g="0" b="0"/>
-      </a:lnRef>
-      <a:fillRef idx="1">
-        <a:scrgbClr r="0" g="0" b="0"/>
-      </a:fillRef>
-      <a:effectRef idx="0">
-        <a:scrgbClr r="0" g="0" b="0"/>
-      </a:effectRef>
-      <a:fontRef idx="minor">
-        <a:schemeClr val="lt1"/>
-      </a:fontRef>
-    </dgm:style>
-  </dgm:styleLbl>
-  <dgm:styleLbl name="node4">
-    <dgm:scene3d>
-      <a:camera prst="orthographicFront"/>
-      <a:lightRig rig="threePt" dir="t"/>
-    </dgm:scene3d>
-    <dgm:sp3d/>
-    <dgm:txPr/>
-    <dgm:style>
-      <a:lnRef idx="2">
-        <a:scrgbClr r="0" g="0" b="0"/>
-      </a:lnRef>
-      <a:fillRef idx="1">
-        <a:scrgbClr r="0" g="0" b="0"/>
-      </a:fillRef>
-      <a:effectRef idx="0">
-        <a:scrgbClr r="0" g="0" b="0"/>
-      </a:effectRef>
-      <a:fontRef idx="minor">
-        <a:schemeClr val="lt1"/>
-      </a:fontRef>
-    </dgm:style>
-  </dgm:styleLbl>
-  <dgm:styleLbl name="fgImgPlace1">
-    <dgm:scene3d>
-      <a:camera prst="orthographicFront"/>
-      <a:lightRig rig="threePt" dir="t"/>
-    </dgm:scene3d>
-    <dgm:sp3d/>
-    <dgm:txPr/>
-    <dgm:style>
-      <a:lnRef idx="2">
-        <a:scrgbClr r="0" g="0" b="0"/>
-      </a:lnRef>
-      <a:fillRef idx="1">
-        <a:scrgbClr r="0" g="0" b="0"/>
-      </a:fillRef>
-      <a:effectRef idx="0">
-        <a:scrgbClr r="0" g="0" b="0"/>
-      </a:effectRef>
-      <a:fontRef idx="minor"/>
-    </dgm:style>
-  </dgm:styleLbl>
-  <dgm:styleLbl name="alignImgPlace1">
-    <dgm:scene3d>
-      <a:camera prst="orthographicFront"/>
-      <a:lightRig rig="threePt" dir="t"/>
-    </dgm:scene3d>
-    <dgm:sp3d/>
-    <dgm:txPr/>
-    <dgm:style>
-      <a:lnRef idx="2">
-        <a:scrgbClr r="0" g="0" b="0"/>
-      </a:lnRef>
-      <a:fillRef idx="1">
-        <a:scrgbClr r="0" g="0" b="0"/>
-      </a:fillRef>
-      <a:effectRef idx="0">
-        <a:scrgbClr r="0" g="0" b="0"/>
-      </a:effectRef>
-      <a:fontRef idx="minor"/>
-    </dgm:style>
-  </dgm:styleLbl>
-  <dgm:styleLbl name="bgImgPlace1">
-    <dgm:scene3d>
-      <a:camera prst="orthographicFront"/>
-      <a:lightRig rig="threePt" dir="t"/>
-    </dgm:scene3d>
-    <dgm:sp3d/>
-    <dgm:txPr/>
-    <dgm:style>
-      <a:lnRef idx="2">
-        <a:scrgbClr r="0" g="0" b="0"/>
-      </a:lnRef>
-      <a:fillRef idx="1">
-        <a:scrgbClr r="0" g="0" b="0"/>
-      </a:fillRef>
-      <a:effectRef idx="0">
-        <a:scrgbClr r="0" g="0" b="0"/>
-      </a:effectRef>
-      <a:fontRef idx="minor"/>
-    </dgm:style>
-  </dgm:styleLbl>
-  <dgm:styleLbl name="sibTrans2D1">
-    <dgm:scene3d>
-      <a:camera prst="orthographicFront"/>
-      <a:lightRig rig="threePt" dir="t"/>
-    </dgm:scene3d>
-    <dgm:sp3d/>
-    <dgm:txPr/>
-    <dgm:style>
-      <a:lnRef idx="0">
-        <a:scrgbClr r="0" g="0" b="0"/>
-      </a:lnRef>
-      <a:fillRef idx="1">
-        <a:scrgbClr r="0" g="0" b="0"/>
-      </a:fillRef>
-      <a:effectRef idx="0">
-        <a:scrgbClr r="0" g="0" b="0"/>
-      </a:effectRef>
-      <a:fontRef idx="minor">
-        <a:schemeClr val="lt1"/>
-      </a:fontRef>
-    </dgm:style>
-  </dgm:styleLbl>
-  <dgm:styleLbl name="fgSibTrans2D1">
-    <dgm:scene3d>
-      <a:camera prst="orthographicFront"/>
-      <a:lightRig rig="threePt" dir="t"/>
-    </dgm:scene3d>
-    <dgm:sp3d/>
-    <dgm:txPr/>
-    <dgm:style>
-      <a:lnRef idx="0">
-        <a:scrgbClr r="0" g="0" b="0"/>
-      </a:lnRef>
-      <a:fillRef idx="1">
-        <a:scrgbClr r="0" g="0" b="0"/>
-      </a:fillRef>
-      <a:effectRef idx="0">
-        <a:scrgbClr r="0" g="0" b="0"/>
-      </a:effectRef>
-      <a:fontRef idx="minor">
-        <a:schemeClr val="lt1"/>
-      </a:fontRef>
-    </dgm:style>
-  </dgm:styleLbl>
-  <dgm:styleLbl name="bgSibTrans2D1">
-    <dgm:scene3d>
-      <a:camera prst="orthographicFront"/>
-      <a:lightRig rig="threePt" dir="t"/>
-    </dgm:scene3d>
-    <dgm:sp3d/>
-    <dgm:txPr/>
-    <dgm:style>
-      <a:lnRef idx="0">
-        <a:scrgbClr r="0" g="0" b="0"/>
-      </a:lnRef>
-      <a:fillRef idx="1">
-        <a:scrgbClr r="0" g="0" b="0"/>
-      </a:fillRef>
-      <a:effectRef idx="0">
-        <a:scrgbClr r="0" g="0" b="0"/>
-      </a:effectRef>
-      <a:fontRef idx="minor">
-        <a:schemeClr val="lt1"/>
-      </a:fontRef>
-    </dgm:style>
-  </dgm:styleLbl>
-  <dgm:styleLbl name="sibTrans1D1">
-    <dgm:scene3d>
-      <a:camera prst="orthographicFront"/>
-      <a:lightRig rig="threePt" dir="t"/>
-    </dgm:scene3d>
-    <dgm:sp3d/>
-    <dgm:txPr/>
-    <dgm:style>
-      <a:lnRef idx="1">
-        <a:scrgbClr r="0" g="0" b="0"/>
-      </a:lnRef>
-      <a:fillRef idx="0">
-        <a:scrgbClr r="0" g="0" b="0"/>
-      </a:fillRef>
-      <a:effectRef idx="0">
-        <a:scrgbClr r="0" g="0" b="0"/>
-      </a:effectRef>
-      <a:fontRef idx="minor"/>
-    </dgm:style>
-  </dgm:styleLbl>
-  <dgm:styleLbl name="callout">
-    <dgm:scene3d>
-      <a:camera prst="orthographicFront"/>
-      <a:lightRig rig="threePt" dir="t"/>
-    </dgm:scene3d>
-    <dgm:sp3d/>
-    <dgm:txPr/>
-    <dgm:style>
-      <a:lnRef idx="2">
-        <a:scrgbClr r="0" g="0" b="0"/>
-      </a:lnRef>
-      <a:fillRef idx="1">
-        <a:scrgbClr r="0" g="0" b="0"/>
-      </a:fillRef>
-      <a:effectRef idx="0">
-        <a:scrgbClr r="0" g="0" b="0"/>
-      </a:effectRef>
-      <a:fontRef idx="minor"/>
-    </dgm:style>
-  </dgm:styleLbl>
-  <dgm:styleLbl name="asst0">
-    <dgm:scene3d>
-      <a:camera prst="orthographicFront"/>
-      <a:lightRig rig="threePt" dir="t"/>
-    </dgm:scene3d>
-    <dgm:sp3d/>
-    <dgm:txPr/>
-    <dgm:style>
-      <a:lnRef idx="2">
-        <a:scrgbClr r="0" g="0" b="0"/>
-      </a:lnRef>
-      <a:fillRef idx="1">
-        <a:scrgbClr r="0" g="0" b="0"/>
-      </a:fillRef>
-      <a:effectRef idx="0">
-        <a:scrgbClr r="0" g="0" b="0"/>
-      </a:effectRef>
-      <a:fontRef idx="minor">
-        <a:schemeClr val="lt1"/>
-      </a:fontRef>
-    </dgm:style>
-  </dgm:styleLbl>
-  <dgm:styleLbl name="asst1">
-    <dgm:scene3d>
-      <a:camera prst="orthographicFront"/>
-      <a:lightRig rig="threePt" dir="t"/>
-    </dgm:scene3d>
-    <dgm:sp3d/>
-    <dgm:txPr/>
-    <dgm:style>
-      <a:lnRef idx="2">
-        <a:scrgbClr r="0" g="0" b="0"/>
-      </a:lnRef>
-      <a:fillRef idx="1">
-        <a:scrgbClr r="0" g="0" b="0"/>
-      </a:fillRef>
-      <a:effectRef idx="0">
-        <a:scrgbClr r="0" g="0" b="0"/>
-      </a:effectRef>
-      <a:fontRef idx="minor">
-        <a:schemeClr val="lt1"/>
-      </a:fontRef>
-    </dgm:style>
-  </dgm:styleLbl>
-  <dgm:styleLbl name="asst2">
-    <dgm:scene3d>
-      <a:camera prst="orthographicFront"/>
-      <a:lightRig rig="threePt" dir="t"/>
-    </dgm:scene3d>
-    <dgm:sp3d/>
-    <dgm:txPr/>
-    <dgm:style>
-      <a:lnRef idx="2">
-        <a:scrgbClr r="0" g="0" b="0"/>
-      </a:lnRef>
-      <a:fillRef idx="1">
-        <a:scrgbClr r="0" g="0" b="0"/>
-      </a:fillRef>
-      <a:effectRef idx="0">
-        <a:scrgbClr r="0" g="0" b="0"/>
-      </a:effectRef>
-      <a:fontRef idx="minor">
-        <a:schemeClr val="lt1"/>
-      </a:fontRef>
-    </dgm:style>
-  </dgm:styleLbl>
-  <dgm:styleLbl name="asst3">
-    <dgm:scene3d>
-      <a:camera prst="orthographicFront"/>
-      <a:lightRig rig="threePt" dir="t"/>
-    </dgm:scene3d>
-    <dgm:sp3d/>
-    <dgm:txPr/>
-    <dgm:style>
-      <a:lnRef idx="2">
-        <a:scrgbClr r="0" g="0" b="0"/>
-      </a:lnRef>
-      <a:fillRef idx="1">
-        <a:scrgbClr r="0" g="0" b="0"/>
-      </a:fillRef>
-      <a:effectRef idx="0">
-        <a:scrgbClr r="0" g="0" b="0"/>
-      </a:effectRef>
-      <a:fontRef idx="minor">
-        <a:schemeClr val="lt1"/>
-      </a:fontRef>
-    </dgm:style>
-  </dgm:styleLbl>
-  <dgm:styleLbl name="asst4">
-    <dgm:scene3d>
-      <a:camera prst="orthographicFront"/>
-      <a:lightRig rig="threePt" dir="t"/>
-    </dgm:scene3d>
-    <dgm:sp3d/>
-    <dgm:txPr/>
-    <dgm:style>
-      <a:lnRef idx="2">
-        <a:scrgbClr r="0" g="0" b="0"/>
-      </a:lnRef>
-      <a:fillRef idx="1">
-        <a:scrgbClr r="0" g="0" b="0"/>
-      </a:fillRef>
-      <a:effectRef idx="0">
-        <a:scrgbClr r="0" g="0" b="0"/>
-      </a:effectRef>
-      <a:fontRef idx="minor">
-        <a:schemeClr val="lt1"/>
-      </a:fontRef>
-    </dgm:style>
-  </dgm:styleLbl>
-  <dgm:styleLbl name="parChTrans2D1">
-    <dgm:scene3d>
-      <a:camera prst="orthographicFront"/>
-      <a:lightRig rig="threePt" dir="t"/>
-    </dgm:scene3d>
-    <dgm:sp3d/>
-    <dgm:txPr/>
-    <dgm:style>
-      <a:lnRef idx="2">
-        <a:scrgbClr r="0" g="0" b="0"/>
-      </a:lnRef>
-      <a:fillRef idx="1">
-        <a:scrgbClr r="0" g="0" b="0"/>
-      </a:fillRef>
-      <a:effectRef idx="0">
-        <a:scrgbClr r="0" g="0" b="0"/>
-      </a:effectRef>
-      <a:fontRef idx="minor">
-        <a:schemeClr val="lt1"/>
-      </a:fontRef>
-    </dgm:style>
-  </dgm:styleLbl>
-  <dgm:styleLbl name="parChTrans2D2">
-    <dgm:scene3d>
-      <a:camera prst="orthographicFront"/>
-      <a:lightRig rig="threePt" dir="t"/>
-    </dgm:scene3d>
-    <dgm:sp3d/>
-    <dgm:txPr/>
-    <dgm:style>
-      <a:lnRef idx="2">
-        <a:scrgbClr r="0" g="0" b="0"/>
-      </a:lnRef>
-      <a:fillRef idx="1">
-        <a:scrgbClr r="0" g="0" b="0"/>
-      </a:fillRef>
-      <a:effectRef idx="0">
-        <a:scrgbClr r="0" g="0" b="0"/>
-      </a:effectRef>
-      <a:fontRef idx="minor">
-        <a:schemeClr val="lt1"/>
-      </a:fontRef>
-    </dgm:style>
-  </dgm:styleLbl>
-  <dgm:styleLbl name="parChTrans2D3">
-    <dgm:scene3d>
-      <a:camera prst="orthographicFront"/>
-      <a:lightRig rig="threePt" dir="t"/>
-    </dgm:scene3d>
-    <dgm:sp3d/>
-    <dgm:txPr/>
-    <dgm:style>
-      <a:lnRef idx="2">
-        <a:scrgbClr r="0" g="0" b="0"/>
-      </a:lnRef>
-      <a:fillRef idx="1">
-        <a:scrgbClr r="0" g="0" b="0"/>
-      </a:fillRef>
-      <a:effectRef idx="0">
-        <a:scrgbClr r="0" g="0" b="0"/>
-      </a:effectRef>
-      <a:fontRef idx="minor">
-        <a:schemeClr val="lt1"/>
-      </a:fontRef>
-    </dgm:style>
-  </dgm:styleLbl>
-  <dgm:styleLbl name="parChTrans2D4">
-    <dgm:scene3d>
-      <a:camera prst="orthographicFront"/>
-      <a:lightRig rig="threePt" dir="t"/>
-    </dgm:scene3d>
-    <dgm:sp3d/>
-    <dgm:txPr/>
-    <dgm:style>
-      <a:lnRef idx="2">
-        <a:scrgbClr r="0" g="0" b="0"/>
-      </a:lnRef>
-      <a:fillRef idx="1">
-        <a:scrgbClr r="0" g="0" b="0"/>
-      </a:fillRef>
-      <a:effectRef idx="0">
-        <a:scrgbClr r="0" g="0" b="0"/>
-      </a:effectRef>
-      <a:fontRef idx="minor">
-        <a:schemeClr val="lt1"/>
-      </a:fontRef>
-    </dgm:style>
-  </dgm:styleLbl>
-  <dgm:styleLbl name="parChTrans1D1">
-    <dgm:scene3d>
-      <a:camera prst="orthographicFront"/>
-      <a:lightRig rig="threePt" dir="t"/>
-    </dgm:scene3d>
-    <dgm:sp3d/>
-    <dgm:txPr/>
-    <dgm:style>
-      <a:lnRef idx="2">
-        <a:scrgbClr r="0" g="0" b="0"/>
-      </a:lnRef>
-      <a:fillRef idx="0">
-        <a:scrgbClr r="0" g="0" b="0"/>
-      </a:fillRef>
-      <a:effectRef idx="0">
-        <a:scrgbClr r="0" g="0" b="0"/>
-      </a:effectRef>
-      <a:fontRef idx="minor"/>
-    </dgm:style>
-  </dgm:styleLbl>
-  <dgm:styleLbl name="parChTrans1D2">
-    <dgm:scene3d>
-      <a:camera prst="orthographicFront"/>
-      <a:lightRig rig="threePt" dir="t"/>
-    </dgm:scene3d>
-    <dgm:sp3d/>
-    <dgm:txPr/>
-    <dgm:style>
-      <a:lnRef idx="2">
-        <a:scrgbClr r="0" g="0" b="0"/>
-      </a:lnRef>
-      <a:fillRef idx="0">
-        <a:scrgbClr r="0" g="0" b="0"/>
-      </a:fillRef>
-      <a:effectRef idx="0">
-        <a:scrgbClr r="0" g="0" b="0"/>
-      </a:effectRef>
-      <a:fontRef idx="minor"/>
-    </dgm:style>
-  </dgm:styleLbl>
-  <dgm:styleLbl name="parChTrans1D3">
-    <dgm:scene3d>
-      <a:camera prst="orthographicFront"/>
-      <a:lightRig rig="threePt" dir="t"/>
-    </dgm:scene3d>
-    <dgm:sp3d/>
-    <dgm:txPr/>
-    <dgm:style>
-      <a:lnRef idx="2">
-        <a:scrgbClr r="0" g="0" b="0"/>
-      </a:lnRef>
-      <a:fillRef idx="0">
-        <a:scrgbClr r="0" g="0" b="0"/>
-      </a:fillRef>
-      <a:effectRef idx="0">
-        <a:scrgbClr r="0" g="0" b="0"/>
-      </a:effectRef>
-      <a:fontRef idx="minor"/>
-    </dgm:style>
-  </dgm:styleLbl>
-  <dgm:styleLbl name="parChTrans1D4">
-    <dgm:scene3d>
-      <a:camera prst="orthographicFront"/>
-      <a:lightRig rig="threePt" dir="t"/>
-    </dgm:scene3d>
-    <dgm:sp3d/>
-    <dgm:txPr/>
-    <dgm:style>
-      <a:lnRef idx="2">
-        <a:scrgbClr r="0" g="0" b="0"/>
-      </a:lnRef>
-      <a:fillRef idx="0">
-        <a:scrgbClr r="0" g="0" b="0"/>
-      </a:fillRef>
-      <a:effectRef idx="0">
-        <a:scrgbClr r="0" g="0" b="0"/>
-      </a:effectRef>
-      <a:fontRef idx="minor"/>
-    </dgm:style>
-  </dgm:styleLbl>
-  <dgm:styleLbl name="fgAcc1">
-    <dgm:scene3d>
-      <a:camera prst="orthographicFront"/>
-      <a:lightRig rig="threePt" dir="t"/>
-    </dgm:scene3d>
-    <dgm:sp3d/>
-    <dgm:txPr/>
-    <dgm:style>
-      <a:lnRef idx="2">
-        <a:scrgbClr r="0" g="0" b="0"/>
-      </a:lnRef>
-      <a:fillRef idx="1">
-        <a:scrgbClr r="0" g="0" b="0"/>
-      </a:fillRef>
-      <a:effectRef idx="0">
-        <a:scrgbClr r="0" g="0" b="0"/>
-      </a:effectRef>
-      <a:fontRef idx="minor"/>
-    </dgm:style>
-  </dgm:styleLbl>
-  <dgm:styleLbl name="conFgAcc1">
-    <dgm:scene3d>
-      <a:camera prst="orthographicFront"/>
-      <a:lightRig rig="threePt" dir="t"/>
-    </dgm:scene3d>
-    <dgm:sp3d/>
-    <dgm:txPr/>
-    <dgm:style>
-      <a:lnRef idx="2">
-        <a:scrgbClr r="0" g="0" b="0"/>
-      </a:lnRef>
-      <a:fillRef idx="1">
-        <a:scrgbClr r="0" g="0" b="0"/>
-      </a:fillRef>
-      <a:effectRef idx="0">
-        <a:scrgbClr r="0" g="0" b="0"/>
-      </a:effectRef>
-      <a:fontRef idx="minor"/>
-    </dgm:style>
-  </dgm:styleLbl>
-  <dgm:styleLbl name="alignAcc1">
-    <dgm:scene3d>
-      <a:camera prst="orthographicFront"/>
-      <a:lightRig rig="threePt" dir="t"/>
-    </dgm:scene3d>
-    <dgm:sp3d/>
-    <dgm:txPr/>
-    <dgm:style>
-      <a:lnRef idx="2">
-        <a:scrgbClr r="0" g="0" b="0"/>
-      </a:lnRef>
-      <a:fillRef idx="1">
-        <a:scrgbClr r="0" g="0" b="0"/>
-      </a:fillRef>
-      <a:effectRef idx="0">
-        <a:scrgbClr r="0" g="0" b="0"/>
-      </a:effectRef>
-      <a:fontRef idx="minor"/>
-    </dgm:style>
-  </dgm:styleLbl>
-  <dgm:styleLbl name="trAlignAcc1">
-    <dgm:scene3d>
-      <a:camera prst="orthographicFront"/>
-      <a:lightRig rig="threePt" dir="t"/>
-    </dgm:scene3d>
-    <dgm:sp3d/>
-    <dgm:txPr/>
-    <dgm:style>
-      <a:lnRef idx="1">
-        <a:scrgbClr r="0" g="0" b="0"/>
-      </a:lnRef>
-      <a:fillRef idx="1">
-        <a:scrgbClr r="0" g="0" b="0"/>
-      </a:fillRef>
-      <a:effectRef idx="0">
-        <a:scrgbClr r="0" g="0" b="0"/>
-      </a:effectRef>
-      <a:fontRef idx="minor"/>
-    </dgm:style>
-  </dgm:styleLbl>
-  <dgm:styleLbl name="bgAcc1">
-    <dgm:scene3d>
-      <a:camera prst="orthographicFront"/>
-      <a:lightRig rig="threePt" dir="t"/>
-    </dgm:scene3d>
-    <dgm:sp3d/>
-    <dgm:txPr/>
-    <dgm:style>
-      <a:lnRef idx="2">
-        <a:scrgbClr r="0" g="0" b="0"/>
-      </a:lnRef>
-      <a:fillRef idx="1">
-        <a:scrgbClr r="0" g="0" b="0"/>
-      </a:fillRef>
-      <a:effectRef idx="0">
-        <a:scrgbClr r="0" g="0" b="0"/>
-      </a:effectRef>
-      <a:fontRef idx="minor"/>
-    </dgm:style>
-  </dgm:styleLbl>
-  <dgm:styleLbl name="solidFgAcc1">
-    <dgm:scene3d>
-      <a:camera prst="orthographicFront"/>
-      <a:lightRig rig="threePt" dir="t"/>
-    </dgm:scene3d>
-    <dgm:sp3d/>
-    <dgm:txPr/>
-    <dgm:style>
-      <a:lnRef idx="2">
-        <a:scrgbClr r="0" g="0" b="0"/>
-      </a:lnRef>
-      <a:fillRef idx="1">
-        <a:scrgbClr r="0" g="0" b="0"/>
-      </a:fillRef>
-      <a:effectRef idx="0">
-        <a:scrgbClr r="0" g="0" b="0"/>
-      </a:effectRef>
-      <a:fontRef idx="minor"/>
-    </dgm:style>
-  </dgm:styleLbl>
-  <dgm:styleLbl name="solidAlignAcc1">
-    <dgm:scene3d>
-      <a:camera prst="orthographicFront"/>
-      <a:lightRig rig="threePt" dir="t"/>
-    </dgm:scene3d>
-    <dgm:sp3d/>
-    <dgm:txPr/>
-    <dgm:style>
-      <a:lnRef idx="2">
-        <a:scrgbClr r="0" g="0" b="0"/>
-      </a:lnRef>
-      <a:fillRef idx="1">
-        <a:scrgbClr r="0" g="0" b="0"/>
-      </a:fillRef>
-      <a:effectRef idx="0">
-        <a:scrgbClr r="0" g="0" b="0"/>
-      </a:effectRef>
-      <a:fontRef idx="minor"/>
-    </dgm:style>
-  </dgm:styleLbl>
-  <dgm:styleLbl name="solidBgAcc1">
-    <dgm:scene3d>
-      <a:camera prst="orthographicFront"/>
-      <a:lightRig rig="threePt" dir="t"/>
-    </dgm:scene3d>
-    <dgm:sp3d/>
-    <dgm:txPr/>
-    <dgm:style>
-      <a:lnRef idx="2">
-        <a:scrgbClr r="0" g="0" b="0"/>
-      </a:lnRef>
-      <a:fillRef idx="1">
-        <a:scrgbClr r="0" g="0" b="0"/>
-      </a:fillRef>
-      <a:effectRef idx="0">
-        <a:scrgbClr r="0" g="0" b="0"/>
-      </a:effectRef>
-      <a:fontRef idx="minor"/>
-    </dgm:style>
-  </dgm:styleLbl>
-  <dgm:styleLbl name="fgAccFollowNode1">
-    <dgm:scene3d>
-      <a:camera prst="orthographicFront"/>
-      <a:lightRig rig="threePt" dir="t"/>
-    </dgm:scene3d>
-    <dgm:sp3d/>
-    <dgm:txPr/>
-    <dgm:style>
-      <a:lnRef idx="2">
-        <a:scrgbClr r="0" g="0" b="0"/>
-      </a:lnRef>
-      <a:fillRef idx="1">
-        <a:scrgbClr r="0" g="0" b="0"/>
-      </a:fillRef>
-      <a:effectRef idx="0">
-        <a:scrgbClr r="0" g="0" b="0"/>
-      </a:effectRef>
-      <a:fontRef idx="minor"/>
-    </dgm:style>
-  </dgm:styleLbl>
-  <dgm:styleLbl name="alignAccFollowNode1">
-    <dgm:scene3d>
-      <a:camera prst="orthographicFront"/>
-      <a:lightRig rig="threePt" dir="t"/>
-    </dgm:scene3d>
-    <dgm:sp3d/>
-    <dgm:txPr/>
-    <dgm:style>
-      <a:lnRef idx="2">
-        <a:scrgbClr r="0" g="0" b="0"/>
-      </a:lnRef>
-      <a:fillRef idx="1">
-        <a:scrgbClr r="0" g="0" b="0"/>
-      </a:fillRef>
-      <a:effectRef idx="0">
-        <a:scrgbClr r="0" g="0" b="0"/>
-      </a:effectRef>
-      <a:fontRef idx="minor"/>
-    </dgm:style>
-  </dgm:styleLbl>
-  <dgm:styleLbl name="bgAccFollowNode1">
-    <dgm:scene3d>
-      <a:camera prst="orthographicFront"/>
-      <a:lightRig rig="threePt" dir="t"/>
-    </dgm:scene3d>
-    <dgm:sp3d/>
-    <dgm:txPr/>
-    <dgm:style>
-      <a:lnRef idx="2">
-        <a:scrgbClr r="0" g="0" b="0"/>
-      </a:lnRef>
-      <a:fillRef idx="1">
-        <a:scrgbClr r="0" g="0" b="0"/>
-      </a:fillRef>
-      <a:effectRef idx="0">
-        <a:scrgbClr r="0" g="0" b="0"/>
-      </a:effectRef>
-      <a:fontRef idx="minor"/>
-    </dgm:style>
-  </dgm:styleLbl>
-  <dgm:styleLbl name="fgAcc0">
-    <dgm:scene3d>
-      <a:camera prst="orthographicFront"/>
-      <a:lightRig rig="threePt" dir="t"/>
-    </dgm:scene3d>
-    <dgm:sp3d/>
-    <dgm:txPr/>
-    <dgm:style>
-      <a:lnRef idx="2">
-        <a:scrgbClr r="0" g="0" b="0"/>
-      </a:lnRef>
-      <a:fillRef idx="1">
-        <a:scrgbClr r="0" g="0" b="0"/>
-      </a:fillRef>
-      <a:effectRef idx="0">
-        <a:scrgbClr r="0" g="0" b="0"/>
-      </a:effectRef>
-      <a:fontRef idx="minor"/>
-    </dgm:style>
-  </dgm:styleLbl>
-  <dgm:styleLbl name="fgAcc2">
-    <dgm:scene3d>
-      <a:camera prst="orthographicFront"/>
-      <a:lightRig rig="threePt" dir="t"/>
-    </dgm:scene3d>
-    <dgm:sp3d/>
-    <dgm:txPr/>
-    <dgm:style>
-      <a:lnRef idx="2">
-        <a:scrgbClr r="0" g="0" b="0"/>
-      </a:lnRef>
-      <a:fillRef idx="1">
-        <a:scrgbClr r="0" g="0" b="0"/>
-      </a:fillRef>
-      <a:effectRef idx="0">
-        <a:scrgbClr r="0" g="0" b="0"/>
-      </a:effectRef>
-      <a:fontRef idx="minor"/>
-    </dgm:style>
-  </dgm:styleLbl>
-  <dgm:styleLbl name="fgAcc3">
-    <dgm:scene3d>
-      <a:camera prst="orthographicFront"/>
-      <a:lightRig rig="threePt" dir="t"/>
-    </dgm:scene3d>
-    <dgm:sp3d/>
-    <dgm:txPr/>
-    <dgm:style>
-      <a:lnRef idx="2">
-        <a:scrgbClr r="0" g="0" b="0"/>
-      </a:lnRef>
-      <a:fillRef idx="1">
-        <a:scrgbClr r="0" g="0" b="0"/>
-      </a:fillRef>
-      <a:effectRef idx="0">
-        <a:scrgbClr r="0" g="0" b="0"/>
-      </a:effectRef>
-      <a:fontRef idx="minor"/>
-    </dgm:style>
-  </dgm:styleLbl>
-  <dgm:styleLbl name="fgAcc4">
-    <dgm:scene3d>
-      <a:camera prst="orthographicFront"/>
-      <a:lightRig rig="threePt" dir="t"/>
-    </dgm:scene3d>
-    <dgm:sp3d/>
-    <dgm:txPr/>
-    <dgm:style>
-      <a:lnRef idx="2">
-        <a:scrgbClr r="0" g="0" b="0"/>
-      </a:lnRef>
-      <a:fillRef idx="1">
-        <a:scrgbClr r="0" g="0" b="0"/>
-      </a:fillRef>
-      <a:effectRef idx="0">
-        <a:scrgbClr r="0" g="0" b="0"/>
-      </a:effectRef>
-      <a:fontRef idx="minor"/>
-    </dgm:style>
-  </dgm:styleLbl>
-  <dgm:styleLbl name="bgShp">
-    <dgm:scene3d>
-      <a:camera prst="orthographicFront"/>
-      <a:lightRig rig="threePt" dir="t"/>
-    </dgm:scene3d>
-    <dgm:sp3d/>
-    <dgm:txPr/>
-    <dgm:style>
-      <a:lnRef idx="0">
-        <a:scrgbClr r="0" g="0" b="0"/>
-      </a:lnRef>
-      <a:fillRef idx="1">
-        <a:scrgbClr r="0" g="0" b="0"/>
-      </a:fillRef>
-      <a:effectRef idx="0">
-        <a:scrgbClr r="0" g="0" b="0"/>
-      </a:effectRef>
-      <a:fontRef idx="minor"/>
-    </dgm:style>
-  </dgm:styleLbl>
-  <dgm:styleLbl name="dkBgShp">
-    <dgm:scene3d>
-      <a:camera prst="orthographicFront"/>
-      <a:lightRig rig="threePt" dir="t"/>
-    </dgm:scene3d>
-    <dgm:sp3d/>
-    <dgm:txPr/>
-    <dgm:style>
-      <a:lnRef idx="0">
-        <a:scrgbClr r="0" g="0" b="0"/>
-      </a:lnRef>
-      <a:fillRef idx="1">
-        <a:scrgbClr r="0" g="0" b="0"/>
-      </a:fillRef>
-      <a:effectRef idx="0">
-        <a:scrgbClr r="0" g="0" b="0"/>
-      </a:effectRef>
-      <a:fontRef idx="minor"/>
-    </dgm:style>
-  </dgm:styleLbl>
-  <dgm:styleLbl name="trBgShp">
-    <dgm:scene3d>
-      <a:camera prst="orthographicFront"/>
-      <a:lightRig rig="threePt" dir="t"/>
-    </dgm:scene3d>
-    <dgm:sp3d/>
-    <dgm:txPr/>
-    <dgm:style>
-      <a:lnRef idx="0">
-        <a:scrgbClr r="0" g="0" b="0"/>
-      </a:lnRef>
-      <a:fillRef idx="1">
-        <a:scrgbClr r="0" g="0" b="0"/>
-      </a:fillRef>
-      <a:effectRef idx="0">
-        <a:scrgbClr r="0" g="0" b="0"/>
-      </a:effectRef>
-      <a:fontRef idx="minor"/>
-    </dgm:style>
-  </dgm:styleLbl>
-  <dgm:styleLbl name="fgShp">
-    <dgm:scene3d>
-      <a:camera prst="orthographicFront"/>
-      <a:lightRig rig="threePt" dir="t"/>
-    </dgm:scene3d>
-    <dgm:sp3d/>
-    <dgm:txPr/>
-    <dgm:style>
-      <a:lnRef idx="2">
-        <a:scrgbClr r="0" g="0" b="0"/>
-      </a:lnRef>
-      <a:fillRef idx="1">
-        <a:scrgbClr r="0" g="0" b="0"/>
-      </a:fillRef>
-      <a:effectRef idx="0">
-        <a:scrgbClr r="0" g="0" b="0"/>
-      </a:effectRef>
-      <a:fontRef idx="minor"/>
-    </dgm:style>
-  </dgm:styleLbl>
-  <dgm:styleLbl name="revTx">
-    <dgm:scene3d>
-      <a:camera prst="orthographicFront"/>
-      <a:lightRig rig="threePt" dir="t"/>
-    </dgm:scene3d>
-    <dgm:sp3d/>
-    <dgm:txPr/>
-    <dgm:style>
-      <a:lnRef idx="0">
-        <a:scrgbClr r="0" g="0" b="0"/>
-      </a:lnRef>
-      <a:fillRef idx="0">
-        <a:scrgbClr r="0" g="0" b="0"/>
-      </a:fillRef>
-      <a:effectRef idx="0">
-        <a:scrgbClr r="0" g="0" b="0"/>
-      </a:effectRef>
-      <a:fontRef idx="minor"/>
-    </dgm:style>
-  </dgm:styleLbl>
-</dgm:styleDef>
-</file>
-
-<file path=ppt/diagrams/quickStyle6.xml><?xml version="1.0" encoding="utf-8"?>
 <dgm:styleDef xmlns:dgm="http://schemas.openxmlformats.org/drawingml/2006/diagram" xmlns:a="http://schemas.openxmlformats.org/drawingml/2006/main" uniqueId="urn:microsoft.com/office/officeart/2005/8/quickstyle/simple1">
   <dgm:title val=""/>
   <dgm:desc val=""/>
@@ -23829,6 +19997,639 @@
 </p:notes>
 </file>
 
+<file path=ppt/notesSlides/notesSlide10.xml><?xml version="1.0" encoding="utf-8"?>
+<p:notes xmlns:a="http://schemas.openxmlformats.org/drawingml/2006/main" xmlns:r="http://schemas.openxmlformats.org/officeDocument/2006/relationships" xmlns:p="http://schemas.openxmlformats.org/presentationml/2006/main">
+  <p:cSld>
+    <p:spTree>
+      <p:nvGrpSpPr>
+        <p:cNvPr id="1" name=""/>
+        <p:cNvGrpSpPr/>
+        <p:nvPr/>
+      </p:nvGrpSpPr>
+      <p:grpSpPr>
+        <a:xfrm>
+          <a:off x="0" y="0"/>
+          <a:ext cx="0" cy="0"/>
+          <a:chOff x="0" y="0"/>
+          <a:chExt cx="0" cy="0"/>
+        </a:xfrm>
+      </p:grpSpPr>
+      <p:sp>
+        <p:nvSpPr>
+          <p:cNvPr id="2" name="Slide Image Placeholder 1"/>
+          <p:cNvSpPr>
+            <a:spLocks noGrp="1" noRot="1" noChangeAspect="1"/>
+          </p:cNvSpPr>
+          <p:nvPr>
+            <p:ph type="sldImg"/>
+          </p:nvPr>
+        </p:nvSpPr>
+        <p:spPr/>
+      </p:sp>
+      <p:sp>
+        <p:nvSpPr>
+          <p:cNvPr id="3" name="Notes Placeholder 2"/>
+          <p:cNvSpPr>
+            <a:spLocks noGrp="1"/>
+          </p:cNvSpPr>
+          <p:nvPr>
+            <p:ph type="body" idx="1"/>
+          </p:nvPr>
+        </p:nvSpPr>
+        <p:spPr/>
+        <p:txBody>
+          <a:bodyPr/>
+          <a:lstStyle/>
+          <a:p>
+            <a:r>
+              <a:rPr lang="en-US" dirty="0"/>
+              <a:t>Why this paper?  (Benefits for group members)</a:t>
+            </a:r>
+          </a:p>
+          <a:p>
+            <a:r>
+              <a:rPr lang="en-US" dirty="0"/>
+              <a:t>&gt; nature: read by scientists from all backgrounds</a:t>
+            </a:r>
+          </a:p>
+          <a:p>
+            <a:r>
+              <a:rPr lang="en-US" dirty="0"/>
+              <a:t>&gt; nature: approachable # of figures</a:t>
+            </a:r>
+          </a:p>
+          <a:p>
+            <a:r>
+              <a:rPr lang="en-US" dirty="0"/>
+              <a:t>&gt; nature: should be well documented</a:t>
+            </a:r>
+          </a:p>
+          <a:p>
+            <a:r>
+              <a:rPr lang="en-US" dirty="0"/>
+              <a:t>&gt; Recent publication (2014), further justifying the potential for documentation</a:t>
+            </a:r>
+          </a:p>
+        </p:txBody>
+      </p:sp>
+      <p:sp>
+        <p:nvSpPr>
+          <p:cNvPr id="4" name="Slide Number Placeholder 3"/>
+          <p:cNvSpPr>
+            <a:spLocks noGrp="1"/>
+          </p:cNvSpPr>
+          <p:nvPr>
+            <p:ph type="sldNum" sz="quarter" idx="5"/>
+          </p:nvPr>
+        </p:nvSpPr>
+        <p:spPr/>
+        <p:txBody>
+          <a:bodyPr/>
+          <a:lstStyle/>
+          <a:p>
+            <a:fld id="{BB0F115E-096D-4D34-AC4F-E5CEA8111CE3}" type="slidenum">
+              <a:rPr lang="en-US" smtClean="0"/>
+              <a:t>21</a:t>
+            </a:fld>
+            <a:endParaRPr lang="en-US"/>
+          </a:p>
+        </p:txBody>
+      </p:sp>
+    </p:spTree>
+    <p:extLst>
+      <p:ext uri="{BB962C8B-B14F-4D97-AF65-F5344CB8AC3E}">
+        <p14:creationId xmlns:p14="http://schemas.microsoft.com/office/powerpoint/2010/main" val="793210096"/>
+      </p:ext>
+    </p:extLst>
+  </p:cSld>
+  <p:clrMapOvr>
+    <a:masterClrMapping/>
+  </p:clrMapOvr>
+</p:notes>
+</file>
+
+<file path=ppt/notesSlides/notesSlide11.xml><?xml version="1.0" encoding="utf-8"?>
+<p:notes xmlns:a="http://schemas.openxmlformats.org/drawingml/2006/main" xmlns:r="http://schemas.openxmlformats.org/officeDocument/2006/relationships" xmlns:p="http://schemas.openxmlformats.org/presentationml/2006/main">
+  <p:cSld>
+    <p:spTree>
+      <p:nvGrpSpPr>
+        <p:cNvPr id="1" name=""/>
+        <p:cNvGrpSpPr/>
+        <p:nvPr/>
+      </p:nvGrpSpPr>
+      <p:grpSpPr>
+        <a:xfrm>
+          <a:off x="0" y="0"/>
+          <a:ext cx="0" cy="0"/>
+          <a:chOff x="0" y="0"/>
+          <a:chExt cx="0" cy="0"/>
+        </a:xfrm>
+      </p:grpSpPr>
+      <p:sp>
+        <p:nvSpPr>
+          <p:cNvPr id="2" name="Slide Image Placeholder 1"/>
+          <p:cNvSpPr>
+            <a:spLocks noGrp="1" noRot="1" noChangeAspect="1"/>
+          </p:cNvSpPr>
+          <p:nvPr>
+            <p:ph type="sldImg"/>
+          </p:nvPr>
+        </p:nvSpPr>
+        <p:spPr/>
+      </p:sp>
+      <p:sp>
+        <p:nvSpPr>
+          <p:cNvPr id="3" name="Notes Placeholder 2"/>
+          <p:cNvSpPr>
+            <a:spLocks noGrp="1"/>
+          </p:cNvSpPr>
+          <p:nvPr>
+            <p:ph type="body" idx="1"/>
+          </p:nvPr>
+        </p:nvSpPr>
+        <p:spPr/>
+        <p:txBody>
+          <a:bodyPr/>
+          <a:lstStyle/>
+          <a:p>
+            <a:r>
+              <a:rPr lang="en-US" dirty="0"/>
+              <a:t>Our tree results</a:t>
+            </a:r>
+          </a:p>
+        </p:txBody>
+      </p:sp>
+      <p:sp>
+        <p:nvSpPr>
+          <p:cNvPr id="4" name="Slide Number Placeholder 3"/>
+          <p:cNvSpPr>
+            <a:spLocks noGrp="1"/>
+          </p:cNvSpPr>
+          <p:nvPr>
+            <p:ph type="sldNum" sz="quarter" idx="5"/>
+          </p:nvPr>
+        </p:nvSpPr>
+        <p:spPr/>
+        <p:txBody>
+          <a:bodyPr/>
+          <a:lstStyle/>
+          <a:p>
+            <a:fld id="{BB0F115E-096D-4D34-AC4F-E5CEA8111CE3}" type="slidenum">
+              <a:rPr lang="en-US" smtClean="0"/>
+              <a:t>22</a:t>
+            </a:fld>
+            <a:endParaRPr lang="en-US"/>
+          </a:p>
+        </p:txBody>
+      </p:sp>
+    </p:spTree>
+    <p:extLst>
+      <p:ext uri="{BB962C8B-B14F-4D97-AF65-F5344CB8AC3E}">
+        <p14:creationId xmlns:p14="http://schemas.microsoft.com/office/powerpoint/2010/main" val="189318883"/>
+      </p:ext>
+    </p:extLst>
+  </p:cSld>
+  <p:clrMapOvr>
+    <a:masterClrMapping/>
+  </p:clrMapOvr>
+</p:notes>
+</file>
+
+<file path=ppt/notesSlides/notesSlide12.xml><?xml version="1.0" encoding="utf-8"?>
+<p:notes xmlns:a="http://schemas.openxmlformats.org/drawingml/2006/main" xmlns:r="http://schemas.openxmlformats.org/officeDocument/2006/relationships" xmlns:p="http://schemas.openxmlformats.org/presentationml/2006/main">
+  <p:cSld>
+    <p:spTree>
+      <p:nvGrpSpPr>
+        <p:cNvPr id="1" name=""/>
+        <p:cNvGrpSpPr/>
+        <p:nvPr/>
+      </p:nvGrpSpPr>
+      <p:grpSpPr>
+        <a:xfrm>
+          <a:off x="0" y="0"/>
+          <a:ext cx="0" cy="0"/>
+          <a:chOff x="0" y="0"/>
+          <a:chExt cx="0" cy="0"/>
+        </a:xfrm>
+      </p:grpSpPr>
+      <p:sp>
+        <p:nvSpPr>
+          <p:cNvPr id="2" name="Slide Image Placeholder 1"/>
+          <p:cNvSpPr>
+            <a:spLocks noGrp="1" noRot="1" noChangeAspect="1"/>
+          </p:cNvSpPr>
+          <p:nvPr>
+            <p:ph type="sldImg"/>
+          </p:nvPr>
+        </p:nvSpPr>
+        <p:spPr/>
+      </p:sp>
+      <p:sp>
+        <p:nvSpPr>
+          <p:cNvPr id="3" name="Notes Placeholder 2"/>
+          <p:cNvSpPr>
+            <a:spLocks noGrp="1"/>
+          </p:cNvSpPr>
+          <p:nvPr>
+            <p:ph type="body" idx="1"/>
+          </p:nvPr>
+        </p:nvSpPr>
+        <p:spPr/>
+        <p:txBody>
+          <a:bodyPr/>
+          <a:lstStyle/>
+          <a:p>
+            <a:r>
+              <a:rPr lang="en-US" dirty="0"/>
+              <a:t>Tree results compared </a:t>
+            </a:r>
+          </a:p>
+        </p:txBody>
+      </p:sp>
+      <p:sp>
+        <p:nvSpPr>
+          <p:cNvPr id="4" name="Slide Number Placeholder 3"/>
+          <p:cNvSpPr>
+            <a:spLocks noGrp="1"/>
+          </p:cNvSpPr>
+          <p:nvPr>
+            <p:ph type="sldNum" sz="quarter" idx="5"/>
+          </p:nvPr>
+        </p:nvSpPr>
+        <p:spPr/>
+        <p:txBody>
+          <a:bodyPr/>
+          <a:lstStyle/>
+          <a:p>
+            <a:fld id="{BB0F115E-096D-4D34-AC4F-E5CEA8111CE3}" type="slidenum">
+              <a:rPr lang="en-US" smtClean="0"/>
+              <a:t>23</a:t>
+            </a:fld>
+            <a:endParaRPr lang="en-US"/>
+          </a:p>
+        </p:txBody>
+      </p:sp>
+    </p:spTree>
+    <p:extLst>
+      <p:ext uri="{BB962C8B-B14F-4D97-AF65-F5344CB8AC3E}">
+        <p14:creationId xmlns:p14="http://schemas.microsoft.com/office/powerpoint/2010/main" val="1848181518"/>
+      </p:ext>
+    </p:extLst>
+  </p:cSld>
+  <p:clrMapOvr>
+    <a:masterClrMapping/>
+  </p:clrMapOvr>
+</p:notes>
+</file>
+
+<file path=ppt/notesSlides/notesSlide13.xml><?xml version="1.0" encoding="utf-8"?>
+<p:notes xmlns:a="http://schemas.openxmlformats.org/drawingml/2006/main" xmlns:r="http://schemas.openxmlformats.org/officeDocument/2006/relationships" xmlns:p="http://schemas.openxmlformats.org/presentationml/2006/main">
+  <p:cSld>
+    <p:spTree>
+      <p:nvGrpSpPr>
+        <p:cNvPr id="1" name=""/>
+        <p:cNvGrpSpPr/>
+        <p:nvPr/>
+      </p:nvGrpSpPr>
+      <p:grpSpPr>
+        <a:xfrm>
+          <a:off x="0" y="0"/>
+          <a:ext cx="0" cy="0"/>
+          <a:chOff x="0" y="0"/>
+          <a:chExt cx="0" cy="0"/>
+        </a:xfrm>
+      </p:grpSpPr>
+      <p:sp>
+        <p:nvSpPr>
+          <p:cNvPr id="2" name="Slide Image Placeholder 1"/>
+          <p:cNvSpPr>
+            <a:spLocks noGrp="1" noRot="1" noChangeAspect="1"/>
+          </p:cNvSpPr>
+          <p:nvPr>
+            <p:ph type="sldImg"/>
+          </p:nvPr>
+        </p:nvSpPr>
+        <p:spPr/>
+      </p:sp>
+      <p:sp>
+        <p:nvSpPr>
+          <p:cNvPr id="3" name="Notes Placeholder 2"/>
+          <p:cNvSpPr>
+            <a:spLocks noGrp="1"/>
+          </p:cNvSpPr>
+          <p:nvPr>
+            <p:ph type="body" idx="1"/>
+          </p:nvPr>
+        </p:nvSpPr>
+        <p:spPr/>
+        <p:txBody>
+          <a:bodyPr/>
+          <a:lstStyle/>
+          <a:p>
+            <a:r>
+              <a:rPr lang="en-US" dirty="0"/>
+              <a:t>Our heat map</a:t>
+            </a:r>
+          </a:p>
+        </p:txBody>
+      </p:sp>
+      <p:sp>
+        <p:nvSpPr>
+          <p:cNvPr id="4" name="Slide Number Placeholder 3"/>
+          <p:cNvSpPr>
+            <a:spLocks noGrp="1"/>
+          </p:cNvSpPr>
+          <p:nvPr>
+            <p:ph type="sldNum" sz="quarter" idx="5"/>
+          </p:nvPr>
+        </p:nvSpPr>
+        <p:spPr/>
+        <p:txBody>
+          <a:bodyPr/>
+          <a:lstStyle/>
+          <a:p>
+            <a:fld id="{BB0F115E-096D-4D34-AC4F-E5CEA8111CE3}" type="slidenum">
+              <a:rPr lang="en-US" smtClean="0"/>
+              <a:t>24</a:t>
+            </a:fld>
+            <a:endParaRPr lang="en-US"/>
+          </a:p>
+        </p:txBody>
+      </p:sp>
+    </p:spTree>
+    <p:extLst>
+      <p:ext uri="{BB962C8B-B14F-4D97-AF65-F5344CB8AC3E}">
+        <p14:creationId xmlns:p14="http://schemas.microsoft.com/office/powerpoint/2010/main" val="1507429545"/>
+      </p:ext>
+    </p:extLst>
+  </p:cSld>
+  <p:clrMapOvr>
+    <a:masterClrMapping/>
+  </p:clrMapOvr>
+</p:notes>
+</file>
+
+<file path=ppt/notesSlides/notesSlide14.xml><?xml version="1.0" encoding="utf-8"?>
+<p:notes xmlns:a="http://schemas.openxmlformats.org/drawingml/2006/main" xmlns:r="http://schemas.openxmlformats.org/officeDocument/2006/relationships" xmlns:p="http://schemas.openxmlformats.org/presentationml/2006/main">
+  <p:cSld>
+    <p:spTree>
+      <p:nvGrpSpPr>
+        <p:cNvPr id="1" name=""/>
+        <p:cNvGrpSpPr/>
+        <p:nvPr/>
+      </p:nvGrpSpPr>
+      <p:grpSpPr>
+        <a:xfrm>
+          <a:off x="0" y="0"/>
+          <a:ext cx="0" cy="0"/>
+          <a:chOff x="0" y="0"/>
+          <a:chExt cx="0" cy="0"/>
+        </a:xfrm>
+      </p:grpSpPr>
+      <p:sp>
+        <p:nvSpPr>
+          <p:cNvPr id="2" name="Slide Image Placeholder 1"/>
+          <p:cNvSpPr>
+            <a:spLocks noGrp="1" noRot="1" noChangeAspect="1"/>
+          </p:cNvSpPr>
+          <p:nvPr>
+            <p:ph type="sldImg"/>
+          </p:nvPr>
+        </p:nvSpPr>
+        <p:spPr/>
+      </p:sp>
+      <p:sp>
+        <p:nvSpPr>
+          <p:cNvPr id="3" name="Notes Placeholder 2"/>
+          <p:cNvSpPr>
+            <a:spLocks noGrp="1"/>
+          </p:cNvSpPr>
+          <p:nvPr>
+            <p:ph type="body" idx="1"/>
+          </p:nvPr>
+        </p:nvSpPr>
+        <p:spPr/>
+        <p:txBody>
+          <a:bodyPr/>
+          <a:lstStyle/>
+          <a:p>
+            <a:r>
+              <a:rPr lang="en-US" dirty="0"/>
+              <a:t>Heat maps compared</a:t>
+            </a:r>
+          </a:p>
+        </p:txBody>
+      </p:sp>
+      <p:sp>
+        <p:nvSpPr>
+          <p:cNvPr id="4" name="Slide Number Placeholder 3"/>
+          <p:cNvSpPr>
+            <a:spLocks noGrp="1"/>
+          </p:cNvSpPr>
+          <p:nvPr>
+            <p:ph type="sldNum" sz="quarter" idx="5"/>
+          </p:nvPr>
+        </p:nvSpPr>
+        <p:spPr/>
+        <p:txBody>
+          <a:bodyPr/>
+          <a:lstStyle/>
+          <a:p>
+            <a:fld id="{BB0F115E-096D-4D34-AC4F-E5CEA8111CE3}" type="slidenum">
+              <a:rPr lang="en-US" smtClean="0"/>
+              <a:t>25</a:t>
+            </a:fld>
+            <a:endParaRPr lang="en-US"/>
+          </a:p>
+        </p:txBody>
+      </p:sp>
+    </p:spTree>
+    <p:extLst>
+      <p:ext uri="{BB962C8B-B14F-4D97-AF65-F5344CB8AC3E}">
+        <p14:creationId xmlns:p14="http://schemas.microsoft.com/office/powerpoint/2010/main" val="3623628784"/>
+      </p:ext>
+    </p:extLst>
+  </p:cSld>
+  <p:clrMapOvr>
+    <a:masterClrMapping/>
+  </p:clrMapOvr>
+</p:notes>
+</file>
+
+<file path=ppt/notesSlides/notesSlide15.xml><?xml version="1.0" encoding="utf-8"?>
+<p:notes xmlns:a="http://schemas.openxmlformats.org/drawingml/2006/main" xmlns:r="http://schemas.openxmlformats.org/officeDocument/2006/relationships" xmlns:p="http://schemas.openxmlformats.org/presentationml/2006/main">
+  <p:cSld>
+    <p:spTree>
+      <p:nvGrpSpPr>
+        <p:cNvPr id="1" name=""/>
+        <p:cNvGrpSpPr/>
+        <p:nvPr/>
+      </p:nvGrpSpPr>
+      <p:grpSpPr>
+        <a:xfrm>
+          <a:off x="0" y="0"/>
+          <a:ext cx="0" cy="0"/>
+          <a:chOff x="0" y="0"/>
+          <a:chExt cx="0" cy="0"/>
+        </a:xfrm>
+      </p:grpSpPr>
+      <p:sp>
+        <p:nvSpPr>
+          <p:cNvPr id="2" name="Slide Image Placeholder 1"/>
+          <p:cNvSpPr>
+            <a:spLocks noGrp="1" noRot="1" noChangeAspect="1"/>
+          </p:cNvSpPr>
+          <p:nvPr>
+            <p:ph type="sldImg"/>
+          </p:nvPr>
+        </p:nvSpPr>
+        <p:spPr/>
+      </p:sp>
+      <p:sp>
+        <p:nvSpPr>
+          <p:cNvPr id="3" name="Notes Placeholder 2"/>
+          <p:cNvSpPr>
+            <a:spLocks noGrp="1"/>
+          </p:cNvSpPr>
+          <p:nvPr>
+            <p:ph type="body" idx="1"/>
+          </p:nvPr>
+        </p:nvSpPr>
+        <p:spPr/>
+        <p:txBody>
+          <a:bodyPr/>
+          <a:lstStyle/>
+          <a:p>
+            <a:r>
+              <a:rPr lang="en-US" dirty="0"/>
+              <a:t>Summary of comparison of results and replication</a:t>
+            </a:r>
+          </a:p>
+        </p:txBody>
+      </p:sp>
+      <p:sp>
+        <p:nvSpPr>
+          <p:cNvPr id="4" name="Slide Number Placeholder 3"/>
+          <p:cNvSpPr>
+            <a:spLocks noGrp="1"/>
+          </p:cNvSpPr>
+          <p:nvPr>
+            <p:ph type="sldNum" sz="quarter" idx="5"/>
+          </p:nvPr>
+        </p:nvSpPr>
+        <p:spPr/>
+        <p:txBody>
+          <a:bodyPr/>
+          <a:lstStyle/>
+          <a:p>
+            <a:fld id="{BB0F115E-096D-4D34-AC4F-E5CEA8111CE3}" type="slidenum">
+              <a:rPr lang="en-US" smtClean="0"/>
+              <a:t>26</a:t>
+            </a:fld>
+            <a:endParaRPr lang="en-US"/>
+          </a:p>
+        </p:txBody>
+      </p:sp>
+    </p:spTree>
+    <p:extLst>
+      <p:ext uri="{BB962C8B-B14F-4D97-AF65-F5344CB8AC3E}">
+        <p14:creationId xmlns:p14="http://schemas.microsoft.com/office/powerpoint/2010/main" val="2681674451"/>
+      </p:ext>
+    </p:extLst>
+  </p:cSld>
+  <p:clrMapOvr>
+    <a:masterClrMapping/>
+  </p:clrMapOvr>
+</p:notes>
+</file>
+
+<file path=ppt/notesSlides/notesSlide16.xml><?xml version="1.0" encoding="utf-8"?>
+<p:notes xmlns:a="http://schemas.openxmlformats.org/drawingml/2006/main" xmlns:r="http://schemas.openxmlformats.org/officeDocument/2006/relationships" xmlns:p="http://schemas.openxmlformats.org/presentationml/2006/main">
+  <p:cSld>
+    <p:spTree>
+      <p:nvGrpSpPr>
+        <p:cNvPr id="1" name=""/>
+        <p:cNvGrpSpPr/>
+        <p:nvPr/>
+      </p:nvGrpSpPr>
+      <p:grpSpPr>
+        <a:xfrm>
+          <a:off x="0" y="0"/>
+          <a:ext cx="0" cy="0"/>
+          <a:chOff x="0" y="0"/>
+          <a:chExt cx="0" cy="0"/>
+        </a:xfrm>
+      </p:grpSpPr>
+      <p:sp>
+        <p:nvSpPr>
+          <p:cNvPr id="2" name="Slide Image Placeholder 1"/>
+          <p:cNvSpPr>
+            <a:spLocks noGrp="1" noRot="1" noChangeAspect="1"/>
+          </p:cNvSpPr>
+          <p:nvPr>
+            <p:ph type="sldImg"/>
+          </p:nvPr>
+        </p:nvSpPr>
+        <p:spPr/>
+      </p:sp>
+      <p:sp>
+        <p:nvSpPr>
+          <p:cNvPr id="3" name="Notes Placeholder 2"/>
+          <p:cNvSpPr>
+            <a:spLocks noGrp="1"/>
+          </p:cNvSpPr>
+          <p:nvPr>
+            <p:ph type="body" idx="1"/>
+          </p:nvPr>
+        </p:nvSpPr>
+        <p:spPr/>
+        <p:txBody>
+          <a:bodyPr/>
+          <a:lstStyle/>
+          <a:p>
+            <a:r>
+              <a:rPr lang="en-US" dirty="0"/>
+              <a:t>Summary of thoughts and final comments about replication of a Nature paper</a:t>
+            </a:r>
+          </a:p>
+        </p:txBody>
+      </p:sp>
+      <p:sp>
+        <p:nvSpPr>
+          <p:cNvPr id="4" name="Slide Number Placeholder 3"/>
+          <p:cNvSpPr>
+            <a:spLocks noGrp="1"/>
+          </p:cNvSpPr>
+          <p:nvPr>
+            <p:ph type="sldNum" sz="quarter" idx="5"/>
+          </p:nvPr>
+        </p:nvSpPr>
+        <p:spPr/>
+        <p:txBody>
+          <a:bodyPr/>
+          <a:lstStyle/>
+          <a:p>
+            <a:fld id="{BB0F115E-096D-4D34-AC4F-E5CEA8111CE3}" type="slidenum">
+              <a:rPr lang="en-US" smtClean="0"/>
+              <a:t>27</a:t>
+            </a:fld>
+            <a:endParaRPr lang="en-US"/>
+          </a:p>
+        </p:txBody>
+      </p:sp>
+    </p:spTree>
+    <p:extLst>
+      <p:ext uri="{BB962C8B-B14F-4D97-AF65-F5344CB8AC3E}">
+        <p14:creationId xmlns:p14="http://schemas.microsoft.com/office/powerpoint/2010/main" val="1138542550"/>
+      </p:ext>
+    </p:extLst>
+  </p:cSld>
+  <p:clrMapOvr>
+    <a:masterClrMapping/>
+  </p:clrMapOvr>
+</p:notes>
+</file>
+
 <file path=ppt/notesSlides/notesSlide2.xml><?xml version="1.0" encoding="utf-8"?>
 <p:notes xmlns:a="http://schemas.openxmlformats.org/drawingml/2006/main" xmlns:r="http://schemas.openxmlformats.org/officeDocument/2006/relationships" xmlns:p="http://schemas.openxmlformats.org/presentationml/2006/main">
   <p:cSld>
@@ -24064,6 +20865,30 @@
               <a:t>Why this paper?  (Benefits for group members)</a:t>
             </a:r>
           </a:p>
+          <a:p>
+            <a:r>
+              <a:rPr lang="en-US" dirty="0"/>
+              <a:t>&gt; nature: read by scientists from all backgrounds</a:t>
+            </a:r>
+          </a:p>
+          <a:p>
+            <a:r>
+              <a:rPr lang="en-US" dirty="0"/>
+              <a:t>&gt; nature: approachable # of figures</a:t>
+            </a:r>
+          </a:p>
+          <a:p>
+            <a:r>
+              <a:rPr lang="en-US" dirty="0"/>
+              <a:t>&gt; nature: should be well documented</a:t>
+            </a:r>
+          </a:p>
+          <a:p>
+            <a:r>
+              <a:rPr lang="en-US" dirty="0"/>
+              <a:t>&gt; Recent publication (2014), further justifying the potential for documentation</a:t>
+            </a:r>
+          </a:p>
         </p:txBody>
       </p:sp>
       <p:sp>
@@ -24233,10 +21058,7 @@
           <a:bodyPr/>
           <a:lstStyle/>
           <a:p>
-            <a:r>
-              <a:rPr lang="en-US" dirty="0"/>
-              <a:t>Main Q of this paper:</a:t>
-            </a:r>
+            <a:endParaRPr lang="en-US" dirty="0"/>
           </a:p>
         </p:txBody>
       </p:sp>
@@ -24257,7 +21079,7 @@
           <a:p>
             <a:fld id="{BB0F115E-096D-4D34-AC4F-E5CEA8111CE3}" type="slidenum">
               <a:rPr lang="en-US" smtClean="0"/>
-              <a:t>9</a:t>
+              <a:t>6</a:t>
             </a:fld>
             <a:endParaRPr lang="en-US"/>
           </a:p>
@@ -24266,7 +21088,7 @@
     </p:spTree>
     <p:extLst>
       <p:ext uri="{BB962C8B-B14F-4D97-AF65-F5344CB8AC3E}">
-        <p14:creationId xmlns:p14="http://schemas.microsoft.com/office/powerpoint/2010/main" val="617257902"/>
+        <p14:creationId xmlns:p14="http://schemas.microsoft.com/office/powerpoint/2010/main" val="273892170"/>
       </p:ext>
     </p:extLst>
   </p:cSld>
@@ -24322,7 +21144,7 @@
           <a:p>
             <a:r>
               <a:rPr lang="en-US" dirty="0"/>
-              <a:t>What did they do in the study for these aims:</a:t>
+              <a:t>Main Q of this paper:</a:t>
             </a:r>
           </a:p>
         </p:txBody>
@@ -24344,7 +21166,7 @@
           <a:p>
             <a:fld id="{BB0F115E-096D-4D34-AC4F-E5CEA8111CE3}" type="slidenum">
               <a:rPr lang="en-US" smtClean="0"/>
-              <a:t>13</a:t>
+              <a:t>9</a:t>
             </a:fld>
             <a:endParaRPr lang="en-US"/>
           </a:p>
@@ -24353,7 +21175,7 @@
     </p:spTree>
     <p:extLst>
       <p:ext uri="{BB962C8B-B14F-4D97-AF65-F5344CB8AC3E}">
-        <p14:creationId xmlns:p14="http://schemas.microsoft.com/office/powerpoint/2010/main" val="351859810"/>
+        <p14:creationId xmlns:p14="http://schemas.microsoft.com/office/powerpoint/2010/main" val="617257902"/>
       </p:ext>
     </p:extLst>
   </p:cSld>
@@ -24431,7 +21253,7 @@
           <a:p>
             <a:fld id="{BB0F115E-096D-4D34-AC4F-E5CEA8111CE3}" type="slidenum">
               <a:rPr lang="en-US" smtClean="0"/>
-              <a:t>14</a:t>
+              <a:t>13</a:t>
             </a:fld>
             <a:endParaRPr lang="en-US"/>
           </a:p>
@@ -24440,7 +21262,7 @@
     </p:spTree>
     <p:extLst>
       <p:ext uri="{BB962C8B-B14F-4D97-AF65-F5344CB8AC3E}">
-        <p14:creationId xmlns:p14="http://schemas.microsoft.com/office/powerpoint/2010/main" val="3599125078"/>
+        <p14:creationId xmlns:p14="http://schemas.microsoft.com/office/powerpoint/2010/main" val="351859810"/>
       </p:ext>
     </p:extLst>
   </p:cSld>
@@ -24518,7 +21340,7 @@
           <a:p>
             <a:fld id="{BB0F115E-096D-4D34-AC4F-E5CEA8111CE3}" type="slidenum">
               <a:rPr lang="en-US" smtClean="0"/>
-              <a:t>15</a:t>
+              <a:t>14</a:t>
             </a:fld>
             <a:endParaRPr lang="en-US"/>
           </a:p>
@@ -28563,7 +25385,7 @@
             <p:ph idx="1"/>
           </p:nvPr>
         </p:nvPicPr>
-        <p:blipFill>
+        <p:blipFill rotWithShape="1">
           <a:blip r:embed="rId2">
             <a:extLst>
               <a:ext uri="{28A0092B-C50C-407E-A947-70E740481C1C}">
@@ -28571,14 +25393,13 @@
               </a:ext>
             </a:extLst>
           </a:blip>
-          <a:stretch>
-            <a:fillRect/>
-          </a:stretch>
+          <a:srcRect r="67803" b="23136"/>
+          <a:stretch/>
         </p:blipFill>
         <p:spPr>
           <a:xfrm>
-            <a:off x="4402708" y="720969"/>
-            <a:ext cx="4458102" cy="5610121"/>
+            <a:off x="5981180" y="1444151"/>
+            <a:ext cx="1435384" cy="4312139"/>
           </a:xfrm>
         </p:spPr>
       </p:pic>
@@ -28978,7 +25799,7 @@
             <p:ph idx="1"/>
           </p:nvPr>
         </p:nvPicPr>
-        <p:blipFill>
+        <p:blipFill rotWithShape="1">
           <a:blip r:embed="rId2">
             <a:extLst>
               <a:ext uri="{28A0092B-C50C-407E-A947-70E740481C1C}">
@@ -28986,14 +25807,13 @@
               </a:ext>
             </a:extLst>
           </a:blip>
-          <a:stretch>
-            <a:fillRect/>
-          </a:stretch>
+          <a:srcRect l="55163"/>
+          <a:stretch/>
         </p:blipFill>
         <p:spPr>
           <a:xfrm>
-            <a:off x="4402708" y="720969"/>
-            <a:ext cx="4458102" cy="5610121"/>
+            <a:off x="5806831" y="783492"/>
+            <a:ext cx="1998902" cy="5610121"/>
           </a:xfrm>
         </p:spPr>
       </p:pic>
@@ -29607,6 +26427,42 @@
           </a:p>
         </p:txBody>
       </p:sp>
+      <p:sp>
+        <p:nvSpPr>
+          <p:cNvPr id="11" name="Rectangle 10">
+            <a:extLst>
+              <a:ext uri="{FF2B5EF4-FFF2-40B4-BE49-F238E27FC236}">
+                <a16:creationId xmlns:a16="http://schemas.microsoft.com/office/drawing/2014/main" id="{FD3D5BC5-9C6D-42CE-A557-83D6A8DF829C}"/>
+              </a:ext>
+            </a:extLst>
+          </p:cNvPr>
+          <p:cNvSpPr/>
+          <p:nvPr/>
+        </p:nvSpPr>
+        <p:spPr>
+          <a:xfrm>
+            <a:off x="432222" y="3577941"/>
+            <a:ext cx="4163319" cy="461665"/>
+          </a:xfrm>
+          <a:prstGeom prst="rect">
+            <a:avLst/>
+          </a:prstGeom>
+        </p:spPr>
+        <p:txBody>
+          <a:bodyPr wrap="none">
+            <a:spAutoFit/>
+          </a:bodyPr>
+          <a:lstStyle/>
+          <a:p>
+            <a:r>
+              <a:rPr lang="en-US" sz="2400" dirty="0">
+                <a:latin typeface="Dyslexie" panose="02000000000000000000" pitchFamily="2" charset="0"/>
+              </a:rPr>
+              <a:t>Methods: Sequencing</a:t>
+            </a:r>
+          </a:p>
+        </p:txBody>
+      </p:sp>
     </p:spTree>
     <p:extLst>
       <p:ext uri="{BB962C8B-B14F-4D97-AF65-F5344CB8AC3E}">
@@ -29870,7 +26726,7 @@
         <p:spPr>
           <a:xfrm>
             <a:off x="432222" y="1264587"/>
-            <a:ext cx="4163319" cy="461665"/>
+            <a:ext cx="3573414" cy="461665"/>
           </a:xfrm>
           <a:prstGeom prst="rect">
             <a:avLst/>
@@ -29886,15 +26742,43 @@
               <a:rPr lang="en-US" sz="2400" dirty="0">
                 <a:latin typeface="Dyslexie" panose="02000000000000000000" pitchFamily="2" charset="0"/>
               </a:rPr>
-              <a:t>Methods: Sequencing</a:t>
+              <a:t>Original workflow:</a:t>
             </a:r>
           </a:p>
         </p:txBody>
       </p:sp>
+      <p:graphicFrame>
+        <p:nvGraphicFramePr>
+          <p:cNvPr id="3" name="Diagram 2">
+            <a:extLst>
+              <a:ext uri="{FF2B5EF4-FFF2-40B4-BE49-F238E27FC236}">
+                <a16:creationId xmlns:a16="http://schemas.microsoft.com/office/drawing/2014/main" id="{23F98D0A-45D7-46D8-A3E9-67637B45F050}"/>
+              </a:ext>
+            </a:extLst>
+          </p:cNvPr>
+          <p:cNvGraphicFramePr/>
+          <p:nvPr>
+            <p:extLst>
+              <p:ext uri="{D42A27DB-BD31-4B8C-83A1-F6EECF244321}">
+                <p14:modId xmlns:p14="http://schemas.microsoft.com/office/powerpoint/2010/main" val="2652049264"/>
+              </p:ext>
+            </p:extLst>
+          </p:nvPr>
+        </p:nvGraphicFramePr>
+        <p:xfrm>
+          <a:off x="852792" y="1726252"/>
+          <a:ext cx="6096000" cy="4064000"/>
+        </p:xfrm>
+        <a:graphic>
+          <a:graphicData uri="http://schemas.openxmlformats.org/drawingml/2006/diagram">
+            <dgm:relIds xmlns:dgm="http://schemas.openxmlformats.org/drawingml/2006/diagram" xmlns:r="http://schemas.openxmlformats.org/officeDocument/2006/relationships" r:dm="rId3" r:lo="rId4" r:qs="rId5" r:cs="rId6"/>
+          </a:graphicData>
+        </a:graphic>
+      </p:graphicFrame>
     </p:spTree>
     <p:extLst>
       <p:ext uri="{BB962C8B-B14F-4D97-AF65-F5344CB8AC3E}">
-        <p14:creationId xmlns:p14="http://schemas.microsoft.com/office/powerpoint/2010/main" val="2953915495"/>
+        <p14:creationId xmlns:p14="http://schemas.microsoft.com/office/powerpoint/2010/main" val="3021815993"/>
       </p:ext>
     </p:extLst>
   </p:cSld>
@@ -29999,7 +26883,7 @@
           <a:p>
             <a:pPr algn="ctr"/>
             <a:r>
-              <a:rPr lang="en-US" dirty="0">
+              <a:rPr lang="en-US">
                 <a:solidFill>
                   <a:srgbClr val="0AB45A"/>
                 </a:solidFill>
@@ -30007,6 +26891,9 @@
               </a:rPr>
               <a:t>Workflow</a:t>
             </a:r>
+            <a:endParaRPr lang="en-US" dirty="0">
+              <a:latin typeface="Dyslexie" panose="02000000000000000000" pitchFamily="2" charset="0"/>
+            </a:endParaRPr>
           </a:p>
         </p:txBody>
       </p:sp>
@@ -30141,10 +27028,10 @@
       </p:sp>
       <p:sp>
         <p:nvSpPr>
-          <p:cNvPr id="18" name="Rectangle 17">
+          <p:cNvPr id="11" name="Rectangle 10">
             <a:extLst>
               <a:ext uri="{FF2B5EF4-FFF2-40B4-BE49-F238E27FC236}">
-                <a16:creationId xmlns:a16="http://schemas.microsoft.com/office/drawing/2014/main" id="{48C70ED0-E0D0-4A25-9A8D-CF34CFBD7FC5}"/>
+                <a16:creationId xmlns:a16="http://schemas.microsoft.com/office/drawing/2014/main" id="{729C50B7-F5D6-4BD2-9652-6A9AB05E83F9}"/>
               </a:ext>
             </a:extLst>
           </p:cNvPr>
@@ -30154,7 +27041,7 @@
         <p:spPr>
           <a:xfrm>
             <a:off x="432222" y="1264587"/>
-            <a:ext cx="3573414" cy="461665"/>
+            <a:ext cx="6657592" cy="461665"/>
           </a:xfrm>
           <a:prstGeom prst="rect">
             <a:avLst/>
@@ -30170,17 +27057,17 @@
               <a:rPr lang="en-US" sz="2400" dirty="0">
                 <a:latin typeface="Dyslexie" panose="02000000000000000000" pitchFamily="2" charset="0"/>
               </a:rPr>
-              <a:t>Original workflow:</a:t>
+              <a:t>Planned workflow: Data collection</a:t>
             </a:r>
           </a:p>
         </p:txBody>
       </p:sp>
       <p:graphicFrame>
         <p:nvGraphicFramePr>
-          <p:cNvPr id="3" name="Diagram 2">
+          <p:cNvPr id="15" name="Diagram 14">
             <a:extLst>
               <a:ext uri="{FF2B5EF4-FFF2-40B4-BE49-F238E27FC236}">
-                <a16:creationId xmlns:a16="http://schemas.microsoft.com/office/drawing/2014/main" id="{23F98D0A-45D7-46D8-A3E9-67637B45F050}"/>
+                <a16:creationId xmlns:a16="http://schemas.microsoft.com/office/drawing/2014/main" id="{23B13809-013D-4F23-A525-CCF63739743A}"/>
               </a:ext>
             </a:extLst>
           </p:cNvPr>
@@ -30188,7 +27075,7 @@
           <p:nvPr>
             <p:extLst>
               <p:ext uri="{D42A27DB-BD31-4B8C-83A1-F6EECF244321}">
-                <p14:modId xmlns:p14="http://schemas.microsoft.com/office/powerpoint/2010/main" val="4156342903"/>
+                <p14:modId xmlns:p14="http://schemas.microsoft.com/office/powerpoint/2010/main" val="4054736955"/>
               </p:ext>
             </p:extLst>
           </p:nvPr>
@@ -30199,14 +27086,14 @@
         </p:xfrm>
         <a:graphic>
           <a:graphicData uri="http://schemas.openxmlformats.org/drawingml/2006/diagram">
-            <dgm:relIds xmlns:dgm="http://schemas.openxmlformats.org/drawingml/2006/diagram" xmlns:r="http://schemas.openxmlformats.org/officeDocument/2006/relationships" r:dm="rId3" r:lo="rId4" r:qs="rId5" r:cs="rId6"/>
+            <dgm:relIds xmlns:dgm="http://schemas.openxmlformats.org/drawingml/2006/diagram" xmlns:r="http://schemas.openxmlformats.org/officeDocument/2006/relationships" r:dm="rId2" r:lo="rId3" r:qs="rId4" r:cs="rId5"/>
           </a:graphicData>
         </a:graphic>
       </p:graphicFrame>
     </p:spTree>
     <p:extLst>
       <p:ext uri="{BB962C8B-B14F-4D97-AF65-F5344CB8AC3E}">
-        <p14:creationId xmlns:p14="http://schemas.microsoft.com/office/powerpoint/2010/main" val="3021815993"/>
+        <p14:creationId xmlns:p14="http://schemas.microsoft.com/office/powerpoint/2010/main" val="1257145210"/>
       </p:ext>
     </p:extLst>
   </p:cSld>
@@ -30459,7 +27346,7 @@
           <p:cNvPr id="11" name="Rectangle 10">
             <a:extLst>
               <a:ext uri="{FF2B5EF4-FFF2-40B4-BE49-F238E27FC236}">
-                <a16:creationId xmlns:a16="http://schemas.microsoft.com/office/drawing/2014/main" id="{729C50B7-F5D6-4BD2-9652-6A9AB05E83F9}"/>
+                <a16:creationId xmlns:a16="http://schemas.microsoft.com/office/drawing/2014/main" id="{C386F7E2-5FE2-4A38-9473-0D93D000F115}"/>
               </a:ext>
             </a:extLst>
           </p:cNvPr>
@@ -30469,7 +27356,7 @@
         <p:spPr>
           <a:xfrm>
             <a:off x="432222" y="1264587"/>
-            <a:ext cx="6657592" cy="461665"/>
+            <a:ext cx="7457491" cy="461665"/>
           </a:xfrm>
           <a:prstGeom prst="rect">
             <a:avLst/>
@@ -30485,17 +27372,17 @@
               <a:rPr lang="en-US" sz="2400" dirty="0">
                 <a:latin typeface="Dyslexie" panose="02000000000000000000" pitchFamily="2" charset="0"/>
               </a:rPr>
-              <a:t>Planned workflow: Data collection</a:t>
+              <a:t>Planned workflow: Sequence alignment</a:t>
             </a:r>
           </a:p>
         </p:txBody>
       </p:sp>
       <p:graphicFrame>
         <p:nvGraphicFramePr>
-          <p:cNvPr id="15" name="Diagram 14">
+          <p:cNvPr id="12" name="Diagram 11">
             <a:extLst>
               <a:ext uri="{FF2B5EF4-FFF2-40B4-BE49-F238E27FC236}">
-                <a16:creationId xmlns:a16="http://schemas.microsoft.com/office/drawing/2014/main" id="{23B13809-013D-4F23-A525-CCF63739743A}"/>
+                <a16:creationId xmlns:a16="http://schemas.microsoft.com/office/drawing/2014/main" id="{3D589EC9-37C1-4BC8-9947-5D1D2C4583D9}"/>
               </a:ext>
             </a:extLst>
           </p:cNvPr>
@@ -30521,7 +27408,7 @@
     </p:spTree>
     <p:extLst>
       <p:ext uri="{BB962C8B-B14F-4D97-AF65-F5344CB8AC3E}">
-        <p14:creationId xmlns:p14="http://schemas.microsoft.com/office/powerpoint/2010/main" val="1257145210"/>
+        <p14:creationId xmlns:p14="http://schemas.microsoft.com/office/powerpoint/2010/main" val="2525798519"/>
       </p:ext>
     </p:extLst>
   </p:cSld>
@@ -30774,7 +27661,7 @@
           <p:cNvPr id="11" name="Rectangle 10">
             <a:extLst>
               <a:ext uri="{FF2B5EF4-FFF2-40B4-BE49-F238E27FC236}">
-                <a16:creationId xmlns:a16="http://schemas.microsoft.com/office/drawing/2014/main" id="{ACC3C143-89D5-4971-A8A3-56D0F78AFBA5}"/>
+                <a16:creationId xmlns:a16="http://schemas.microsoft.com/office/drawing/2014/main" id="{4F927E36-CCF4-40DD-A236-DCCBF771802F}"/>
               </a:ext>
             </a:extLst>
           </p:cNvPr>
@@ -30784,7 +27671,7 @@
         <p:spPr>
           <a:xfrm>
             <a:off x="432222" y="1264587"/>
-            <a:ext cx="7000634" cy="461665"/>
+            <a:ext cx="7035900" cy="461665"/>
           </a:xfrm>
           <a:prstGeom prst="rect">
             <a:avLst/>
@@ -30800,7 +27687,7 @@
               <a:rPr lang="en-US" sz="2400" dirty="0">
                 <a:latin typeface="Dyslexie" panose="02000000000000000000" pitchFamily="2" charset="0"/>
               </a:rPr>
-              <a:t>Planned workflow: Data Verification</a:t>
+              <a:t>Planned workflow: Phylogenetic tree</a:t>
             </a:r>
           </a:p>
         </p:txBody>
@@ -30810,7 +27697,7 @@
           <p:cNvPr id="12" name="Diagram 11">
             <a:extLst>
               <a:ext uri="{FF2B5EF4-FFF2-40B4-BE49-F238E27FC236}">
-                <a16:creationId xmlns:a16="http://schemas.microsoft.com/office/drawing/2014/main" id="{49D81C91-BDBA-4B36-B474-DA2AF06B2AED}"/>
+                <a16:creationId xmlns:a16="http://schemas.microsoft.com/office/drawing/2014/main" id="{DB2C2D90-C680-4FEB-A314-8AA33AC86B04}"/>
               </a:ext>
             </a:extLst>
           </p:cNvPr>
@@ -30836,7 +27723,7 @@
     </p:spTree>
     <p:extLst>
       <p:ext uri="{BB962C8B-B14F-4D97-AF65-F5344CB8AC3E}">
-        <p14:creationId xmlns:p14="http://schemas.microsoft.com/office/powerpoint/2010/main" val="1346732682"/>
+        <p14:creationId xmlns:p14="http://schemas.microsoft.com/office/powerpoint/2010/main" val="4276172043"/>
       </p:ext>
     </p:extLst>
   </p:cSld>
@@ -31089,7 +27976,7 @@
           <p:cNvPr id="11" name="Rectangle 10">
             <a:extLst>
               <a:ext uri="{FF2B5EF4-FFF2-40B4-BE49-F238E27FC236}">
-                <a16:creationId xmlns:a16="http://schemas.microsoft.com/office/drawing/2014/main" id="{C386F7E2-5FE2-4A38-9473-0D93D000F115}"/>
+                <a16:creationId xmlns:a16="http://schemas.microsoft.com/office/drawing/2014/main" id="{959588AA-E643-4BD1-9D18-4D9119E6CBD5}"/>
               </a:ext>
             </a:extLst>
           </p:cNvPr>
@@ -31099,7 +27986,7 @@
         <p:spPr>
           <a:xfrm>
             <a:off x="432222" y="1264587"/>
-            <a:ext cx="7457491" cy="461665"/>
+            <a:ext cx="8632491" cy="461665"/>
           </a:xfrm>
           <a:prstGeom prst="rect">
             <a:avLst/>
@@ -31115,7 +28002,7 @@
               <a:rPr lang="en-US" sz="2400" dirty="0">
                 <a:latin typeface="Dyslexie" panose="02000000000000000000" pitchFamily="2" charset="0"/>
               </a:rPr>
-              <a:t>Planned workflow: Sequence alignment</a:t>
+              <a:t>Planned workflow: Diff. expression Heat map</a:t>
             </a:r>
           </a:p>
         </p:txBody>
@@ -31125,7 +28012,7 @@
           <p:cNvPr id="12" name="Diagram 11">
             <a:extLst>
               <a:ext uri="{FF2B5EF4-FFF2-40B4-BE49-F238E27FC236}">
-                <a16:creationId xmlns:a16="http://schemas.microsoft.com/office/drawing/2014/main" id="{3D589EC9-37C1-4BC8-9947-5D1D2C4583D9}"/>
+                <a16:creationId xmlns:a16="http://schemas.microsoft.com/office/drawing/2014/main" id="{0E39A898-0D00-406D-A018-EA97A9A6D7CF}"/>
               </a:ext>
             </a:extLst>
           </p:cNvPr>
@@ -31151,7 +28038,7 @@
     </p:spTree>
     <p:extLst>
       <p:ext uri="{BB962C8B-B14F-4D97-AF65-F5344CB8AC3E}">
-        <p14:creationId xmlns:p14="http://schemas.microsoft.com/office/powerpoint/2010/main" val="2525798519"/>
+        <p14:creationId xmlns:p14="http://schemas.microsoft.com/office/powerpoint/2010/main" val="2119145840"/>
       </p:ext>
     </p:extLst>
   </p:cSld>
@@ -31180,10 +28067,10 @@
       </p:grpSpPr>
       <p:sp>
         <p:nvSpPr>
-          <p:cNvPr id="6" name="TextBox 5">
+          <p:cNvPr id="4" name="TextBox 3">
             <a:extLst>
               <a:ext uri="{FF2B5EF4-FFF2-40B4-BE49-F238E27FC236}">
-                <a16:creationId xmlns:a16="http://schemas.microsoft.com/office/drawing/2014/main" id="{30DFCBEA-61BB-41C4-9FEC-66A0BA6654EE}"/>
+                <a16:creationId xmlns:a16="http://schemas.microsoft.com/office/drawing/2014/main" id="{F724BB24-BB31-4172-874A-88D7B3A59D64}"/>
               </a:ext>
             </a:extLst>
           </p:cNvPr>
@@ -31223,10 +28110,10 @@
       </p:sp>
       <p:sp>
         <p:nvSpPr>
-          <p:cNvPr id="7" name="TextBox 6">
+          <p:cNvPr id="5" name="TextBox 4">
             <a:extLst>
               <a:ext uri="{FF2B5EF4-FFF2-40B4-BE49-F238E27FC236}">
-                <a16:creationId xmlns:a16="http://schemas.microsoft.com/office/drawing/2014/main" id="{5E7996A3-630A-44EC-86C1-DC3C282CCE1C}"/>
+                <a16:creationId xmlns:a16="http://schemas.microsoft.com/office/drawing/2014/main" id="{301846DD-30BA-4CC2-A80A-62982664FA03}"/>
               </a:ext>
             </a:extLst>
           </p:cNvPr>
@@ -31256,26 +28143,20 @@
           <a:p>
             <a:pPr algn="ctr"/>
             <a:r>
-              <a:rPr lang="en-US">
-                <a:solidFill>
-                  <a:srgbClr val="0AB45A"/>
-                </a:solidFill>
+              <a:rPr lang="en-US" dirty="0">
                 <a:latin typeface="Dyslexie" panose="02000000000000000000" pitchFamily="2" charset="0"/>
               </a:rPr>
               <a:t>Workflow</a:t>
             </a:r>
-            <a:endParaRPr lang="en-US" dirty="0">
-              <a:latin typeface="Dyslexie" panose="02000000000000000000" pitchFamily="2" charset="0"/>
-            </a:endParaRPr>
           </a:p>
         </p:txBody>
       </p:sp>
       <p:sp>
         <p:nvSpPr>
-          <p:cNvPr id="8" name="TextBox 7">
+          <p:cNvPr id="6" name="TextBox 5">
             <a:extLst>
               <a:ext uri="{FF2B5EF4-FFF2-40B4-BE49-F238E27FC236}">
-                <a16:creationId xmlns:a16="http://schemas.microsoft.com/office/drawing/2014/main" id="{6174D96D-5DEE-4A36-9099-38B9553230EF}"/>
+                <a16:creationId xmlns:a16="http://schemas.microsoft.com/office/drawing/2014/main" id="{7ABF5166-2DF4-4D7C-80A7-1FCFD75050E2}"/>
               </a:ext>
             </a:extLst>
           </p:cNvPr>
@@ -31306,6 +28187,9 @@
             <a:pPr algn="ctr"/>
             <a:r>
               <a:rPr lang="en-US" dirty="0">
+                <a:solidFill>
+                  <a:srgbClr val="0AB45A"/>
+                </a:solidFill>
                 <a:latin typeface="Dyslexie" panose="02000000000000000000" pitchFamily="2" charset="0"/>
               </a:rPr>
               <a:t>Documentation</a:t>
@@ -31315,10 +28199,10 @@
       </p:sp>
       <p:sp>
         <p:nvSpPr>
-          <p:cNvPr id="9" name="TextBox 8">
+          <p:cNvPr id="7" name="TextBox 6">
             <a:extLst>
               <a:ext uri="{FF2B5EF4-FFF2-40B4-BE49-F238E27FC236}">
-                <a16:creationId xmlns:a16="http://schemas.microsoft.com/office/drawing/2014/main" id="{CEBADA35-DB50-4C13-A39D-42252C6F0AF1}"/>
+                <a16:creationId xmlns:a16="http://schemas.microsoft.com/office/drawing/2014/main" id="{5A0382A0-4D1F-49A8-9030-1C5583747BCC}"/>
               </a:ext>
             </a:extLst>
           </p:cNvPr>
@@ -31358,10 +28242,10 @@
       </p:sp>
       <p:sp>
         <p:nvSpPr>
-          <p:cNvPr id="10" name="TextBox 9">
+          <p:cNvPr id="8" name="TextBox 7">
             <a:extLst>
               <a:ext uri="{FF2B5EF4-FFF2-40B4-BE49-F238E27FC236}">
-                <a16:creationId xmlns:a16="http://schemas.microsoft.com/office/drawing/2014/main" id="{0F1F1963-4ACF-4639-8231-8E6B2CEEBDCA}"/>
+                <a16:creationId xmlns:a16="http://schemas.microsoft.com/office/drawing/2014/main" id="{E90C7CB5-10BD-4255-B4FC-B09D13AE29BB}"/>
               </a:ext>
             </a:extLst>
           </p:cNvPr>
@@ -31401,10 +28285,10 @@
       </p:sp>
       <p:sp>
         <p:nvSpPr>
-          <p:cNvPr id="11" name="Rectangle 10">
+          <p:cNvPr id="12" name="Rectangle 11">
             <a:extLst>
               <a:ext uri="{FF2B5EF4-FFF2-40B4-BE49-F238E27FC236}">
-                <a16:creationId xmlns:a16="http://schemas.microsoft.com/office/drawing/2014/main" id="{4F927E36-CCF4-40DD-A236-DCCBF771802F}"/>
+                <a16:creationId xmlns:a16="http://schemas.microsoft.com/office/drawing/2014/main" id="{5D92AE47-1B6F-4D1D-A3F6-29545D674235}"/>
               </a:ext>
             </a:extLst>
           </p:cNvPr>
@@ -31414,7 +28298,7 @@
         <p:spPr>
           <a:xfrm>
             <a:off x="432222" y="1264587"/>
-            <a:ext cx="7035900" cy="461665"/>
+            <a:ext cx="4616970" cy="830997"/>
           </a:xfrm>
           <a:prstGeom prst="rect">
             <a:avLst/>
@@ -31430,43 +28314,134 @@
               <a:rPr lang="en-US" sz="2400" dirty="0">
                 <a:latin typeface="Dyslexie" panose="02000000000000000000" pitchFamily="2" charset="0"/>
               </a:rPr>
-              <a:t>Planned workflow: Phylogenetic tree</a:t>
+              <a:t>“how we documented”:</a:t>
+            </a:r>
+          </a:p>
+          <a:p>
+            <a:r>
+              <a:rPr lang="en-US" sz="2400" dirty="0">
+                <a:latin typeface="Dyslexie" panose="02000000000000000000" pitchFamily="2" charset="0"/>
+              </a:rPr>
+              <a:t>Documentation “rules”:</a:t>
             </a:r>
           </a:p>
         </p:txBody>
       </p:sp>
-      <p:graphicFrame>
-        <p:nvGraphicFramePr>
-          <p:cNvPr id="12" name="Diagram 11">
+      <p:sp>
+        <p:nvSpPr>
+          <p:cNvPr id="13" name="Rectangle 12">
             <a:extLst>
               <a:ext uri="{FF2B5EF4-FFF2-40B4-BE49-F238E27FC236}">
-                <a16:creationId xmlns:a16="http://schemas.microsoft.com/office/drawing/2014/main" id="{DB2C2D90-C680-4FEB-A314-8AA33AC86B04}"/>
+                <a16:creationId xmlns:a16="http://schemas.microsoft.com/office/drawing/2014/main" id="{2748AD7C-069E-460D-A32B-9DBFDBFC5987}"/>
               </a:ext>
             </a:extLst>
           </p:cNvPr>
-          <p:cNvGraphicFramePr/>
-          <p:nvPr>
-            <p:extLst>
-              <p:ext uri="{D42A27DB-BD31-4B8C-83A1-F6EECF244321}">
-                <p14:modId xmlns:p14="http://schemas.microsoft.com/office/powerpoint/2010/main" val="4054736955"/>
-              </p:ext>
-            </p:extLst>
-          </p:nvPr>
-        </p:nvGraphicFramePr>
-        <p:xfrm>
-          <a:off x="852792" y="1726252"/>
-          <a:ext cx="6096000" cy="4064000"/>
-        </p:xfrm>
-        <a:graphic>
-          <a:graphicData uri="http://schemas.openxmlformats.org/drawingml/2006/diagram">
-            <dgm:relIds xmlns:dgm="http://schemas.openxmlformats.org/drawingml/2006/diagram" xmlns:r="http://schemas.openxmlformats.org/officeDocument/2006/relationships" r:dm="rId2" r:lo="rId3" r:qs="rId4" r:cs="rId5"/>
-          </a:graphicData>
-        </a:graphic>
-      </p:graphicFrame>
+          <p:cNvSpPr/>
+          <p:nvPr/>
+        </p:nvSpPr>
+        <p:spPr>
+          <a:xfrm>
+            <a:off x="814851" y="2095584"/>
+            <a:ext cx="7810350" cy="2031325"/>
+          </a:xfrm>
+          <a:prstGeom prst="rect">
+            <a:avLst/>
+          </a:prstGeom>
+        </p:spPr>
+        <p:txBody>
+          <a:bodyPr wrap="square">
+            <a:spAutoFit/>
+          </a:bodyPr>
+          <a:lstStyle/>
+          <a:p>
+            <a:pPr marL="285750" indent="-285750">
+              <a:buFontTx/>
+              <a:buChar char="-"/>
+            </a:pPr>
+            <a:r>
+              <a:rPr lang="en-US" dirty="0">
+                <a:latin typeface="Dyslexie" panose="02000000000000000000" pitchFamily="2" charset="0"/>
+              </a:rPr>
+              <a:t>Ensure that all commands written down</a:t>
+            </a:r>
+          </a:p>
+          <a:p>
+            <a:pPr marL="285750" indent="-285750">
+              <a:buFontTx/>
+              <a:buChar char="-"/>
+            </a:pPr>
+            <a:r>
+              <a:rPr lang="en-US" dirty="0">
+                <a:latin typeface="Dyslexie" panose="02000000000000000000" pitchFamily="2" charset="0"/>
+              </a:rPr>
+              <a:t>Write notes on mx logistics from original paper and assumptions made/justifications for</a:t>
+            </a:r>
+          </a:p>
+          <a:p>
+            <a:pPr marL="285750" indent="-285750">
+              <a:buFontTx/>
+              <a:buChar char="-"/>
+            </a:pPr>
+            <a:r>
+              <a:rPr lang="en-US" dirty="0">
+                <a:latin typeface="Dyslexie" panose="02000000000000000000" pitchFamily="2" charset="0"/>
+              </a:rPr>
+              <a:t>Have group member check if understand process</a:t>
+            </a:r>
+          </a:p>
+          <a:p>
+            <a:pPr marL="285750" indent="-285750">
+              <a:buFontTx/>
+              <a:buChar char="-"/>
+            </a:pPr>
+            <a:r>
+              <a:rPr lang="en-US" dirty="0">
+                <a:latin typeface="Dyslexie" panose="02000000000000000000" pitchFamily="2" charset="0"/>
+              </a:rPr>
+              <a:t>Compile in </a:t>
+            </a:r>
+            <a:r>
+              <a:rPr lang="en-US" dirty="0" err="1">
+                <a:latin typeface="Dyslexie" panose="02000000000000000000" pitchFamily="2" charset="0"/>
+              </a:rPr>
+              <a:t>Jupyter</a:t>
+            </a:r>
+            <a:r>
+              <a:rPr lang="en-US" dirty="0">
+                <a:latin typeface="Dyslexie" panose="02000000000000000000" pitchFamily="2" charset="0"/>
+              </a:rPr>
+              <a:t> document</a:t>
+            </a:r>
+          </a:p>
+          <a:p>
+            <a:pPr marL="285750" indent="-285750">
+              <a:buFontTx/>
+              <a:buChar char="-"/>
+            </a:pPr>
+            <a:r>
+              <a:rPr lang="en-US" dirty="0" err="1">
+                <a:latin typeface="Dyslexie" panose="02000000000000000000" pitchFamily="2" charset="0"/>
+              </a:rPr>
+              <a:t>Intersteps</a:t>
+            </a:r>
+            <a:r>
+              <a:rPr lang="en-US" dirty="0">
+                <a:latin typeface="Dyslexie" panose="02000000000000000000" pitchFamily="2" charset="0"/>
+              </a:rPr>
+              <a:t> documented</a:t>
+            </a:r>
+          </a:p>
+          <a:p>
+            <a:endParaRPr lang="en-US" dirty="0">
+              <a:latin typeface="Dyslexie" panose="02000000000000000000" pitchFamily="2" charset="0"/>
+            </a:endParaRPr>
+          </a:p>
+        </p:txBody>
+      </p:sp>
     </p:spTree>
     <p:extLst>
       <p:ext uri="{BB962C8B-B14F-4D97-AF65-F5344CB8AC3E}">
-        <p14:creationId xmlns:p14="http://schemas.microsoft.com/office/powerpoint/2010/main" val="4276172043"/>
+        <p14:creationId xmlns:p14="http://schemas.microsoft.com/office/powerpoint/2010/main" val="3581524560"/>
       </p:ext>
     </p:extLst>
   </p:cSld>
@@ -31714,6 +28689,300 @@
           </a:p>
         </p:txBody>
       </p:sp>
+      <p:sp>
+        <p:nvSpPr>
+          <p:cNvPr id="2" name="Rectangle 1">
+            <a:extLst>
+              <a:ext uri="{FF2B5EF4-FFF2-40B4-BE49-F238E27FC236}">
+                <a16:creationId xmlns:a16="http://schemas.microsoft.com/office/drawing/2014/main" id="{1F86368E-8F2B-44ED-9B17-4AFE505C5649}"/>
+              </a:ext>
+            </a:extLst>
+          </p:cNvPr>
+          <p:cNvSpPr/>
+          <p:nvPr/>
+        </p:nvSpPr>
+        <p:spPr>
+          <a:xfrm>
+            <a:off x="497840" y="904240"/>
+            <a:ext cx="1564532" cy="1686560"/>
+          </a:xfrm>
+          <a:prstGeom prst="rect">
+            <a:avLst/>
+          </a:prstGeom>
+        </p:spPr>
+        <p:style>
+          <a:lnRef idx="2">
+            <a:schemeClr val="accent1">
+              <a:shade val="50000"/>
+            </a:schemeClr>
+          </a:lnRef>
+          <a:fillRef idx="1">
+            <a:schemeClr val="accent1"/>
+          </a:fillRef>
+          <a:effectRef idx="0">
+            <a:schemeClr val="accent1"/>
+          </a:effectRef>
+          <a:fontRef idx="minor">
+            <a:schemeClr val="lt1"/>
+          </a:fontRef>
+        </p:style>
+        <p:txBody>
+          <a:bodyPr rtlCol="0" anchor="ctr"/>
+          <a:lstStyle/>
+          <a:p>
+            <a:pPr algn="ctr"/>
+            <a:endParaRPr lang="en-US"/>
+          </a:p>
+        </p:txBody>
+      </p:sp>
+      <p:sp>
+        <p:nvSpPr>
+          <p:cNvPr id="11" name="Rectangle 10">
+            <a:extLst>
+              <a:ext uri="{FF2B5EF4-FFF2-40B4-BE49-F238E27FC236}">
+                <a16:creationId xmlns:a16="http://schemas.microsoft.com/office/drawing/2014/main" id="{15A38687-5FB0-47F4-972F-B544AF922916}"/>
+              </a:ext>
+            </a:extLst>
+          </p:cNvPr>
+          <p:cNvSpPr/>
+          <p:nvPr/>
+        </p:nvSpPr>
+        <p:spPr>
+          <a:xfrm>
+            <a:off x="512354" y="2942828"/>
+            <a:ext cx="1564532" cy="1686560"/>
+          </a:xfrm>
+          <a:prstGeom prst="rect">
+            <a:avLst/>
+          </a:prstGeom>
+        </p:spPr>
+        <p:style>
+          <a:lnRef idx="2">
+            <a:schemeClr val="accent1">
+              <a:shade val="50000"/>
+            </a:schemeClr>
+          </a:lnRef>
+          <a:fillRef idx="1">
+            <a:schemeClr val="accent1"/>
+          </a:fillRef>
+          <a:effectRef idx="0">
+            <a:schemeClr val="accent1"/>
+          </a:effectRef>
+          <a:fontRef idx="minor">
+            <a:schemeClr val="lt1"/>
+          </a:fontRef>
+        </p:style>
+        <p:txBody>
+          <a:bodyPr rtlCol="0" anchor="ctr"/>
+          <a:lstStyle/>
+          <a:p>
+            <a:pPr algn="ctr"/>
+            <a:endParaRPr lang="en-US"/>
+          </a:p>
+        </p:txBody>
+      </p:sp>
+      <p:sp>
+        <p:nvSpPr>
+          <p:cNvPr id="12" name="Rectangle 11">
+            <a:extLst>
+              <a:ext uri="{FF2B5EF4-FFF2-40B4-BE49-F238E27FC236}">
+                <a16:creationId xmlns:a16="http://schemas.microsoft.com/office/drawing/2014/main" id="{D1300452-AAEC-41BE-898B-5ACD6891A803}"/>
+              </a:ext>
+            </a:extLst>
+          </p:cNvPr>
+          <p:cNvSpPr/>
+          <p:nvPr/>
+        </p:nvSpPr>
+        <p:spPr>
+          <a:xfrm>
+            <a:off x="512354" y="4846320"/>
+            <a:ext cx="1564532" cy="1686560"/>
+          </a:xfrm>
+          <a:prstGeom prst="rect">
+            <a:avLst/>
+          </a:prstGeom>
+        </p:spPr>
+        <p:style>
+          <a:lnRef idx="2">
+            <a:schemeClr val="accent1">
+              <a:shade val="50000"/>
+            </a:schemeClr>
+          </a:lnRef>
+          <a:fillRef idx="1">
+            <a:schemeClr val="accent1"/>
+          </a:fillRef>
+          <a:effectRef idx="0">
+            <a:schemeClr val="accent1"/>
+          </a:effectRef>
+          <a:fontRef idx="minor">
+            <a:schemeClr val="lt1"/>
+          </a:fontRef>
+        </p:style>
+        <p:txBody>
+          <a:bodyPr rtlCol="0" anchor="ctr"/>
+          <a:lstStyle/>
+          <a:p>
+            <a:pPr algn="ctr"/>
+            <a:endParaRPr lang="en-US"/>
+          </a:p>
+        </p:txBody>
+      </p:sp>
+      <p:sp>
+        <p:nvSpPr>
+          <p:cNvPr id="13" name="Rectangle 12">
+            <a:extLst>
+              <a:ext uri="{FF2B5EF4-FFF2-40B4-BE49-F238E27FC236}">
+                <a16:creationId xmlns:a16="http://schemas.microsoft.com/office/drawing/2014/main" id="{9E362930-75CE-499A-BE19-3D2A77225A97}"/>
+              </a:ext>
+            </a:extLst>
+          </p:cNvPr>
+          <p:cNvSpPr/>
+          <p:nvPr/>
+        </p:nvSpPr>
+        <p:spPr>
+          <a:xfrm>
+            <a:off x="5148720" y="904240"/>
+            <a:ext cx="1564532" cy="1686560"/>
+          </a:xfrm>
+          <a:prstGeom prst="rect">
+            <a:avLst/>
+          </a:prstGeom>
+        </p:spPr>
+        <p:style>
+          <a:lnRef idx="2">
+            <a:schemeClr val="accent1">
+              <a:shade val="50000"/>
+            </a:schemeClr>
+          </a:lnRef>
+          <a:fillRef idx="1">
+            <a:schemeClr val="accent1"/>
+          </a:fillRef>
+          <a:effectRef idx="0">
+            <a:schemeClr val="accent1"/>
+          </a:effectRef>
+          <a:fontRef idx="minor">
+            <a:schemeClr val="lt1"/>
+          </a:fontRef>
+        </p:style>
+        <p:txBody>
+          <a:bodyPr rtlCol="0" anchor="ctr"/>
+          <a:lstStyle/>
+          <a:p>
+            <a:pPr algn="ctr"/>
+            <a:endParaRPr lang="en-US"/>
+          </a:p>
+        </p:txBody>
+      </p:sp>
+      <p:sp>
+        <p:nvSpPr>
+          <p:cNvPr id="14" name="Rectangle 13">
+            <a:extLst>
+              <a:ext uri="{FF2B5EF4-FFF2-40B4-BE49-F238E27FC236}">
+                <a16:creationId xmlns:a16="http://schemas.microsoft.com/office/drawing/2014/main" id="{8DCF1EFE-C125-428F-AA38-4B24D99D09B8}"/>
+              </a:ext>
+            </a:extLst>
+          </p:cNvPr>
+          <p:cNvSpPr/>
+          <p:nvPr/>
+        </p:nvSpPr>
+        <p:spPr>
+          <a:xfrm>
+            <a:off x="5148720" y="2936343"/>
+            <a:ext cx="1564532" cy="1686560"/>
+          </a:xfrm>
+          <a:prstGeom prst="rect">
+            <a:avLst/>
+          </a:prstGeom>
+        </p:spPr>
+        <p:style>
+          <a:lnRef idx="2">
+            <a:schemeClr val="accent1">
+              <a:shade val="50000"/>
+            </a:schemeClr>
+          </a:lnRef>
+          <a:fillRef idx="1">
+            <a:schemeClr val="accent1"/>
+          </a:fillRef>
+          <a:effectRef idx="0">
+            <a:schemeClr val="accent1"/>
+          </a:effectRef>
+          <a:fontRef idx="minor">
+            <a:schemeClr val="lt1"/>
+          </a:fontRef>
+        </p:style>
+        <p:txBody>
+          <a:bodyPr rtlCol="0" anchor="ctr"/>
+          <a:lstStyle/>
+          <a:p>
+            <a:pPr algn="ctr"/>
+            <a:endParaRPr lang="en-US"/>
+          </a:p>
+        </p:txBody>
+      </p:sp>
+      <p:sp>
+        <p:nvSpPr>
+          <p:cNvPr id="3" name="TextBox 2">
+            <a:extLst>
+              <a:ext uri="{FF2B5EF4-FFF2-40B4-BE49-F238E27FC236}">
+                <a16:creationId xmlns:a16="http://schemas.microsoft.com/office/drawing/2014/main" id="{87E7FF2D-90DE-44B5-ACDA-AAB58A61EE08}"/>
+              </a:ext>
+            </a:extLst>
+          </p:cNvPr>
+          <p:cNvSpPr txBox="1"/>
+          <p:nvPr/>
+        </p:nvSpPr>
+        <p:spPr>
+          <a:xfrm>
+            <a:off x="2139990" y="995680"/>
+            <a:ext cx="2432010" cy="1595120"/>
+          </a:xfrm>
+          <a:prstGeom prst="rect">
+            <a:avLst/>
+          </a:prstGeom>
+          <a:noFill/>
+        </p:spPr>
+        <p:txBody>
+          <a:bodyPr wrap="square" rtlCol="0">
+            <a:spAutoFit/>
+          </a:bodyPr>
+          <a:lstStyle/>
+          <a:p>
+            <a:endParaRPr lang="en-US" dirty="0"/>
+          </a:p>
+        </p:txBody>
+      </p:sp>
+      <p:sp>
+        <p:nvSpPr>
+          <p:cNvPr id="15" name="TextBox 14">
+            <a:extLst>
+              <a:ext uri="{FF2B5EF4-FFF2-40B4-BE49-F238E27FC236}">
+                <a16:creationId xmlns:a16="http://schemas.microsoft.com/office/drawing/2014/main" id="{99504B38-AE3A-4415-9120-44FF8C824077}"/>
+              </a:ext>
+            </a:extLst>
+          </p:cNvPr>
+          <p:cNvSpPr txBox="1"/>
+          <p:nvPr/>
+        </p:nvSpPr>
+        <p:spPr>
+          <a:xfrm>
+            <a:off x="2221270" y="2942828"/>
+            <a:ext cx="2432010" cy="1595120"/>
+          </a:xfrm>
+          <a:prstGeom prst="rect">
+            <a:avLst/>
+          </a:prstGeom>
+          <a:noFill/>
+        </p:spPr>
+        <p:txBody>
+          <a:bodyPr wrap="square" rtlCol="0">
+            <a:spAutoFit/>
+          </a:bodyPr>
+          <a:lstStyle/>
+          <a:p>
+            <a:endParaRPr lang="en-US" dirty="0"/>
+          </a:p>
+        </p:txBody>
+      </p:sp>
     </p:spTree>
     <p:extLst>
       <p:ext uri="{BB962C8B-B14F-4D97-AF65-F5344CB8AC3E}">
@@ -31728,6 +28997,365 @@
 </file>
 
 <file path=ppt/slides/slide20.xml><?xml version="1.0" encoding="utf-8"?>
+<p:sld xmlns:a="http://schemas.openxmlformats.org/drawingml/2006/main" xmlns:r="http://schemas.openxmlformats.org/officeDocument/2006/relationships" xmlns:p="http://schemas.openxmlformats.org/presentationml/2006/main">
+  <p:cSld>
+    <p:spTree>
+      <p:nvGrpSpPr>
+        <p:cNvPr id="1" name=""/>
+        <p:cNvGrpSpPr/>
+        <p:nvPr/>
+      </p:nvGrpSpPr>
+      <p:grpSpPr>
+        <a:xfrm>
+          <a:off x="0" y="0"/>
+          <a:ext cx="0" cy="0"/>
+          <a:chOff x="0" y="0"/>
+          <a:chExt cx="0" cy="0"/>
+        </a:xfrm>
+      </p:grpSpPr>
+      <p:sp>
+        <p:nvSpPr>
+          <p:cNvPr id="4" name="TextBox 3">
+            <a:extLst>
+              <a:ext uri="{FF2B5EF4-FFF2-40B4-BE49-F238E27FC236}">
+                <a16:creationId xmlns:a16="http://schemas.microsoft.com/office/drawing/2014/main" id="{F724BB24-BB31-4172-874A-88D7B3A59D64}"/>
+              </a:ext>
+            </a:extLst>
+          </p:cNvPr>
+          <p:cNvSpPr txBox="1"/>
+          <p:nvPr/>
+        </p:nvSpPr>
+        <p:spPr>
+          <a:xfrm flipH="1">
+            <a:off x="257882" y="182880"/>
+            <a:ext cx="1819004" cy="369332"/>
+          </a:xfrm>
+          <a:prstGeom prst="rect">
+            <a:avLst/>
+          </a:prstGeom>
+          <a:noFill/>
+          <a:ln>
+            <a:solidFill>
+              <a:schemeClr val="tx1"/>
+            </a:solidFill>
+          </a:ln>
+        </p:spPr>
+        <p:txBody>
+          <a:bodyPr wrap="square" rtlCol="0">
+            <a:spAutoFit/>
+          </a:bodyPr>
+          <a:lstStyle/>
+          <a:p>
+            <a:pPr algn="ctr"/>
+            <a:r>
+              <a:rPr lang="en-US" dirty="0">
+                <a:latin typeface="Dyslexie" panose="02000000000000000000" pitchFamily="2" charset="0"/>
+              </a:rPr>
+              <a:t>Background</a:t>
+            </a:r>
+          </a:p>
+        </p:txBody>
+      </p:sp>
+      <p:sp>
+        <p:nvSpPr>
+          <p:cNvPr id="5" name="TextBox 4">
+            <a:extLst>
+              <a:ext uri="{FF2B5EF4-FFF2-40B4-BE49-F238E27FC236}">
+                <a16:creationId xmlns:a16="http://schemas.microsoft.com/office/drawing/2014/main" id="{301846DD-30BA-4CC2-A80A-62982664FA03}"/>
+              </a:ext>
+            </a:extLst>
+          </p:cNvPr>
+          <p:cNvSpPr txBox="1"/>
+          <p:nvPr/>
+        </p:nvSpPr>
+        <p:spPr>
+          <a:xfrm flipH="1">
+            <a:off x="2139990" y="188976"/>
+            <a:ext cx="1553176" cy="369332"/>
+          </a:xfrm>
+          <a:prstGeom prst="rect">
+            <a:avLst/>
+          </a:prstGeom>
+          <a:noFill/>
+          <a:ln>
+            <a:solidFill>
+              <a:schemeClr val="tx1"/>
+            </a:solidFill>
+          </a:ln>
+        </p:spPr>
+        <p:txBody>
+          <a:bodyPr wrap="square" rtlCol="0">
+            <a:spAutoFit/>
+          </a:bodyPr>
+          <a:lstStyle/>
+          <a:p>
+            <a:pPr algn="ctr"/>
+            <a:r>
+              <a:rPr lang="en-US" dirty="0">
+                <a:latin typeface="Dyslexie" panose="02000000000000000000" pitchFamily="2" charset="0"/>
+              </a:rPr>
+              <a:t>Workflow</a:t>
+            </a:r>
+          </a:p>
+        </p:txBody>
+      </p:sp>
+      <p:sp>
+        <p:nvSpPr>
+          <p:cNvPr id="6" name="TextBox 5">
+            <a:extLst>
+              <a:ext uri="{FF2B5EF4-FFF2-40B4-BE49-F238E27FC236}">
+                <a16:creationId xmlns:a16="http://schemas.microsoft.com/office/drawing/2014/main" id="{7ABF5166-2DF4-4D7C-80A7-1FCFD75050E2}"/>
+              </a:ext>
+            </a:extLst>
+          </p:cNvPr>
+          <p:cNvSpPr txBox="1"/>
+          <p:nvPr/>
+        </p:nvSpPr>
+        <p:spPr>
+          <a:xfrm flipH="1">
+            <a:off x="3756270" y="188946"/>
+            <a:ext cx="2253670" cy="369332"/>
+          </a:xfrm>
+          <a:prstGeom prst="rect">
+            <a:avLst/>
+          </a:prstGeom>
+          <a:noFill/>
+          <a:ln>
+            <a:solidFill>
+              <a:schemeClr val="tx1"/>
+            </a:solidFill>
+          </a:ln>
+        </p:spPr>
+        <p:txBody>
+          <a:bodyPr wrap="square" rtlCol="0">
+            <a:spAutoFit/>
+          </a:bodyPr>
+          <a:lstStyle/>
+          <a:p>
+            <a:pPr algn="ctr"/>
+            <a:r>
+              <a:rPr lang="en-US" dirty="0">
+                <a:solidFill>
+                  <a:srgbClr val="0AB45A"/>
+                </a:solidFill>
+                <a:latin typeface="Dyslexie" panose="02000000000000000000" pitchFamily="2" charset="0"/>
+              </a:rPr>
+              <a:t>Documentation</a:t>
+            </a:r>
+          </a:p>
+        </p:txBody>
+      </p:sp>
+      <p:sp>
+        <p:nvSpPr>
+          <p:cNvPr id="7" name="TextBox 6">
+            <a:extLst>
+              <a:ext uri="{FF2B5EF4-FFF2-40B4-BE49-F238E27FC236}">
+                <a16:creationId xmlns:a16="http://schemas.microsoft.com/office/drawing/2014/main" id="{5A0382A0-4D1F-49A8-9030-1C5583747BCC}"/>
+              </a:ext>
+            </a:extLst>
+          </p:cNvPr>
+          <p:cNvSpPr txBox="1"/>
+          <p:nvPr/>
+        </p:nvSpPr>
+        <p:spPr>
+          <a:xfrm flipH="1">
+            <a:off x="6081118" y="189365"/>
+            <a:ext cx="1264268" cy="369332"/>
+          </a:xfrm>
+          <a:prstGeom prst="rect">
+            <a:avLst/>
+          </a:prstGeom>
+          <a:noFill/>
+          <a:ln>
+            <a:solidFill>
+              <a:schemeClr val="tx1"/>
+            </a:solidFill>
+          </a:ln>
+        </p:spPr>
+        <p:txBody>
+          <a:bodyPr wrap="square" rtlCol="0">
+            <a:spAutoFit/>
+          </a:bodyPr>
+          <a:lstStyle/>
+          <a:p>
+            <a:pPr algn="ctr"/>
+            <a:r>
+              <a:rPr lang="en-US" dirty="0">
+                <a:latin typeface="Dyslexie" panose="02000000000000000000" pitchFamily="2" charset="0"/>
+              </a:rPr>
+              <a:t>Results</a:t>
+            </a:r>
+          </a:p>
+        </p:txBody>
+      </p:sp>
+      <p:sp>
+        <p:nvSpPr>
+          <p:cNvPr id="8" name="TextBox 7">
+            <a:extLst>
+              <a:ext uri="{FF2B5EF4-FFF2-40B4-BE49-F238E27FC236}">
+                <a16:creationId xmlns:a16="http://schemas.microsoft.com/office/drawing/2014/main" id="{E90C7CB5-10BD-4255-B4FC-B09D13AE29BB}"/>
+              </a:ext>
+            </a:extLst>
+          </p:cNvPr>
+          <p:cNvSpPr txBox="1"/>
+          <p:nvPr/>
+        </p:nvSpPr>
+        <p:spPr>
+          <a:xfrm flipH="1">
+            <a:off x="7416564" y="182880"/>
+            <a:ext cx="1520300" cy="369332"/>
+          </a:xfrm>
+          <a:prstGeom prst="rect">
+            <a:avLst/>
+          </a:prstGeom>
+          <a:noFill/>
+          <a:ln>
+            <a:solidFill>
+              <a:schemeClr val="tx1"/>
+            </a:solidFill>
+          </a:ln>
+        </p:spPr>
+        <p:txBody>
+          <a:bodyPr wrap="square" rtlCol="0">
+            <a:spAutoFit/>
+          </a:bodyPr>
+          <a:lstStyle/>
+          <a:p>
+            <a:pPr algn="ctr"/>
+            <a:r>
+              <a:rPr lang="en-US" dirty="0">
+                <a:latin typeface="Dyslexie" panose="02000000000000000000" pitchFamily="2" charset="0"/>
+              </a:rPr>
+              <a:t>Summary</a:t>
+            </a:r>
+          </a:p>
+        </p:txBody>
+      </p:sp>
+      <p:sp>
+        <p:nvSpPr>
+          <p:cNvPr id="12" name="Rectangle 11">
+            <a:extLst>
+              <a:ext uri="{FF2B5EF4-FFF2-40B4-BE49-F238E27FC236}">
+                <a16:creationId xmlns:a16="http://schemas.microsoft.com/office/drawing/2014/main" id="{5D92AE47-1B6F-4D1D-A3F6-29545D674235}"/>
+              </a:ext>
+            </a:extLst>
+          </p:cNvPr>
+          <p:cNvSpPr/>
+          <p:nvPr/>
+        </p:nvSpPr>
+        <p:spPr>
+          <a:xfrm>
+            <a:off x="432222" y="1264587"/>
+            <a:ext cx="4238661" cy="461665"/>
+          </a:xfrm>
+          <a:prstGeom prst="rect">
+            <a:avLst/>
+          </a:prstGeom>
+        </p:spPr>
+        <p:txBody>
+          <a:bodyPr wrap="none">
+            <a:spAutoFit/>
+          </a:bodyPr>
+          <a:lstStyle/>
+          <a:p>
+            <a:r>
+              <a:rPr lang="en-US" sz="2400" dirty="0">
+                <a:latin typeface="Dyslexie" panose="02000000000000000000" pitchFamily="2" charset="0"/>
+              </a:rPr>
+              <a:t>What we documented</a:t>
+            </a:r>
+          </a:p>
+        </p:txBody>
+      </p:sp>
+      <p:sp>
+        <p:nvSpPr>
+          <p:cNvPr id="9" name="Rectangle 8">
+            <a:extLst>
+              <a:ext uri="{FF2B5EF4-FFF2-40B4-BE49-F238E27FC236}">
+                <a16:creationId xmlns:a16="http://schemas.microsoft.com/office/drawing/2014/main" id="{995C0685-BA4D-417F-B8C6-040F82405874}"/>
+              </a:ext>
+            </a:extLst>
+          </p:cNvPr>
+          <p:cNvSpPr/>
+          <p:nvPr/>
+        </p:nvSpPr>
+        <p:spPr>
+          <a:xfrm>
+            <a:off x="814851" y="2095584"/>
+            <a:ext cx="7810350" cy="1200329"/>
+          </a:xfrm>
+          <a:prstGeom prst="rect">
+            <a:avLst/>
+          </a:prstGeom>
+        </p:spPr>
+        <p:txBody>
+          <a:bodyPr wrap="square">
+            <a:spAutoFit/>
+          </a:bodyPr>
+          <a:lstStyle/>
+          <a:p>
+            <a:pPr marL="285750" indent="-285750">
+              <a:buFontTx/>
+              <a:buChar char="-"/>
+            </a:pPr>
+            <a:r>
+              <a:rPr lang="en-US" dirty="0" err="1">
+                <a:latin typeface="Dyslexie" panose="02000000000000000000" pitchFamily="2" charset="0"/>
+              </a:rPr>
+              <a:t>Github</a:t>
+            </a:r>
+            <a:endParaRPr lang="en-US" dirty="0">
+              <a:latin typeface="Dyslexie" panose="02000000000000000000" pitchFamily="2" charset="0"/>
+            </a:endParaRPr>
+          </a:p>
+          <a:p>
+            <a:pPr marL="285750" indent="-285750">
+              <a:buFontTx/>
+              <a:buChar char="-"/>
+            </a:pPr>
+            <a:r>
+              <a:rPr lang="en-US" dirty="0" err="1">
+                <a:latin typeface="Dyslexie" panose="02000000000000000000" pitchFamily="2" charset="0"/>
+              </a:rPr>
+              <a:t>Juptyer</a:t>
+            </a:r>
+            <a:r>
+              <a:rPr lang="en-US" dirty="0">
+                <a:latin typeface="Dyslexie" panose="02000000000000000000" pitchFamily="2" charset="0"/>
+              </a:rPr>
+              <a:t> notebook</a:t>
+            </a:r>
+          </a:p>
+          <a:p>
+            <a:pPr marL="285750" indent="-285750">
+              <a:buFontTx/>
+              <a:buChar char="-"/>
+            </a:pPr>
+            <a:endParaRPr lang="en-US" dirty="0">
+              <a:latin typeface="Dyslexie" panose="02000000000000000000" pitchFamily="2" charset="0"/>
+            </a:endParaRPr>
+          </a:p>
+          <a:p>
+            <a:endParaRPr lang="en-US" dirty="0">
+              <a:latin typeface="Dyslexie" panose="02000000000000000000" pitchFamily="2" charset="0"/>
+            </a:endParaRPr>
+          </a:p>
+        </p:txBody>
+      </p:sp>
+    </p:spTree>
+    <p:extLst>
+      <p:ext uri="{BB962C8B-B14F-4D97-AF65-F5344CB8AC3E}">
+        <p14:creationId xmlns:p14="http://schemas.microsoft.com/office/powerpoint/2010/main" val="3940395611"/>
+      </p:ext>
+    </p:extLst>
+  </p:cSld>
+  <p:clrMapOvr>
+    <a:masterClrMapping/>
+  </p:clrMapOvr>
+</p:sld>
+</file>
+
+<file path=ppt/slides/slide21.xml><?xml version="1.0" encoding="utf-8"?>
 <p:sld xmlns:a="http://schemas.openxmlformats.org/drawingml/2006/main" xmlns:r="http://schemas.openxmlformats.org/officeDocument/2006/relationships" xmlns:p="http://schemas.openxmlformats.org/presentationml/2006/main">
   <p:cSld>
     <p:spTree>
@@ -31822,17 +29450,11 @@
           <a:p>
             <a:pPr algn="ctr"/>
             <a:r>
-              <a:rPr lang="en-US">
-                <a:solidFill>
-                  <a:srgbClr val="0AB45A"/>
-                </a:solidFill>
+              <a:rPr lang="en-US" dirty="0">
                 <a:latin typeface="Dyslexie" panose="02000000000000000000" pitchFamily="2" charset="0"/>
               </a:rPr>
               <a:t>Workflow</a:t>
             </a:r>
-            <a:endParaRPr lang="en-US" dirty="0">
-              <a:latin typeface="Dyslexie" panose="02000000000000000000" pitchFamily="2" charset="0"/>
-            </a:endParaRPr>
           </a:p>
         </p:txBody>
       </p:sp>
@@ -31915,6 +29537,9 @@
             <a:pPr algn="ctr"/>
             <a:r>
               <a:rPr lang="en-US" dirty="0">
+                <a:solidFill>
+                  <a:srgbClr val="0AB45A"/>
+                </a:solidFill>
                 <a:latin typeface="Dyslexie" panose="02000000000000000000" pitchFamily="2" charset="0"/>
               </a:rPr>
               <a:t>Results</a:t>
@@ -31967,449 +29592,64 @@
       </p:sp>
       <p:sp>
         <p:nvSpPr>
-          <p:cNvPr id="11" name="Rectangle 10">
+          <p:cNvPr id="11" name="Title 1">
             <a:extLst>
               <a:ext uri="{FF2B5EF4-FFF2-40B4-BE49-F238E27FC236}">
-                <a16:creationId xmlns:a16="http://schemas.microsoft.com/office/drawing/2014/main" id="{959588AA-E643-4BD1-9D18-4D9119E6CBD5}"/>
+                <a16:creationId xmlns:a16="http://schemas.microsoft.com/office/drawing/2014/main" id="{F85F04B0-0F92-4FE4-81C9-71CA1E58A8CD}"/>
               </a:ext>
             </a:extLst>
           </p:cNvPr>
-          <p:cNvSpPr/>
+          <p:cNvSpPr txBox="1">
+            <a:spLocks/>
+          </p:cNvSpPr>
           <p:nvPr/>
         </p:nvSpPr>
         <p:spPr>
           <a:xfrm>
-            <a:off x="432222" y="1264587"/>
-            <a:ext cx="5960286" cy="461665"/>
+            <a:off x="3067596" y="2774462"/>
+            <a:ext cx="3388660" cy="442456"/>
           </a:xfrm>
           <a:prstGeom prst="rect">
             <a:avLst/>
           </a:prstGeom>
         </p:spPr>
         <p:txBody>
-          <a:bodyPr wrap="none">
-            <a:spAutoFit/>
+          <a:bodyPr vert="horz" lIns="91440" tIns="45720" rIns="91440" bIns="45720" rtlCol="0" anchor="ctr">
+            <a:noAutofit/>
           </a:bodyPr>
-          <a:lstStyle/>
+          <a:lstStyle>
+            <a:lvl1pPr algn="l" defTabSz="685800" rtl="0" eaLnBrk="1" latinLnBrk="0" hangingPunct="1">
+              <a:lnSpc>
+                <a:spcPct val="90000"/>
+              </a:lnSpc>
+              <a:spcBef>
+                <a:spcPct val="0"/>
+              </a:spcBef>
+              <a:buNone/>
+              <a:defRPr sz="3300" kern="1200">
+                <a:solidFill>
+                  <a:schemeClr val="tx1"/>
+                </a:solidFill>
+                <a:latin typeface="+mj-lt"/>
+                <a:ea typeface="+mj-ea"/>
+                <a:cs typeface="+mj-cs"/>
+              </a:defRPr>
+            </a:lvl1pPr>
+          </a:lstStyle>
           <a:p>
             <a:r>
               <a:rPr lang="en-US" sz="2400" dirty="0">
                 <a:latin typeface="Dyslexie" panose="02000000000000000000" pitchFamily="2" charset="0"/>
               </a:rPr>
-              <a:t>Planned workflow: Heat map??</a:t>
+              <a:t>How did it go</a:t>
             </a:r>
-          </a:p>
-        </p:txBody>
-      </p:sp>
-      <p:graphicFrame>
-        <p:nvGraphicFramePr>
-          <p:cNvPr id="12" name="Diagram 11">
-            <a:extLst>
-              <a:ext uri="{FF2B5EF4-FFF2-40B4-BE49-F238E27FC236}">
-                <a16:creationId xmlns:a16="http://schemas.microsoft.com/office/drawing/2014/main" id="{0E39A898-0D00-406D-A018-EA97A9A6D7CF}"/>
-              </a:ext>
-            </a:extLst>
-          </p:cNvPr>
-          <p:cNvGraphicFramePr/>
-          <p:nvPr>
-            <p:extLst>
-              <p:ext uri="{D42A27DB-BD31-4B8C-83A1-F6EECF244321}">
-                <p14:modId xmlns:p14="http://schemas.microsoft.com/office/powerpoint/2010/main" val="4054736955"/>
-              </p:ext>
-            </p:extLst>
-          </p:nvPr>
-        </p:nvGraphicFramePr>
-        <p:xfrm>
-          <a:off x="852792" y="1726252"/>
-          <a:ext cx="6096000" cy="4064000"/>
-        </p:xfrm>
-        <a:graphic>
-          <a:graphicData uri="http://schemas.openxmlformats.org/drawingml/2006/diagram">
-            <dgm:relIds xmlns:dgm="http://schemas.openxmlformats.org/drawingml/2006/diagram" xmlns:r="http://schemas.openxmlformats.org/officeDocument/2006/relationships" r:dm="rId2" r:lo="rId3" r:qs="rId4" r:cs="rId5"/>
-          </a:graphicData>
-        </a:graphic>
-      </p:graphicFrame>
-    </p:spTree>
-    <p:extLst>
-      <p:ext uri="{BB962C8B-B14F-4D97-AF65-F5344CB8AC3E}">
-        <p14:creationId xmlns:p14="http://schemas.microsoft.com/office/powerpoint/2010/main" val="2119145840"/>
-      </p:ext>
-    </p:extLst>
-  </p:cSld>
-  <p:clrMapOvr>
-    <a:masterClrMapping/>
-  </p:clrMapOvr>
-</p:sld>
-</file>
-
-<file path=ppt/slides/slide21.xml><?xml version="1.0" encoding="utf-8"?>
-<p:sld xmlns:a="http://schemas.openxmlformats.org/drawingml/2006/main" xmlns:r="http://schemas.openxmlformats.org/officeDocument/2006/relationships" xmlns:p="http://schemas.openxmlformats.org/presentationml/2006/main">
-  <p:cSld>
-    <p:spTree>
-      <p:nvGrpSpPr>
-        <p:cNvPr id="1" name=""/>
-        <p:cNvGrpSpPr/>
-        <p:nvPr/>
-      </p:nvGrpSpPr>
-      <p:grpSpPr>
-        <a:xfrm>
-          <a:off x="0" y="0"/>
-          <a:ext cx="0" cy="0"/>
-          <a:chOff x="0" y="0"/>
-          <a:chExt cx="0" cy="0"/>
-        </a:xfrm>
-      </p:grpSpPr>
-      <p:sp>
-        <p:nvSpPr>
-          <p:cNvPr id="4" name="TextBox 3">
-            <a:extLst>
-              <a:ext uri="{FF2B5EF4-FFF2-40B4-BE49-F238E27FC236}">
-                <a16:creationId xmlns:a16="http://schemas.microsoft.com/office/drawing/2014/main" id="{F724BB24-BB31-4172-874A-88D7B3A59D64}"/>
-              </a:ext>
-            </a:extLst>
-          </p:cNvPr>
-          <p:cNvSpPr txBox="1"/>
-          <p:nvPr/>
-        </p:nvSpPr>
-        <p:spPr>
-          <a:xfrm flipH="1">
-            <a:off x="257882" y="182880"/>
-            <a:ext cx="1819004" cy="369332"/>
-          </a:xfrm>
-          <a:prstGeom prst="rect">
-            <a:avLst/>
-          </a:prstGeom>
-          <a:noFill/>
-          <a:ln>
-            <a:solidFill>
-              <a:schemeClr val="tx1"/>
-            </a:solidFill>
-          </a:ln>
-        </p:spPr>
-        <p:txBody>
-          <a:bodyPr wrap="square" rtlCol="0">
-            <a:spAutoFit/>
-          </a:bodyPr>
-          <a:lstStyle/>
-          <a:p>
-            <a:pPr algn="ctr"/>
-            <a:r>
-              <a:rPr lang="en-US" dirty="0">
-                <a:latin typeface="Dyslexie" panose="02000000000000000000" pitchFamily="2" charset="0"/>
-              </a:rPr>
-              <a:t>Background</a:t>
-            </a:r>
-          </a:p>
-        </p:txBody>
-      </p:sp>
-      <p:sp>
-        <p:nvSpPr>
-          <p:cNvPr id="5" name="TextBox 4">
-            <a:extLst>
-              <a:ext uri="{FF2B5EF4-FFF2-40B4-BE49-F238E27FC236}">
-                <a16:creationId xmlns:a16="http://schemas.microsoft.com/office/drawing/2014/main" id="{301846DD-30BA-4CC2-A80A-62982664FA03}"/>
-              </a:ext>
-            </a:extLst>
-          </p:cNvPr>
-          <p:cNvSpPr txBox="1"/>
-          <p:nvPr/>
-        </p:nvSpPr>
-        <p:spPr>
-          <a:xfrm flipH="1">
-            <a:off x="2139990" y="188976"/>
-            <a:ext cx="1553176" cy="369332"/>
-          </a:xfrm>
-          <a:prstGeom prst="rect">
-            <a:avLst/>
-          </a:prstGeom>
-          <a:noFill/>
-          <a:ln>
-            <a:solidFill>
-              <a:schemeClr val="tx1"/>
-            </a:solidFill>
-          </a:ln>
-        </p:spPr>
-        <p:txBody>
-          <a:bodyPr wrap="square" rtlCol="0">
-            <a:spAutoFit/>
-          </a:bodyPr>
-          <a:lstStyle/>
-          <a:p>
-            <a:pPr algn="ctr"/>
-            <a:r>
-              <a:rPr lang="en-US" dirty="0">
-                <a:latin typeface="Dyslexie" panose="02000000000000000000" pitchFamily="2" charset="0"/>
-              </a:rPr>
-              <a:t>Workflow</a:t>
-            </a:r>
-          </a:p>
-        </p:txBody>
-      </p:sp>
-      <p:sp>
-        <p:nvSpPr>
-          <p:cNvPr id="6" name="TextBox 5">
-            <a:extLst>
-              <a:ext uri="{FF2B5EF4-FFF2-40B4-BE49-F238E27FC236}">
-                <a16:creationId xmlns:a16="http://schemas.microsoft.com/office/drawing/2014/main" id="{7ABF5166-2DF4-4D7C-80A7-1FCFD75050E2}"/>
-              </a:ext>
-            </a:extLst>
-          </p:cNvPr>
-          <p:cNvSpPr txBox="1"/>
-          <p:nvPr/>
-        </p:nvSpPr>
-        <p:spPr>
-          <a:xfrm flipH="1">
-            <a:off x="3756270" y="188946"/>
-            <a:ext cx="2253670" cy="369332"/>
-          </a:xfrm>
-          <a:prstGeom prst="rect">
-            <a:avLst/>
-          </a:prstGeom>
-          <a:noFill/>
-          <a:ln>
-            <a:solidFill>
-              <a:schemeClr val="tx1"/>
-            </a:solidFill>
-          </a:ln>
-        </p:spPr>
-        <p:txBody>
-          <a:bodyPr wrap="square" rtlCol="0">
-            <a:spAutoFit/>
-          </a:bodyPr>
-          <a:lstStyle/>
-          <a:p>
-            <a:pPr algn="ctr"/>
-            <a:r>
-              <a:rPr lang="en-US" dirty="0">
-                <a:solidFill>
-                  <a:srgbClr val="0AB45A"/>
-                </a:solidFill>
-                <a:latin typeface="Dyslexie" panose="02000000000000000000" pitchFamily="2" charset="0"/>
-              </a:rPr>
-              <a:t>Documentation</a:t>
-            </a:r>
-          </a:p>
-        </p:txBody>
-      </p:sp>
-      <p:sp>
-        <p:nvSpPr>
-          <p:cNvPr id="7" name="TextBox 6">
-            <a:extLst>
-              <a:ext uri="{FF2B5EF4-FFF2-40B4-BE49-F238E27FC236}">
-                <a16:creationId xmlns:a16="http://schemas.microsoft.com/office/drawing/2014/main" id="{5A0382A0-4D1F-49A8-9030-1C5583747BCC}"/>
-              </a:ext>
-            </a:extLst>
-          </p:cNvPr>
-          <p:cNvSpPr txBox="1"/>
-          <p:nvPr/>
-        </p:nvSpPr>
-        <p:spPr>
-          <a:xfrm flipH="1">
-            <a:off x="6081118" y="189365"/>
-            <a:ext cx="1264268" cy="369332"/>
-          </a:xfrm>
-          <a:prstGeom prst="rect">
-            <a:avLst/>
-          </a:prstGeom>
-          <a:noFill/>
-          <a:ln>
-            <a:solidFill>
-              <a:schemeClr val="tx1"/>
-            </a:solidFill>
-          </a:ln>
-        </p:spPr>
-        <p:txBody>
-          <a:bodyPr wrap="square" rtlCol="0">
-            <a:spAutoFit/>
-          </a:bodyPr>
-          <a:lstStyle/>
-          <a:p>
-            <a:pPr algn="ctr"/>
-            <a:r>
-              <a:rPr lang="en-US" dirty="0">
-                <a:latin typeface="Dyslexie" panose="02000000000000000000" pitchFamily="2" charset="0"/>
-              </a:rPr>
-              <a:t>Results</a:t>
-            </a:r>
-          </a:p>
-        </p:txBody>
-      </p:sp>
-      <p:sp>
-        <p:nvSpPr>
-          <p:cNvPr id="8" name="TextBox 7">
-            <a:extLst>
-              <a:ext uri="{FF2B5EF4-FFF2-40B4-BE49-F238E27FC236}">
-                <a16:creationId xmlns:a16="http://schemas.microsoft.com/office/drawing/2014/main" id="{E90C7CB5-10BD-4255-B4FC-B09D13AE29BB}"/>
-              </a:ext>
-            </a:extLst>
-          </p:cNvPr>
-          <p:cNvSpPr txBox="1"/>
-          <p:nvPr/>
-        </p:nvSpPr>
-        <p:spPr>
-          <a:xfrm flipH="1">
-            <a:off x="7416564" y="182880"/>
-            <a:ext cx="1520300" cy="369332"/>
-          </a:xfrm>
-          <a:prstGeom prst="rect">
-            <a:avLst/>
-          </a:prstGeom>
-          <a:noFill/>
-          <a:ln>
-            <a:solidFill>
-              <a:schemeClr val="tx1"/>
-            </a:solidFill>
-          </a:ln>
-        </p:spPr>
-        <p:txBody>
-          <a:bodyPr wrap="square" rtlCol="0">
-            <a:spAutoFit/>
-          </a:bodyPr>
-          <a:lstStyle/>
-          <a:p>
-            <a:pPr algn="ctr"/>
-            <a:r>
-              <a:rPr lang="en-US" dirty="0">
-                <a:latin typeface="Dyslexie" panose="02000000000000000000" pitchFamily="2" charset="0"/>
-              </a:rPr>
-              <a:t>Summary</a:t>
-            </a:r>
-          </a:p>
-        </p:txBody>
-      </p:sp>
-      <p:sp>
-        <p:nvSpPr>
-          <p:cNvPr id="12" name="Rectangle 11">
-            <a:extLst>
-              <a:ext uri="{FF2B5EF4-FFF2-40B4-BE49-F238E27FC236}">
-                <a16:creationId xmlns:a16="http://schemas.microsoft.com/office/drawing/2014/main" id="{5D92AE47-1B6F-4D1D-A3F6-29545D674235}"/>
-              </a:ext>
-            </a:extLst>
-          </p:cNvPr>
-          <p:cNvSpPr/>
-          <p:nvPr/>
-        </p:nvSpPr>
-        <p:spPr>
-          <a:xfrm>
-            <a:off x="432222" y="1264587"/>
-            <a:ext cx="4616970" cy="461665"/>
-          </a:xfrm>
-          <a:prstGeom prst="rect">
-            <a:avLst/>
-          </a:prstGeom>
-        </p:spPr>
-        <p:txBody>
-          <a:bodyPr wrap="none">
-            <a:spAutoFit/>
-          </a:bodyPr>
-          <a:lstStyle/>
-          <a:p>
-            <a:r>
-              <a:rPr lang="en-US" sz="2400" dirty="0">
-                <a:latin typeface="Dyslexie" panose="02000000000000000000" pitchFamily="2" charset="0"/>
-              </a:rPr>
-              <a:t>Documentation “rules”:</a:t>
-            </a:r>
-          </a:p>
-        </p:txBody>
-      </p:sp>
-      <p:sp>
-        <p:nvSpPr>
-          <p:cNvPr id="13" name="Rectangle 12">
-            <a:extLst>
-              <a:ext uri="{FF2B5EF4-FFF2-40B4-BE49-F238E27FC236}">
-                <a16:creationId xmlns:a16="http://schemas.microsoft.com/office/drawing/2014/main" id="{2748AD7C-069E-460D-A32B-9DBFDBFC5987}"/>
-              </a:ext>
-            </a:extLst>
-          </p:cNvPr>
-          <p:cNvSpPr/>
-          <p:nvPr/>
-        </p:nvSpPr>
-        <p:spPr>
-          <a:xfrm>
-            <a:off x="838297" y="1798099"/>
-            <a:ext cx="7810350" cy="1754326"/>
-          </a:xfrm>
-          <a:prstGeom prst="rect">
-            <a:avLst/>
-          </a:prstGeom>
-        </p:spPr>
-        <p:txBody>
-          <a:bodyPr wrap="square">
-            <a:spAutoFit/>
-          </a:bodyPr>
-          <a:lstStyle/>
-          <a:p>
-            <a:pPr marL="285750" indent="-285750">
-              <a:buFontTx/>
-              <a:buChar char="-"/>
-            </a:pPr>
-            <a:r>
-              <a:rPr lang="en-US" dirty="0">
-                <a:latin typeface="Dyslexie" panose="02000000000000000000" pitchFamily="2" charset="0"/>
-              </a:rPr>
-              <a:t>Ensure that all commands written down</a:t>
-            </a:r>
-          </a:p>
-          <a:p>
-            <a:pPr marL="285750" indent="-285750">
-              <a:buFontTx/>
-              <a:buChar char="-"/>
-            </a:pPr>
-            <a:r>
-              <a:rPr lang="en-US" dirty="0">
-                <a:latin typeface="Dyslexie" panose="02000000000000000000" pitchFamily="2" charset="0"/>
-              </a:rPr>
-              <a:t>Write notes on mx logistics from original paper and assumptions made/justifications for</a:t>
-            </a:r>
-          </a:p>
-          <a:p>
-            <a:pPr marL="285750" indent="-285750">
-              <a:buFontTx/>
-              <a:buChar char="-"/>
-            </a:pPr>
-            <a:r>
-              <a:rPr lang="en-US" dirty="0">
-                <a:latin typeface="Dyslexie" panose="02000000000000000000" pitchFamily="2" charset="0"/>
-              </a:rPr>
-              <a:t>Have group member check if understand process</a:t>
-            </a:r>
-          </a:p>
-          <a:p>
-            <a:pPr marL="285750" indent="-285750">
-              <a:buFontTx/>
-              <a:buChar char="-"/>
-            </a:pPr>
-            <a:r>
-              <a:rPr lang="en-US" dirty="0">
-                <a:latin typeface="Dyslexie" panose="02000000000000000000" pitchFamily="2" charset="0"/>
-              </a:rPr>
-              <a:t>Compile in </a:t>
-            </a:r>
-            <a:r>
-              <a:rPr lang="en-US" dirty="0" err="1">
-                <a:latin typeface="Dyslexie" panose="02000000000000000000" pitchFamily="2" charset="0"/>
-              </a:rPr>
-              <a:t>Jupyter</a:t>
-            </a:r>
-            <a:r>
-              <a:rPr lang="en-US" dirty="0">
-                <a:latin typeface="Dyslexie" panose="02000000000000000000" pitchFamily="2" charset="0"/>
-              </a:rPr>
-              <a:t> document</a:t>
-            </a:r>
-          </a:p>
-          <a:p>
-            <a:endParaRPr lang="en-US" dirty="0">
-              <a:latin typeface="Dyslexie" panose="02000000000000000000" pitchFamily="2" charset="0"/>
-            </a:endParaRPr>
           </a:p>
         </p:txBody>
       </p:sp>
     </p:spTree>
     <p:extLst>
       <p:ext uri="{BB962C8B-B14F-4D97-AF65-F5344CB8AC3E}">
-        <p14:creationId xmlns:p14="http://schemas.microsoft.com/office/powerpoint/2010/main" val="3581524560"/>
+        <p14:creationId xmlns:p14="http://schemas.microsoft.com/office/powerpoint/2010/main" val="1730260681"/>
       </p:ext>
     </p:extLst>
   </p:cSld>
@@ -32558,9 +29798,6 @@
             <a:pPr algn="ctr"/>
             <a:r>
               <a:rPr lang="en-US" dirty="0">
-                <a:solidFill>
-                  <a:srgbClr val="0AB45A"/>
-                </a:solidFill>
                 <a:latin typeface="Dyslexie" panose="02000000000000000000" pitchFamily="2" charset="0"/>
               </a:rPr>
               <a:t>Documentation</a:t>
@@ -32604,6 +29841,9 @@
             <a:pPr algn="ctr"/>
             <a:r>
               <a:rPr lang="en-US" dirty="0">
+                <a:solidFill>
+                  <a:srgbClr val="0AB45A"/>
+                </a:solidFill>
                 <a:latin typeface="Dyslexie" panose="02000000000000000000" pitchFamily="2" charset="0"/>
               </a:rPr>
               <a:t>Results</a:t>
@@ -32669,7 +29909,7 @@
         <p:spPr>
           <a:xfrm>
             <a:off x="432222" y="1264587"/>
-            <a:ext cx="3183885" cy="461665"/>
+            <a:ext cx="1008609" cy="461665"/>
           </a:xfrm>
           <a:prstGeom prst="rect">
             <a:avLst/>
@@ -32685,15 +29925,49 @@
               <a:rPr lang="en-US" sz="2400" dirty="0">
                 <a:latin typeface="Dyslexie" panose="02000000000000000000" pitchFamily="2" charset="0"/>
               </a:rPr>
-              <a:t>Data Collection</a:t>
+              <a:t>Tree</a:t>
             </a:r>
           </a:p>
         </p:txBody>
       </p:sp>
+      <p:pic>
+        <p:nvPicPr>
+          <p:cNvPr id="9" name="Content Placeholder 4" descr="A close up of a map&#10;&#10;Description automatically generated">
+            <a:extLst>
+              <a:ext uri="{FF2B5EF4-FFF2-40B4-BE49-F238E27FC236}">
+                <a16:creationId xmlns:a16="http://schemas.microsoft.com/office/drawing/2014/main" id="{D57D7838-86D9-4CE2-BB35-0E871D6EA421}"/>
+              </a:ext>
+            </a:extLst>
+          </p:cNvPr>
+          <p:cNvPicPr>
+            <a:picLocks noGrp="1" noChangeAspect="1"/>
+          </p:cNvPicPr>
+          <p:nvPr>
+            <p:ph idx="1"/>
+          </p:nvPr>
+        </p:nvPicPr>
+        <p:blipFill rotWithShape="1">
+          <a:blip r:embed="rId3">
+            <a:extLst>
+              <a:ext uri="{28A0092B-C50C-407E-A947-70E740481C1C}">
+                <a14:useLocalDpi xmlns:a14="http://schemas.microsoft.com/office/drawing/2010/main" val="0"/>
+              </a:ext>
+            </a:extLst>
+          </a:blip>
+          <a:srcRect r="67803" b="23136"/>
+          <a:stretch/>
+        </p:blipFill>
+        <p:spPr>
+          <a:xfrm>
+            <a:off x="2076886" y="1272930"/>
+            <a:ext cx="1435384" cy="4312139"/>
+          </a:xfrm>
+        </p:spPr>
+      </p:pic>
     </p:spTree>
     <p:extLst>
       <p:ext uri="{BB962C8B-B14F-4D97-AF65-F5344CB8AC3E}">
-        <p14:creationId xmlns:p14="http://schemas.microsoft.com/office/powerpoint/2010/main" val="3940395611"/>
+        <p14:creationId xmlns:p14="http://schemas.microsoft.com/office/powerpoint/2010/main" val="2053264653"/>
       </p:ext>
     </p:extLst>
   </p:cSld>
@@ -32842,9 +30116,6 @@
             <a:pPr algn="ctr"/>
             <a:r>
               <a:rPr lang="en-US" dirty="0">
-                <a:solidFill>
-                  <a:srgbClr val="0AB45A"/>
-                </a:solidFill>
                 <a:latin typeface="Dyslexie" panose="02000000000000000000" pitchFamily="2" charset="0"/>
               </a:rPr>
               <a:t>Documentation</a:t>
@@ -32888,6 +30159,9 @@
             <a:pPr algn="ctr"/>
             <a:r>
               <a:rPr lang="en-US" dirty="0">
+                <a:solidFill>
+                  <a:srgbClr val="0AB45A"/>
+                </a:solidFill>
                 <a:latin typeface="Dyslexie" panose="02000000000000000000" pitchFamily="2" charset="0"/>
               </a:rPr>
               <a:t>Results</a:t>
@@ -32953,7 +30227,7 @@
         <p:spPr>
           <a:xfrm>
             <a:off x="432222" y="1264587"/>
-            <a:ext cx="2050561" cy="461665"/>
+            <a:ext cx="1008609" cy="461665"/>
           </a:xfrm>
           <a:prstGeom prst="rect">
             <a:avLst/>
@@ -32969,15 +30243,49 @@
               <a:rPr lang="en-US" sz="2400" dirty="0">
                 <a:latin typeface="Dyslexie" panose="02000000000000000000" pitchFamily="2" charset="0"/>
               </a:rPr>
-              <a:t>Alignment</a:t>
+              <a:t>Tree</a:t>
             </a:r>
           </a:p>
         </p:txBody>
       </p:sp>
+      <p:pic>
+        <p:nvPicPr>
+          <p:cNvPr id="9" name="Content Placeholder 4" descr="A close up of a map&#10;&#10;Description automatically generated">
+            <a:extLst>
+              <a:ext uri="{FF2B5EF4-FFF2-40B4-BE49-F238E27FC236}">
+                <a16:creationId xmlns:a16="http://schemas.microsoft.com/office/drawing/2014/main" id="{6020A735-54FC-4F46-BC8E-24EB41110B2B}"/>
+              </a:ext>
+            </a:extLst>
+          </p:cNvPr>
+          <p:cNvPicPr>
+            <a:picLocks noGrp="1" noChangeAspect="1"/>
+          </p:cNvPicPr>
+          <p:nvPr>
+            <p:ph idx="1"/>
+          </p:nvPr>
+        </p:nvPicPr>
+        <p:blipFill rotWithShape="1">
+          <a:blip r:embed="rId3">
+            <a:extLst>
+              <a:ext uri="{28A0092B-C50C-407E-A947-70E740481C1C}">
+                <a14:useLocalDpi xmlns:a14="http://schemas.microsoft.com/office/drawing/2010/main" val="0"/>
+              </a:ext>
+            </a:extLst>
+          </a:blip>
+          <a:srcRect r="67803" b="23136"/>
+          <a:stretch/>
+        </p:blipFill>
+        <p:spPr>
+          <a:xfrm>
+            <a:off x="1956257" y="1272930"/>
+            <a:ext cx="1435384" cy="4312139"/>
+          </a:xfrm>
+        </p:spPr>
+      </p:pic>
     </p:spTree>
     <p:extLst>
       <p:ext uri="{BB962C8B-B14F-4D97-AF65-F5344CB8AC3E}">
-        <p14:creationId xmlns:p14="http://schemas.microsoft.com/office/powerpoint/2010/main" val="840955091"/>
+        <p14:creationId xmlns:p14="http://schemas.microsoft.com/office/powerpoint/2010/main" val="93994618"/>
       </p:ext>
     </p:extLst>
   </p:cSld>
@@ -33126,9 +30434,6 @@
             <a:pPr algn="ctr"/>
             <a:r>
               <a:rPr lang="en-US" dirty="0">
-                <a:solidFill>
-                  <a:srgbClr val="0AB45A"/>
-                </a:solidFill>
                 <a:latin typeface="Dyslexie" panose="02000000000000000000" pitchFamily="2" charset="0"/>
               </a:rPr>
               <a:t>Documentation</a:t>
@@ -33172,6 +30477,9 @@
             <a:pPr algn="ctr"/>
             <a:r>
               <a:rPr lang="en-US" dirty="0">
+                <a:solidFill>
+                  <a:srgbClr val="0AB45A"/>
+                </a:solidFill>
                 <a:latin typeface="Dyslexie" panose="02000000000000000000" pitchFamily="2" charset="0"/>
               </a:rPr>
               <a:t>Results</a:t>
@@ -33237,7 +30545,7 @@
         <p:spPr>
           <a:xfrm>
             <a:off x="432222" y="1264587"/>
-            <a:ext cx="1008609" cy="461665"/>
+            <a:ext cx="2052165" cy="461665"/>
           </a:xfrm>
           <a:prstGeom prst="rect">
             <a:avLst/>
@@ -33253,15 +30561,49 @@
               <a:rPr lang="en-US" sz="2400" dirty="0">
                 <a:latin typeface="Dyslexie" panose="02000000000000000000" pitchFamily="2" charset="0"/>
               </a:rPr>
-              <a:t>Tree</a:t>
+              <a:t>Heat Map</a:t>
             </a:r>
           </a:p>
         </p:txBody>
       </p:sp>
+      <p:pic>
+        <p:nvPicPr>
+          <p:cNvPr id="9" name="Content Placeholder 4" descr="A close up of a map&#10;&#10;Description automatically generated">
+            <a:extLst>
+              <a:ext uri="{FF2B5EF4-FFF2-40B4-BE49-F238E27FC236}">
+                <a16:creationId xmlns:a16="http://schemas.microsoft.com/office/drawing/2014/main" id="{FDF3D806-F585-4BDD-899B-AB3C39FB0E65}"/>
+              </a:ext>
+            </a:extLst>
+          </p:cNvPr>
+          <p:cNvPicPr>
+            <a:picLocks noGrp="1" noChangeAspect="1"/>
+          </p:cNvPicPr>
+          <p:nvPr>
+            <p:ph idx="1"/>
+          </p:nvPr>
+        </p:nvPicPr>
+        <p:blipFill rotWithShape="1">
+          <a:blip r:embed="rId3">
+            <a:extLst>
+              <a:ext uri="{28A0092B-C50C-407E-A947-70E740481C1C}">
+                <a14:useLocalDpi xmlns:a14="http://schemas.microsoft.com/office/drawing/2010/main" val="0"/>
+              </a:ext>
+            </a:extLst>
+          </a:blip>
+          <a:srcRect l="55163"/>
+          <a:stretch/>
+        </p:blipFill>
+        <p:spPr>
+          <a:xfrm>
+            <a:off x="5806831" y="783492"/>
+            <a:ext cx="1998902" cy="5610121"/>
+          </a:xfrm>
+        </p:spPr>
+      </p:pic>
     </p:spTree>
     <p:extLst>
       <p:ext uri="{BB962C8B-B14F-4D97-AF65-F5344CB8AC3E}">
-        <p14:creationId xmlns:p14="http://schemas.microsoft.com/office/powerpoint/2010/main" val="3969539489"/>
+        <p14:creationId xmlns:p14="http://schemas.microsoft.com/office/powerpoint/2010/main" val="2306504358"/>
       </p:ext>
     </p:extLst>
   </p:cSld>
@@ -33410,9 +30752,6 @@
             <a:pPr algn="ctr"/>
             <a:r>
               <a:rPr lang="en-US" dirty="0">
-                <a:solidFill>
-                  <a:srgbClr val="0AB45A"/>
-                </a:solidFill>
                 <a:latin typeface="Dyslexie" panose="02000000000000000000" pitchFamily="2" charset="0"/>
               </a:rPr>
               <a:t>Documentation</a:t>
@@ -33456,6 +30795,9 @@
             <a:pPr algn="ctr"/>
             <a:r>
               <a:rPr lang="en-US" dirty="0">
+                <a:solidFill>
+                  <a:srgbClr val="0AB45A"/>
+                </a:solidFill>
                 <a:latin typeface="Dyslexie" panose="02000000000000000000" pitchFamily="2" charset="0"/>
               </a:rPr>
               <a:t>Results</a:t>
@@ -33542,10 +30884,44 @@
           </a:p>
         </p:txBody>
       </p:sp>
+      <p:pic>
+        <p:nvPicPr>
+          <p:cNvPr id="9" name="Content Placeholder 4" descr="A close up of a map&#10;&#10;Description automatically generated">
+            <a:extLst>
+              <a:ext uri="{FF2B5EF4-FFF2-40B4-BE49-F238E27FC236}">
+                <a16:creationId xmlns:a16="http://schemas.microsoft.com/office/drawing/2014/main" id="{B6D708F2-549C-458C-AC3A-788281A8CB12}"/>
+              </a:ext>
+            </a:extLst>
+          </p:cNvPr>
+          <p:cNvPicPr>
+            <a:picLocks noGrp="1" noChangeAspect="1"/>
+          </p:cNvPicPr>
+          <p:nvPr>
+            <p:ph idx="1"/>
+          </p:nvPr>
+        </p:nvPicPr>
+        <p:blipFill rotWithShape="1">
+          <a:blip r:embed="rId3">
+            <a:extLst>
+              <a:ext uri="{28A0092B-C50C-407E-A947-70E740481C1C}">
+                <a14:useLocalDpi xmlns:a14="http://schemas.microsoft.com/office/drawing/2010/main" val="0"/>
+              </a:ext>
+            </a:extLst>
+          </a:blip>
+          <a:srcRect l="55163"/>
+          <a:stretch/>
+        </p:blipFill>
+        <p:spPr>
+          <a:xfrm>
+            <a:off x="2484387" y="814753"/>
+            <a:ext cx="1998902" cy="5610121"/>
+          </a:xfrm>
+        </p:spPr>
+      </p:pic>
     </p:spTree>
     <p:extLst>
       <p:ext uri="{BB962C8B-B14F-4D97-AF65-F5344CB8AC3E}">
-        <p14:creationId xmlns:p14="http://schemas.microsoft.com/office/powerpoint/2010/main" val="3333650201"/>
+        <p14:creationId xmlns:p14="http://schemas.microsoft.com/office/powerpoint/2010/main" val="3650309856"/>
       </p:ext>
     </p:extLst>
   </p:cSld>
@@ -33574,10 +30950,10 @@
       </p:grpSpPr>
       <p:sp>
         <p:nvSpPr>
-          <p:cNvPr id="4" name="TextBox 3">
+          <p:cNvPr id="6" name="TextBox 5">
             <a:extLst>
               <a:ext uri="{FF2B5EF4-FFF2-40B4-BE49-F238E27FC236}">
-                <a16:creationId xmlns:a16="http://schemas.microsoft.com/office/drawing/2014/main" id="{F724BB24-BB31-4172-874A-88D7B3A59D64}"/>
+                <a16:creationId xmlns:a16="http://schemas.microsoft.com/office/drawing/2014/main" id="{30DFCBEA-61BB-41C4-9FEC-66A0BA6654EE}"/>
               </a:ext>
             </a:extLst>
           </p:cNvPr>
@@ -33617,10 +30993,10 @@
       </p:sp>
       <p:sp>
         <p:nvSpPr>
-          <p:cNvPr id="5" name="TextBox 4">
+          <p:cNvPr id="7" name="TextBox 6">
             <a:extLst>
               <a:ext uri="{FF2B5EF4-FFF2-40B4-BE49-F238E27FC236}">
-                <a16:creationId xmlns:a16="http://schemas.microsoft.com/office/drawing/2014/main" id="{301846DD-30BA-4CC2-A80A-62982664FA03}"/>
+                <a16:creationId xmlns:a16="http://schemas.microsoft.com/office/drawing/2014/main" id="{5E7996A3-630A-44EC-86C1-DC3C282CCE1C}"/>
               </a:ext>
             </a:extLst>
           </p:cNvPr>
@@ -33660,10 +31036,10 @@
       </p:sp>
       <p:sp>
         <p:nvSpPr>
-          <p:cNvPr id="6" name="TextBox 5">
+          <p:cNvPr id="8" name="TextBox 7">
             <a:extLst>
               <a:ext uri="{FF2B5EF4-FFF2-40B4-BE49-F238E27FC236}">
-                <a16:creationId xmlns:a16="http://schemas.microsoft.com/office/drawing/2014/main" id="{7ABF5166-2DF4-4D7C-80A7-1FCFD75050E2}"/>
+                <a16:creationId xmlns:a16="http://schemas.microsoft.com/office/drawing/2014/main" id="{6174D96D-5DEE-4A36-9099-38B9553230EF}"/>
               </a:ext>
             </a:extLst>
           </p:cNvPr>
@@ -33703,10 +31079,10 @@
       </p:sp>
       <p:sp>
         <p:nvSpPr>
-          <p:cNvPr id="7" name="TextBox 6">
+          <p:cNvPr id="9" name="TextBox 8">
             <a:extLst>
               <a:ext uri="{FF2B5EF4-FFF2-40B4-BE49-F238E27FC236}">
-                <a16:creationId xmlns:a16="http://schemas.microsoft.com/office/drawing/2014/main" id="{5A0382A0-4D1F-49A8-9030-1C5583747BCC}"/>
+                <a16:creationId xmlns:a16="http://schemas.microsoft.com/office/drawing/2014/main" id="{CEBADA35-DB50-4C13-A39D-42252C6F0AF1}"/>
               </a:ext>
             </a:extLst>
           </p:cNvPr>
@@ -33737,9 +31113,6 @@
             <a:pPr algn="ctr"/>
             <a:r>
               <a:rPr lang="en-US" dirty="0">
-                <a:solidFill>
-                  <a:srgbClr val="0AB45A"/>
-                </a:solidFill>
                 <a:latin typeface="Dyslexie" panose="02000000000000000000" pitchFamily="2" charset="0"/>
               </a:rPr>
               <a:t>Results</a:t>
@@ -33749,10 +31122,10 @@
       </p:sp>
       <p:sp>
         <p:nvSpPr>
-          <p:cNvPr id="8" name="TextBox 7">
+          <p:cNvPr id="10" name="TextBox 9">
             <a:extLst>
               <a:ext uri="{FF2B5EF4-FFF2-40B4-BE49-F238E27FC236}">
-                <a16:creationId xmlns:a16="http://schemas.microsoft.com/office/drawing/2014/main" id="{E90C7CB5-10BD-4255-B4FC-B09D13AE29BB}"/>
+                <a16:creationId xmlns:a16="http://schemas.microsoft.com/office/drawing/2014/main" id="{0F1F1963-4ACF-4639-8231-8E6B2CEEBDCA}"/>
               </a:ext>
             </a:extLst>
           </p:cNvPr>
@@ -33783,45 +31156,12 @@
             <a:pPr algn="ctr"/>
             <a:r>
               <a:rPr lang="en-US" dirty="0">
+                <a:solidFill>
+                  <a:srgbClr val="0AB45A"/>
+                </a:solidFill>
                 <a:latin typeface="Dyslexie" panose="02000000000000000000" pitchFamily="2" charset="0"/>
               </a:rPr>
               <a:t>Summary</a:t>
-            </a:r>
-          </a:p>
-        </p:txBody>
-      </p:sp>
-      <p:sp>
-        <p:nvSpPr>
-          <p:cNvPr id="12" name="Rectangle 11">
-            <a:extLst>
-              <a:ext uri="{FF2B5EF4-FFF2-40B4-BE49-F238E27FC236}">
-                <a16:creationId xmlns:a16="http://schemas.microsoft.com/office/drawing/2014/main" id="{5D92AE47-1B6F-4D1D-A3F6-29545D674235}"/>
-              </a:ext>
-            </a:extLst>
-          </p:cNvPr>
-          <p:cNvSpPr/>
-          <p:nvPr/>
-        </p:nvSpPr>
-        <p:spPr>
-          <a:xfrm>
-            <a:off x="432222" y="1264587"/>
-            <a:ext cx="3183885" cy="461665"/>
-          </a:xfrm>
-          <a:prstGeom prst="rect">
-            <a:avLst/>
-          </a:prstGeom>
-        </p:spPr>
-        <p:txBody>
-          <a:bodyPr wrap="none">
-            <a:spAutoFit/>
-          </a:bodyPr>
-          <a:lstStyle/>
-          <a:p>
-            <a:r>
-              <a:rPr lang="en-US" sz="2400" dirty="0">
-                <a:latin typeface="Dyslexie" panose="02000000000000000000" pitchFamily="2" charset="0"/>
-              </a:rPr>
-              <a:t>Data Collection</a:t>
             </a:r>
           </a:p>
         </p:txBody>
@@ -33829,7 +31169,7 @@
     </p:spTree>
     <p:extLst>
       <p:ext uri="{BB962C8B-B14F-4D97-AF65-F5344CB8AC3E}">
-        <p14:creationId xmlns:p14="http://schemas.microsoft.com/office/powerpoint/2010/main" val="853101103"/>
+        <p14:creationId xmlns:p14="http://schemas.microsoft.com/office/powerpoint/2010/main" val="1697746667"/>
       </p:ext>
     </p:extLst>
   </p:cSld>
@@ -33858,10 +31198,10 @@
       </p:grpSpPr>
       <p:sp>
         <p:nvSpPr>
-          <p:cNvPr id="4" name="TextBox 3">
+          <p:cNvPr id="6" name="TextBox 5">
             <a:extLst>
               <a:ext uri="{FF2B5EF4-FFF2-40B4-BE49-F238E27FC236}">
-                <a16:creationId xmlns:a16="http://schemas.microsoft.com/office/drawing/2014/main" id="{F724BB24-BB31-4172-874A-88D7B3A59D64}"/>
+                <a16:creationId xmlns:a16="http://schemas.microsoft.com/office/drawing/2014/main" id="{30DFCBEA-61BB-41C4-9FEC-66A0BA6654EE}"/>
               </a:ext>
             </a:extLst>
           </p:cNvPr>
@@ -33901,10 +31241,10 @@
       </p:sp>
       <p:sp>
         <p:nvSpPr>
-          <p:cNvPr id="5" name="TextBox 4">
+          <p:cNvPr id="7" name="TextBox 6">
             <a:extLst>
               <a:ext uri="{FF2B5EF4-FFF2-40B4-BE49-F238E27FC236}">
-                <a16:creationId xmlns:a16="http://schemas.microsoft.com/office/drawing/2014/main" id="{301846DD-30BA-4CC2-A80A-62982664FA03}"/>
+                <a16:creationId xmlns:a16="http://schemas.microsoft.com/office/drawing/2014/main" id="{5E7996A3-630A-44EC-86C1-DC3C282CCE1C}"/>
               </a:ext>
             </a:extLst>
           </p:cNvPr>
@@ -33944,10 +31284,10 @@
       </p:sp>
       <p:sp>
         <p:nvSpPr>
-          <p:cNvPr id="6" name="TextBox 5">
+          <p:cNvPr id="8" name="TextBox 7">
             <a:extLst>
               <a:ext uri="{FF2B5EF4-FFF2-40B4-BE49-F238E27FC236}">
-                <a16:creationId xmlns:a16="http://schemas.microsoft.com/office/drawing/2014/main" id="{7ABF5166-2DF4-4D7C-80A7-1FCFD75050E2}"/>
+                <a16:creationId xmlns:a16="http://schemas.microsoft.com/office/drawing/2014/main" id="{6174D96D-5DEE-4A36-9099-38B9553230EF}"/>
               </a:ext>
             </a:extLst>
           </p:cNvPr>
@@ -33987,10 +31327,10 @@
       </p:sp>
       <p:sp>
         <p:nvSpPr>
-          <p:cNvPr id="7" name="TextBox 6">
+          <p:cNvPr id="9" name="TextBox 8">
             <a:extLst>
               <a:ext uri="{FF2B5EF4-FFF2-40B4-BE49-F238E27FC236}">
-                <a16:creationId xmlns:a16="http://schemas.microsoft.com/office/drawing/2014/main" id="{5A0382A0-4D1F-49A8-9030-1C5583747BCC}"/>
+                <a16:creationId xmlns:a16="http://schemas.microsoft.com/office/drawing/2014/main" id="{CEBADA35-DB50-4C13-A39D-42252C6F0AF1}"/>
               </a:ext>
             </a:extLst>
           </p:cNvPr>
@@ -34021,9 +31361,6 @@
             <a:pPr algn="ctr"/>
             <a:r>
               <a:rPr lang="en-US" dirty="0">
-                <a:solidFill>
-                  <a:srgbClr val="0AB45A"/>
-                </a:solidFill>
                 <a:latin typeface="Dyslexie" panose="02000000000000000000" pitchFamily="2" charset="0"/>
               </a:rPr>
               <a:t>Results</a:t>
@@ -34033,10 +31370,10 @@
       </p:sp>
       <p:sp>
         <p:nvSpPr>
-          <p:cNvPr id="8" name="TextBox 7">
+          <p:cNvPr id="10" name="TextBox 9">
             <a:extLst>
               <a:ext uri="{FF2B5EF4-FFF2-40B4-BE49-F238E27FC236}">
-                <a16:creationId xmlns:a16="http://schemas.microsoft.com/office/drawing/2014/main" id="{E90C7CB5-10BD-4255-B4FC-B09D13AE29BB}"/>
+                <a16:creationId xmlns:a16="http://schemas.microsoft.com/office/drawing/2014/main" id="{0F1F1963-4ACF-4639-8231-8E6B2CEEBDCA}"/>
               </a:ext>
             </a:extLst>
           </p:cNvPr>
@@ -34067,45 +31404,12 @@
             <a:pPr algn="ctr"/>
             <a:r>
               <a:rPr lang="en-US" dirty="0">
+                <a:solidFill>
+                  <a:srgbClr val="0AB45A"/>
+                </a:solidFill>
                 <a:latin typeface="Dyslexie" panose="02000000000000000000" pitchFamily="2" charset="0"/>
               </a:rPr>
               <a:t>Summary</a:t>
-            </a:r>
-          </a:p>
-        </p:txBody>
-      </p:sp>
-      <p:sp>
-        <p:nvSpPr>
-          <p:cNvPr id="12" name="Rectangle 11">
-            <a:extLst>
-              <a:ext uri="{FF2B5EF4-FFF2-40B4-BE49-F238E27FC236}">
-                <a16:creationId xmlns:a16="http://schemas.microsoft.com/office/drawing/2014/main" id="{5D92AE47-1B6F-4D1D-A3F6-29545D674235}"/>
-              </a:ext>
-            </a:extLst>
-          </p:cNvPr>
-          <p:cNvSpPr/>
-          <p:nvPr/>
-        </p:nvSpPr>
-        <p:spPr>
-          <a:xfrm>
-            <a:off x="432222" y="1264587"/>
-            <a:ext cx="2050561" cy="461665"/>
-          </a:xfrm>
-          <a:prstGeom prst="rect">
-            <a:avLst/>
-          </a:prstGeom>
-        </p:spPr>
-        <p:txBody>
-          <a:bodyPr wrap="none">
-            <a:spAutoFit/>
-          </a:bodyPr>
-          <a:lstStyle/>
-          <a:p>
-            <a:r>
-              <a:rPr lang="en-US" sz="2400" dirty="0">
-                <a:latin typeface="Dyslexie" panose="02000000000000000000" pitchFamily="2" charset="0"/>
-              </a:rPr>
-              <a:t>Alignment</a:t>
             </a:r>
           </a:p>
         </p:txBody>
@@ -34113,7 +31417,7 @@
     </p:spTree>
     <p:extLst>
       <p:ext uri="{BB962C8B-B14F-4D97-AF65-F5344CB8AC3E}">
-        <p14:creationId xmlns:p14="http://schemas.microsoft.com/office/powerpoint/2010/main" val="2502960667"/>
+        <p14:creationId xmlns:p14="http://schemas.microsoft.com/office/powerpoint/2010/main" val="2145654214"/>
       </p:ext>
     </p:extLst>
   </p:cSld>
@@ -34142,10 +31446,10 @@
       </p:grpSpPr>
       <p:sp>
         <p:nvSpPr>
-          <p:cNvPr id="4" name="TextBox 3">
+          <p:cNvPr id="6" name="TextBox 5">
             <a:extLst>
               <a:ext uri="{FF2B5EF4-FFF2-40B4-BE49-F238E27FC236}">
-                <a16:creationId xmlns:a16="http://schemas.microsoft.com/office/drawing/2014/main" id="{F724BB24-BB31-4172-874A-88D7B3A59D64}"/>
+                <a16:creationId xmlns:a16="http://schemas.microsoft.com/office/drawing/2014/main" id="{30DFCBEA-61BB-41C4-9FEC-66A0BA6654EE}"/>
               </a:ext>
             </a:extLst>
           </p:cNvPr>
@@ -34185,10 +31489,10 @@
       </p:sp>
       <p:sp>
         <p:nvSpPr>
-          <p:cNvPr id="5" name="TextBox 4">
+          <p:cNvPr id="7" name="TextBox 6">
             <a:extLst>
               <a:ext uri="{FF2B5EF4-FFF2-40B4-BE49-F238E27FC236}">
-                <a16:creationId xmlns:a16="http://schemas.microsoft.com/office/drawing/2014/main" id="{301846DD-30BA-4CC2-A80A-62982664FA03}"/>
+                <a16:creationId xmlns:a16="http://schemas.microsoft.com/office/drawing/2014/main" id="{5E7996A3-630A-44EC-86C1-DC3C282CCE1C}"/>
               </a:ext>
             </a:extLst>
           </p:cNvPr>
@@ -34228,10 +31532,10 @@
       </p:sp>
       <p:sp>
         <p:nvSpPr>
-          <p:cNvPr id="6" name="TextBox 5">
+          <p:cNvPr id="8" name="TextBox 7">
             <a:extLst>
               <a:ext uri="{FF2B5EF4-FFF2-40B4-BE49-F238E27FC236}">
-                <a16:creationId xmlns:a16="http://schemas.microsoft.com/office/drawing/2014/main" id="{7ABF5166-2DF4-4D7C-80A7-1FCFD75050E2}"/>
+                <a16:creationId xmlns:a16="http://schemas.microsoft.com/office/drawing/2014/main" id="{6174D96D-5DEE-4A36-9099-38B9553230EF}"/>
               </a:ext>
             </a:extLst>
           </p:cNvPr>
@@ -34271,10 +31575,10 @@
       </p:sp>
       <p:sp>
         <p:nvSpPr>
-          <p:cNvPr id="7" name="TextBox 6">
+          <p:cNvPr id="9" name="TextBox 8">
             <a:extLst>
               <a:ext uri="{FF2B5EF4-FFF2-40B4-BE49-F238E27FC236}">
-                <a16:creationId xmlns:a16="http://schemas.microsoft.com/office/drawing/2014/main" id="{5A0382A0-4D1F-49A8-9030-1C5583747BCC}"/>
+                <a16:creationId xmlns:a16="http://schemas.microsoft.com/office/drawing/2014/main" id="{CEBADA35-DB50-4C13-A39D-42252C6F0AF1}"/>
               </a:ext>
             </a:extLst>
           </p:cNvPr>
@@ -34305,9 +31609,6 @@
             <a:pPr algn="ctr"/>
             <a:r>
               <a:rPr lang="en-US" dirty="0">
-                <a:solidFill>
-                  <a:srgbClr val="0AB45A"/>
-                </a:solidFill>
                 <a:latin typeface="Dyslexie" panose="02000000000000000000" pitchFamily="2" charset="0"/>
               </a:rPr>
               <a:t>Results</a:t>
@@ -34317,10 +31618,10 @@
       </p:sp>
       <p:sp>
         <p:nvSpPr>
-          <p:cNvPr id="8" name="TextBox 7">
+          <p:cNvPr id="10" name="TextBox 9">
             <a:extLst>
               <a:ext uri="{FF2B5EF4-FFF2-40B4-BE49-F238E27FC236}">
-                <a16:creationId xmlns:a16="http://schemas.microsoft.com/office/drawing/2014/main" id="{E90C7CB5-10BD-4255-B4FC-B09D13AE29BB}"/>
+                <a16:creationId xmlns:a16="http://schemas.microsoft.com/office/drawing/2014/main" id="{0F1F1963-4ACF-4639-8231-8E6B2CEEBDCA}"/>
               </a:ext>
             </a:extLst>
           </p:cNvPr>
@@ -34358,38 +31659,136 @@
           </a:p>
         </p:txBody>
       </p:sp>
-      <p:sp>
-        <p:nvSpPr>
-          <p:cNvPr id="12" name="Rectangle 11">
+      <p:pic>
+        <p:nvPicPr>
+          <p:cNvPr id="11" name="Picture 6" descr="Related image">
             <a:extLst>
               <a:ext uri="{FF2B5EF4-FFF2-40B4-BE49-F238E27FC236}">
-                <a16:creationId xmlns:a16="http://schemas.microsoft.com/office/drawing/2014/main" id="{5D92AE47-1B6F-4D1D-A3F6-29545D674235}"/>
+                <a16:creationId xmlns:a16="http://schemas.microsoft.com/office/drawing/2014/main" id="{E49D1D2C-BB70-4636-A430-1CE8B544E433}"/>
               </a:ext>
             </a:extLst>
           </p:cNvPr>
-          <p:cNvSpPr/>
+          <p:cNvPicPr>
+            <a:picLocks noChangeAspect="1" noChangeArrowheads="1"/>
+          </p:cNvPicPr>
+          <p:nvPr/>
+        </p:nvPicPr>
+        <p:blipFill>
+          <a:blip r:embed="rId2">
+            <a:extLst>
+              <a:ext uri="{BEBA8EAE-BF5A-486C-A8C5-ECC9F3942E4B}">
+                <a14:imgProps xmlns:a14="http://schemas.microsoft.com/office/drawing/2010/main">
+                  <a14:imgLayer r:embed="rId3">
+                    <a14:imgEffect>
+                      <a14:backgroundRemoval t="6029" b="90000" l="10000" r="90000">
+                        <a14:foregroundMark x1="48068" y1="73382" x2="48068" y2="73382"/>
+                        <a14:foregroundMark x1="53182" y1="75294" x2="53182" y2="75294"/>
+                        <a14:foregroundMark x1="48068" y1="72794" x2="48068" y2="72794"/>
+                        <a14:foregroundMark x1="51591" y1="87794" x2="51591" y2="87794"/>
+                        <a14:foregroundMark x1="35455" y1="18971" x2="35455" y2="18971"/>
+                        <a14:foregroundMark x1="31932" y1="6029" x2="31932" y2="6029"/>
+                        <a14:foregroundMark x1="28295" y1="6324" x2="28295" y2="6324"/>
+                        <a14:foregroundMark x1="23977" y1="14706" x2="23977" y2="14706"/>
+                        <a14:foregroundMark x1="16818" y1="21324" x2="16818" y2="21324"/>
+                        <a14:backgroundMark x1="25455" y1="44559" x2="25455" y2="44559"/>
+                        <a14:backgroundMark x1="41705" y1="40441" x2="41705" y2="40441"/>
+                        <a14:backgroundMark x1="37159" y1="43824" x2="37159" y2="43824"/>
+                        <a14:backgroundMark x1="40000" y1="54853" x2="40000" y2="54853"/>
+                        <a14:backgroundMark x1="43068" y1="36765" x2="43068" y2="36765"/>
+                        <a14:backgroundMark x1="26477" y1="41765" x2="26477" y2="41765"/>
+                      </a14:backgroundRemoval>
+                    </a14:imgEffect>
+                  </a14:imgLayer>
+                </a14:imgProps>
+              </a:ext>
+              <a:ext uri="{28A0092B-C50C-407E-A947-70E740481C1C}">
+                <a14:useLocalDpi xmlns:a14="http://schemas.microsoft.com/office/drawing/2010/main" val="0"/>
+              </a:ext>
+            </a:extLst>
+          </a:blip>
+          <a:srcRect/>
+          <a:stretch>
+            <a:fillRect/>
+          </a:stretch>
+        </p:blipFill>
+        <p:spPr bwMode="auto">
+          <a:xfrm>
+            <a:off x="-964769" y="2387893"/>
+            <a:ext cx="6286500" cy="4857750"/>
+          </a:xfrm>
+          <a:prstGeom prst="rect">
+            <a:avLst/>
+          </a:prstGeom>
+          <a:noFill/>
+          <a:extLst>
+            <a:ext uri="{909E8E84-426E-40DD-AFC4-6F175D3DCCD1}">
+              <a14:hiddenFill xmlns:a14="http://schemas.microsoft.com/office/drawing/2010/main">
+                <a:solidFill>
+                  <a:srgbClr val="FFFFFF"/>
+                </a:solidFill>
+              </a14:hiddenFill>
+            </a:ext>
+          </a:extLst>
+        </p:spPr>
+      </p:pic>
+      <p:sp>
+        <p:nvSpPr>
+          <p:cNvPr id="12" name="Title 1">
+            <a:extLst>
+              <a:ext uri="{FF2B5EF4-FFF2-40B4-BE49-F238E27FC236}">
+                <a16:creationId xmlns:a16="http://schemas.microsoft.com/office/drawing/2014/main" id="{5996F344-B5EB-4ECF-B8E9-344F4A44B051}"/>
+              </a:ext>
+            </a:extLst>
+          </p:cNvPr>
+          <p:cNvSpPr txBox="1">
+            <a:spLocks/>
+          </p:cNvSpPr>
           <p:nvPr/>
         </p:nvSpPr>
         <p:spPr>
           <a:xfrm>
-            <a:off x="432222" y="1264587"/>
-            <a:ext cx="1008609" cy="461665"/>
+            <a:off x="2299163" y="2586891"/>
+            <a:ext cx="4781576" cy="442456"/>
           </a:xfrm>
           <a:prstGeom prst="rect">
             <a:avLst/>
           </a:prstGeom>
         </p:spPr>
         <p:txBody>
-          <a:bodyPr wrap="none">
-            <a:spAutoFit/>
+          <a:bodyPr vert="horz" lIns="91440" tIns="45720" rIns="91440" bIns="45720" rtlCol="0" anchor="ctr">
+            <a:noAutofit/>
           </a:bodyPr>
-          <a:lstStyle/>
+          <a:lstStyle>
+            <a:lvl1pPr algn="l" defTabSz="685800" rtl="0" eaLnBrk="1" latinLnBrk="0" hangingPunct="1">
+              <a:lnSpc>
+                <a:spcPct val="90000"/>
+              </a:lnSpc>
+              <a:spcBef>
+                <a:spcPct val="0"/>
+              </a:spcBef>
+              <a:buNone/>
+              <a:defRPr sz="3300" kern="1200">
+                <a:solidFill>
+                  <a:schemeClr val="tx1"/>
+                </a:solidFill>
+                <a:latin typeface="+mj-lt"/>
+                <a:ea typeface="+mj-ea"/>
+                <a:cs typeface="+mj-cs"/>
+              </a:defRPr>
+            </a:lvl1pPr>
+          </a:lstStyle>
           <a:p>
             <a:r>
-              <a:rPr lang="en-US" sz="2400" dirty="0">
+              <a:rPr lang="en-US" sz="5400" dirty="0">
                 <a:latin typeface="Dyslexie" panose="02000000000000000000" pitchFamily="2" charset="0"/>
               </a:rPr>
-              <a:t>Tree</a:t>
+              <a:t>Questions</a:t>
+            </a:r>
+            <a:r>
+              <a:rPr lang="en-US" sz="3600" dirty="0">
+                <a:latin typeface="Dyslexie" panose="02000000000000000000" pitchFamily="2" charset="0"/>
+              </a:rPr>
+              <a:t>?</a:t>
             </a:r>
           </a:p>
         </p:txBody>
@@ -34397,7 +31796,7 @@
     </p:spTree>
     <p:extLst>
       <p:ext uri="{BB962C8B-B14F-4D97-AF65-F5344CB8AC3E}">
-        <p14:creationId xmlns:p14="http://schemas.microsoft.com/office/powerpoint/2010/main" val="2053264653"/>
+        <p14:creationId xmlns:p14="http://schemas.microsoft.com/office/powerpoint/2010/main" val="3474739261"/>
       </p:ext>
     </p:extLst>
   </p:cSld>
@@ -34426,10 +31825,10 @@
       </p:grpSpPr>
       <p:sp>
         <p:nvSpPr>
-          <p:cNvPr id="4" name="TextBox 3">
+          <p:cNvPr id="6" name="TextBox 5">
             <a:extLst>
               <a:ext uri="{FF2B5EF4-FFF2-40B4-BE49-F238E27FC236}">
-                <a16:creationId xmlns:a16="http://schemas.microsoft.com/office/drawing/2014/main" id="{F724BB24-BB31-4172-874A-88D7B3A59D64}"/>
+                <a16:creationId xmlns:a16="http://schemas.microsoft.com/office/drawing/2014/main" id="{30DFCBEA-61BB-41C4-9FEC-66A0BA6654EE}"/>
               </a:ext>
             </a:extLst>
           </p:cNvPr>
@@ -34469,10 +31868,10 @@
       </p:sp>
       <p:sp>
         <p:nvSpPr>
-          <p:cNvPr id="5" name="TextBox 4">
+          <p:cNvPr id="7" name="TextBox 6">
             <a:extLst>
               <a:ext uri="{FF2B5EF4-FFF2-40B4-BE49-F238E27FC236}">
-                <a16:creationId xmlns:a16="http://schemas.microsoft.com/office/drawing/2014/main" id="{301846DD-30BA-4CC2-A80A-62982664FA03}"/>
+                <a16:creationId xmlns:a16="http://schemas.microsoft.com/office/drawing/2014/main" id="{5E7996A3-630A-44EC-86C1-DC3C282CCE1C}"/>
               </a:ext>
             </a:extLst>
           </p:cNvPr>
@@ -34512,10 +31911,10 @@
       </p:sp>
       <p:sp>
         <p:nvSpPr>
-          <p:cNvPr id="6" name="TextBox 5">
+          <p:cNvPr id="8" name="TextBox 7">
             <a:extLst>
               <a:ext uri="{FF2B5EF4-FFF2-40B4-BE49-F238E27FC236}">
-                <a16:creationId xmlns:a16="http://schemas.microsoft.com/office/drawing/2014/main" id="{7ABF5166-2DF4-4D7C-80A7-1FCFD75050E2}"/>
+                <a16:creationId xmlns:a16="http://schemas.microsoft.com/office/drawing/2014/main" id="{6174D96D-5DEE-4A36-9099-38B9553230EF}"/>
               </a:ext>
             </a:extLst>
           </p:cNvPr>
@@ -34555,10 +31954,10 @@
       </p:sp>
       <p:sp>
         <p:nvSpPr>
-          <p:cNvPr id="7" name="TextBox 6">
+          <p:cNvPr id="9" name="TextBox 8">
             <a:extLst>
               <a:ext uri="{FF2B5EF4-FFF2-40B4-BE49-F238E27FC236}">
-                <a16:creationId xmlns:a16="http://schemas.microsoft.com/office/drawing/2014/main" id="{5A0382A0-4D1F-49A8-9030-1C5583747BCC}"/>
+                <a16:creationId xmlns:a16="http://schemas.microsoft.com/office/drawing/2014/main" id="{CEBADA35-DB50-4C13-A39D-42252C6F0AF1}"/>
               </a:ext>
             </a:extLst>
           </p:cNvPr>
@@ -34589,9 +31988,6 @@
             <a:pPr algn="ctr"/>
             <a:r>
               <a:rPr lang="en-US" dirty="0">
-                <a:solidFill>
-                  <a:srgbClr val="0AB45A"/>
-                </a:solidFill>
                 <a:latin typeface="Dyslexie" panose="02000000000000000000" pitchFamily="2" charset="0"/>
               </a:rPr>
               <a:t>Results</a:t>
@@ -34601,10 +31997,10 @@
       </p:sp>
       <p:sp>
         <p:nvSpPr>
-          <p:cNvPr id="8" name="TextBox 7">
+          <p:cNvPr id="10" name="TextBox 9">
             <a:extLst>
               <a:ext uri="{FF2B5EF4-FFF2-40B4-BE49-F238E27FC236}">
-                <a16:creationId xmlns:a16="http://schemas.microsoft.com/office/drawing/2014/main" id="{E90C7CB5-10BD-4255-B4FC-B09D13AE29BB}"/>
+                <a16:creationId xmlns:a16="http://schemas.microsoft.com/office/drawing/2014/main" id="{0F1F1963-4ACF-4639-8231-8E6B2CEEBDCA}"/>
               </a:ext>
             </a:extLst>
           </p:cNvPr>
@@ -34642,46 +32038,141 @@
           </a:p>
         </p:txBody>
       </p:sp>
-      <p:sp>
-        <p:nvSpPr>
-          <p:cNvPr id="12" name="Rectangle 11">
+      <p:pic>
+        <p:nvPicPr>
+          <p:cNvPr id="11" name="Picture 6" descr="Related image">
             <a:extLst>
               <a:ext uri="{FF2B5EF4-FFF2-40B4-BE49-F238E27FC236}">
-                <a16:creationId xmlns:a16="http://schemas.microsoft.com/office/drawing/2014/main" id="{5D92AE47-1B6F-4D1D-A3F6-29545D674235}"/>
+                <a16:creationId xmlns:a16="http://schemas.microsoft.com/office/drawing/2014/main" id="{E49D1D2C-BB70-4636-A430-1CE8B544E433}"/>
               </a:ext>
             </a:extLst>
           </p:cNvPr>
-          <p:cNvSpPr/>
+          <p:cNvPicPr>
+            <a:picLocks noChangeAspect="1" noChangeArrowheads="1"/>
+          </p:cNvPicPr>
+          <p:nvPr/>
+        </p:nvPicPr>
+        <p:blipFill>
+          <a:blip r:embed="rId2">
+            <a:extLst>
+              <a:ext uri="{BEBA8EAE-BF5A-486C-A8C5-ECC9F3942E4B}">
+                <a14:imgProps xmlns:a14="http://schemas.microsoft.com/office/drawing/2010/main">
+                  <a14:imgLayer r:embed="rId3">
+                    <a14:imgEffect>
+                      <a14:backgroundRemoval t="6029" b="90000" l="10000" r="90000">
+                        <a14:foregroundMark x1="48068" y1="73382" x2="48068" y2="73382"/>
+                        <a14:foregroundMark x1="53182" y1="75294" x2="53182" y2="75294"/>
+                        <a14:foregroundMark x1="48068" y1="72794" x2="48068" y2="72794"/>
+                        <a14:foregroundMark x1="51591" y1="87794" x2="51591" y2="87794"/>
+                        <a14:foregroundMark x1="35455" y1="18971" x2="35455" y2="18971"/>
+                        <a14:foregroundMark x1="31932" y1="6029" x2="31932" y2="6029"/>
+                        <a14:foregroundMark x1="28295" y1="6324" x2="28295" y2="6324"/>
+                        <a14:foregroundMark x1="23977" y1="14706" x2="23977" y2="14706"/>
+                        <a14:foregroundMark x1="16818" y1="21324" x2="16818" y2="21324"/>
+                        <a14:backgroundMark x1="25455" y1="44559" x2="25455" y2="44559"/>
+                        <a14:backgroundMark x1="41705" y1="40441" x2="41705" y2="40441"/>
+                        <a14:backgroundMark x1="37159" y1="43824" x2="37159" y2="43824"/>
+                        <a14:backgroundMark x1="40000" y1="54853" x2="40000" y2="54853"/>
+                        <a14:backgroundMark x1="43068" y1="36765" x2="43068" y2="36765"/>
+                        <a14:backgroundMark x1="26477" y1="41765" x2="26477" y2="41765"/>
+                      </a14:backgroundRemoval>
+                    </a14:imgEffect>
+                  </a14:imgLayer>
+                </a14:imgProps>
+              </a:ext>
+              <a:ext uri="{28A0092B-C50C-407E-A947-70E740481C1C}">
+                <a14:useLocalDpi xmlns:a14="http://schemas.microsoft.com/office/drawing/2010/main" val="0"/>
+              </a:ext>
+            </a:extLst>
+          </a:blip>
+          <a:srcRect/>
+          <a:stretch>
+            <a:fillRect/>
+          </a:stretch>
+        </p:blipFill>
+        <p:spPr bwMode="auto">
+          <a:xfrm>
+            <a:off x="-964769" y="2387893"/>
+            <a:ext cx="6286500" cy="4857750"/>
+          </a:xfrm>
+          <a:prstGeom prst="rect">
+            <a:avLst/>
+          </a:prstGeom>
+          <a:noFill/>
+          <a:extLst>
+            <a:ext uri="{909E8E84-426E-40DD-AFC4-6F175D3DCCD1}">
+              <a14:hiddenFill xmlns:a14="http://schemas.microsoft.com/office/drawing/2010/main">
+                <a:solidFill>
+                  <a:srgbClr val="FFFFFF"/>
+                </a:solidFill>
+              </a14:hiddenFill>
+            </a:ext>
+          </a:extLst>
+        </p:spPr>
+      </p:pic>
+      <p:sp>
+        <p:nvSpPr>
+          <p:cNvPr id="12" name="Title 1">
+            <a:extLst>
+              <a:ext uri="{FF2B5EF4-FFF2-40B4-BE49-F238E27FC236}">
+                <a16:creationId xmlns:a16="http://schemas.microsoft.com/office/drawing/2014/main" id="{5996F344-B5EB-4ECF-B8E9-344F4A44B051}"/>
+              </a:ext>
+            </a:extLst>
+          </p:cNvPr>
+          <p:cNvSpPr txBox="1">
+            <a:spLocks/>
+          </p:cNvSpPr>
           <p:nvPr/>
         </p:nvSpPr>
         <p:spPr>
           <a:xfrm>
-            <a:off x="432222" y="1264587"/>
-            <a:ext cx="2052165" cy="461665"/>
+            <a:off x="2299163" y="2586891"/>
+            <a:ext cx="4843318" cy="442456"/>
           </a:xfrm>
           <a:prstGeom prst="rect">
             <a:avLst/>
           </a:prstGeom>
         </p:spPr>
         <p:txBody>
-          <a:bodyPr wrap="none">
-            <a:spAutoFit/>
+          <a:bodyPr vert="horz" lIns="91440" tIns="45720" rIns="91440" bIns="45720" rtlCol="0" anchor="ctr">
+            <a:noAutofit/>
           </a:bodyPr>
-          <a:lstStyle/>
+          <a:lstStyle>
+            <a:lvl1pPr algn="l" defTabSz="685800" rtl="0" eaLnBrk="1" latinLnBrk="0" hangingPunct="1">
+              <a:lnSpc>
+                <a:spcPct val="90000"/>
+              </a:lnSpc>
+              <a:spcBef>
+                <a:spcPct val="0"/>
+              </a:spcBef>
+              <a:buNone/>
+              <a:defRPr sz="3300" kern="1200">
+                <a:solidFill>
+                  <a:schemeClr val="tx1"/>
+                </a:solidFill>
+                <a:latin typeface="+mj-lt"/>
+                <a:ea typeface="+mj-ea"/>
+                <a:cs typeface="+mj-cs"/>
+              </a:defRPr>
+            </a:lvl1pPr>
+          </a:lstStyle>
           <a:p>
             <a:r>
-              <a:rPr lang="en-US" sz="2400" dirty="0">
+              <a:rPr lang="en-US" sz="5400" dirty="0">
                 <a:latin typeface="Dyslexie" panose="02000000000000000000" pitchFamily="2" charset="0"/>
               </a:rPr>
-              <a:t>Heat Map</a:t>
+              <a:t>Thank you!</a:t>
             </a:r>
+            <a:endParaRPr lang="en-US" sz="3600" dirty="0">
+              <a:latin typeface="Dyslexie" panose="02000000000000000000" pitchFamily="2" charset="0"/>
+            </a:endParaRPr>
           </a:p>
         </p:txBody>
       </p:sp>
     </p:spTree>
     <p:extLst>
       <p:ext uri="{BB962C8B-B14F-4D97-AF65-F5344CB8AC3E}">
-        <p14:creationId xmlns:p14="http://schemas.microsoft.com/office/powerpoint/2010/main" val="2306504358"/>
+        <p14:creationId xmlns:p14="http://schemas.microsoft.com/office/powerpoint/2010/main" val="331470393"/>
       </p:ext>
     </p:extLst>
   </p:cSld>
@@ -35196,254 +32687,6 @@
             <a:pPr algn="ctr"/>
             <a:r>
               <a:rPr lang="en-US" dirty="0">
-                <a:solidFill>
-                  <a:srgbClr val="0AB45A"/>
-                </a:solidFill>
-                <a:latin typeface="Dyslexie" panose="02000000000000000000" pitchFamily="2" charset="0"/>
-              </a:rPr>
-              <a:t>Summary</a:t>
-            </a:r>
-          </a:p>
-        </p:txBody>
-      </p:sp>
-    </p:spTree>
-    <p:extLst>
-      <p:ext uri="{BB962C8B-B14F-4D97-AF65-F5344CB8AC3E}">
-        <p14:creationId xmlns:p14="http://schemas.microsoft.com/office/powerpoint/2010/main" val="1697746667"/>
-      </p:ext>
-    </p:extLst>
-  </p:cSld>
-  <p:clrMapOvr>
-    <a:masterClrMapping/>
-  </p:clrMapOvr>
-</p:sld>
-</file>
-
-<file path=ppt/slides/slide31.xml><?xml version="1.0" encoding="utf-8"?>
-<p:sld xmlns:a="http://schemas.openxmlformats.org/drawingml/2006/main" xmlns:r="http://schemas.openxmlformats.org/officeDocument/2006/relationships" xmlns:p="http://schemas.openxmlformats.org/presentationml/2006/main">
-  <p:cSld>
-    <p:spTree>
-      <p:nvGrpSpPr>
-        <p:cNvPr id="1" name=""/>
-        <p:cNvGrpSpPr/>
-        <p:nvPr/>
-      </p:nvGrpSpPr>
-      <p:grpSpPr>
-        <a:xfrm>
-          <a:off x="0" y="0"/>
-          <a:ext cx="0" cy="0"/>
-          <a:chOff x="0" y="0"/>
-          <a:chExt cx="0" cy="0"/>
-        </a:xfrm>
-      </p:grpSpPr>
-      <p:sp>
-        <p:nvSpPr>
-          <p:cNvPr id="6" name="TextBox 5">
-            <a:extLst>
-              <a:ext uri="{FF2B5EF4-FFF2-40B4-BE49-F238E27FC236}">
-                <a16:creationId xmlns:a16="http://schemas.microsoft.com/office/drawing/2014/main" id="{30DFCBEA-61BB-41C4-9FEC-66A0BA6654EE}"/>
-              </a:ext>
-            </a:extLst>
-          </p:cNvPr>
-          <p:cNvSpPr txBox="1"/>
-          <p:nvPr/>
-        </p:nvSpPr>
-        <p:spPr>
-          <a:xfrm flipH="1">
-            <a:off x="257882" y="182880"/>
-            <a:ext cx="1819004" cy="369332"/>
-          </a:xfrm>
-          <a:prstGeom prst="rect">
-            <a:avLst/>
-          </a:prstGeom>
-          <a:noFill/>
-          <a:ln>
-            <a:solidFill>
-              <a:schemeClr val="tx1"/>
-            </a:solidFill>
-          </a:ln>
-        </p:spPr>
-        <p:txBody>
-          <a:bodyPr wrap="square" rtlCol="0">
-            <a:spAutoFit/>
-          </a:bodyPr>
-          <a:lstStyle/>
-          <a:p>
-            <a:pPr algn="ctr"/>
-            <a:r>
-              <a:rPr lang="en-US" dirty="0">
-                <a:latin typeface="Dyslexie" panose="02000000000000000000" pitchFamily="2" charset="0"/>
-              </a:rPr>
-              <a:t>Background</a:t>
-            </a:r>
-          </a:p>
-        </p:txBody>
-      </p:sp>
-      <p:sp>
-        <p:nvSpPr>
-          <p:cNvPr id="7" name="TextBox 6">
-            <a:extLst>
-              <a:ext uri="{FF2B5EF4-FFF2-40B4-BE49-F238E27FC236}">
-                <a16:creationId xmlns:a16="http://schemas.microsoft.com/office/drawing/2014/main" id="{5E7996A3-630A-44EC-86C1-DC3C282CCE1C}"/>
-              </a:ext>
-            </a:extLst>
-          </p:cNvPr>
-          <p:cNvSpPr txBox="1"/>
-          <p:nvPr/>
-        </p:nvSpPr>
-        <p:spPr>
-          <a:xfrm flipH="1">
-            <a:off x="2139990" y="188976"/>
-            <a:ext cx="1553176" cy="369332"/>
-          </a:xfrm>
-          <a:prstGeom prst="rect">
-            <a:avLst/>
-          </a:prstGeom>
-          <a:noFill/>
-          <a:ln>
-            <a:solidFill>
-              <a:schemeClr val="tx1"/>
-            </a:solidFill>
-          </a:ln>
-        </p:spPr>
-        <p:txBody>
-          <a:bodyPr wrap="square" rtlCol="0">
-            <a:spAutoFit/>
-          </a:bodyPr>
-          <a:lstStyle/>
-          <a:p>
-            <a:pPr algn="ctr"/>
-            <a:r>
-              <a:rPr lang="en-US" dirty="0">
-                <a:latin typeface="Dyslexie" panose="02000000000000000000" pitchFamily="2" charset="0"/>
-              </a:rPr>
-              <a:t>Workflow</a:t>
-            </a:r>
-          </a:p>
-        </p:txBody>
-      </p:sp>
-      <p:sp>
-        <p:nvSpPr>
-          <p:cNvPr id="8" name="TextBox 7">
-            <a:extLst>
-              <a:ext uri="{FF2B5EF4-FFF2-40B4-BE49-F238E27FC236}">
-                <a16:creationId xmlns:a16="http://schemas.microsoft.com/office/drawing/2014/main" id="{6174D96D-5DEE-4A36-9099-38B9553230EF}"/>
-              </a:ext>
-            </a:extLst>
-          </p:cNvPr>
-          <p:cNvSpPr txBox="1"/>
-          <p:nvPr/>
-        </p:nvSpPr>
-        <p:spPr>
-          <a:xfrm flipH="1">
-            <a:off x="3756270" y="188946"/>
-            <a:ext cx="2253670" cy="369332"/>
-          </a:xfrm>
-          <a:prstGeom prst="rect">
-            <a:avLst/>
-          </a:prstGeom>
-          <a:noFill/>
-          <a:ln>
-            <a:solidFill>
-              <a:schemeClr val="tx1"/>
-            </a:solidFill>
-          </a:ln>
-        </p:spPr>
-        <p:txBody>
-          <a:bodyPr wrap="square" rtlCol="0">
-            <a:spAutoFit/>
-          </a:bodyPr>
-          <a:lstStyle/>
-          <a:p>
-            <a:pPr algn="ctr"/>
-            <a:r>
-              <a:rPr lang="en-US" dirty="0">
-                <a:latin typeface="Dyslexie" panose="02000000000000000000" pitchFamily="2" charset="0"/>
-              </a:rPr>
-              <a:t>Documentation</a:t>
-            </a:r>
-          </a:p>
-        </p:txBody>
-      </p:sp>
-      <p:sp>
-        <p:nvSpPr>
-          <p:cNvPr id="9" name="TextBox 8">
-            <a:extLst>
-              <a:ext uri="{FF2B5EF4-FFF2-40B4-BE49-F238E27FC236}">
-                <a16:creationId xmlns:a16="http://schemas.microsoft.com/office/drawing/2014/main" id="{CEBADA35-DB50-4C13-A39D-42252C6F0AF1}"/>
-              </a:ext>
-            </a:extLst>
-          </p:cNvPr>
-          <p:cNvSpPr txBox="1"/>
-          <p:nvPr/>
-        </p:nvSpPr>
-        <p:spPr>
-          <a:xfrm flipH="1">
-            <a:off x="6081118" y="189365"/>
-            <a:ext cx="1264268" cy="369332"/>
-          </a:xfrm>
-          <a:prstGeom prst="rect">
-            <a:avLst/>
-          </a:prstGeom>
-          <a:noFill/>
-          <a:ln>
-            <a:solidFill>
-              <a:schemeClr val="tx1"/>
-            </a:solidFill>
-          </a:ln>
-        </p:spPr>
-        <p:txBody>
-          <a:bodyPr wrap="square" rtlCol="0">
-            <a:spAutoFit/>
-          </a:bodyPr>
-          <a:lstStyle/>
-          <a:p>
-            <a:pPr algn="ctr"/>
-            <a:r>
-              <a:rPr lang="en-US" dirty="0">
-                <a:latin typeface="Dyslexie" panose="02000000000000000000" pitchFamily="2" charset="0"/>
-              </a:rPr>
-              <a:t>Results</a:t>
-            </a:r>
-          </a:p>
-        </p:txBody>
-      </p:sp>
-      <p:sp>
-        <p:nvSpPr>
-          <p:cNvPr id="10" name="TextBox 9">
-            <a:extLst>
-              <a:ext uri="{FF2B5EF4-FFF2-40B4-BE49-F238E27FC236}">
-                <a16:creationId xmlns:a16="http://schemas.microsoft.com/office/drawing/2014/main" id="{0F1F1963-4ACF-4639-8231-8E6B2CEEBDCA}"/>
-              </a:ext>
-            </a:extLst>
-          </p:cNvPr>
-          <p:cNvSpPr txBox="1"/>
-          <p:nvPr/>
-        </p:nvSpPr>
-        <p:spPr>
-          <a:xfrm flipH="1">
-            <a:off x="7416564" y="182880"/>
-            <a:ext cx="1520300" cy="369332"/>
-          </a:xfrm>
-          <a:prstGeom prst="rect">
-            <a:avLst/>
-          </a:prstGeom>
-          <a:noFill/>
-          <a:ln>
-            <a:solidFill>
-              <a:schemeClr val="tx1"/>
-            </a:solidFill>
-          </a:ln>
-        </p:spPr>
-        <p:txBody>
-          <a:bodyPr wrap="square" rtlCol="0">
-            <a:spAutoFit/>
-          </a:bodyPr>
-          <a:lstStyle/>
-          <a:p>
-            <a:pPr algn="ctr"/>
-            <a:r>
-              <a:rPr lang="en-US" dirty="0">
                 <a:latin typeface="Dyslexie" panose="02000000000000000000" pitchFamily="2" charset="0"/>
               </a:rPr>
               <a:t>Summary</a:t>
@@ -35502,251 +32745,6 @@
     <p:extLst>
       <p:ext uri="{BB962C8B-B14F-4D97-AF65-F5344CB8AC3E}">
         <p14:creationId xmlns:p14="http://schemas.microsoft.com/office/powerpoint/2010/main" val="1045475842"/>
-      </p:ext>
-    </p:extLst>
-  </p:cSld>
-  <p:clrMapOvr>
-    <a:masterClrMapping/>
-  </p:clrMapOvr>
-</p:sld>
-</file>
-
-<file path=ppt/slides/slide32.xml><?xml version="1.0" encoding="utf-8"?>
-<p:sld xmlns:a="http://schemas.openxmlformats.org/drawingml/2006/main" xmlns:r="http://schemas.openxmlformats.org/officeDocument/2006/relationships" xmlns:p="http://schemas.openxmlformats.org/presentationml/2006/main">
-  <p:cSld>
-    <p:spTree>
-      <p:nvGrpSpPr>
-        <p:cNvPr id="1" name=""/>
-        <p:cNvGrpSpPr/>
-        <p:nvPr/>
-      </p:nvGrpSpPr>
-      <p:grpSpPr>
-        <a:xfrm>
-          <a:off x="0" y="0"/>
-          <a:ext cx="0" cy="0"/>
-          <a:chOff x="0" y="0"/>
-          <a:chExt cx="0" cy="0"/>
-        </a:xfrm>
-      </p:grpSpPr>
-      <p:sp>
-        <p:nvSpPr>
-          <p:cNvPr id="6" name="TextBox 5">
-            <a:extLst>
-              <a:ext uri="{FF2B5EF4-FFF2-40B4-BE49-F238E27FC236}">
-                <a16:creationId xmlns:a16="http://schemas.microsoft.com/office/drawing/2014/main" id="{30DFCBEA-61BB-41C4-9FEC-66A0BA6654EE}"/>
-              </a:ext>
-            </a:extLst>
-          </p:cNvPr>
-          <p:cNvSpPr txBox="1"/>
-          <p:nvPr/>
-        </p:nvSpPr>
-        <p:spPr>
-          <a:xfrm flipH="1">
-            <a:off x="257882" y="182880"/>
-            <a:ext cx="1819004" cy="369332"/>
-          </a:xfrm>
-          <a:prstGeom prst="rect">
-            <a:avLst/>
-          </a:prstGeom>
-          <a:noFill/>
-          <a:ln>
-            <a:solidFill>
-              <a:schemeClr val="tx1"/>
-            </a:solidFill>
-          </a:ln>
-        </p:spPr>
-        <p:txBody>
-          <a:bodyPr wrap="square" rtlCol="0">
-            <a:spAutoFit/>
-          </a:bodyPr>
-          <a:lstStyle/>
-          <a:p>
-            <a:pPr algn="ctr"/>
-            <a:r>
-              <a:rPr lang="en-US" dirty="0">
-                <a:latin typeface="Dyslexie" panose="02000000000000000000" pitchFamily="2" charset="0"/>
-              </a:rPr>
-              <a:t>Background</a:t>
-            </a:r>
-          </a:p>
-        </p:txBody>
-      </p:sp>
-      <p:sp>
-        <p:nvSpPr>
-          <p:cNvPr id="7" name="TextBox 6">
-            <a:extLst>
-              <a:ext uri="{FF2B5EF4-FFF2-40B4-BE49-F238E27FC236}">
-                <a16:creationId xmlns:a16="http://schemas.microsoft.com/office/drawing/2014/main" id="{5E7996A3-630A-44EC-86C1-DC3C282CCE1C}"/>
-              </a:ext>
-            </a:extLst>
-          </p:cNvPr>
-          <p:cNvSpPr txBox="1"/>
-          <p:nvPr/>
-        </p:nvSpPr>
-        <p:spPr>
-          <a:xfrm flipH="1">
-            <a:off x="2139990" y="188976"/>
-            <a:ext cx="1553176" cy="369332"/>
-          </a:xfrm>
-          <a:prstGeom prst="rect">
-            <a:avLst/>
-          </a:prstGeom>
-          <a:noFill/>
-          <a:ln>
-            <a:solidFill>
-              <a:schemeClr val="tx1"/>
-            </a:solidFill>
-          </a:ln>
-        </p:spPr>
-        <p:txBody>
-          <a:bodyPr wrap="square" rtlCol="0">
-            <a:spAutoFit/>
-          </a:bodyPr>
-          <a:lstStyle/>
-          <a:p>
-            <a:pPr algn="ctr"/>
-            <a:r>
-              <a:rPr lang="en-US" dirty="0">
-                <a:latin typeface="Dyslexie" panose="02000000000000000000" pitchFamily="2" charset="0"/>
-              </a:rPr>
-              <a:t>Workflow</a:t>
-            </a:r>
-          </a:p>
-        </p:txBody>
-      </p:sp>
-      <p:sp>
-        <p:nvSpPr>
-          <p:cNvPr id="8" name="TextBox 7">
-            <a:extLst>
-              <a:ext uri="{FF2B5EF4-FFF2-40B4-BE49-F238E27FC236}">
-                <a16:creationId xmlns:a16="http://schemas.microsoft.com/office/drawing/2014/main" id="{6174D96D-5DEE-4A36-9099-38B9553230EF}"/>
-              </a:ext>
-            </a:extLst>
-          </p:cNvPr>
-          <p:cNvSpPr txBox="1"/>
-          <p:nvPr/>
-        </p:nvSpPr>
-        <p:spPr>
-          <a:xfrm flipH="1">
-            <a:off x="3756270" y="188946"/>
-            <a:ext cx="2253670" cy="369332"/>
-          </a:xfrm>
-          <a:prstGeom prst="rect">
-            <a:avLst/>
-          </a:prstGeom>
-          <a:noFill/>
-          <a:ln>
-            <a:solidFill>
-              <a:schemeClr val="tx1"/>
-            </a:solidFill>
-          </a:ln>
-        </p:spPr>
-        <p:txBody>
-          <a:bodyPr wrap="square" rtlCol="0">
-            <a:spAutoFit/>
-          </a:bodyPr>
-          <a:lstStyle/>
-          <a:p>
-            <a:pPr algn="ctr"/>
-            <a:r>
-              <a:rPr lang="en-US" dirty="0">
-                <a:latin typeface="Dyslexie" panose="02000000000000000000" pitchFamily="2" charset="0"/>
-              </a:rPr>
-              <a:t>Documentation</a:t>
-            </a:r>
-          </a:p>
-        </p:txBody>
-      </p:sp>
-      <p:sp>
-        <p:nvSpPr>
-          <p:cNvPr id="9" name="TextBox 8">
-            <a:extLst>
-              <a:ext uri="{FF2B5EF4-FFF2-40B4-BE49-F238E27FC236}">
-                <a16:creationId xmlns:a16="http://schemas.microsoft.com/office/drawing/2014/main" id="{CEBADA35-DB50-4C13-A39D-42252C6F0AF1}"/>
-              </a:ext>
-            </a:extLst>
-          </p:cNvPr>
-          <p:cNvSpPr txBox="1"/>
-          <p:nvPr/>
-        </p:nvSpPr>
-        <p:spPr>
-          <a:xfrm flipH="1">
-            <a:off x="6081118" y="189365"/>
-            <a:ext cx="1264268" cy="369332"/>
-          </a:xfrm>
-          <a:prstGeom prst="rect">
-            <a:avLst/>
-          </a:prstGeom>
-          <a:noFill/>
-          <a:ln>
-            <a:solidFill>
-              <a:schemeClr val="tx1"/>
-            </a:solidFill>
-          </a:ln>
-        </p:spPr>
-        <p:txBody>
-          <a:bodyPr wrap="square" rtlCol="0">
-            <a:spAutoFit/>
-          </a:bodyPr>
-          <a:lstStyle/>
-          <a:p>
-            <a:pPr algn="ctr"/>
-            <a:r>
-              <a:rPr lang="en-US" dirty="0">
-                <a:latin typeface="Dyslexie" panose="02000000000000000000" pitchFamily="2" charset="0"/>
-              </a:rPr>
-              <a:t>Results</a:t>
-            </a:r>
-          </a:p>
-        </p:txBody>
-      </p:sp>
-      <p:sp>
-        <p:nvSpPr>
-          <p:cNvPr id="10" name="TextBox 9">
-            <a:extLst>
-              <a:ext uri="{FF2B5EF4-FFF2-40B4-BE49-F238E27FC236}">
-                <a16:creationId xmlns:a16="http://schemas.microsoft.com/office/drawing/2014/main" id="{0F1F1963-4ACF-4639-8231-8E6B2CEEBDCA}"/>
-              </a:ext>
-            </a:extLst>
-          </p:cNvPr>
-          <p:cNvSpPr txBox="1"/>
-          <p:nvPr/>
-        </p:nvSpPr>
-        <p:spPr>
-          <a:xfrm flipH="1">
-            <a:off x="7416564" y="182880"/>
-            <a:ext cx="1520300" cy="369332"/>
-          </a:xfrm>
-          <a:prstGeom prst="rect">
-            <a:avLst/>
-          </a:prstGeom>
-          <a:noFill/>
-          <a:ln>
-            <a:solidFill>
-              <a:schemeClr val="tx1"/>
-            </a:solidFill>
-          </a:ln>
-        </p:spPr>
-        <p:txBody>
-          <a:bodyPr wrap="square" rtlCol="0">
-            <a:spAutoFit/>
-          </a:bodyPr>
-          <a:lstStyle/>
-          <a:p>
-            <a:pPr algn="ctr"/>
-            <a:r>
-              <a:rPr lang="en-US" dirty="0">
-                <a:latin typeface="Dyslexie" panose="02000000000000000000" pitchFamily="2" charset="0"/>
-              </a:rPr>
-              <a:t>Summary</a:t>
-            </a:r>
-          </a:p>
-        </p:txBody>
-      </p:sp>
-    </p:spTree>
-    <p:extLst>
-      <p:ext uri="{BB962C8B-B14F-4D97-AF65-F5344CB8AC3E}">
-        <p14:creationId xmlns:p14="http://schemas.microsoft.com/office/powerpoint/2010/main" val="3474739261"/>
       </p:ext>
     </p:extLst>
   </p:cSld>
@@ -36744,7 +33742,7 @@
           <a:p>
             <a:r>
               <a:rPr lang="en-US" dirty="0">
-                <a:hlinkClick r:id="rId2"/>
+                <a:hlinkClick r:id="rId3"/>
               </a:rPr>
               <a:t>https://en.wikipedia.org/wiki/Eumetazoa</a:t>
             </a:r>
@@ -36781,7 +33779,7 @@
           <a:p>
             <a:r>
               <a:rPr lang="en-US" dirty="0">
-                <a:hlinkClick r:id="rId3"/>
+                <a:hlinkClick r:id="rId4"/>
               </a:rPr>
               <a:t>https://en.wikipedia.org/wiki/Sponge</a:t>
             </a:r>
@@ -36803,8 +33801,8 @@
         </p:nvSpPr>
         <p:spPr>
           <a:xfrm>
-            <a:off x="527217" y="1777668"/>
-            <a:ext cx="4218923" cy="1384995"/>
+            <a:off x="803317" y="1658071"/>
+            <a:ext cx="8260100" cy="738664"/>
           </a:xfrm>
           <a:prstGeom prst="rect">
             <a:avLst/>
@@ -36833,7 +33831,7 @@
                 </a:solidFill>
                 <a:effectLst/>
                 <a:latin typeface="Dyslexie" panose="02000000000000000000" pitchFamily="2" charset="0"/>
-                <a:hlinkClick r:id="rId4" tooltip="Mesohyl"/>
+                <a:hlinkClick r:id="rId5" tooltip="Mesohyl"/>
               </a:rPr>
               <a:t>mesohyl</a:t>
             </a:r>
@@ -36854,7 +33852,7 @@
                 </a:solidFill>
                 <a:effectLst/>
                 <a:latin typeface="Dyslexie" panose="02000000000000000000" pitchFamily="2" charset="0"/>
-                <a:hlinkClick r:id="rId5" tooltip="Cell (biology)"/>
+                <a:hlinkClick r:id="rId6" tooltip="Cell (biology)"/>
               </a:rPr>
               <a:t>cells</a:t>
             </a:r>
@@ -36888,54 +33886,7 @@
           </p:cNvPicPr>
           <p:nvPr/>
         </p:nvPicPr>
-        <p:blipFill>
-          <a:blip r:embed="rId6">
-            <a:extLst>
-              <a:ext uri="{28A0092B-C50C-407E-A947-70E740481C1C}">
-                <a14:useLocalDpi xmlns:a14="http://schemas.microsoft.com/office/drawing/2010/main" val="0"/>
-              </a:ext>
-            </a:extLst>
-          </a:blip>
-          <a:srcRect/>
-          <a:stretch>
-            <a:fillRect/>
-          </a:stretch>
-        </p:blipFill>
-        <p:spPr bwMode="auto">
-          <a:xfrm>
-            <a:off x="5085820" y="1002294"/>
-            <a:ext cx="3254863" cy="2106055"/>
-          </a:xfrm>
-          <a:prstGeom prst="rect">
-            <a:avLst/>
-          </a:prstGeom>
-          <a:noFill/>
-          <a:extLst>
-            <a:ext uri="{909E8E84-426E-40DD-AFC4-6F175D3DCCD1}">
-              <a14:hiddenFill xmlns:a14="http://schemas.microsoft.com/office/drawing/2010/main">
-                <a:solidFill>
-                  <a:srgbClr val="FFFFFF"/>
-                </a:solidFill>
-              </a14:hiddenFill>
-            </a:ext>
-          </a:extLst>
-        </p:spPr>
-      </p:pic>
-      <p:pic>
-        <p:nvPicPr>
-          <p:cNvPr id="1034" name="Picture 10" descr="Related image">
-            <a:extLst>
-              <a:ext uri="{FF2B5EF4-FFF2-40B4-BE49-F238E27FC236}">
-                <a16:creationId xmlns:a16="http://schemas.microsoft.com/office/drawing/2014/main" id="{7664CA9D-B04E-46F3-8F2F-53B4937586B8}"/>
-              </a:ext>
-            </a:extLst>
-          </p:cNvPr>
-          <p:cNvPicPr>
-            <a:picLocks noChangeAspect="1" noChangeArrowheads="1"/>
-          </p:cNvPicPr>
-          <p:nvPr/>
-        </p:nvPicPr>
-        <p:blipFill>
+        <p:blipFill rotWithShape="1">
           <a:blip r:embed="rId7">
             <a:extLst>
               <a:ext uri="{28A0092B-C50C-407E-A947-70E740481C1C}">
@@ -36943,68 +33894,23 @@
               </a:ext>
             </a:extLst>
           </a:blip>
-          <a:srcRect/>
-          <a:stretch>
-            <a:fillRect/>
-          </a:stretch>
+          <a:srcRect l="626" t="982" b="1300"/>
+          <a:stretch/>
         </p:blipFill>
         <p:spPr bwMode="auto">
           <a:xfrm>
-            <a:off x="441950" y="3222462"/>
-            <a:ext cx="4856030" cy="3642023"/>
+            <a:off x="2076886" y="2684406"/>
+            <a:ext cx="4953458" cy="3151709"/>
           </a:xfrm>
           <a:prstGeom prst="rect">
             <a:avLst/>
           </a:prstGeom>
           <a:noFill/>
-          <a:extLst>
-            <a:ext uri="{909E8E84-426E-40DD-AFC4-6F175D3DCCD1}">
-              <a14:hiddenFill xmlns:a14="http://schemas.microsoft.com/office/drawing/2010/main">
-                <a:solidFill>
-                  <a:srgbClr val="FFFFFF"/>
-                </a:solidFill>
-              </a14:hiddenFill>
-            </a:ext>
-          </a:extLst>
-        </p:spPr>
-      </p:pic>
-      <p:pic>
-        <p:nvPicPr>
-          <p:cNvPr id="24" name="Picture 4" descr="Related image">
-            <a:hlinkClick r:id="rId8"/>
-            <a:extLst>
-              <a:ext uri="{FF2B5EF4-FFF2-40B4-BE49-F238E27FC236}">
-                <a16:creationId xmlns:a16="http://schemas.microsoft.com/office/drawing/2014/main" id="{6BB21EF0-9534-4030-BBD8-34D617A94691}"/>
-              </a:ext>
-            </a:extLst>
-          </p:cNvPr>
-          <p:cNvPicPr>
-            <a:picLocks noChangeAspect="1" noChangeArrowheads="1"/>
-          </p:cNvPicPr>
-          <p:nvPr/>
-        </p:nvPicPr>
-        <p:blipFill>
-          <a:blip r:embed="rId9">
-            <a:extLst>
-              <a:ext uri="{28A0092B-C50C-407E-A947-70E740481C1C}">
-                <a14:useLocalDpi xmlns:a14="http://schemas.microsoft.com/office/drawing/2010/main" val="0"/>
-              </a:ext>
-            </a:extLst>
-          </a:blip>
-          <a:srcRect/>
-          <a:stretch>
-            <a:fillRect/>
-          </a:stretch>
-        </p:blipFill>
-        <p:spPr bwMode="auto">
-          <a:xfrm>
-            <a:off x="4853354" y="899706"/>
-            <a:ext cx="4290646" cy="4153345"/>
-          </a:xfrm>
-          <a:prstGeom prst="rect">
-            <a:avLst/>
-          </a:prstGeom>
-          <a:noFill/>
+          <a:ln w="28575">
+            <a:solidFill>
+              <a:schemeClr val="tx1"/>
+            </a:solidFill>
+          </a:ln>
           <a:extLst>
             <a:ext uri="{909E8E84-426E-40DD-AFC4-6F175D3DCCD1}">
               <a14:hiddenFill xmlns:a14="http://schemas.microsoft.com/office/drawing/2010/main">
@@ -37320,6 +34226,50 @@
           </a:p>
         </p:txBody>
       </p:sp>
+      <p:sp>
+        <p:nvSpPr>
+          <p:cNvPr id="11" name="Rectangle 10">
+            <a:extLst>
+              <a:ext uri="{FF2B5EF4-FFF2-40B4-BE49-F238E27FC236}">
+                <a16:creationId xmlns:a16="http://schemas.microsoft.com/office/drawing/2014/main" id="{C5FF4BEA-5A61-4D68-883D-E1AAEFB16666}"/>
+              </a:ext>
+            </a:extLst>
+          </p:cNvPr>
+          <p:cNvSpPr/>
+          <p:nvPr/>
+        </p:nvSpPr>
+        <p:spPr>
+          <a:xfrm>
+            <a:off x="441950" y="2921168"/>
+            <a:ext cx="8260100" cy="1015663"/>
+          </a:xfrm>
+          <a:prstGeom prst="rect">
+            <a:avLst/>
+          </a:prstGeom>
+        </p:spPr>
+        <p:txBody>
+          <a:bodyPr wrap="square">
+            <a:spAutoFit/>
+          </a:bodyPr>
+          <a:lstStyle/>
+          <a:p>
+            <a:pPr algn="ctr"/>
+            <a:r>
+              <a:rPr lang="en-US" sz="6000" b="0" i="0" dirty="0">
+                <a:solidFill>
+                  <a:srgbClr val="222222"/>
+                </a:solidFill>
+                <a:effectLst/>
+                <a:latin typeface="Dyslexie" panose="02000000000000000000" pitchFamily="2" charset="0"/>
+              </a:rPr>
+              <a:t>All other animals</a:t>
+            </a:r>
+            <a:endParaRPr lang="en-US" sz="6000" dirty="0">
+              <a:latin typeface="Dyslexie" panose="02000000000000000000" pitchFamily="2" charset="0"/>
+            </a:endParaRPr>
+          </a:p>
+        </p:txBody>
+      </p:sp>
     </p:spTree>
     <p:extLst>
       <p:ext uri="{BB962C8B-B14F-4D97-AF65-F5344CB8AC3E}">
@@ -37568,59 +34518,156 @@
           </a:p>
         </p:txBody>
       </p:sp>
-      <p:sp>
-        <p:nvSpPr>
-          <p:cNvPr id="12" name="Title 1">
+      <p:pic>
+        <p:nvPicPr>
+          <p:cNvPr id="11" name="Picture 4" descr="Related image">
+            <a:hlinkClick r:id="rId2"/>
             <a:extLst>
               <a:ext uri="{FF2B5EF4-FFF2-40B4-BE49-F238E27FC236}">
-                <a16:creationId xmlns:a16="http://schemas.microsoft.com/office/drawing/2014/main" id="{F215100B-E1A6-4BC9-8D41-1383EE3983DB}"/>
+                <a16:creationId xmlns:a16="http://schemas.microsoft.com/office/drawing/2014/main" id="{6DF85C6D-3F09-499B-A3E3-49C0630A0B53}"/>
               </a:ext>
             </a:extLst>
           </p:cNvPr>
-          <p:cNvSpPr txBox="1">
-            <a:spLocks/>
-          </p:cNvSpPr>
+          <p:cNvPicPr>
+            <a:picLocks noChangeAspect="1" noChangeArrowheads="1"/>
+          </p:cNvPicPr>
+          <p:nvPr/>
+        </p:nvPicPr>
+        <p:blipFill>
+          <a:blip r:embed="rId3">
+            <a:extLst>
+              <a:ext uri="{28A0092B-C50C-407E-A947-70E740481C1C}">
+                <a14:useLocalDpi xmlns:a14="http://schemas.microsoft.com/office/drawing/2010/main" val="0"/>
+              </a:ext>
+            </a:extLst>
+          </a:blip>
+          <a:srcRect/>
+          <a:stretch>
+            <a:fillRect/>
+          </a:stretch>
+        </p:blipFill>
+        <p:spPr bwMode="auto">
+          <a:xfrm>
+            <a:off x="1497222" y="722351"/>
+            <a:ext cx="6149555" cy="5952769"/>
+          </a:xfrm>
+          <a:prstGeom prst="rect">
+            <a:avLst/>
+          </a:prstGeom>
+          <a:noFill/>
+          <a:extLst>
+            <a:ext uri="{909E8E84-426E-40DD-AFC4-6F175D3DCCD1}">
+              <a14:hiddenFill xmlns:a14="http://schemas.microsoft.com/office/drawing/2010/main">
+                <a:solidFill>
+                  <a:srgbClr val="FFFFFF"/>
+                </a:solidFill>
+              </a14:hiddenFill>
+            </a:ext>
+          </a:extLst>
+        </p:spPr>
+      </p:pic>
+      <p:sp>
+        <p:nvSpPr>
+          <p:cNvPr id="4" name="Rectangle 3">
+            <a:extLst>
+              <a:ext uri="{FF2B5EF4-FFF2-40B4-BE49-F238E27FC236}">
+                <a16:creationId xmlns:a16="http://schemas.microsoft.com/office/drawing/2014/main" id="{A8C887DE-077B-4C76-9061-34E4C0830749}"/>
+              </a:ext>
+            </a:extLst>
+          </p:cNvPr>
+          <p:cNvSpPr/>
           <p:nvPr/>
         </p:nvSpPr>
         <p:spPr>
           <a:xfrm>
-            <a:off x="441950" y="900110"/>
-            <a:ext cx="8494914" cy="1155212"/>
+            <a:off x="2259106" y="722351"/>
+            <a:ext cx="5157458" cy="2388402"/>
           </a:xfrm>
           <a:prstGeom prst="rect">
             <a:avLst/>
           </a:prstGeom>
+          <a:noFill/>
+          <a:ln w="57150">
+            <a:solidFill>
+              <a:srgbClr val="FA78FA"/>
+            </a:solidFill>
+            <a:prstDash val="sysDash"/>
+          </a:ln>
         </p:spPr>
+        <p:style>
+          <a:lnRef idx="2">
+            <a:schemeClr val="accent1">
+              <a:shade val="50000"/>
+            </a:schemeClr>
+          </a:lnRef>
+          <a:fillRef idx="1">
+            <a:schemeClr val="accent1"/>
+          </a:fillRef>
+          <a:effectRef idx="0">
+            <a:schemeClr val="accent1"/>
+          </a:effectRef>
+          <a:fontRef idx="minor">
+            <a:schemeClr val="lt1"/>
+          </a:fontRef>
+        </p:style>
         <p:txBody>
-          <a:bodyPr vert="horz" lIns="91440" tIns="45720" rIns="91440" bIns="45720" rtlCol="0" anchor="ctr">
-            <a:noAutofit/>
-          </a:bodyPr>
-          <a:lstStyle>
-            <a:lvl1pPr algn="l" defTabSz="685800" rtl="0" eaLnBrk="1" latinLnBrk="0" hangingPunct="1">
-              <a:lnSpc>
-                <a:spcPct val="90000"/>
-              </a:lnSpc>
-              <a:spcBef>
-                <a:spcPct val="0"/>
-              </a:spcBef>
-              <a:buNone/>
-              <a:defRPr sz="3300" kern="1200">
-                <a:solidFill>
-                  <a:schemeClr val="tx1"/>
-                </a:solidFill>
-                <a:latin typeface="+mj-lt"/>
-                <a:ea typeface="+mj-ea"/>
-                <a:cs typeface="+mj-cs"/>
-              </a:defRPr>
-            </a:lvl1pPr>
-          </a:lstStyle>
-          <a:p>
-            <a:r>
-              <a:rPr lang="en-US" sz="2400" dirty="0">
-                <a:latin typeface="Dyslexie" panose="02000000000000000000" pitchFamily="2" charset="0"/>
-              </a:rPr>
-              <a:t>History between sponges and eumetazoans:</a:t>
-            </a:r>
+          <a:bodyPr rtlCol="0" anchor="ctr"/>
+          <a:lstStyle/>
+          <a:p>
+            <a:pPr algn="ctr"/>
+            <a:endParaRPr lang="en-US"/>
+          </a:p>
+        </p:txBody>
+      </p:sp>
+      <p:sp>
+        <p:nvSpPr>
+          <p:cNvPr id="13" name="Rectangle 12">
+            <a:extLst>
+              <a:ext uri="{FF2B5EF4-FFF2-40B4-BE49-F238E27FC236}">
+                <a16:creationId xmlns:a16="http://schemas.microsoft.com/office/drawing/2014/main" id="{9076142A-58A8-438A-B7F0-395EE6B6999A}"/>
+              </a:ext>
+            </a:extLst>
+          </p:cNvPr>
+          <p:cNvSpPr/>
+          <p:nvPr/>
+        </p:nvSpPr>
+        <p:spPr>
+          <a:xfrm>
+            <a:off x="1855693" y="722351"/>
+            <a:ext cx="415129" cy="2388402"/>
+          </a:xfrm>
+          <a:prstGeom prst="rect">
+            <a:avLst/>
+          </a:prstGeom>
+          <a:noFill/>
+          <a:ln w="57150">
+            <a:solidFill>
+              <a:srgbClr val="AA0A3C"/>
+            </a:solidFill>
+          </a:ln>
+        </p:spPr>
+        <p:style>
+          <a:lnRef idx="2">
+            <a:schemeClr val="accent1">
+              <a:shade val="50000"/>
+            </a:schemeClr>
+          </a:lnRef>
+          <a:fillRef idx="1">
+            <a:schemeClr val="accent1"/>
+          </a:fillRef>
+          <a:effectRef idx="0">
+            <a:schemeClr val="accent1"/>
+          </a:effectRef>
+          <a:fontRef idx="minor">
+            <a:schemeClr val="lt1"/>
+          </a:fontRef>
+        </p:style>
+        <p:txBody>
+          <a:bodyPr rtlCol="0" anchor="ctr"/>
+          <a:lstStyle/>
+          <a:p>
+            <a:pPr algn="ctr"/>
+            <a:endParaRPr lang="en-US"/>
           </a:p>
         </p:txBody>
       </p:sp>

--- a/Presentation.pptx
+++ b/Presentation.pptx
@@ -20759,7 +20759,7 @@
               <a:rPr lang="en-US" dirty="0">
                 <a:hlinkClick r:id="rId2"/>
               </a:rPr>
-              <a:t>https://github.com/EEOB-BioData/BCB546X-Fall2019</a:t>
+              <a:t>https://github.com/aweeger/BCB546X_FinalGroup</a:t>
             </a:r>
             <a:endParaRPr lang="en-US" dirty="0">
               <a:latin typeface="Dyslexie" panose="02000000000000000000" pitchFamily="2" charset="0"/>

--- a/Presentation.pptx
+++ b/Presentation.pptx
@@ -2513,138 +2513,6 @@
         </a:p>
       </dgm:t>
     </dgm:pt>
-    <dgm:pt modelId="{14EE3551-C957-401B-BE55-6A86EC1BB91D}">
-      <dgm:prSet phldrT="[Text]" phldr="1"/>
-      <dgm:spPr/>
-      <dgm:t>
-        <a:bodyPr/>
-        <a:lstStyle/>
-        <a:p>
-          <a:endParaRPr lang="en-US" dirty="0"/>
-        </a:p>
-      </dgm:t>
-    </dgm:pt>
-    <dgm:pt modelId="{5FE8A452-5873-496E-8782-9717A8384B3D}" type="parTrans" cxnId="{3376FCCA-36BE-48E1-A636-FC7F1AD7E577}">
-      <dgm:prSet/>
-      <dgm:spPr/>
-      <dgm:t>
-        <a:bodyPr/>
-        <a:lstStyle/>
-        <a:p>
-          <a:endParaRPr lang="en-US"/>
-        </a:p>
-      </dgm:t>
-    </dgm:pt>
-    <dgm:pt modelId="{5C65FFE3-0C25-409A-97D3-4C866BF7EA3E}" type="sibTrans" cxnId="{3376FCCA-36BE-48E1-A636-FC7F1AD7E577}">
-      <dgm:prSet/>
-      <dgm:spPr/>
-      <dgm:t>
-        <a:bodyPr/>
-        <a:lstStyle/>
-        <a:p>
-          <a:endParaRPr lang="en-US"/>
-        </a:p>
-      </dgm:t>
-    </dgm:pt>
-    <dgm:pt modelId="{DDC24D32-E1F2-46F3-80DF-2F960C53D79A}">
-      <dgm:prSet phldrT="[Text]" phldr="1"/>
-      <dgm:spPr/>
-      <dgm:t>
-        <a:bodyPr/>
-        <a:lstStyle/>
-        <a:p>
-          <a:endParaRPr lang="en-US" dirty="0"/>
-        </a:p>
-      </dgm:t>
-    </dgm:pt>
-    <dgm:pt modelId="{67F65B4F-411F-4A54-B17C-3850B3FACCFF}" type="parTrans" cxnId="{84CC86D6-1625-4404-B1B0-F2A904189D1B}">
-      <dgm:prSet/>
-      <dgm:spPr/>
-      <dgm:t>
-        <a:bodyPr/>
-        <a:lstStyle/>
-        <a:p>
-          <a:endParaRPr lang="en-US"/>
-        </a:p>
-      </dgm:t>
-    </dgm:pt>
-    <dgm:pt modelId="{6EB03620-DFA9-4125-BF30-A06B825535C2}" type="sibTrans" cxnId="{84CC86D6-1625-4404-B1B0-F2A904189D1B}">
-      <dgm:prSet/>
-      <dgm:spPr/>
-      <dgm:t>
-        <a:bodyPr/>
-        <a:lstStyle/>
-        <a:p>
-          <a:endParaRPr lang="en-US"/>
-        </a:p>
-      </dgm:t>
-    </dgm:pt>
-    <dgm:pt modelId="{5886B898-FE96-4569-92A7-C70ED90E8690}">
-      <dgm:prSet phldrT="[Text]" phldr="1"/>
-      <dgm:spPr/>
-      <dgm:t>
-        <a:bodyPr/>
-        <a:lstStyle/>
-        <a:p>
-          <a:endParaRPr lang="en-US" dirty="0"/>
-        </a:p>
-      </dgm:t>
-    </dgm:pt>
-    <dgm:pt modelId="{BCF51EA3-9D11-4B3B-9765-562538CC1898}" type="parTrans" cxnId="{ADCB8761-0808-40BE-B733-BE4B54EE712C}">
-      <dgm:prSet/>
-      <dgm:spPr/>
-      <dgm:t>
-        <a:bodyPr/>
-        <a:lstStyle/>
-        <a:p>
-          <a:endParaRPr lang="en-US"/>
-        </a:p>
-      </dgm:t>
-    </dgm:pt>
-    <dgm:pt modelId="{90337B25-0C40-4509-8B1F-540451EBA8BC}" type="sibTrans" cxnId="{ADCB8761-0808-40BE-B733-BE4B54EE712C}">
-      <dgm:prSet/>
-      <dgm:spPr/>
-      <dgm:t>
-        <a:bodyPr/>
-        <a:lstStyle/>
-        <a:p>
-          <a:endParaRPr lang="en-US"/>
-        </a:p>
-      </dgm:t>
-    </dgm:pt>
-    <dgm:pt modelId="{DB978D0C-DEB2-49A5-B07B-447C92F3A272}">
-      <dgm:prSet phldrT="[Text]"/>
-      <dgm:spPr/>
-      <dgm:t>
-        <a:bodyPr/>
-        <a:lstStyle/>
-        <a:p>
-          <a:endParaRPr lang="en-US" dirty="0"/>
-        </a:p>
-      </dgm:t>
-    </dgm:pt>
-    <dgm:pt modelId="{DEDDF6F0-D6A2-4663-B980-6E85308EB4A3}" type="parTrans" cxnId="{3ECB7B56-F31A-4B09-8DA8-32AC6D851C82}">
-      <dgm:prSet/>
-      <dgm:spPr/>
-      <dgm:t>
-        <a:bodyPr/>
-        <a:lstStyle/>
-        <a:p>
-          <a:endParaRPr lang="en-US"/>
-        </a:p>
-      </dgm:t>
-    </dgm:pt>
-    <dgm:pt modelId="{22F9C7F2-A160-409E-8E37-2F6805E56DDE}" type="sibTrans" cxnId="{3ECB7B56-F31A-4B09-8DA8-32AC6D851C82}">
-      <dgm:prSet/>
-      <dgm:spPr/>
-      <dgm:t>
-        <a:bodyPr/>
-        <a:lstStyle/>
-        <a:p>
-          <a:endParaRPr lang="en-US"/>
-        </a:p>
-      </dgm:t>
-    </dgm:pt>
     <dgm:pt modelId="{9F9A03C6-DF23-4F03-BE85-24501C33864F}">
       <dgm:prSet phldrT="[Text]"/>
       <dgm:spPr/>
@@ -2676,39 +2544,6 @@
       </dgm:t>
     </dgm:pt>
     <dgm:pt modelId="{BE9A3851-EA3A-4809-B86F-881DF96A815E}" type="sibTrans" cxnId="{08BF7F4D-B4F9-433B-B325-556F123546B0}">
-      <dgm:prSet/>
-      <dgm:spPr/>
-      <dgm:t>
-        <a:bodyPr/>
-        <a:lstStyle/>
-        <a:p>
-          <a:endParaRPr lang="en-US"/>
-        </a:p>
-      </dgm:t>
-    </dgm:pt>
-    <dgm:pt modelId="{10967B6A-F6B4-41B1-8A50-906BDDA355FE}">
-      <dgm:prSet phldrT="[Text]"/>
-      <dgm:spPr/>
-      <dgm:t>
-        <a:bodyPr/>
-        <a:lstStyle/>
-        <a:p>
-          <a:endParaRPr lang="en-US" dirty="0"/>
-        </a:p>
-      </dgm:t>
-    </dgm:pt>
-    <dgm:pt modelId="{6881CB8C-D9FB-41B8-8E96-C1198EBB7111}" type="parTrans" cxnId="{25F2EAEA-B94B-450B-87E4-03701C1C0073}">
-      <dgm:prSet/>
-      <dgm:spPr/>
-      <dgm:t>
-        <a:bodyPr/>
-        <a:lstStyle/>
-        <a:p>
-          <a:endParaRPr lang="en-US"/>
-        </a:p>
-      </dgm:t>
-    </dgm:pt>
-    <dgm:pt modelId="{135223C0-1F85-4624-841E-5902F6870149}" type="sibTrans" cxnId="{25F2EAEA-B94B-450B-87E4-03701C1C0073}">
       <dgm:prSet/>
       <dgm:spPr/>
       <dgm:t>
@@ -2769,10 +2604,6 @@
     </dgm:pt>
     <dgm:pt modelId="{7939B062-BDC8-483B-909B-4E2A2E729CFE}" type="pres">
       <dgm:prSet presAssocID="{C9423769-D2C8-4F94-846B-7D5A16C918E2}" presName="hierFlow" presStyleCnt="0"/>
-      <dgm:spPr/>
-    </dgm:pt>
-    <dgm:pt modelId="{FD490BC2-F399-4417-AE01-4379DD21EB0B}" type="pres">
-      <dgm:prSet presAssocID="{C9423769-D2C8-4F94-846B-7D5A16C918E2}" presName="firstBuf" presStyleCnt="0"/>
       <dgm:spPr/>
     </dgm:pt>
     <dgm:pt modelId="{CDCBC623-5754-4B61-B38C-15EDDFA5C265}" type="pres">
@@ -2869,153 +2700,25 @@
       <dgm:prSet presAssocID="{C9423769-D2C8-4F94-846B-7D5A16C918E2}" presName="bgShapesFlow" presStyleCnt="0"/>
       <dgm:spPr/>
     </dgm:pt>
-    <dgm:pt modelId="{9812C23C-142D-4DA7-8BDB-B80C152169B2}" type="pres">
-      <dgm:prSet presAssocID="{14EE3551-C957-401B-BE55-6A86EC1BB91D}" presName="rectComp" presStyleCnt="0"/>
-      <dgm:spPr/>
-    </dgm:pt>
-    <dgm:pt modelId="{81D8F765-1C2B-47E8-9104-BC25204BF581}" type="pres">
-      <dgm:prSet presAssocID="{14EE3551-C957-401B-BE55-6A86EC1BB91D}" presName="bgRect" presStyleLbl="bgShp" presStyleIdx="0" presStyleCnt="5" custLinFactNeighborX="-7709" custLinFactNeighborY="-29061"/>
-      <dgm:spPr/>
-    </dgm:pt>
-    <dgm:pt modelId="{74E3C15C-C478-4A6D-9FF3-524873CAFEDE}" type="pres">
-      <dgm:prSet presAssocID="{14EE3551-C957-401B-BE55-6A86EC1BB91D}" presName="bgRectTx" presStyleLbl="bgShp" presStyleIdx="0" presStyleCnt="5">
-        <dgm:presLayoutVars>
-          <dgm:bulletEnabled val="1"/>
-        </dgm:presLayoutVars>
-      </dgm:prSet>
-      <dgm:spPr/>
-    </dgm:pt>
-    <dgm:pt modelId="{55BEA8F3-DFE0-4F98-99CE-55A83BCBD8B2}" type="pres">
-      <dgm:prSet presAssocID="{14EE3551-C957-401B-BE55-6A86EC1BB91D}" presName="spComp" presStyleCnt="0"/>
-      <dgm:spPr/>
-    </dgm:pt>
-    <dgm:pt modelId="{DF825ED0-0132-4F1F-8071-8195DC9ADB0C}" type="pres">
-      <dgm:prSet presAssocID="{14EE3551-C957-401B-BE55-6A86EC1BB91D}" presName="vSp" presStyleCnt="0"/>
-      <dgm:spPr/>
-    </dgm:pt>
-    <dgm:pt modelId="{55D03013-9FF8-4249-A6BF-4565A19718FD}" type="pres">
-      <dgm:prSet presAssocID="{DDC24D32-E1F2-46F3-80DF-2F960C53D79A}" presName="rectComp" presStyleCnt="0"/>
-      <dgm:spPr/>
-    </dgm:pt>
-    <dgm:pt modelId="{A05F9B63-8F7E-4D2E-A54D-E75C443C0853}" type="pres">
-      <dgm:prSet presAssocID="{DDC24D32-E1F2-46F3-80DF-2F960C53D79A}" presName="bgRect" presStyleLbl="bgShp" presStyleIdx="1" presStyleCnt="5"/>
-      <dgm:spPr/>
-    </dgm:pt>
-    <dgm:pt modelId="{7EBFBBFE-C60D-406E-83E5-B82EB744E92B}" type="pres">
-      <dgm:prSet presAssocID="{DDC24D32-E1F2-46F3-80DF-2F960C53D79A}" presName="bgRectTx" presStyleLbl="bgShp" presStyleIdx="1" presStyleCnt="5">
-        <dgm:presLayoutVars>
-          <dgm:bulletEnabled val="1"/>
-        </dgm:presLayoutVars>
-      </dgm:prSet>
-      <dgm:spPr/>
-    </dgm:pt>
-    <dgm:pt modelId="{A16A3AE9-62B1-4C6E-B033-CAE38713C7B2}" type="pres">
-      <dgm:prSet presAssocID="{DDC24D32-E1F2-46F3-80DF-2F960C53D79A}" presName="spComp" presStyleCnt="0"/>
-      <dgm:spPr/>
-    </dgm:pt>
-    <dgm:pt modelId="{F140890D-D112-4225-98E6-D15629373752}" type="pres">
-      <dgm:prSet presAssocID="{DDC24D32-E1F2-46F3-80DF-2F960C53D79A}" presName="vSp" presStyleCnt="0"/>
-      <dgm:spPr/>
-    </dgm:pt>
-    <dgm:pt modelId="{B2FD22FA-F5A0-41A7-BA44-A42BBA8171B3}" type="pres">
-      <dgm:prSet presAssocID="{5886B898-FE96-4569-92A7-C70ED90E8690}" presName="rectComp" presStyleCnt="0"/>
-      <dgm:spPr/>
-    </dgm:pt>
-    <dgm:pt modelId="{7EB3B241-9331-4643-88DB-BC87C28C8D72}" type="pres">
-      <dgm:prSet presAssocID="{5886B898-FE96-4569-92A7-C70ED90E8690}" presName="bgRect" presStyleLbl="bgShp" presStyleIdx="2" presStyleCnt="5"/>
-      <dgm:spPr/>
-    </dgm:pt>
-    <dgm:pt modelId="{A5FC9992-5796-4EB8-B587-70F2EA027AF9}" type="pres">
-      <dgm:prSet presAssocID="{5886B898-FE96-4569-92A7-C70ED90E8690}" presName="bgRectTx" presStyleLbl="bgShp" presStyleIdx="2" presStyleCnt="5">
-        <dgm:presLayoutVars>
-          <dgm:bulletEnabled val="1"/>
-        </dgm:presLayoutVars>
-      </dgm:prSet>
-      <dgm:spPr/>
-    </dgm:pt>
-    <dgm:pt modelId="{EC678649-947B-4B8D-897C-C20C5E8CC648}" type="pres">
-      <dgm:prSet presAssocID="{5886B898-FE96-4569-92A7-C70ED90E8690}" presName="spComp" presStyleCnt="0"/>
-      <dgm:spPr/>
-    </dgm:pt>
-    <dgm:pt modelId="{5886241A-5BD3-4E2F-BDB0-1CEB17FABF00}" type="pres">
-      <dgm:prSet presAssocID="{5886B898-FE96-4569-92A7-C70ED90E8690}" presName="vSp" presStyleCnt="0"/>
-      <dgm:spPr/>
-    </dgm:pt>
-    <dgm:pt modelId="{118C2972-C3E2-4326-90BD-B32B84A05E0D}" type="pres">
-      <dgm:prSet presAssocID="{10967B6A-F6B4-41B1-8A50-906BDDA355FE}" presName="rectComp" presStyleCnt="0"/>
-      <dgm:spPr/>
-    </dgm:pt>
-    <dgm:pt modelId="{0F23B32A-8F9D-4DE7-8AEF-6326095BEE13}" type="pres">
-      <dgm:prSet presAssocID="{10967B6A-F6B4-41B1-8A50-906BDDA355FE}" presName="bgRect" presStyleLbl="bgShp" presStyleIdx="3" presStyleCnt="5"/>
-      <dgm:spPr/>
-    </dgm:pt>
-    <dgm:pt modelId="{9F4B7588-073E-4B16-930E-C9D78B8158D0}" type="pres">
-      <dgm:prSet presAssocID="{10967B6A-F6B4-41B1-8A50-906BDDA355FE}" presName="bgRectTx" presStyleLbl="bgShp" presStyleIdx="3" presStyleCnt="5">
-        <dgm:presLayoutVars>
-          <dgm:bulletEnabled val="1"/>
-        </dgm:presLayoutVars>
-      </dgm:prSet>
-      <dgm:spPr/>
-    </dgm:pt>
-    <dgm:pt modelId="{E18597E1-E199-4FC0-AE9D-943888DF3BB6}" type="pres">
-      <dgm:prSet presAssocID="{10967B6A-F6B4-41B1-8A50-906BDDA355FE}" presName="spComp" presStyleCnt="0"/>
-      <dgm:spPr/>
-    </dgm:pt>
-    <dgm:pt modelId="{894098C8-8BC4-4120-836D-5C43679F8416}" type="pres">
-      <dgm:prSet presAssocID="{10967B6A-F6B4-41B1-8A50-906BDDA355FE}" presName="vSp" presStyleCnt="0"/>
-      <dgm:spPr/>
-    </dgm:pt>
-    <dgm:pt modelId="{7B1BCBD2-4C66-4412-A13F-69CCFC1E4698}" type="pres">
-      <dgm:prSet presAssocID="{DB978D0C-DEB2-49A5-B07B-447C92F3A272}" presName="rectComp" presStyleCnt="0"/>
-      <dgm:spPr/>
-    </dgm:pt>
-    <dgm:pt modelId="{5C0FE9C0-3228-4E31-BF86-3B2D3024054D}" type="pres">
-      <dgm:prSet presAssocID="{DB978D0C-DEB2-49A5-B07B-447C92F3A272}" presName="bgRect" presStyleLbl="bgShp" presStyleIdx="4" presStyleCnt="5"/>
-      <dgm:spPr/>
-    </dgm:pt>
-    <dgm:pt modelId="{D21CAE9E-A406-4FC0-9A2C-80658B35AA75}" type="pres">
-      <dgm:prSet presAssocID="{DB978D0C-DEB2-49A5-B07B-447C92F3A272}" presName="bgRectTx" presStyleLbl="bgShp" presStyleIdx="4" presStyleCnt="5">
-        <dgm:presLayoutVars>
-          <dgm:bulletEnabled val="1"/>
-        </dgm:presLayoutVars>
-      </dgm:prSet>
-      <dgm:spPr/>
-    </dgm:pt>
   </dgm:ptLst>
   <dgm:cxnLst>
     <dgm:cxn modelId="{98596802-B5DE-4359-AE03-89485F2F209A}" type="presOf" srcId="{9F9A03C6-DF23-4F03-BE85-24501C33864F}" destId="{CCC6C37A-BD73-4601-ACB4-EFB7110DA8D5}" srcOrd="0" destOrd="0" presId="urn:microsoft.com/office/officeart/2005/8/layout/hierarchy6"/>
     <dgm:cxn modelId="{472B1210-5581-4B02-8AAB-4080117896E3}" srcId="{B727F245-4F93-4119-B764-B9ADAED66400}" destId="{362B6F71-2C4F-4317-9EC8-498FECBC478E}" srcOrd="0" destOrd="0" parTransId="{EBDB7462-7388-49FC-8946-19AE7418E50A}" sibTransId="{41A990D1-C92D-434F-9C15-CE8D25416D9E}"/>
     <dgm:cxn modelId="{43E3992C-D753-42C4-B090-104984152E42}" type="presOf" srcId="{10DC7534-5866-495E-8BE3-2C3215AD97F7}" destId="{5C9946F2-E2BB-4B54-B854-74F49C310EB2}" srcOrd="0" destOrd="0" presId="urn:microsoft.com/office/officeart/2005/8/layout/hierarchy6"/>
-    <dgm:cxn modelId="{ADCB8761-0808-40BE-B733-BE4B54EE712C}" srcId="{C9423769-D2C8-4F94-846B-7D5A16C918E2}" destId="{5886B898-FE96-4569-92A7-C70ED90E8690}" srcOrd="3" destOrd="0" parTransId="{BCF51EA3-9D11-4B3B-9765-562538CC1898}" sibTransId="{90337B25-0C40-4509-8B1F-540451EBA8BC}"/>
     <dgm:cxn modelId="{08BF7F4D-B4F9-433B-B325-556F123546B0}" srcId="{362B6F71-2C4F-4317-9EC8-498FECBC478E}" destId="{9F9A03C6-DF23-4F03-BE85-24501C33864F}" srcOrd="0" destOrd="0" parTransId="{10DC7534-5866-495E-8BE3-2C3215AD97F7}" sibTransId="{BE9A3851-EA3A-4809-B86F-881DF96A815E}"/>
-    <dgm:cxn modelId="{78F40471-4898-4979-A5D9-A3B741F9655D}" type="presOf" srcId="{DDC24D32-E1F2-46F3-80DF-2F960C53D79A}" destId="{A05F9B63-8F7E-4D2E-A54D-E75C443C0853}" srcOrd="0" destOrd="0" presId="urn:microsoft.com/office/officeart/2005/8/layout/hierarchy6"/>
-    <dgm:cxn modelId="{D4191855-F451-4C6B-A583-BB501F4A10D6}" type="presOf" srcId="{14EE3551-C957-401B-BE55-6A86EC1BB91D}" destId="{74E3C15C-C478-4A6D-9FF3-524873CAFEDE}" srcOrd="1" destOrd="0" presId="urn:microsoft.com/office/officeart/2005/8/layout/hierarchy6"/>
-    <dgm:cxn modelId="{3ECB7B56-F31A-4B09-8DA8-32AC6D851C82}" srcId="{C9423769-D2C8-4F94-846B-7D5A16C918E2}" destId="{DB978D0C-DEB2-49A5-B07B-447C92F3A272}" srcOrd="5" destOrd="0" parTransId="{DEDDF6F0-D6A2-4663-B980-6E85308EB4A3}" sibTransId="{22F9C7F2-A160-409E-8E37-2F6805E56DDE}"/>
     <dgm:cxn modelId="{C8B8717C-4640-42FB-B1FE-32A6D31BCEDE}" type="presOf" srcId="{B727F245-4F93-4119-B764-B9ADAED66400}" destId="{822E8B1A-00BA-4B0F-90B8-18F0336C57F6}" srcOrd="0" destOrd="0" presId="urn:microsoft.com/office/officeart/2005/8/layout/hierarchy6"/>
     <dgm:cxn modelId="{640E1481-51BB-473A-A4B0-C4DCB3DE932E}" type="presOf" srcId="{362B6F71-2C4F-4317-9EC8-498FECBC478E}" destId="{091FB92E-6D71-4B69-A05E-08B79C356B9B}" srcOrd="0" destOrd="0" presId="urn:microsoft.com/office/officeart/2005/8/layout/hierarchy6"/>
-    <dgm:cxn modelId="{A57B8185-98C4-4DAB-9CC8-9496B6AE03FB}" type="presOf" srcId="{5886B898-FE96-4569-92A7-C70ED90E8690}" destId="{7EB3B241-9331-4643-88DB-BC87C28C8D72}" srcOrd="0" destOrd="0" presId="urn:microsoft.com/office/officeart/2005/8/layout/hierarchy6"/>
     <dgm:cxn modelId="{69B7F588-2CB4-4C6F-9666-026BE0B175FA}" srcId="{9F9A03C6-DF23-4F03-BE85-24501C33864F}" destId="{B384ECA6-AD20-4D0D-AA7C-A433FC69E5C2}" srcOrd="0" destOrd="0" parTransId="{20529B5F-1AFA-4853-AFC2-AA3CC05FC23F}" sibTransId="{F4EB0A57-0DA4-49AF-BEA4-499052467AFF}"/>
     <dgm:cxn modelId="{0E51708F-E48F-444E-A80E-AD659DC95D65}" type="presOf" srcId="{C9423769-D2C8-4F94-846B-7D5A16C918E2}" destId="{E25C3278-2C7F-4DF4-954B-3BDD0C883031}" srcOrd="0" destOrd="0" presId="urn:microsoft.com/office/officeart/2005/8/layout/hierarchy6"/>
-    <dgm:cxn modelId="{746AEC99-2E5D-4DDB-9BAA-A1BB99D741C1}" type="presOf" srcId="{10967B6A-F6B4-41B1-8A50-906BDDA355FE}" destId="{9F4B7588-073E-4B16-930E-C9D78B8158D0}" srcOrd="1" destOrd="0" presId="urn:microsoft.com/office/officeart/2005/8/layout/hierarchy6"/>
-    <dgm:cxn modelId="{A9097E9C-3F0B-4E83-B24F-229FC3B60FA5}" type="presOf" srcId="{10967B6A-F6B4-41B1-8A50-906BDDA355FE}" destId="{0F23B32A-8F9D-4DE7-8AEF-6326095BEE13}" srcOrd="0" destOrd="0" presId="urn:microsoft.com/office/officeart/2005/8/layout/hierarchy6"/>
-    <dgm:cxn modelId="{EF0D66A1-0162-47AE-9161-ABD33AE723C0}" type="presOf" srcId="{DDC24D32-E1F2-46F3-80DF-2F960C53D79A}" destId="{7EBFBBFE-C60D-406E-83E5-B82EB744E92B}" srcOrd="1" destOrd="0" presId="urn:microsoft.com/office/officeart/2005/8/layout/hierarchy6"/>
-    <dgm:cxn modelId="{A39B5AA3-4054-46A4-9766-15C062094C74}" type="presOf" srcId="{DB978D0C-DEB2-49A5-B07B-447C92F3A272}" destId="{D21CAE9E-A406-4FC0-9A2C-80658B35AA75}" srcOrd="1" destOrd="0" presId="urn:microsoft.com/office/officeart/2005/8/layout/hierarchy6"/>
-    <dgm:cxn modelId="{94908DAA-0E6B-41D3-B070-1EDB6F1045F3}" type="presOf" srcId="{5886B898-FE96-4569-92A7-C70ED90E8690}" destId="{A5FC9992-5796-4EB8-B587-70F2EA027AF9}" srcOrd="1" destOrd="0" presId="urn:microsoft.com/office/officeart/2005/8/layout/hierarchy6"/>
-    <dgm:cxn modelId="{536684AF-4E3F-4CA8-8D45-C93F02624F6E}" type="presOf" srcId="{14EE3551-C957-401B-BE55-6A86EC1BB91D}" destId="{81D8F765-1C2B-47E8-9104-BC25204BF581}" srcOrd="0" destOrd="0" presId="urn:microsoft.com/office/officeart/2005/8/layout/hierarchy6"/>
     <dgm:cxn modelId="{E91C4EB6-9192-4B3D-91D5-75EC00493A32}" type="presOf" srcId="{CFD67C2E-3F59-4D51-8814-276F3C03B1CF}" destId="{96C48980-A0CD-4E4A-BC68-F2194729EB0A}" srcOrd="0" destOrd="0" presId="urn:microsoft.com/office/officeart/2005/8/layout/hierarchy6"/>
     <dgm:cxn modelId="{EFF78ABE-75F6-411E-8E36-C7AE830E4D44}" srcId="{C9423769-D2C8-4F94-846B-7D5A16C918E2}" destId="{8BD4BDAD-9251-4A3C-A964-FB3942EBF29F}" srcOrd="0" destOrd="0" parTransId="{ED78E4F0-8793-4ED6-8C78-C2E08BE3F2BA}" sibTransId="{1157FA12-ABF6-4921-A224-938A84516575}"/>
     <dgm:cxn modelId="{AEDD7DC0-9F43-4711-87AC-7643E618D19C}" srcId="{8BD4BDAD-9251-4A3C-A964-FB3942EBF29F}" destId="{B727F245-4F93-4119-B764-B9ADAED66400}" srcOrd="0" destOrd="0" parTransId="{CFD67C2E-3F59-4D51-8814-276F3C03B1CF}" sibTransId="{D0B6F159-445B-4E64-AC44-9F6793D8E73F}"/>
     <dgm:cxn modelId="{26B993C9-98AE-45F2-AC1B-D978F16AAFD8}" type="presOf" srcId="{20529B5F-1AFA-4853-AFC2-AA3CC05FC23F}" destId="{ECFCD44B-153F-47BE-AC0B-085156E5B810}" srcOrd="0" destOrd="0" presId="urn:microsoft.com/office/officeart/2005/8/layout/hierarchy6"/>
-    <dgm:cxn modelId="{3376FCCA-36BE-48E1-A636-FC7F1AD7E577}" srcId="{C9423769-D2C8-4F94-846B-7D5A16C918E2}" destId="{14EE3551-C957-401B-BE55-6A86EC1BB91D}" srcOrd="1" destOrd="0" parTransId="{5FE8A452-5873-496E-8782-9717A8384B3D}" sibTransId="{5C65FFE3-0C25-409A-97D3-4C866BF7EA3E}"/>
-    <dgm:cxn modelId="{1389ADCD-9867-405F-960E-79178D289C1F}" type="presOf" srcId="{DB978D0C-DEB2-49A5-B07B-447C92F3A272}" destId="{5C0FE9C0-3228-4E31-BF86-3B2D3024054D}" srcOrd="0" destOrd="0" presId="urn:microsoft.com/office/officeart/2005/8/layout/hierarchy6"/>
     <dgm:cxn modelId="{0BCF22D6-C400-4BCC-84A5-066E14C729B3}" type="presOf" srcId="{B384ECA6-AD20-4D0D-AA7C-A433FC69E5C2}" destId="{05A807ED-5EF2-45D8-AE5B-1CD7418B6077}" srcOrd="0" destOrd="0" presId="urn:microsoft.com/office/officeart/2005/8/layout/hierarchy6"/>
-    <dgm:cxn modelId="{84CC86D6-1625-4404-B1B0-F2A904189D1B}" srcId="{C9423769-D2C8-4F94-846B-7D5A16C918E2}" destId="{DDC24D32-E1F2-46F3-80DF-2F960C53D79A}" srcOrd="2" destOrd="0" parTransId="{67F65B4F-411F-4A54-B17C-3850B3FACCFF}" sibTransId="{6EB03620-DFA9-4125-BF30-A06B825535C2}"/>
     <dgm:cxn modelId="{455DC9E1-80F7-474E-A73D-30D20028DE0D}" type="presOf" srcId="{8BD4BDAD-9251-4A3C-A964-FB3942EBF29F}" destId="{DAEBC06F-7250-4148-A5DF-9E74C1131D38}" srcOrd="0" destOrd="0" presId="urn:microsoft.com/office/officeart/2005/8/layout/hierarchy6"/>
-    <dgm:cxn modelId="{25F2EAEA-B94B-450B-87E4-03701C1C0073}" srcId="{C9423769-D2C8-4F94-846B-7D5A16C918E2}" destId="{10967B6A-F6B4-41B1-8A50-906BDDA355FE}" srcOrd="4" destOrd="0" parTransId="{6881CB8C-D9FB-41B8-8E96-C1198EBB7111}" sibTransId="{135223C0-1F85-4624-841E-5902F6870149}"/>
     <dgm:cxn modelId="{9101C0FE-3495-4991-B4DA-90C1E3A3A09E}" type="presOf" srcId="{EBDB7462-7388-49FC-8946-19AE7418E50A}" destId="{7B6EC39C-6336-4C4E-A454-54B9AA3030FF}" srcOrd="0" destOrd="0" presId="urn:microsoft.com/office/officeart/2005/8/layout/hierarchy6"/>
     <dgm:cxn modelId="{82F5D592-66F3-49C8-B449-863DCE028881}" type="presParOf" srcId="{E25C3278-2C7F-4DF4-954B-3BDD0C883031}" destId="{7939B062-BDC8-483B-909B-4E2A2E729CFE}" srcOrd="0" destOrd="0" presId="urn:microsoft.com/office/officeart/2005/8/layout/hierarchy6"/>
-    <dgm:cxn modelId="{1E74FA72-9F50-4660-8778-74F9833FCF5B}" type="presParOf" srcId="{7939B062-BDC8-483B-909B-4E2A2E729CFE}" destId="{FD490BC2-F399-4417-AE01-4379DD21EB0B}" srcOrd="0" destOrd="0" presId="urn:microsoft.com/office/officeart/2005/8/layout/hierarchy6"/>
-    <dgm:cxn modelId="{DCA94637-5C4E-47C4-A3C0-AA22CB002FE8}" type="presParOf" srcId="{7939B062-BDC8-483B-909B-4E2A2E729CFE}" destId="{CDCBC623-5754-4B61-B38C-15EDDFA5C265}" srcOrd="1" destOrd="0" presId="urn:microsoft.com/office/officeart/2005/8/layout/hierarchy6"/>
+    <dgm:cxn modelId="{DCA94637-5C4E-47C4-A3C0-AA22CB002FE8}" type="presParOf" srcId="{7939B062-BDC8-483B-909B-4E2A2E729CFE}" destId="{CDCBC623-5754-4B61-B38C-15EDDFA5C265}" srcOrd="0" destOrd="0" presId="urn:microsoft.com/office/officeart/2005/8/layout/hierarchy6"/>
     <dgm:cxn modelId="{43089E3A-E60A-4BF6-8E4C-49E234DCE456}" type="presParOf" srcId="{CDCBC623-5754-4B61-B38C-15EDDFA5C265}" destId="{B4106418-510A-4861-925C-4927D39F0893}" srcOrd="0" destOrd="0" presId="urn:microsoft.com/office/officeart/2005/8/layout/hierarchy6"/>
     <dgm:cxn modelId="{8C89053D-6935-419E-BF34-8C03C79B9B1E}" type="presParOf" srcId="{B4106418-510A-4861-925C-4927D39F0893}" destId="{DAEBC06F-7250-4148-A5DF-9E74C1131D38}" srcOrd="0" destOrd="0" presId="urn:microsoft.com/office/officeart/2005/8/layout/hierarchy6"/>
     <dgm:cxn modelId="{1246D743-D436-4704-A5D4-956DF15E3D1B}" type="presParOf" srcId="{B4106418-510A-4861-925C-4927D39F0893}" destId="{E78A51DE-1261-4AFF-B26A-CF8585F9FD21}" srcOrd="1" destOrd="0" presId="urn:microsoft.com/office/officeart/2005/8/layout/hierarchy6"/>
@@ -3036,29 +2739,6 @@
     <dgm:cxn modelId="{E14BB53F-1B73-4F1C-9755-ADAF979AB59E}" type="presParOf" srcId="{766C36B4-47B4-4CBE-91F2-1523D930C047}" destId="{05A807ED-5EF2-45D8-AE5B-1CD7418B6077}" srcOrd="0" destOrd="0" presId="urn:microsoft.com/office/officeart/2005/8/layout/hierarchy6"/>
     <dgm:cxn modelId="{D5C545EC-720D-43FA-836A-95480C6DAB3C}" type="presParOf" srcId="{766C36B4-47B4-4CBE-91F2-1523D930C047}" destId="{396B722E-DC46-4605-AFBB-953715D77021}" srcOrd="1" destOrd="0" presId="urn:microsoft.com/office/officeart/2005/8/layout/hierarchy6"/>
     <dgm:cxn modelId="{63938257-EE03-4A89-8208-97FA13EFC739}" type="presParOf" srcId="{E25C3278-2C7F-4DF4-954B-3BDD0C883031}" destId="{3EDE3D2C-4134-4B81-980B-39AA11B65F76}" srcOrd="1" destOrd="0" presId="urn:microsoft.com/office/officeart/2005/8/layout/hierarchy6"/>
-    <dgm:cxn modelId="{F75FCC67-0A72-48F8-99C0-9BACF2E82846}" type="presParOf" srcId="{3EDE3D2C-4134-4B81-980B-39AA11B65F76}" destId="{9812C23C-142D-4DA7-8BDB-B80C152169B2}" srcOrd="0" destOrd="0" presId="urn:microsoft.com/office/officeart/2005/8/layout/hierarchy6"/>
-    <dgm:cxn modelId="{BD6567C2-D1C1-45B1-B633-46292BA4E66B}" type="presParOf" srcId="{9812C23C-142D-4DA7-8BDB-B80C152169B2}" destId="{81D8F765-1C2B-47E8-9104-BC25204BF581}" srcOrd="0" destOrd="0" presId="urn:microsoft.com/office/officeart/2005/8/layout/hierarchy6"/>
-    <dgm:cxn modelId="{9BB25932-8E13-4881-B786-B9BD4C9B0A9D}" type="presParOf" srcId="{9812C23C-142D-4DA7-8BDB-B80C152169B2}" destId="{74E3C15C-C478-4A6D-9FF3-524873CAFEDE}" srcOrd="1" destOrd="0" presId="urn:microsoft.com/office/officeart/2005/8/layout/hierarchy6"/>
-    <dgm:cxn modelId="{04D55B79-EE00-4ED1-BE42-9CFE944D81A4}" type="presParOf" srcId="{3EDE3D2C-4134-4B81-980B-39AA11B65F76}" destId="{55BEA8F3-DFE0-4F98-99CE-55A83BCBD8B2}" srcOrd="1" destOrd="0" presId="urn:microsoft.com/office/officeart/2005/8/layout/hierarchy6"/>
-    <dgm:cxn modelId="{EABB68E1-6100-44A7-A750-D33C93A33DD2}" type="presParOf" srcId="{55BEA8F3-DFE0-4F98-99CE-55A83BCBD8B2}" destId="{DF825ED0-0132-4F1F-8071-8195DC9ADB0C}" srcOrd="0" destOrd="0" presId="urn:microsoft.com/office/officeart/2005/8/layout/hierarchy6"/>
-    <dgm:cxn modelId="{3847A056-1DCC-41F7-9363-05E6CEADBF97}" type="presParOf" srcId="{3EDE3D2C-4134-4B81-980B-39AA11B65F76}" destId="{55D03013-9FF8-4249-A6BF-4565A19718FD}" srcOrd="2" destOrd="0" presId="urn:microsoft.com/office/officeart/2005/8/layout/hierarchy6"/>
-    <dgm:cxn modelId="{212AF351-93F9-48F7-A502-92C8B36DA502}" type="presParOf" srcId="{55D03013-9FF8-4249-A6BF-4565A19718FD}" destId="{A05F9B63-8F7E-4D2E-A54D-E75C443C0853}" srcOrd="0" destOrd="0" presId="urn:microsoft.com/office/officeart/2005/8/layout/hierarchy6"/>
-    <dgm:cxn modelId="{3F8A5569-20F4-47C5-9843-BA1F322FBFE2}" type="presParOf" srcId="{55D03013-9FF8-4249-A6BF-4565A19718FD}" destId="{7EBFBBFE-C60D-406E-83E5-B82EB744E92B}" srcOrd="1" destOrd="0" presId="urn:microsoft.com/office/officeart/2005/8/layout/hierarchy6"/>
-    <dgm:cxn modelId="{B5DC3CC0-1099-41BD-8296-C90EB8DA0A88}" type="presParOf" srcId="{3EDE3D2C-4134-4B81-980B-39AA11B65F76}" destId="{A16A3AE9-62B1-4C6E-B033-CAE38713C7B2}" srcOrd="3" destOrd="0" presId="urn:microsoft.com/office/officeart/2005/8/layout/hierarchy6"/>
-    <dgm:cxn modelId="{A85F6DAF-1301-41DF-8637-919F6ECF9BFF}" type="presParOf" srcId="{A16A3AE9-62B1-4C6E-B033-CAE38713C7B2}" destId="{F140890D-D112-4225-98E6-D15629373752}" srcOrd="0" destOrd="0" presId="urn:microsoft.com/office/officeart/2005/8/layout/hierarchy6"/>
-    <dgm:cxn modelId="{3E4844E0-A036-470E-8862-3AB1B295F123}" type="presParOf" srcId="{3EDE3D2C-4134-4B81-980B-39AA11B65F76}" destId="{B2FD22FA-F5A0-41A7-BA44-A42BBA8171B3}" srcOrd="4" destOrd="0" presId="urn:microsoft.com/office/officeart/2005/8/layout/hierarchy6"/>
-    <dgm:cxn modelId="{D626ABD6-54F0-4AF6-B650-71785A3DEF79}" type="presParOf" srcId="{B2FD22FA-F5A0-41A7-BA44-A42BBA8171B3}" destId="{7EB3B241-9331-4643-88DB-BC87C28C8D72}" srcOrd="0" destOrd="0" presId="urn:microsoft.com/office/officeart/2005/8/layout/hierarchy6"/>
-    <dgm:cxn modelId="{8147040A-CEBB-4A33-AF50-604EE2448F33}" type="presParOf" srcId="{B2FD22FA-F5A0-41A7-BA44-A42BBA8171B3}" destId="{A5FC9992-5796-4EB8-B587-70F2EA027AF9}" srcOrd="1" destOrd="0" presId="urn:microsoft.com/office/officeart/2005/8/layout/hierarchy6"/>
-    <dgm:cxn modelId="{5D4B29D7-1634-4B7B-BB67-F90A9A4AC356}" type="presParOf" srcId="{3EDE3D2C-4134-4B81-980B-39AA11B65F76}" destId="{EC678649-947B-4B8D-897C-C20C5E8CC648}" srcOrd="5" destOrd="0" presId="urn:microsoft.com/office/officeart/2005/8/layout/hierarchy6"/>
-    <dgm:cxn modelId="{4F4C18D8-9545-4403-A38B-15892384A46F}" type="presParOf" srcId="{EC678649-947B-4B8D-897C-C20C5E8CC648}" destId="{5886241A-5BD3-4E2F-BDB0-1CEB17FABF00}" srcOrd="0" destOrd="0" presId="urn:microsoft.com/office/officeart/2005/8/layout/hierarchy6"/>
-    <dgm:cxn modelId="{875B5061-C762-4F2D-A7FD-607DCB56D32F}" type="presParOf" srcId="{3EDE3D2C-4134-4B81-980B-39AA11B65F76}" destId="{118C2972-C3E2-4326-90BD-B32B84A05E0D}" srcOrd="6" destOrd="0" presId="urn:microsoft.com/office/officeart/2005/8/layout/hierarchy6"/>
-    <dgm:cxn modelId="{97C75561-4D58-4D33-90B6-027036857293}" type="presParOf" srcId="{118C2972-C3E2-4326-90BD-B32B84A05E0D}" destId="{0F23B32A-8F9D-4DE7-8AEF-6326095BEE13}" srcOrd="0" destOrd="0" presId="urn:microsoft.com/office/officeart/2005/8/layout/hierarchy6"/>
-    <dgm:cxn modelId="{B331421B-9652-46F8-BCD7-07085E5D9360}" type="presParOf" srcId="{118C2972-C3E2-4326-90BD-B32B84A05E0D}" destId="{9F4B7588-073E-4B16-930E-C9D78B8158D0}" srcOrd="1" destOrd="0" presId="urn:microsoft.com/office/officeart/2005/8/layout/hierarchy6"/>
-    <dgm:cxn modelId="{78001DAF-B88A-47CE-81C3-5413D89675D6}" type="presParOf" srcId="{3EDE3D2C-4134-4B81-980B-39AA11B65F76}" destId="{E18597E1-E199-4FC0-AE9D-943888DF3BB6}" srcOrd="7" destOrd="0" presId="urn:microsoft.com/office/officeart/2005/8/layout/hierarchy6"/>
-    <dgm:cxn modelId="{A58077CB-D7BF-4604-867B-551B80472C28}" type="presParOf" srcId="{E18597E1-E199-4FC0-AE9D-943888DF3BB6}" destId="{894098C8-8BC4-4120-836D-5C43679F8416}" srcOrd="0" destOrd="0" presId="urn:microsoft.com/office/officeart/2005/8/layout/hierarchy6"/>
-    <dgm:cxn modelId="{675212DB-1662-4D59-A891-82967E582E7A}" type="presParOf" srcId="{3EDE3D2C-4134-4B81-980B-39AA11B65F76}" destId="{7B1BCBD2-4C66-4412-A13F-69CCFC1E4698}" srcOrd="8" destOrd="0" presId="urn:microsoft.com/office/officeart/2005/8/layout/hierarchy6"/>
-    <dgm:cxn modelId="{6BC2310D-352C-4547-BD08-0C21C9808F0C}" type="presParOf" srcId="{7B1BCBD2-4C66-4412-A13F-69CCFC1E4698}" destId="{5C0FE9C0-3228-4E31-BF86-3B2D3024054D}" srcOrd="0" destOrd="0" presId="urn:microsoft.com/office/officeart/2005/8/layout/hierarchy6"/>
-    <dgm:cxn modelId="{99EB428D-3D09-4B2E-9604-B4E012CC9816}" type="presParOf" srcId="{7B1BCBD2-4C66-4412-A13F-69CCFC1E4698}" destId="{D21CAE9E-A406-4FC0-9A2C-80658B35AA75}" srcOrd="1" destOrd="0" presId="urn:microsoft.com/office/officeart/2005/8/layout/hierarchy6"/>
   </dgm:cxnLst>
   <dgm:bg/>
   <dgm:whole/>
@@ -3233,114 +2913,6 @@
         </a:p>
       </dgm:t>
     </dgm:pt>
-    <dgm:pt modelId="{14EE3551-C957-401B-BE55-6A86EC1BB91D}">
-      <dgm:prSet phldrT="[Text]"/>
-      <dgm:spPr/>
-      <dgm:t>
-        <a:bodyPr/>
-        <a:lstStyle/>
-        <a:p>
-          <a:r>
-            <a:rPr lang="en-US" dirty="0"/>
-            <a:t> </a:t>
-          </a:r>
-        </a:p>
-      </dgm:t>
-    </dgm:pt>
-    <dgm:pt modelId="{5FE8A452-5873-496E-8782-9717A8384B3D}" type="parTrans" cxnId="{3376FCCA-36BE-48E1-A636-FC7F1AD7E577}">
-      <dgm:prSet/>
-      <dgm:spPr/>
-      <dgm:t>
-        <a:bodyPr/>
-        <a:lstStyle/>
-        <a:p>
-          <a:endParaRPr lang="en-US"/>
-        </a:p>
-      </dgm:t>
-    </dgm:pt>
-    <dgm:pt modelId="{5C65FFE3-0C25-409A-97D3-4C866BF7EA3E}" type="sibTrans" cxnId="{3376FCCA-36BE-48E1-A636-FC7F1AD7E577}">
-      <dgm:prSet/>
-      <dgm:spPr/>
-      <dgm:t>
-        <a:bodyPr/>
-        <a:lstStyle/>
-        <a:p>
-          <a:endParaRPr lang="en-US"/>
-        </a:p>
-      </dgm:t>
-    </dgm:pt>
-    <dgm:pt modelId="{DDC24D32-E1F2-46F3-80DF-2F960C53D79A}">
-      <dgm:prSet phldrT="[Text]"/>
-      <dgm:spPr/>
-      <dgm:t>
-        <a:bodyPr/>
-        <a:lstStyle/>
-        <a:p>
-          <a:r>
-            <a:rPr lang="en-US" dirty="0"/>
-            <a:t> </a:t>
-          </a:r>
-        </a:p>
-      </dgm:t>
-    </dgm:pt>
-    <dgm:pt modelId="{67F65B4F-411F-4A54-B17C-3850B3FACCFF}" type="parTrans" cxnId="{84CC86D6-1625-4404-B1B0-F2A904189D1B}">
-      <dgm:prSet/>
-      <dgm:spPr/>
-      <dgm:t>
-        <a:bodyPr/>
-        <a:lstStyle/>
-        <a:p>
-          <a:endParaRPr lang="en-US"/>
-        </a:p>
-      </dgm:t>
-    </dgm:pt>
-    <dgm:pt modelId="{6EB03620-DFA9-4125-BF30-A06B825535C2}" type="sibTrans" cxnId="{84CC86D6-1625-4404-B1B0-F2A904189D1B}">
-      <dgm:prSet/>
-      <dgm:spPr/>
-      <dgm:t>
-        <a:bodyPr/>
-        <a:lstStyle/>
-        <a:p>
-          <a:endParaRPr lang="en-US"/>
-        </a:p>
-      </dgm:t>
-    </dgm:pt>
-    <dgm:pt modelId="{5886B898-FE96-4569-92A7-C70ED90E8690}">
-      <dgm:prSet phldrT="[Text]"/>
-      <dgm:spPr/>
-      <dgm:t>
-        <a:bodyPr/>
-        <a:lstStyle/>
-        <a:p>
-          <a:r>
-            <a:rPr lang="en-US" dirty="0"/>
-            <a:t> </a:t>
-          </a:r>
-        </a:p>
-      </dgm:t>
-    </dgm:pt>
-    <dgm:pt modelId="{BCF51EA3-9D11-4B3B-9765-562538CC1898}" type="parTrans" cxnId="{ADCB8761-0808-40BE-B733-BE4B54EE712C}">
-      <dgm:prSet/>
-      <dgm:spPr/>
-      <dgm:t>
-        <a:bodyPr/>
-        <a:lstStyle/>
-        <a:p>
-          <a:endParaRPr lang="en-US"/>
-        </a:p>
-      </dgm:t>
-    </dgm:pt>
-    <dgm:pt modelId="{90337B25-0C40-4509-8B1F-540451EBA8BC}" type="sibTrans" cxnId="{ADCB8761-0808-40BE-B733-BE4B54EE712C}">
-      <dgm:prSet/>
-      <dgm:spPr/>
-      <dgm:t>
-        <a:bodyPr/>
-        <a:lstStyle/>
-        <a:p>
-          <a:endParaRPr lang="en-US"/>
-        </a:p>
-      </dgm:t>
-    </dgm:pt>
     <dgm:pt modelId="{E25C3278-2C7F-4DF4-954B-3BDD0C883031}" type="pres">
       <dgm:prSet presAssocID="{C9423769-D2C8-4F94-846B-7D5A16C918E2}" presName="mainComposite" presStyleCnt="0">
         <dgm:presLayoutVars>
@@ -3355,10 +2927,6 @@
     </dgm:pt>
     <dgm:pt modelId="{7939B062-BDC8-483B-909B-4E2A2E729CFE}" type="pres">
       <dgm:prSet presAssocID="{C9423769-D2C8-4F94-846B-7D5A16C918E2}" presName="hierFlow" presStyleCnt="0"/>
-      <dgm:spPr/>
-    </dgm:pt>
-    <dgm:pt modelId="{FD490BC2-F399-4417-AE01-4379DD21EB0B}" type="pres">
-      <dgm:prSet presAssocID="{C9423769-D2C8-4F94-846B-7D5A16C918E2}" presName="firstBuf" presStyleCnt="0"/>
       <dgm:spPr/>
     </dgm:pt>
     <dgm:pt modelId="{CDCBC623-5754-4B61-B38C-15EDDFA5C265}" type="pres">
@@ -3439,96 +3007,22 @@
       <dgm:prSet presAssocID="{C9423769-D2C8-4F94-846B-7D5A16C918E2}" presName="bgShapesFlow" presStyleCnt="0"/>
       <dgm:spPr/>
     </dgm:pt>
-    <dgm:pt modelId="{9812C23C-142D-4DA7-8BDB-B80C152169B2}" type="pres">
-      <dgm:prSet presAssocID="{14EE3551-C957-401B-BE55-6A86EC1BB91D}" presName="rectComp" presStyleCnt="0"/>
-      <dgm:spPr/>
-    </dgm:pt>
-    <dgm:pt modelId="{81D8F765-1C2B-47E8-9104-BC25204BF581}" type="pres">
-      <dgm:prSet presAssocID="{14EE3551-C957-401B-BE55-6A86EC1BB91D}" presName="bgRect" presStyleLbl="bgShp" presStyleIdx="0" presStyleCnt="3"/>
-      <dgm:spPr/>
-    </dgm:pt>
-    <dgm:pt modelId="{74E3C15C-C478-4A6D-9FF3-524873CAFEDE}" type="pres">
-      <dgm:prSet presAssocID="{14EE3551-C957-401B-BE55-6A86EC1BB91D}" presName="bgRectTx" presStyleLbl="bgShp" presStyleIdx="0" presStyleCnt="3">
-        <dgm:presLayoutVars>
-          <dgm:bulletEnabled val="1"/>
-        </dgm:presLayoutVars>
-      </dgm:prSet>
-      <dgm:spPr/>
-    </dgm:pt>
-    <dgm:pt modelId="{55BEA8F3-DFE0-4F98-99CE-55A83BCBD8B2}" type="pres">
-      <dgm:prSet presAssocID="{14EE3551-C957-401B-BE55-6A86EC1BB91D}" presName="spComp" presStyleCnt="0"/>
-      <dgm:spPr/>
-    </dgm:pt>
-    <dgm:pt modelId="{DF825ED0-0132-4F1F-8071-8195DC9ADB0C}" type="pres">
-      <dgm:prSet presAssocID="{14EE3551-C957-401B-BE55-6A86EC1BB91D}" presName="vSp" presStyleCnt="0"/>
-      <dgm:spPr/>
-    </dgm:pt>
-    <dgm:pt modelId="{55D03013-9FF8-4249-A6BF-4565A19718FD}" type="pres">
-      <dgm:prSet presAssocID="{DDC24D32-E1F2-46F3-80DF-2F960C53D79A}" presName="rectComp" presStyleCnt="0"/>
-      <dgm:spPr/>
-    </dgm:pt>
-    <dgm:pt modelId="{A05F9B63-8F7E-4D2E-A54D-E75C443C0853}" type="pres">
-      <dgm:prSet presAssocID="{DDC24D32-E1F2-46F3-80DF-2F960C53D79A}" presName="bgRect" presStyleLbl="bgShp" presStyleIdx="1" presStyleCnt="3" custLinFactNeighborX="-3313"/>
-      <dgm:spPr/>
-    </dgm:pt>
-    <dgm:pt modelId="{7EBFBBFE-C60D-406E-83E5-B82EB744E92B}" type="pres">
-      <dgm:prSet presAssocID="{DDC24D32-E1F2-46F3-80DF-2F960C53D79A}" presName="bgRectTx" presStyleLbl="bgShp" presStyleIdx="1" presStyleCnt="3">
-        <dgm:presLayoutVars>
-          <dgm:bulletEnabled val="1"/>
-        </dgm:presLayoutVars>
-      </dgm:prSet>
-      <dgm:spPr/>
-    </dgm:pt>
-    <dgm:pt modelId="{A16A3AE9-62B1-4C6E-B033-CAE38713C7B2}" type="pres">
-      <dgm:prSet presAssocID="{DDC24D32-E1F2-46F3-80DF-2F960C53D79A}" presName="spComp" presStyleCnt="0"/>
-      <dgm:spPr/>
-    </dgm:pt>
-    <dgm:pt modelId="{F140890D-D112-4225-98E6-D15629373752}" type="pres">
-      <dgm:prSet presAssocID="{DDC24D32-E1F2-46F3-80DF-2F960C53D79A}" presName="vSp" presStyleCnt="0"/>
-      <dgm:spPr/>
-    </dgm:pt>
-    <dgm:pt modelId="{B2FD22FA-F5A0-41A7-BA44-A42BBA8171B3}" type="pres">
-      <dgm:prSet presAssocID="{5886B898-FE96-4569-92A7-C70ED90E8690}" presName="rectComp" presStyleCnt="0"/>
-      <dgm:spPr/>
-    </dgm:pt>
-    <dgm:pt modelId="{7EB3B241-9331-4643-88DB-BC87C28C8D72}" type="pres">
-      <dgm:prSet presAssocID="{5886B898-FE96-4569-92A7-C70ED90E8690}" presName="bgRect" presStyleLbl="bgShp" presStyleIdx="2" presStyleCnt="3" custLinFactNeighborX="-3406" custLinFactNeighborY="4448"/>
-      <dgm:spPr/>
-    </dgm:pt>
-    <dgm:pt modelId="{A5FC9992-5796-4EB8-B587-70F2EA027AF9}" type="pres">
-      <dgm:prSet presAssocID="{5886B898-FE96-4569-92A7-C70ED90E8690}" presName="bgRectTx" presStyleLbl="bgShp" presStyleIdx="2" presStyleCnt="3">
-        <dgm:presLayoutVars>
-          <dgm:bulletEnabled val="1"/>
-        </dgm:presLayoutVars>
-      </dgm:prSet>
-      <dgm:spPr/>
-    </dgm:pt>
   </dgm:ptLst>
   <dgm:cxnLst>
     <dgm:cxn modelId="{11B38B1A-072E-4113-9F34-385B80B3C0CA}" type="presOf" srcId="{DD705CB8-984B-4881-A1AB-069427C93122}" destId="{6060F710-9C30-484B-BCA4-695BA2D8448A}" srcOrd="0" destOrd="0" presId="urn:microsoft.com/office/officeart/2005/8/layout/hierarchy6"/>
     <dgm:cxn modelId="{0C866A40-BBBF-4ACE-9B49-ACE669E682FE}" srcId="{8BD4BDAD-9251-4A3C-A964-FB3942EBF29F}" destId="{2BA38ACC-78CB-4052-AC7D-83344B3F76AC}" srcOrd="1" destOrd="0" parTransId="{D4606117-042D-4855-A66D-D4CA4005F926}" sibTransId="{CA76A408-696D-4B24-A69F-45F76A30BC51}"/>
-    <dgm:cxn modelId="{ADCB8761-0808-40BE-B733-BE4B54EE712C}" srcId="{C9423769-D2C8-4F94-846B-7D5A16C918E2}" destId="{5886B898-FE96-4569-92A7-C70ED90E8690}" srcOrd="3" destOrd="0" parTransId="{BCF51EA3-9D11-4B3B-9765-562538CC1898}" sibTransId="{90337B25-0C40-4509-8B1F-540451EBA8BC}"/>
     <dgm:cxn modelId="{5C2D6A6B-1854-41D7-B556-53D5A5504FB3}" srcId="{2BA38ACC-78CB-4052-AC7D-83344B3F76AC}" destId="{90AEFB84-1338-4240-A3EC-68F3C92149EC}" srcOrd="0" destOrd="0" parTransId="{DD705CB8-984B-4881-A1AB-069427C93122}" sibTransId="{5E4A4361-7AC6-46D4-AF99-B3531D6816A5}"/>
-    <dgm:cxn modelId="{78F40471-4898-4979-A5D9-A3B741F9655D}" type="presOf" srcId="{DDC24D32-E1F2-46F3-80DF-2F960C53D79A}" destId="{A05F9B63-8F7E-4D2E-A54D-E75C443C0853}" srcOrd="0" destOrd="0" presId="urn:microsoft.com/office/officeart/2005/8/layout/hierarchy6"/>
-    <dgm:cxn modelId="{D4191855-F451-4C6B-A583-BB501F4A10D6}" type="presOf" srcId="{14EE3551-C957-401B-BE55-6A86EC1BB91D}" destId="{74E3C15C-C478-4A6D-9FF3-524873CAFEDE}" srcOrd="1" destOrd="0" presId="urn:microsoft.com/office/officeart/2005/8/layout/hierarchy6"/>
     <dgm:cxn modelId="{C8B8717C-4640-42FB-B1FE-32A6D31BCEDE}" type="presOf" srcId="{B727F245-4F93-4119-B764-B9ADAED66400}" destId="{822E8B1A-00BA-4B0F-90B8-18F0336C57F6}" srcOrd="0" destOrd="0" presId="urn:microsoft.com/office/officeart/2005/8/layout/hierarchy6"/>
     <dgm:cxn modelId="{4E60407E-527E-4C31-A32C-5D4146D60E8F}" type="presOf" srcId="{2BA38ACC-78CB-4052-AC7D-83344B3F76AC}" destId="{20DD1262-3461-405D-957B-563CCED4640C}" srcOrd="0" destOrd="0" presId="urn:microsoft.com/office/officeart/2005/8/layout/hierarchy6"/>
-    <dgm:cxn modelId="{A57B8185-98C4-4DAB-9CC8-9496B6AE03FB}" type="presOf" srcId="{5886B898-FE96-4569-92A7-C70ED90E8690}" destId="{7EB3B241-9331-4643-88DB-BC87C28C8D72}" srcOrd="0" destOrd="0" presId="urn:microsoft.com/office/officeart/2005/8/layout/hierarchy6"/>
     <dgm:cxn modelId="{0E51708F-E48F-444E-A80E-AD659DC95D65}" type="presOf" srcId="{C9423769-D2C8-4F94-846B-7D5A16C918E2}" destId="{E25C3278-2C7F-4DF4-954B-3BDD0C883031}" srcOrd="0" destOrd="0" presId="urn:microsoft.com/office/officeart/2005/8/layout/hierarchy6"/>
     <dgm:cxn modelId="{BBE9DF9D-1349-48ED-9BAA-DC771530C72E}" type="presOf" srcId="{D4606117-042D-4855-A66D-D4CA4005F926}" destId="{667A4CE5-1C37-4F92-B905-3AD81A3D9953}" srcOrd="0" destOrd="0" presId="urn:microsoft.com/office/officeart/2005/8/layout/hierarchy6"/>
-    <dgm:cxn modelId="{EF0D66A1-0162-47AE-9161-ABD33AE723C0}" type="presOf" srcId="{DDC24D32-E1F2-46F3-80DF-2F960C53D79A}" destId="{7EBFBBFE-C60D-406E-83E5-B82EB744E92B}" srcOrd="1" destOrd="0" presId="urn:microsoft.com/office/officeart/2005/8/layout/hierarchy6"/>
-    <dgm:cxn modelId="{94908DAA-0E6B-41D3-B070-1EDB6F1045F3}" type="presOf" srcId="{5886B898-FE96-4569-92A7-C70ED90E8690}" destId="{A5FC9992-5796-4EB8-B587-70F2EA027AF9}" srcOrd="1" destOrd="0" presId="urn:microsoft.com/office/officeart/2005/8/layout/hierarchy6"/>
-    <dgm:cxn modelId="{536684AF-4E3F-4CA8-8D45-C93F02624F6E}" type="presOf" srcId="{14EE3551-C957-401B-BE55-6A86EC1BB91D}" destId="{81D8F765-1C2B-47E8-9104-BC25204BF581}" srcOrd="0" destOrd="0" presId="urn:microsoft.com/office/officeart/2005/8/layout/hierarchy6"/>
     <dgm:cxn modelId="{E91C4EB6-9192-4B3D-91D5-75EC00493A32}" type="presOf" srcId="{CFD67C2E-3F59-4D51-8814-276F3C03B1CF}" destId="{96C48980-A0CD-4E4A-BC68-F2194729EB0A}" srcOrd="0" destOrd="0" presId="urn:microsoft.com/office/officeart/2005/8/layout/hierarchy6"/>
     <dgm:cxn modelId="{EFF78ABE-75F6-411E-8E36-C7AE830E4D44}" srcId="{C9423769-D2C8-4F94-846B-7D5A16C918E2}" destId="{8BD4BDAD-9251-4A3C-A964-FB3942EBF29F}" srcOrd="0" destOrd="0" parTransId="{ED78E4F0-8793-4ED6-8C78-C2E08BE3F2BA}" sibTransId="{1157FA12-ABF6-4921-A224-938A84516575}"/>
     <dgm:cxn modelId="{AEDD7DC0-9F43-4711-87AC-7643E618D19C}" srcId="{8BD4BDAD-9251-4A3C-A964-FB3942EBF29F}" destId="{B727F245-4F93-4119-B764-B9ADAED66400}" srcOrd="0" destOrd="0" parTransId="{CFD67C2E-3F59-4D51-8814-276F3C03B1CF}" sibTransId="{D0B6F159-445B-4E64-AC44-9F6793D8E73F}"/>
-    <dgm:cxn modelId="{3376FCCA-36BE-48E1-A636-FC7F1AD7E577}" srcId="{C9423769-D2C8-4F94-846B-7D5A16C918E2}" destId="{14EE3551-C957-401B-BE55-6A86EC1BB91D}" srcOrd="1" destOrd="0" parTransId="{5FE8A452-5873-496E-8782-9717A8384B3D}" sibTransId="{5C65FFE3-0C25-409A-97D3-4C866BF7EA3E}"/>
-    <dgm:cxn modelId="{84CC86D6-1625-4404-B1B0-F2A904189D1B}" srcId="{C9423769-D2C8-4F94-846B-7D5A16C918E2}" destId="{DDC24D32-E1F2-46F3-80DF-2F960C53D79A}" srcOrd="2" destOrd="0" parTransId="{67F65B4F-411F-4A54-B17C-3850B3FACCFF}" sibTransId="{6EB03620-DFA9-4125-BF30-A06B825535C2}"/>
     <dgm:cxn modelId="{FF02C9D7-CA25-483C-B251-0B696AC098BB}" type="presOf" srcId="{90AEFB84-1338-4240-A3EC-68F3C92149EC}" destId="{1361E14E-42E7-4127-80B2-1E72A97A6BD5}" srcOrd="0" destOrd="0" presId="urn:microsoft.com/office/officeart/2005/8/layout/hierarchy6"/>
     <dgm:cxn modelId="{455DC9E1-80F7-474E-A73D-30D20028DE0D}" type="presOf" srcId="{8BD4BDAD-9251-4A3C-A964-FB3942EBF29F}" destId="{DAEBC06F-7250-4148-A5DF-9E74C1131D38}" srcOrd="0" destOrd="0" presId="urn:microsoft.com/office/officeart/2005/8/layout/hierarchy6"/>
     <dgm:cxn modelId="{82F5D592-66F3-49C8-B449-863DCE028881}" type="presParOf" srcId="{E25C3278-2C7F-4DF4-954B-3BDD0C883031}" destId="{7939B062-BDC8-483B-909B-4E2A2E729CFE}" srcOrd="0" destOrd="0" presId="urn:microsoft.com/office/officeart/2005/8/layout/hierarchy6"/>
-    <dgm:cxn modelId="{1E74FA72-9F50-4660-8778-74F9833FCF5B}" type="presParOf" srcId="{7939B062-BDC8-483B-909B-4E2A2E729CFE}" destId="{FD490BC2-F399-4417-AE01-4379DD21EB0B}" srcOrd="0" destOrd="0" presId="urn:microsoft.com/office/officeart/2005/8/layout/hierarchy6"/>
-    <dgm:cxn modelId="{DCA94637-5C4E-47C4-A3C0-AA22CB002FE8}" type="presParOf" srcId="{7939B062-BDC8-483B-909B-4E2A2E729CFE}" destId="{CDCBC623-5754-4B61-B38C-15EDDFA5C265}" srcOrd="1" destOrd="0" presId="urn:microsoft.com/office/officeart/2005/8/layout/hierarchy6"/>
+    <dgm:cxn modelId="{DCA94637-5C4E-47C4-A3C0-AA22CB002FE8}" type="presParOf" srcId="{7939B062-BDC8-483B-909B-4E2A2E729CFE}" destId="{CDCBC623-5754-4B61-B38C-15EDDFA5C265}" srcOrd="0" destOrd="0" presId="urn:microsoft.com/office/officeart/2005/8/layout/hierarchy6"/>
     <dgm:cxn modelId="{43089E3A-E60A-4BF6-8E4C-49E234DCE456}" type="presParOf" srcId="{CDCBC623-5754-4B61-B38C-15EDDFA5C265}" destId="{B4106418-510A-4861-925C-4927D39F0893}" srcOrd="0" destOrd="0" presId="urn:microsoft.com/office/officeart/2005/8/layout/hierarchy6"/>
     <dgm:cxn modelId="{8C89053D-6935-419E-BF34-8C03C79B9B1E}" type="presParOf" srcId="{B4106418-510A-4861-925C-4927D39F0893}" destId="{DAEBC06F-7250-4148-A5DF-9E74C1131D38}" srcOrd="0" destOrd="0" presId="urn:microsoft.com/office/officeart/2005/8/layout/hierarchy6"/>
     <dgm:cxn modelId="{1246D743-D436-4704-A5D4-956DF15E3D1B}" type="presParOf" srcId="{B4106418-510A-4861-925C-4927D39F0893}" destId="{E78A51DE-1261-4AFF-B26A-CF8585F9FD21}" srcOrd="1" destOrd="0" presId="urn:microsoft.com/office/officeart/2005/8/layout/hierarchy6"/>
@@ -3545,19 +3039,6 @@
     <dgm:cxn modelId="{124DCD26-4C95-43D7-BD93-7F4F16ACA6F8}" type="presParOf" srcId="{2F6700AB-7930-4D7B-B148-B05114B3AC86}" destId="{1361E14E-42E7-4127-80B2-1E72A97A6BD5}" srcOrd="0" destOrd="0" presId="urn:microsoft.com/office/officeart/2005/8/layout/hierarchy6"/>
     <dgm:cxn modelId="{A8C7CB14-84E9-4BF0-9A28-966AB781471D}" type="presParOf" srcId="{2F6700AB-7930-4D7B-B148-B05114B3AC86}" destId="{7DF88357-E2C6-4A5B-AF28-366F3C303A7A}" srcOrd="1" destOrd="0" presId="urn:microsoft.com/office/officeart/2005/8/layout/hierarchy6"/>
     <dgm:cxn modelId="{63938257-EE03-4A89-8208-97FA13EFC739}" type="presParOf" srcId="{E25C3278-2C7F-4DF4-954B-3BDD0C883031}" destId="{3EDE3D2C-4134-4B81-980B-39AA11B65F76}" srcOrd="1" destOrd="0" presId="urn:microsoft.com/office/officeart/2005/8/layout/hierarchy6"/>
-    <dgm:cxn modelId="{F75FCC67-0A72-48F8-99C0-9BACF2E82846}" type="presParOf" srcId="{3EDE3D2C-4134-4B81-980B-39AA11B65F76}" destId="{9812C23C-142D-4DA7-8BDB-B80C152169B2}" srcOrd="0" destOrd="0" presId="urn:microsoft.com/office/officeart/2005/8/layout/hierarchy6"/>
-    <dgm:cxn modelId="{BD6567C2-D1C1-45B1-B633-46292BA4E66B}" type="presParOf" srcId="{9812C23C-142D-4DA7-8BDB-B80C152169B2}" destId="{81D8F765-1C2B-47E8-9104-BC25204BF581}" srcOrd="0" destOrd="0" presId="urn:microsoft.com/office/officeart/2005/8/layout/hierarchy6"/>
-    <dgm:cxn modelId="{9BB25932-8E13-4881-B786-B9BD4C9B0A9D}" type="presParOf" srcId="{9812C23C-142D-4DA7-8BDB-B80C152169B2}" destId="{74E3C15C-C478-4A6D-9FF3-524873CAFEDE}" srcOrd="1" destOrd="0" presId="urn:microsoft.com/office/officeart/2005/8/layout/hierarchy6"/>
-    <dgm:cxn modelId="{04D55B79-EE00-4ED1-BE42-9CFE944D81A4}" type="presParOf" srcId="{3EDE3D2C-4134-4B81-980B-39AA11B65F76}" destId="{55BEA8F3-DFE0-4F98-99CE-55A83BCBD8B2}" srcOrd="1" destOrd="0" presId="urn:microsoft.com/office/officeart/2005/8/layout/hierarchy6"/>
-    <dgm:cxn modelId="{EABB68E1-6100-44A7-A750-D33C93A33DD2}" type="presParOf" srcId="{55BEA8F3-DFE0-4F98-99CE-55A83BCBD8B2}" destId="{DF825ED0-0132-4F1F-8071-8195DC9ADB0C}" srcOrd="0" destOrd="0" presId="urn:microsoft.com/office/officeart/2005/8/layout/hierarchy6"/>
-    <dgm:cxn modelId="{3847A056-1DCC-41F7-9363-05E6CEADBF97}" type="presParOf" srcId="{3EDE3D2C-4134-4B81-980B-39AA11B65F76}" destId="{55D03013-9FF8-4249-A6BF-4565A19718FD}" srcOrd="2" destOrd="0" presId="urn:microsoft.com/office/officeart/2005/8/layout/hierarchy6"/>
-    <dgm:cxn modelId="{212AF351-93F9-48F7-A502-92C8B36DA502}" type="presParOf" srcId="{55D03013-9FF8-4249-A6BF-4565A19718FD}" destId="{A05F9B63-8F7E-4D2E-A54D-E75C443C0853}" srcOrd="0" destOrd="0" presId="urn:microsoft.com/office/officeart/2005/8/layout/hierarchy6"/>
-    <dgm:cxn modelId="{3F8A5569-20F4-47C5-9843-BA1F322FBFE2}" type="presParOf" srcId="{55D03013-9FF8-4249-A6BF-4565A19718FD}" destId="{7EBFBBFE-C60D-406E-83E5-B82EB744E92B}" srcOrd="1" destOrd="0" presId="urn:microsoft.com/office/officeart/2005/8/layout/hierarchy6"/>
-    <dgm:cxn modelId="{B5DC3CC0-1099-41BD-8296-C90EB8DA0A88}" type="presParOf" srcId="{3EDE3D2C-4134-4B81-980B-39AA11B65F76}" destId="{A16A3AE9-62B1-4C6E-B033-CAE38713C7B2}" srcOrd="3" destOrd="0" presId="urn:microsoft.com/office/officeart/2005/8/layout/hierarchy6"/>
-    <dgm:cxn modelId="{A85F6DAF-1301-41DF-8637-919F6ECF9BFF}" type="presParOf" srcId="{A16A3AE9-62B1-4C6E-B033-CAE38713C7B2}" destId="{F140890D-D112-4225-98E6-D15629373752}" srcOrd="0" destOrd="0" presId="urn:microsoft.com/office/officeart/2005/8/layout/hierarchy6"/>
-    <dgm:cxn modelId="{3E4844E0-A036-470E-8862-3AB1B295F123}" type="presParOf" srcId="{3EDE3D2C-4134-4B81-980B-39AA11B65F76}" destId="{B2FD22FA-F5A0-41A7-BA44-A42BBA8171B3}" srcOrd="4" destOrd="0" presId="urn:microsoft.com/office/officeart/2005/8/layout/hierarchy6"/>
-    <dgm:cxn modelId="{D626ABD6-54F0-4AF6-B650-71785A3DEF79}" type="presParOf" srcId="{B2FD22FA-F5A0-41A7-BA44-A42BBA8171B3}" destId="{7EB3B241-9331-4643-88DB-BC87C28C8D72}" srcOrd="0" destOrd="0" presId="urn:microsoft.com/office/officeart/2005/8/layout/hierarchy6"/>
-    <dgm:cxn modelId="{8147040A-CEBB-4A33-AF50-604EE2448F33}" type="presParOf" srcId="{B2FD22FA-F5A0-41A7-BA44-A42BBA8171B3}" destId="{A5FC9992-5796-4EB8-B587-70F2EA027AF9}" srcOrd="1" destOrd="0" presId="urn:microsoft.com/office/officeart/2005/8/layout/hierarchy6"/>
   </dgm:cxnLst>
   <dgm:bg/>
   <dgm:whole/>
@@ -3659,105 +3140,6 @@
         </a:p>
       </dgm:t>
     </dgm:pt>
-    <dgm:pt modelId="{14EE3551-C957-401B-BE55-6A86EC1BB91D}">
-      <dgm:prSet phldrT="[Text]" phldr="1"/>
-      <dgm:spPr/>
-      <dgm:t>
-        <a:bodyPr/>
-        <a:lstStyle/>
-        <a:p>
-          <a:endParaRPr lang="en-US" dirty="0"/>
-        </a:p>
-      </dgm:t>
-    </dgm:pt>
-    <dgm:pt modelId="{5FE8A452-5873-496E-8782-9717A8384B3D}" type="parTrans" cxnId="{3376FCCA-36BE-48E1-A636-FC7F1AD7E577}">
-      <dgm:prSet/>
-      <dgm:spPr/>
-      <dgm:t>
-        <a:bodyPr/>
-        <a:lstStyle/>
-        <a:p>
-          <a:endParaRPr lang="en-US"/>
-        </a:p>
-      </dgm:t>
-    </dgm:pt>
-    <dgm:pt modelId="{5C65FFE3-0C25-409A-97D3-4C866BF7EA3E}" type="sibTrans" cxnId="{3376FCCA-36BE-48E1-A636-FC7F1AD7E577}">
-      <dgm:prSet/>
-      <dgm:spPr/>
-      <dgm:t>
-        <a:bodyPr/>
-        <a:lstStyle/>
-        <a:p>
-          <a:endParaRPr lang="en-US"/>
-        </a:p>
-      </dgm:t>
-    </dgm:pt>
-    <dgm:pt modelId="{DDC24D32-E1F2-46F3-80DF-2F960C53D79A}">
-      <dgm:prSet phldrT="[Text]" phldr="1"/>
-      <dgm:spPr/>
-      <dgm:t>
-        <a:bodyPr/>
-        <a:lstStyle/>
-        <a:p>
-          <a:endParaRPr lang="en-US" dirty="0"/>
-        </a:p>
-      </dgm:t>
-    </dgm:pt>
-    <dgm:pt modelId="{67F65B4F-411F-4A54-B17C-3850B3FACCFF}" type="parTrans" cxnId="{84CC86D6-1625-4404-B1B0-F2A904189D1B}">
-      <dgm:prSet/>
-      <dgm:spPr/>
-      <dgm:t>
-        <a:bodyPr/>
-        <a:lstStyle/>
-        <a:p>
-          <a:endParaRPr lang="en-US"/>
-        </a:p>
-      </dgm:t>
-    </dgm:pt>
-    <dgm:pt modelId="{6EB03620-DFA9-4125-BF30-A06B825535C2}" type="sibTrans" cxnId="{84CC86D6-1625-4404-B1B0-F2A904189D1B}">
-      <dgm:prSet/>
-      <dgm:spPr/>
-      <dgm:t>
-        <a:bodyPr/>
-        <a:lstStyle/>
-        <a:p>
-          <a:endParaRPr lang="en-US"/>
-        </a:p>
-      </dgm:t>
-    </dgm:pt>
-    <dgm:pt modelId="{5886B898-FE96-4569-92A7-C70ED90E8690}">
-      <dgm:prSet phldrT="[Text]" phldr="1"/>
-      <dgm:spPr/>
-      <dgm:t>
-        <a:bodyPr/>
-        <a:lstStyle/>
-        <a:p>
-          <a:endParaRPr lang="en-US" dirty="0"/>
-        </a:p>
-      </dgm:t>
-    </dgm:pt>
-    <dgm:pt modelId="{BCF51EA3-9D11-4B3B-9765-562538CC1898}" type="parTrans" cxnId="{ADCB8761-0808-40BE-B733-BE4B54EE712C}">
-      <dgm:prSet/>
-      <dgm:spPr/>
-      <dgm:t>
-        <a:bodyPr/>
-        <a:lstStyle/>
-        <a:p>
-          <a:endParaRPr lang="en-US"/>
-        </a:p>
-      </dgm:t>
-    </dgm:pt>
-    <dgm:pt modelId="{90337B25-0C40-4509-8B1F-540451EBA8BC}" type="sibTrans" cxnId="{ADCB8761-0808-40BE-B733-BE4B54EE712C}">
-      <dgm:prSet/>
-      <dgm:spPr/>
-      <dgm:t>
-        <a:bodyPr/>
-        <a:lstStyle/>
-        <a:p>
-          <a:endParaRPr lang="en-US"/>
-        </a:p>
-      </dgm:t>
-    </dgm:pt>
     <dgm:pt modelId="{B384ECA6-AD20-4D0D-AA7C-A433FC69E5C2}">
       <dgm:prSet phldrT="[Text]"/>
       <dgm:spPr/>
@@ -3808,10 +3190,6 @@
     </dgm:pt>
     <dgm:pt modelId="{7939B062-BDC8-483B-909B-4E2A2E729CFE}" type="pres">
       <dgm:prSet presAssocID="{C9423769-D2C8-4F94-846B-7D5A16C918E2}" presName="hierFlow" presStyleCnt="0"/>
-      <dgm:spPr/>
-    </dgm:pt>
-    <dgm:pt modelId="{FD490BC2-F399-4417-AE01-4379DD21EB0B}" type="pres">
-      <dgm:prSet presAssocID="{C9423769-D2C8-4F94-846B-7D5A16C918E2}" presName="firstBuf" presStyleCnt="0"/>
       <dgm:spPr/>
     </dgm:pt>
     <dgm:pt modelId="{CDCBC623-5754-4B61-B38C-15EDDFA5C265}" type="pres">
@@ -3876,93 +3254,19 @@
       <dgm:prSet presAssocID="{C9423769-D2C8-4F94-846B-7D5A16C918E2}" presName="bgShapesFlow" presStyleCnt="0"/>
       <dgm:spPr/>
     </dgm:pt>
-    <dgm:pt modelId="{9812C23C-142D-4DA7-8BDB-B80C152169B2}" type="pres">
-      <dgm:prSet presAssocID="{14EE3551-C957-401B-BE55-6A86EC1BB91D}" presName="rectComp" presStyleCnt="0"/>
-      <dgm:spPr/>
-    </dgm:pt>
-    <dgm:pt modelId="{81D8F765-1C2B-47E8-9104-BC25204BF581}" type="pres">
-      <dgm:prSet presAssocID="{14EE3551-C957-401B-BE55-6A86EC1BB91D}" presName="bgRect" presStyleLbl="bgShp" presStyleIdx="0" presStyleCnt="3" custLinFactNeighborX="-7709" custLinFactNeighborY="-29061"/>
-      <dgm:spPr/>
-    </dgm:pt>
-    <dgm:pt modelId="{74E3C15C-C478-4A6D-9FF3-524873CAFEDE}" type="pres">
-      <dgm:prSet presAssocID="{14EE3551-C957-401B-BE55-6A86EC1BB91D}" presName="bgRectTx" presStyleLbl="bgShp" presStyleIdx="0" presStyleCnt="3">
-        <dgm:presLayoutVars>
-          <dgm:bulletEnabled val="1"/>
-        </dgm:presLayoutVars>
-      </dgm:prSet>
-      <dgm:spPr/>
-    </dgm:pt>
-    <dgm:pt modelId="{55BEA8F3-DFE0-4F98-99CE-55A83BCBD8B2}" type="pres">
-      <dgm:prSet presAssocID="{14EE3551-C957-401B-BE55-6A86EC1BB91D}" presName="spComp" presStyleCnt="0"/>
-      <dgm:spPr/>
-    </dgm:pt>
-    <dgm:pt modelId="{DF825ED0-0132-4F1F-8071-8195DC9ADB0C}" type="pres">
-      <dgm:prSet presAssocID="{14EE3551-C957-401B-BE55-6A86EC1BB91D}" presName="vSp" presStyleCnt="0"/>
-      <dgm:spPr/>
-    </dgm:pt>
-    <dgm:pt modelId="{55D03013-9FF8-4249-A6BF-4565A19718FD}" type="pres">
-      <dgm:prSet presAssocID="{DDC24D32-E1F2-46F3-80DF-2F960C53D79A}" presName="rectComp" presStyleCnt="0"/>
-      <dgm:spPr/>
-    </dgm:pt>
-    <dgm:pt modelId="{A05F9B63-8F7E-4D2E-A54D-E75C443C0853}" type="pres">
-      <dgm:prSet presAssocID="{DDC24D32-E1F2-46F3-80DF-2F960C53D79A}" presName="bgRect" presStyleLbl="bgShp" presStyleIdx="1" presStyleCnt="3"/>
-      <dgm:spPr/>
-    </dgm:pt>
-    <dgm:pt modelId="{7EBFBBFE-C60D-406E-83E5-B82EB744E92B}" type="pres">
-      <dgm:prSet presAssocID="{DDC24D32-E1F2-46F3-80DF-2F960C53D79A}" presName="bgRectTx" presStyleLbl="bgShp" presStyleIdx="1" presStyleCnt="3">
-        <dgm:presLayoutVars>
-          <dgm:bulletEnabled val="1"/>
-        </dgm:presLayoutVars>
-      </dgm:prSet>
-      <dgm:spPr/>
-    </dgm:pt>
-    <dgm:pt modelId="{A16A3AE9-62B1-4C6E-B033-CAE38713C7B2}" type="pres">
-      <dgm:prSet presAssocID="{DDC24D32-E1F2-46F3-80DF-2F960C53D79A}" presName="spComp" presStyleCnt="0"/>
-      <dgm:spPr/>
-    </dgm:pt>
-    <dgm:pt modelId="{F140890D-D112-4225-98E6-D15629373752}" type="pres">
-      <dgm:prSet presAssocID="{DDC24D32-E1F2-46F3-80DF-2F960C53D79A}" presName="vSp" presStyleCnt="0"/>
-      <dgm:spPr/>
-    </dgm:pt>
-    <dgm:pt modelId="{B2FD22FA-F5A0-41A7-BA44-A42BBA8171B3}" type="pres">
-      <dgm:prSet presAssocID="{5886B898-FE96-4569-92A7-C70ED90E8690}" presName="rectComp" presStyleCnt="0"/>
-      <dgm:spPr/>
-    </dgm:pt>
-    <dgm:pt modelId="{7EB3B241-9331-4643-88DB-BC87C28C8D72}" type="pres">
-      <dgm:prSet presAssocID="{5886B898-FE96-4569-92A7-C70ED90E8690}" presName="bgRect" presStyleLbl="bgShp" presStyleIdx="2" presStyleCnt="3"/>
-      <dgm:spPr/>
-    </dgm:pt>
-    <dgm:pt modelId="{A5FC9992-5796-4EB8-B587-70F2EA027AF9}" type="pres">
-      <dgm:prSet presAssocID="{5886B898-FE96-4569-92A7-C70ED90E8690}" presName="bgRectTx" presStyleLbl="bgShp" presStyleIdx="2" presStyleCnt="3">
-        <dgm:presLayoutVars>
-          <dgm:bulletEnabled val="1"/>
-        </dgm:presLayoutVars>
-      </dgm:prSet>
-      <dgm:spPr/>
-    </dgm:pt>
   </dgm:ptLst>
   <dgm:cxnLst>
-    <dgm:cxn modelId="{ADCB8761-0808-40BE-B733-BE4B54EE712C}" srcId="{C9423769-D2C8-4F94-846B-7D5A16C918E2}" destId="{5886B898-FE96-4569-92A7-C70ED90E8690}" srcOrd="3" destOrd="0" parTransId="{BCF51EA3-9D11-4B3B-9765-562538CC1898}" sibTransId="{90337B25-0C40-4509-8B1F-540451EBA8BC}"/>
-    <dgm:cxn modelId="{78F40471-4898-4979-A5D9-A3B741F9655D}" type="presOf" srcId="{DDC24D32-E1F2-46F3-80DF-2F960C53D79A}" destId="{A05F9B63-8F7E-4D2E-A54D-E75C443C0853}" srcOrd="0" destOrd="0" presId="urn:microsoft.com/office/officeart/2005/8/layout/hierarchy6"/>
-    <dgm:cxn modelId="{D4191855-F451-4C6B-A583-BB501F4A10D6}" type="presOf" srcId="{14EE3551-C957-401B-BE55-6A86EC1BB91D}" destId="{74E3C15C-C478-4A6D-9FF3-524873CAFEDE}" srcOrd="1" destOrd="0" presId="urn:microsoft.com/office/officeart/2005/8/layout/hierarchy6"/>
     <dgm:cxn modelId="{C8B8717C-4640-42FB-B1FE-32A6D31BCEDE}" type="presOf" srcId="{B727F245-4F93-4119-B764-B9ADAED66400}" destId="{822E8B1A-00BA-4B0F-90B8-18F0336C57F6}" srcOrd="0" destOrd="0" presId="urn:microsoft.com/office/officeart/2005/8/layout/hierarchy6"/>
-    <dgm:cxn modelId="{A57B8185-98C4-4DAB-9CC8-9496B6AE03FB}" type="presOf" srcId="{5886B898-FE96-4569-92A7-C70ED90E8690}" destId="{7EB3B241-9331-4643-88DB-BC87C28C8D72}" srcOrd="0" destOrd="0" presId="urn:microsoft.com/office/officeart/2005/8/layout/hierarchy6"/>
     <dgm:cxn modelId="{69B7F588-2CB4-4C6F-9666-026BE0B175FA}" srcId="{B727F245-4F93-4119-B764-B9ADAED66400}" destId="{B384ECA6-AD20-4D0D-AA7C-A433FC69E5C2}" srcOrd="0" destOrd="0" parTransId="{20529B5F-1AFA-4853-AFC2-AA3CC05FC23F}" sibTransId="{F4EB0A57-0DA4-49AF-BEA4-499052467AFF}"/>
     <dgm:cxn modelId="{6A55C08C-FC8E-4747-95AF-12B979CE6341}" type="presOf" srcId="{B384ECA6-AD20-4D0D-AA7C-A433FC69E5C2}" destId="{05A807ED-5EF2-45D8-AE5B-1CD7418B6077}" srcOrd="0" destOrd="0" presId="urn:microsoft.com/office/officeart/2005/8/layout/hierarchy6"/>
     <dgm:cxn modelId="{0E51708F-E48F-444E-A80E-AD659DC95D65}" type="presOf" srcId="{C9423769-D2C8-4F94-846B-7D5A16C918E2}" destId="{E25C3278-2C7F-4DF4-954B-3BDD0C883031}" srcOrd="0" destOrd="0" presId="urn:microsoft.com/office/officeart/2005/8/layout/hierarchy6"/>
-    <dgm:cxn modelId="{EF0D66A1-0162-47AE-9161-ABD33AE723C0}" type="presOf" srcId="{DDC24D32-E1F2-46F3-80DF-2F960C53D79A}" destId="{7EBFBBFE-C60D-406E-83E5-B82EB744E92B}" srcOrd="1" destOrd="0" presId="urn:microsoft.com/office/officeart/2005/8/layout/hierarchy6"/>
-    <dgm:cxn modelId="{94908DAA-0E6B-41D3-B070-1EDB6F1045F3}" type="presOf" srcId="{5886B898-FE96-4569-92A7-C70ED90E8690}" destId="{A5FC9992-5796-4EB8-B587-70F2EA027AF9}" srcOrd="1" destOrd="0" presId="urn:microsoft.com/office/officeart/2005/8/layout/hierarchy6"/>
-    <dgm:cxn modelId="{536684AF-4E3F-4CA8-8D45-C93F02624F6E}" type="presOf" srcId="{14EE3551-C957-401B-BE55-6A86EC1BB91D}" destId="{81D8F765-1C2B-47E8-9104-BC25204BF581}" srcOrd="0" destOrd="0" presId="urn:microsoft.com/office/officeart/2005/8/layout/hierarchy6"/>
     <dgm:cxn modelId="{E91C4EB6-9192-4B3D-91D5-75EC00493A32}" type="presOf" srcId="{CFD67C2E-3F59-4D51-8814-276F3C03B1CF}" destId="{96C48980-A0CD-4E4A-BC68-F2194729EB0A}" srcOrd="0" destOrd="0" presId="urn:microsoft.com/office/officeart/2005/8/layout/hierarchy6"/>
     <dgm:cxn modelId="{EFF78ABE-75F6-411E-8E36-C7AE830E4D44}" srcId="{C9423769-D2C8-4F94-846B-7D5A16C918E2}" destId="{8BD4BDAD-9251-4A3C-A964-FB3942EBF29F}" srcOrd="0" destOrd="0" parTransId="{ED78E4F0-8793-4ED6-8C78-C2E08BE3F2BA}" sibTransId="{1157FA12-ABF6-4921-A224-938A84516575}"/>
     <dgm:cxn modelId="{AEDD7DC0-9F43-4711-87AC-7643E618D19C}" srcId="{8BD4BDAD-9251-4A3C-A964-FB3942EBF29F}" destId="{B727F245-4F93-4119-B764-B9ADAED66400}" srcOrd="0" destOrd="0" parTransId="{CFD67C2E-3F59-4D51-8814-276F3C03B1CF}" sibTransId="{D0B6F159-445B-4E64-AC44-9F6793D8E73F}"/>
-    <dgm:cxn modelId="{3376FCCA-36BE-48E1-A636-FC7F1AD7E577}" srcId="{C9423769-D2C8-4F94-846B-7D5A16C918E2}" destId="{14EE3551-C957-401B-BE55-6A86EC1BB91D}" srcOrd="1" destOrd="0" parTransId="{5FE8A452-5873-496E-8782-9717A8384B3D}" sibTransId="{5C65FFE3-0C25-409A-97D3-4C866BF7EA3E}"/>
-    <dgm:cxn modelId="{84CC86D6-1625-4404-B1B0-F2A904189D1B}" srcId="{C9423769-D2C8-4F94-846B-7D5A16C918E2}" destId="{DDC24D32-E1F2-46F3-80DF-2F960C53D79A}" srcOrd="2" destOrd="0" parTransId="{67F65B4F-411F-4A54-B17C-3850B3FACCFF}" sibTransId="{6EB03620-DFA9-4125-BF30-A06B825535C2}"/>
     <dgm:cxn modelId="{51A9A4E0-6AE1-4DB1-9D47-B0144A383F1B}" type="presOf" srcId="{20529B5F-1AFA-4853-AFC2-AA3CC05FC23F}" destId="{ECFCD44B-153F-47BE-AC0B-085156E5B810}" srcOrd="0" destOrd="0" presId="urn:microsoft.com/office/officeart/2005/8/layout/hierarchy6"/>
     <dgm:cxn modelId="{455DC9E1-80F7-474E-A73D-30D20028DE0D}" type="presOf" srcId="{8BD4BDAD-9251-4A3C-A964-FB3942EBF29F}" destId="{DAEBC06F-7250-4148-A5DF-9E74C1131D38}" srcOrd="0" destOrd="0" presId="urn:microsoft.com/office/officeart/2005/8/layout/hierarchy6"/>
     <dgm:cxn modelId="{82F5D592-66F3-49C8-B449-863DCE028881}" type="presParOf" srcId="{E25C3278-2C7F-4DF4-954B-3BDD0C883031}" destId="{7939B062-BDC8-483B-909B-4E2A2E729CFE}" srcOrd="0" destOrd="0" presId="urn:microsoft.com/office/officeart/2005/8/layout/hierarchy6"/>
-    <dgm:cxn modelId="{1E74FA72-9F50-4660-8778-74F9833FCF5B}" type="presParOf" srcId="{7939B062-BDC8-483B-909B-4E2A2E729CFE}" destId="{FD490BC2-F399-4417-AE01-4379DD21EB0B}" srcOrd="0" destOrd="0" presId="urn:microsoft.com/office/officeart/2005/8/layout/hierarchy6"/>
-    <dgm:cxn modelId="{DCA94637-5C4E-47C4-A3C0-AA22CB002FE8}" type="presParOf" srcId="{7939B062-BDC8-483B-909B-4E2A2E729CFE}" destId="{CDCBC623-5754-4B61-B38C-15EDDFA5C265}" srcOrd="1" destOrd="0" presId="urn:microsoft.com/office/officeart/2005/8/layout/hierarchy6"/>
+    <dgm:cxn modelId="{DCA94637-5C4E-47C4-A3C0-AA22CB002FE8}" type="presParOf" srcId="{7939B062-BDC8-483B-909B-4E2A2E729CFE}" destId="{CDCBC623-5754-4B61-B38C-15EDDFA5C265}" srcOrd="0" destOrd="0" presId="urn:microsoft.com/office/officeart/2005/8/layout/hierarchy6"/>
     <dgm:cxn modelId="{43089E3A-E60A-4BF6-8E4C-49E234DCE456}" type="presParOf" srcId="{CDCBC623-5754-4B61-B38C-15EDDFA5C265}" destId="{B4106418-510A-4861-925C-4927D39F0893}" srcOrd="0" destOrd="0" presId="urn:microsoft.com/office/officeart/2005/8/layout/hierarchy6"/>
     <dgm:cxn modelId="{8C89053D-6935-419E-BF34-8C03C79B9B1E}" type="presParOf" srcId="{B4106418-510A-4861-925C-4927D39F0893}" destId="{DAEBC06F-7250-4148-A5DF-9E74C1131D38}" srcOrd="0" destOrd="0" presId="urn:microsoft.com/office/officeart/2005/8/layout/hierarchy6"/>
     <dgm:cxn modelId="{1246D743-D436-4704-A5D4-956DF15E3D1B}" type="presParOf" srcId="{B4106418-510A-4861-925C-4927D39F0893}" destId="{E78A51DE-1261-4AFF-B26A-CF8585F9FD21}" srcOrd="1" destOrd="0" presId="urn:microsoft.com/office/officeart/2005/8/layout/hierarchy6"/>
@@ -3975,19 +3279,6 @@
     <dgm:cxn modelId="{A335EEE0-2A83-4AD0-82E2-2F0A95234343}" type="presParOf" srcId="{766C36B4-47B4-4CBE-91F2-1523D930C047}" destId="{05A807ED-5EF2-45D8-AE5B-1CD7418B6077}" srcOrd="0" destOrd="0" presId="urn:microsoft.com/office/officeart/2005/8/layout/hierarchy6"/>
     <dgm:cxn modelId="{14442DF3-6683-4C80-BF3B-01CC97719813}" type="presParOf" srcId="{766C36B4-47B4-4CBE-91F2-1523D930C047}" destId="{396B722E-DC46-4605-AFBB-953715D77021}" srcOrd="1" destOrd="0" presId="urn:microsoft.com/office/officeart/2005/8/layout/hierarchy6"/>
     <dgm:cxn modelId="{63938257-EE03-4A89-8208-97FA13EFC739}" type="presParOf" srcId="{E25C3278-2C7F-4DF4-954B-3BDD0C883031}" destId="{3EDE3D2C-4134-4B81-980B-39AA11B65F76}" srcOrd="1" destOrd="0" presId="urn:microsoft.com/office/officeart/2005/8/layout/hierarchy6"/>
-    <dgm:cxn modelId="{F75FCC67-0A72-48F8-99C0-9BACF2E82846}" type="presParOf" srcId="{3EDE3D2C-4134-4B81-980B-39AA11B65F76}" destId="{9812C23C-142D-4DA7-8BDB-B80C152169B2}" srcOrd="0" destOrd="0" presId="urn:microsoft.com/office/officeart/2005/8/layout/hierarchy6"/>
-    <dgm:cxn modelId="{BD6567C2-D1C1-45B1-B633-46292BA4E66B}" type="presParOf" srcId="{9812C23C-142D-4DA7-8BDB-B80C152169B2}" destId="{81D8F765-1C2B-47E8-9104-BC25204BF581}" srcOrd="0" destOrd="0" presId="urn:microsoft.com/office/officeart/2005/8/layout/hierarchy6"/>
-    <dgm:cxn modelId="{9BB25932-8E13-4881-B786-B9BD4C9B0A9D}" type="presParOf" srcId="{9812C23C-142D-4DA7-8BDB-B80C152169B2}" destId="{74E3C15C-C478-4A6D-9FF3-524873CAFEDE}" srcOrd="1" destOrd="0" presId="urn:microsoft.com/office/officeart/2005/8/layout/hierarchy6"/>
-    <dgm:cxn modelId="{04D55B79-EE00-4ED1-BE42-9CFE944D81A4}" type="presParOf" srcId="{3EDE3D2C-4134-4B81-980B-39AA11B65F76}" destId="{55BEA8F3-DFE0-4F98-99CE-55A83BCBD8B2}" srcOrd="1" destOrd="0" presId="urn:microsoft.com/office/officeart/2005/8/layout/hierarchy6"/>
-    <dgm:cxn modelId="{EABB68E1-6100-44A7-A750-D33C93A33DD2}" type="presParOf" srcId="{55BEA8F3-DFE0-4F98-99CE-55A83BCBD8B2}" destId="{DF825ED0-0132-4F1F-8071-8195DC9ADB0C}" srcOrd="0" destOrd="0" presId="urn:microsoft.com/office/officeart/2005/8/layout/hierarchy6"/>
-    <dgm:cxn modelId="{3847A056-1DCC-41F7-9363-05E6CEADBF97}" type="presParOf" srcId="{3EDE3D2C-4134-4B81-980B-39AA11B65F76}" destId="{55D03013-9FF8-4249-A6BF-4565A19718FD}" srcOrd="2" destOrd="0" presId="urn:microsoft.com/office/officeart/2005/8/layout/hierarchy6"/>
-    <dgm:cxn modelId="{212AF351-93F9-48F7-A502-92C8B36DA502}" type="presParOf" srcId="{55D03013-9FF8-4249-A6BF-4565A19718FD}" destId="{A05F9B63-8F7E-4D2E-A54D-E75C443C0853}" srcOrd="0" destOrd="0" presId="urn:microsoft.com/office/officeart/2005/8/layout/hierarchy6"/>
-    <dgm:cxn modelId="{3F8A5569-20F4-47C5-9843-BA1F322FBFE2}" type="presParOf" srcId="{55D03013-9FF8-4249-A6BF-4565A19718FD}" destId="{7EBFBBFE-C60D-406E-83E5-B82EB744E92B}" srcOrd="1" destOrd="0" presId="urn:microsoft.com/office/officeart/2005/8/layout/hierarchy6"/>
-    <dgm:cxn modelId="{B5DC3CC0-1099-41BD-8296-C90EB8DA0A88}" type="presParOf" srcId="{3EDE3D2C-4134-4B81-980B-39AA11B65F76}" destId="{A16A3AE9-62B1-4C6E-B033-CAE38713C7B2}" srcOrd="3" destOrd="0" presId="urn:microsoft.com/office/officeart/2005/8/layout/hierarchy6"/>
-    <dgm:cxn modelId="{A85F6DAF-1301-41DF-8637-919F6ECF9BFF}" type="presParOf" srcId="{A16A3AE9-62B1-4C6E-B033-CAE38713C7B2}" destId="{F140890D-D112-4225-98E6-D15629373752}" srcOrd="0" destOrd="0" presId="urn:microsoft.com/office/officeart/2005/8/layout/hierarchy6"/>
-    <dgm:cxn modelId="{3E4844E0-A036-470E-8862-3AB1B295F123}" type="presParOf" srcId="{3EDE3D2C-4134-4B81-980B-39AA11B65F76}" destId="{B2FD22FA-F5A0-41A7-BA44-A42BBA8171B3}" srcOrd="4" destOrd="0" presId="urn:microsoft.com/office/officeart/2005/8/layout/hierarchy6"/>
-    <dgm:cxn modelId="{D626ABD6-54F0-4AF6-B650-71785A3DEF79}" type="presParOf" srcId="{B2FD22FA-F5A0-41A7-BA44-A42BBA8171B3}" destId="{7EB3B241-9331-4643-88DB-BC87C28C8D72}" srcOrd="0" destOrd="0" presId="urn:microsoft.com/office/officeart/2005/8/layout/hierarchy6"/>
-    <dgm:cxn modelId="{8147040A-CEBB-4A33-AF50-604EE2448F33}" type="presParOf" srcId="{B2FD22FA-F5A0-41A7-BA44-A42BBA8171B3}" destId="{A5FC9992-5796-4EB8-B587-70F2EA027AF9}" srcOrd="1" destOrd="0" presId="urn:microsoft.com/office/officeart/2005/8/layout/hierarchy6"/>
   </dgm:cxnLst>
   <dgm:bg/>
   <dgm:whole/>
@@ -4007,341 +3298,6 @@
       <dsp:cNvGrpSpPr/>
     </dsp:nvGrpSpPr>
     <dsp:grpSpPr/>
-    <dsp:sp modelId="{5C0FE9C0-3228-4E31-BF86-3B2D3024054D}">
-      <dsp:nvSpPr>
-        <dsp:cNvPr id="0" name=""/>
-        <dsp:cNvSpPr/>
-      </dsp:nvSpPr>
-      <dsp:spPr>
-        <a:xfrm>
-          <a:off x="0" y="3339504"/>
-          <a:ext cx="6096000" cy="713184"/>
-        </a:xfrm>
-        <a:prstGeom prst="roundRect">
-          <a:avLst>
-            <a:gd name="adj" fmla="val 10000"/>
-          </a:avLst>
-        </a:prstGeom>
-        <a:solidFill>
-          <a:schemeClr val="accent1">
-            <a:tint val="40000"/>
-            <a:hueOff val="0"/>
-            <a:satOff val="0"/>
-            <a:lumOff val="0"/>
-            <a:alphaOff val="0"/>
-          </a:schemeClr>
-        </a:solidFill>
-        <a:ln>
-          <a:noFill/>
-        </a:ln>
-        <a:effectLst/>
-      </dsp:spPr>
-      <dsp:style>
-        <a:lnRef idx="0">
-          <a:scrgbClr r="0" g="0" b="0"/>
-        </a:lnRef>
-        <a:fillRef idx="1">
-          <a:scrgbClr r="0" g="0" b="0"/>
-        </a:fillRef>
-        <a:effectRef idx="0">
-          <a:scrgbClr r="0" g="0" b="0"/>
-        </a:effectRef>
-        <a:fontRef idx="minor"/>
-      </dsp:style>
-      <dsp:txBody>
-        <a:bodyPr spcFirstLastPara="0" vert="horz" wrap="square" lIns="177800" tIns="177800" rIns="177800" bIns="177800" numCol="1" spcCol="1270" anchor="ctr" anchorCtr="0">
-          <a:noAutofit/>
-        </a:bodyPr>
-        <a:lstStyle/>
-        <a:p>
-          <a:pPr marL="0" lvl="0" indent="0" algn="ctr" defTabSz="1111250">
-            <a:lnSpc>
-              <a:spcPct val="90000"/>
-            </a:lnSpc>
-            <a:spcBef>
-              <a:spcPct val="0"/>
-            </a:spcBef>
-            <a:spcAft>
-              <a:spcPct val="35000"/>
-            </a:spcAft>
-            <a:buNone/>
-          </a:pPr>
-          <a:endParaRPr lang="en-US" sz="2500" kern="1200" dirty="0"/>
-        </a:p>
-      </dsp:txBody>
-      <dsp:txXfrm>
-        <a:off x="0" y="3339504"/>
-        <a:ext cx="1828800" cy="713184"/>
-      </dsp:txXfrm>
-    </dsp:sp>
-    <dsp:sp modelId="{0F23B32A-8F9D-4DE7-8AEF-6326095BEE13}">
-      <dsp:nvSpPr>
-        <dsp:cNvPr id="0" name=""/>
-        <dsp:cNvSpPr/>
-      </dsp:nvSpPr>
-      <dsp:spPr>
-        <a:xfrm>
-          <a:off x="0" y="2507456"/>
-          <a:ext cx="6096000" cy="713184"/>
-        </a:xfrm>
-        <a:prstGeom prst="roundRect">
-          <a:avLst>
-            <a:gd name="adj" fmla="val 10000"/>
-          </a:avLst>
-        </a:prstGeom>
-        <a:solidFill>
-          <a:schemeClr val="accent1">
-            <a:tint val="40000"/>
-            <a:hueOff val="0"/>
-            <a:satOff val="0"/>
-            <a:lumOff val="0"/>
-            <a:alphaOff val="0"/>
-          </a:schemeClr>
-        </a:solidFill>
-        <a:ln>
-          <a:noFill/>
-        </a:ln>
-        <a:effectLst/>
-      </dsp:spPr>
-      <dsp:style>
-        <a:lnRef idx="0">
-          <a:scrgbClr r="0" g="0" b="0"/>
-        </a:lnRef>
-        <a:fillRef idx="1">
-          <a:scrgbClr r="0" g="0" b="0"/>
-        </a:fillRef>
-        <a:effectRef idx="0">
-          <a:scrgbClr r="0" g="0" b="0"/>
-        </a:effectRef>
-        <a:fontRef idx="minor"/>
-      </dsp:style>
-      <dsp:txBody>
-        <a:bodyPr spcFirstLastPara="0" vert="horz" wrap="square" lIns="177800" tIns="177800" rIns="177800" bIns="177800" numCol="1" spcCol="1270" anchor="ctr" anchorCtr="0">
-          <a:noAutofit/>
-        </a:bodyPr>
-        <a:lstStyle/>
-        <a:p>
-          <a:pPr marL="0" lvl="0" indent="0" algn="ctr" defTabSz="1111250">
-            <a:lnSpc>
-              <a:spcPct val="90000"/>
-            </a:lnSpc>
-            <a:spcBef>
-              <a:spcPct val="0"/>
-            </a:spcBef>
-            <a:spcAft>
-              <a:spcPct val="35000"/>
-            </a:spcAft>
-            <a:buNone/>
-          </a:pPr>
-          <a:endParaRPr lang="en-US" sz="2500" kern="1200" dirty="0"/>
-        </a:p>
-      </dsp:txBody>
-      <dsp:txXfrm>
-        <a:off x="0" y="2507456"/>
-        <a:ext cx="1828800" cy="713184"/>
-      </dsp:txXfrm>
-    </dsp:sp>
-    <dsp:sp modelId="{7EB3B241-9331-4643-88DB-BC87C28C8D72}">
-      <dsp:nvSpPr>
-        <dsp:cNvPr id="0" name=""/>
-        <dsp:cNvSpPr/>
-      </dsp:nvSpPr>
-      <dsp:spPr>
-        <a:xfrm>
-          <a:off x="0" y="1675407"/>
-          <a:ext cx="6096000" cy="713184"/>
-        </a:xfrm>
-        <a:prstGeom prst="roundRect">
-          <a:avLst>
-            <a:gd name="adj" fmla="val 10000"/>
-          </a:avLst>
-        </a:prstGeom>
-        <a:solidFill>
-          <a:schemeClr val="accent1">
-            <a:tint val="40000"/>
-            <a:hueOff val="0"/>
-            <a:satOff val="0"/>
-            <a:lumOff val="0"/>
-            <a:alphaOff val="0"/>
-          </a:schemeClr>
-        </a:solidFill>
-        <a:ln>
-          <a:noFill/>
-        </a:ln>
-        <a:effectLst/>
-      </dsp:spPr>
-      <dsp:style>
-        <a:lnRef idx="0">
-          <a:scrgbClr r="0" g="0" b="0"/>
-        </a:lnRef>
-        <a:fillRef idx="1">
-          <a:scrgbClr r="0" g="0" b="0"/>
-        </a:fillRef>
-        <a:effectRef idx="0">
-          <a:scrgbClr r="0" g="0" b="0"/>
-        </a:effectRef>
-        <a:fontRef idx="minor"/>
-      </dsp:style>
-      <dsp:txBody>
-        <a:bodyPr spcFirstLastPara="0" vert="horz" wrap="square" lIns="177800" tIns="177800" rIns="177800" bIns="177800" numCol="1" spcCol="1270" anchor="ctr" anchorCtr="0">
-          <a:noAutofit/>
-        </a:bodyPr>
-        <a:lstStyle/>
-        <a:p>
-          <a:pPr marL="0" lvl="0" indent="0" algn="ctr" defTabSz="1111250">
-            <a:lnSpc>
-              <a:spcPct val="90000"/>
-            </a:lnSpc>
-            <a:spcBef>
-              <a:spcPct val="0"/>
-            </a:spcBef>
-            <a:spcAft>
-              <a:spcPct val="35000"/>
-            </a:spcAft>
-            <a:buNone/>
-          </a:pPr>
-          <a:endParaRPr lang="en-US" sz="2500" kern="1200" dirty="0"/>
-        </a:p>
-      </dsp:txBody>
-      <dsp:txXfrm>
-        <a:off x="0" y="1675407"/>
-        <a:ext cx="1828800" cy="713184"/>
-      </dsp:txXfrm>
-    </dsp:sp>
-    <dsp:sp modelId="{A05F9B63-8F7E-4D2E-A54D-E75C443C0853}">
-      <dsp:nvSpPr>
-        <dsp:cNvPr id="0" name=""/>
-        <dsp:cNvSpPr/>
-      </dsp:nvSpPr>
-      <dsp:spPr>
-        <a:xfrm>
-          <a:off x="0" y="843359"/>
-          <a:ext cx="6096000" cy="713184"/>
-        </a:xfrm>
-        <a:prstGeom prst="roundRect">
-          <a:avLst>
-            <a:gd name="adj" fmla="val 10000"/>
-          </a:avLst>
-        </a:prstGeom>
-        <a:solidFill>
-          <a:schemeClr val="accent1">
-            <a:tint val="40000"/>
-            <a:hueOff val="0"/>
-            <a:satOff val="0"/>
-            <a:lumOff val="0"/>
-            <a:alphaOff val="0"/>
-          </a:schemeClr>
-        </a:solidFill>
-        <a:ln>
-          <a:noFill/>
-        </a:ln>
-        <a:effectLst/>
-      </dsp:spPr>
-      <dsp:style>
-        <a:lnRef idx="0">
-          <a:scrgbClr r="0" g="0" b="0"/>
-        </a:lnRef>
-        <a:fillRef idx="1">
-          <a:scrgbClr r="0" g="0" b="0"/>
-        </a:fillRef>
-        <a:effectRef idx="0">
-          <a:scrgbClr r="0" g="0" b="0"/>
-        </a:effectRef>
-        <a:fontRef idx="minor"/>
-      </dsp:style>
-      <dsp:txBody>
-        <a:bodyPr spcFirstLastPara="0" vert="horz" wrap="square" lIns="177800" tIns="177800" rIns="177800" bIns="177800" numCol="1" spcCol="1270" anchor="ctr" anchorCtr="0">
-          <a:noAutofit/>
-        </a:bodyPr>
-        <a:lstStyle/>
-        <a:p>
-          <a:pPr marL="0" lvl="0" indent="0" algn="ctr" defTabSz="1111250">
-            <a:lnSpc>
-              <a:spcPct val="90000"/>
-            </a:lnSpc>
-            <a:spcBef>
-              <a:spcPct val="0"/>
-            </a:spcBef>
-            <a:spcAft>
-              <a:spcPct val="35000"/>
-            </a:spcAft>
-            <a:buNone/>
-          </a:pPr>
-          <a:endParaRPr lang="en-US" sz="2500" kern="1200" dirty="0"/>
-        </a:p>
-      </dsp:txBody>
-      <dsp:txXfrm>
-        <a:off x="0" y="843359"/>
-        <a:ext cx="1828800" cy="713184"/>
-      </dsp:txXfrm>
-    </dsp:sp>
-    <dsp:sp modelId="{81D8F765-1C2B-47E8-9104-BC25204BF581}">
-      <dsp:nvSpPr>
-        <dsp:cNvPr id="0" name=""/>
-        <dsp:cNvSpPr/>
-      </dsp:nvSpPr>
-      <dsp:spPr>
-        <a:xfrm>
-          <a:off x="0" y="0"/>
-          <a:ext cx="6096000" cy="713184"/>
-        </a:xfrm>
-        <a:prstGeom prst="roundRect">
-          <a:avLst>
-            <a:gd name="adj" fmla="val 10000"/>
-          </a:avLst>
-        </a:prstGeom>
-        <a:solidFill>
-          <a:schemeClr val="accent1">
-            <a:tint val="40000"/>
-            <a:hueOff val="0"/>
-            <a:satOff val="0"/>
-            <a:lumOff val="0"/>
-            <a:alphaOff val="0"/>
-          </a:schemeClr>
-        </a:solidFill>
-        <a:ln>
-          <a:noFill/>
-        </a:ln>
-        <a:effectLst/>
-      </dsp:spPr>
-      <dsp:style>
-        <a:lnRef idx="0">
-          <a:scrgbClr r="0" g="0" b="0"/>
-        </a:lnRef>
-        <a:fillRef idx="1">
-          <a:scrgbClr r="0" g="0" b="0"/>
-        </a:fillRef>
-        <a:effectRef idx="0">
-          <a:scrgbClr r="0" g="0" b="0"/>
-        </a:effectRef>
-        <a:fontRef idx="minor"/>
-      </dsp:style>
-      <dsp:txBody>
-        <a:bodyPr spcFirstLastPara="0" vert="horz" wrap="square" lIns="177800" tIns="177800" rIns="177800" bIns="177800" numCol="1" spcCol="1270" anchor="ctr" anchorCtr="0">
-          <a:noAutofit/>
-        </a:bodyPr>
-        <a:lstStyle/>
-        <a:p>
-          <a:pPr marL="0" lvl="0" indent="0" algn="ctr" defTabSz="1111250">
-            <a:lnSpc>
-              <a:spcPct val="90000"/>
-            </a:lnSpc>
-            <a:spcBef>
-              <a:spcPct val="0"/>
-            </a:spcBef>
-            <a:spcAft>
-              <a:spcPct val="35000"/>
-            </a:spcAft>
-            <a:buNone/>
-          </a:pPr>
-          <a:endParaRPr lang="en-US" sz="2500" kern="1200" dirty="0"/>
-        </a:p>
-      </dsp:txBody>
-      <dsp:txXfrm>
-        <a:off x="0" y="0"/>
-        <a:ext cx="1828800" cy="713184"/>
-      </dsp:txXfrm>
-    </dsp:sp>
     <dsp:sp modelId="{DAEBC06F-7250-4148-A5DF-9E74C1131D38}">
       <dsp:nvSpPr>
         <dsp:cNvPr id="0" name=""/>
@@ -4349,8 +3305,8 @@
       </dsp:nvSpPr>
       <dsp:spPr>
         <a:xfrm>
-          <a:off x="3455699" y="70742"/>
-          <a:ext cx="891480" cy="594320"/>
+          <a:off x="3105787" y="2361"/>
+          <a:ext cx="1165233" cy="776822"/>
         </a:xfrm>
         <a:prstGeom prst="roundRect">
           <a:avLst>
@@ -4394,12 +3350,12 @@
         </a:fontRef>
       </dsp:style>
       <dsp:txBody>
-        <a:bodyPr spcFirstLastPara="0" vert="horz" wrap="square" lIns="41910" tIns="41910" rIns="41910" bIns="41910" numCol="1" spcCol="1270" anchor="ctr" anchorCtr="0">
+        <a:bodyPr spcFirstLastPara="0" vert="horz" wrap="square" lIns="53340" tIns="53340" rIns="53340" bIns="53340" numCol="1" spcCol="1270" anchor="ctr" anchorCtr="0">
           <a:noAutofit/>
         </a:bodyPr>
         <a:lstStyle/>
         <a:p>
-          <a:pPr marL="0" lvl="0" indent="0" algn="ctr" defTabSz="488950">
+          <a:pPr marL="0" lvl="0" indent="0" algn="ctr" defTabSz="622300">
             <a:lnSpc>
               <a:spcPct val="90000"/>
             </a:lnSpc>
@@ -4412,18 +3368,18 @@
             <a:buNone/>
           </a:pPr>
           <a:r>
-            <a:rPr lang="en-US" sz="1100" kern="1200" dirty="0" err="1"/>
+            <a:rPr lang="en-US" sz="1400" kern="1200" dirty="0" err="1"/>
             <a:t>Fasta</a:t>
           </a:r>
           <a:r>
-            <a:rPr lang="en-US" sz="1100" kern="1200" dirty="0"/>
+            <a:rPr lang="en-US" sz="1400" kern="1200" dirty="0"/>
             <a:t> file</a:t>
           </a:r>
         </a:p>
       </dsp:txBody>
       <dsp:txXfrm>
-        <a:off x="3473106" y="88149"/>
-        <a:ext cx="856666" cy="559506"/>
+        <a:off x="3128539" y="25113"/>
+        <a:ext cx="1119729" cy="731318"/>
       </dsp:txXfrm>
     </dsp:sp>
     <dsp:sp modelId="{96C48980-A0CD-4E4A-BC68-F2194729EB0A}">
@@ -4433,8 +3389,8 @@
       </dsp:nvSpPr>
       <dsp:spPr>
         <a:xfrm>
-          <a:off x="3855720" y="665063"/>
-          <a:ext cx="91440" cy="237728"/>
+          <a:off x="3642684" y="779183"/>
+          <a:ext cx="91440" cy="310728"/>
         </a:xfrm>
         <a:custGeom>
           <a:avLst/>
@@ -4448,7 +3404,7 @@
                 <a:pt x="45720" y="0"/>
               </a:moveTo>
               <a:lnTo>
-                <a:pt x="45720" y="237728"/>
+                <a:pt x="45720" y="310728"/>
               </a:lnTo>
             </a:path>
           </a:pathLst>
@@ -4489,8 +3445,8 @@
       </dsp:nvSpPr>
       <dsp:spPr>
         <a:xfrm>
-          <a:off x="3455699" y="902791"/>
-          <a:ext cx="891480" cy="594320"/>
+          <a:off x="3105787" y="1089912"/>
+          <a:ext cx="1165233" cy="776822"/>
         </a:xfrm>
         <a:prstGeom prst="roundRect">
           <a:avLst>
@@ -4534,12 +3490,12 @@
         </a:fontRef>
       </dsp:style>
       <dsp:txBody>
-        <a:bodyPr spcFirstLastPara="0" vert="horz" wrap="square" lIns="41910" tIns="41910" rIns="41910" bIns="41910" numCol="1" spcCol="1270" anchor="ctr" anchorCtr="0">
+        <a:bodyPr spcFirstLastPara="0" vert="horz" wrap="square" lIns="53340" tIns="53340" rIns="53340" bIns="53340" numCol="1" spcCol="1270" anchor="ctr" anchorCtr="0">
           <a:noAutofit/>
         </a:bodyPr>
         <a:lstStyle/>
         <a:p>
-          <a:pPr marL="0" lvl="0" indent="0" algn="ctr" defTabSz="488950">
+          <a:pPr marL="0" lvl="0" indent="0" algn="ctr" defTabSz="622300">
             <a:lnSpc>
               <a:spcPct val="90000"/>
             </a:lnSpc>
@@ -4552,19 +3508,19 @@
             <a:buNone/>
           </a:pPr>
           <a:r>
-            <a:rPr lang="en-US" sz="1100" kern="1200" dirty="0"/>
+            <a:rPr lang="en-US" sz="1400" kern="1200" dirty="0"/>
             <a:t>Aligned using </a:t>
           </a:r>
           <a:r>
-            <a:rPr lang="en-US" sz="1100" kern="1200" dirty="0" err="1"/>
+            <a:rPr lang="en-US" sz="1400" kern="1200" dirty="0" err="1"/>
             <a:t>Clustal</a:t>
           </a:r>
-          <a:endParaRPr lang="en-US" sz="1100" kern="1200" dirty="0"/>
+          <a:endParaRPr lang="en-US" sz="1400" kern="1200" dirty="0"/>
         </a:p>
       </dsp:txBody>
       <dsp:txXfrm>
-        <a:off x="3473106" y="920198"/>
-        <a:ext cx="856666" cy="559506"/>
+        <a:off x="3128539" y="1112664"/>
+        <a:ext cx="1119729" cy="731318"/>
       </dsp:txXfrm>
     </dsp:sp>
     <dsp:sp modelId="{7B6EC39C-6336-4C4E-A454-54B9AA3030FF}">
@@ -4574,8 +3530,8 @@
       </dsp:nvSpPr>
       <dsp:spPr>
         <a:xfrm>
-          <a:off x="3855720" y="1497111"/>
-          <a:ext cx="91440" cy="237728"/>
+          <a:off x="3642684" y="1866734"/>
+          <a:ext cx="91440" cy="310728"/>
         </a:xfrm>
         <a:custGeom>
           <a:avLst/>
@@ -4589,7 +3545,7 @@
                 <a:pt x="45720" y="0"/>
               </a:moveTo>
               <a:lnTo>
-                <a:pt x="45720" y="237728"/>
+                <a:pt x="45720" y="310728"/>
               </a:lnTo>
             </a:path>
           </a:pathLst>
@@ -4630,8 +3586,8 @@
       </dsp:nvSpPr>
       <dsp:spPr>
         <a:xfrm>
-          <a:off x="3455699" y="1734839"/>
-          <a:ext cx="891480" cy="594320"/>
+          <a:off x="3105787" y="2177462"/>
+          <a:ext cx="1165233" cy="776822"/>
         </a:xfrm>
         <a:prstGeom prst="roundRect">
           <a:avLst>
@@ -4675,12 +3631,12 @@
         </a:fontRef>
       </dsp:style>
       <dsp:txBody>
-        <a:bodyPr spcFirstLastPara="0" vert="horz" wrap="square" lIns="41910" tIns="41910" rIns="41910" bIns="41910" numCol="1" spcCol="1270" anchor="ctr" anchorCtr="0">
+        <a:bodyPr spcFirstLastPara="0" vert="horz" wrap="square" lIns="53340" tIns="53340" rIns="53340" bIns="53340" numCol="1" spcCol="1270" anchor="ctr" anchorCtr="0">
           <a:noAutofit/>
         </a:bodyPr>
         <a:lstStyle/>
         <a:p>
-          <a:pPr marL="0" lvl="0" indent="0" algn="ctr" defTabSz="488950">
+          <a:pPr marL="0" lvl="0" indent="0" algn="ctr" defTabSz="622300">
             <a:lnSpc>
               <a:spcPct val="90000"/>
             </a:lnSpc>
@@ -4693,14 +3649,14 @@
             <a:buNone/>
           </a:pPr>
           <a:r>
-            <a:rPr lang="en-US" sz="1100" kern="1200" dirty="0"/>
+            <a:rPr lang="en-US" sz="1400" kern="1200" dirty="0"/>
             <a:t>Converted to Nexus format</a:t>
           </a:r>
         </a:p>
       </dsp:txBody>
       <dsp:txXfrm>
-        <a:off x="3473106" y="1752246"/>
-        <a:ext cx="856666" cy="559506"/>
+        <a:off x="3128539" y="2200214"/>
+        <a:ext cx="1119729" cy="731318"/>
       </dsp:txXfrm>
     </dsp:sp>
     <dsp:sp modelId="{5C9946F2-E2BB-4B54-B854-74F49C310EB2}">
@@ -4710,8 +3666,8 @@
       </dsp:nvSpPr>
       <dsp:spPr>
         <a:xfrm>
-          <a:off x="3855720" y="2329160"/>
-          <a:ext cx="91440" cy="237728"/>
+          <a:off x="3642684" y="2954285"/>
+          <a:ext cx="91440" cy="310728"/>
         </a:xfrm>
         <a:custGeom>
           <a:avLst/>
@@ -4725,7 +3681,7 @@
                 <a:pt x="45720" y="0"/>
               </a:moveTo>
               <a:lnTo>
-                <a:pt x="45720" y="237728"/>
+                <a:pt x="45720" y="310728"/>
               </a:lnTo>
             </a:path>
           </a:pathLst>
@@ -4766,8 +3722,8 @@
       </dsp:nvSpPr>
       <dsp:spPr>
         <a:xfrm>
-          <a:off x="3455699" y="2566888"/>
-          <a:ext cx="891480" cy="594320"/>
+          <a:off x="3105787" y="3265013"/>
+          <a:ext cx="1165233" cy="776822"/>
         </a:xfrm>
         <a:prstGeom prst="roundRect">
           <a:avLst>
@@ -4811,12 +3767,12 @@
         </a:fontRef>
       </dsp:style>
       <dsp:txBody>
-        <a:bodyPr spcFirstLastPara="0" vert="horz" wrap="square" lIns="41910" tIns="41910" rIns="41910" bIns="41910" numCol="1" spcCol="1270" anchor="ctr" anchorCtr="0">
+        <a:bodyPr spcFirstLastPara="0" vert="horz" wrap="square" lIns="53340" tIns="53340" rIns="53340" bIns="53340" numCol="1" spcCol="1270" anchor="ctr" anchorCtr="0">
           <a:noAutofit/>
         </a:bodyPr>
         <a:lstStyle/>
         <a:p>
-          <a:pPr marL="0" lvl="0" indent="0" algn="ctr" defTabSz="488950">
+          <a:pPr marL="0" lvl="0" indent="0" algn="ctr" defTabSz="622300">
             <a:lnSpc>
               <a:spcPct val="90000"/>
             </a:lnSpc>
@@ -4829,19 +3785,19 @@
             <a:buNone/>
           </a:pPr>
           <a:r>
-            <a:rPr lang="en-US" sz="1100" kern="1200" dirty="0"/>
+            <a:rPr lang="en-US" sz="1400" kern="1200" dirty="0"/>
             <a:t>Run </a:t>
           </a:r>
           <a:r>
-            <a:rPr lang="en-US" sz="1100" kern="1200" dirty="0" err="1"/>
+            <a:rPr lang="en-US" sz="1400" kern="1200" dirty="0" err="1"/>
             <a:t>MrBayes</a:t>
           </a:r>
-          <a:endParaRPr lang="en-US" sz="1100" kern="1200" dirty="0"/>
+          <a:endParaRPr lang="en-US" sz="1400" kern="1200" dirty="0"/>
         </a:p>
       </dsp:txBody>
       <dsp:txXfrm>
-        <a:off x="3473106" y="2584295"/>
-        <a:ext cx="856666" cy="559506"/>
+        <a:off x="3128539" y="3287765"/>
+        <a:ext cx="1119729" cy="731318"/>
       </dsp:txXfrm>
     </dsp:sp>
     <dsp:sp modelId="{ECFCD44B-153F-47BE-AC0B-085156E5B810}">
@@ -4851,8 +3807,8 @@
       </dsp:nvSpPr>
       <dsp:spPr>
         <a:xfrm>
-          <a:off x="3855720" y="3161208"/>
-          <a:ext cx="91440" cy="237728"/>
+          <a:off x="3642684" y="4041835"/>
+          <a:ext cx="91440" cy="310728"/>
         </a:xfrm>
         <a:custGeom>
           <a:avLst/>
@@ -4866,7 +3822,7 @@
                 <a:pt x="45720" y="0"/>
               </a:moveTo>
               <a:lnTo>
-                <a:pt x="45720" y="237728"/>
+                <a:pt x="45720" y="310728"/>
               </a:lnTo>
             </a:path>
           </a:pathLst>
@@ -4907,8 +3863,8 @@
       </dsp:nvSpPr>
       <dsp:spPr>
         <a:xfrm>
-          <a:off x="3455699" y="3398936"/>
-          <a:ext cx="891480" cy="594320"/>
+          <a:off x="3105787" y="4352564"/>
+          <a:ext cx="1165233" cy="776822"/>
         </a:xfrm>
         <a:prstGeom prst="roundRect">
           <a:avLst>
@@ -4952,12 +3908,12 @@
         </a:fontRef>
       </dsp:style>
       <dsp:txBody>
-        <a:bodyPr spcFirstLastPara="0" vert="horz" wrap="square" lIns="41910" tIns="41910" rIns="41910" bIns="41910" numCol="1" spcCol="1270" anchor="ctr" anchorCtr="0">
+        <a:bodyPr spcFirstLastPara="0" vert="horz" wrap="square" lIns="53340" tIns="53340" rIns="53340" bIns="53340" numCol="1" spcCol="1270" anchor="ctr" anchorCtr="0">
           <a:noAutofit/>
         </a:bodyPr>
         <a:lstStyle/>
         <a:p>
-          <a:pPr marL="0" lvl="0" indent="0" algn="ctr" defTabSz="488950">
+          <a:pPr marL="0" lvl="0" indent="0" algn="ctr" defTabSz="622300">
             <a:lnSpc>
               <a:spcPct val="90000"/>
             </a:lnSpc>
@@ -4970,14 +3926,14 @@
             <a:buNone/>
           </a:pPr>
           <a:r>
-            <a:rPr lang="en-US" sz="1100" kern="1200" dirty="0"/>
+            <a:rPr lang="en-US" sz="1400" kern="1200" dirty="0"/>
             <a:t>Visualization</a:t>
           </a:r>
         </a:p>
       </dsp:txBody>
       <dsp:txXfrm>
-        <a:off x="3473106" y="3416343"/>
-        <a:ext cx="856666" cy="559506"/>
+        <a:off x="3128539" y="4375316"/>
+        <a:ext cx="1119729" cy="731318"/>
       </dsp:txXfrm>
     </dsp:sp>
   </dsp:spTree>
@@ -4992,216 +3948,6 @@
       <dsp:cNvGrpSpPr/>
     </dsp:nvGrpSpPr>
     <dsp:grpSpPr/>
-    <dsp:sp modelId="{7EB3B241-9331-4643-88DB-BC87C28C8D72}">
-      <dsp:nvSpPr>
-        <dsp:cNvPr id="0" name=""/>
-        <dsp:cNvSpPr/>
-      </dsp:nvSpPr>
-      <dsp:spPr>
-        <a:xfrm>
-          <a:off x="0" y="2846009"/>
-          <a:ext cx="6096000" cy="1217990"/>
-        </a:xfrm>
-        <a:prstGeom prst="roundRect">
-          <a:avLst>
-            <a:gd name="adj" fmla="val 10000"/>
-          </a:avLst>
-        </a:prstGeom>
-        <a:solidFill>
-          <a:schemeClr val="accent1">
-            <a:tint val="40000"/>
-            <a:hueOff val="0"/>
-            <a:satOff val="0"/>
-            <a:lumOff val="0"/>
-            <a:alphaOff val="0"/>
-          </a:schemeClr>
-        </a:solidFill>
-        <a:ln>
-          <a:noFill/>
-        </a:ln>
-        <a:effectLst/>
-      </dsp:spPr>
-      <dsp:style>
-        <a:lnRef idx="0">
-          <a:scrgbClr r="0" g="0" b="0"/>
-        </a:lnRef>
-        <a:fillRef idx="1">
-          <a:scrgbClr r="0" g="0" b="0"/>
-        </a:fillRef>
-        <a:effectRef idx="0">
-          <a:scrgbClr r="0" g="0" b="0"/>
-        </a:effectRef>
-        <a:fontRef idx="minor"/>
-      </dsp:style>
-      <dsp:txBody>
-        <a:bodyPr spcFirstLastPara="0" vert="horz" wrap="square" lIns="305816" tIns="305816" rIns="305816" bIns="305816" numCol="1" spcCol="1270" anchor="ctr" anchorCtr="0">
-          <a:noAutofit/>
-        </a:bodyPr>
-        <a:lstStyle/>
-        <a:p>
-          <a:pPr marL="0" lvl="0" indent="0" algn="ctr" defTabSz="1911350">
-            <a:lnSpc>
-              <a:spcPct val="90000"/>
-            </a:lnSpc>
-            <a:spcBef>
-              <a:spcPct val="0"/>
-            </a:spcBef>
-            <a:spcAft>
-              <a:spcPct val="35000"/>
-            </a:spcAft>
-            <a:buNone/>
-          </a:pPr>
-          <a:r>
-            <a:rPr lang="en-US" sz="4300" kern="1200" dirty="0"/>
-            <a:t> </a:t>
-          </a:r>
-        </a:p>
-      </dsp:txBody>
-      <dsp:txXfrm>
-        <a:off x="0" y="2846009"/>
-        <a:ext cx="1828800" cy="1217990"/>
-      </dsp:txXfrm>
-    </dsp:sp>
-    <dsp:sp modelId="{A05F9B63-8F7E-4D2E-A54D-E75C443C0853}">
-      <dsp:nvSpPr>
-        <dsp:cNvPr id="0" name=""/>
-        <dsp:cNvSpPr/>
-      </dsp:nvSpPr>
-      <dsp:spPr>
-        <a:xfrm>
-          <a:off x="0" y="1423004"/>
-          <a:ext cx="6096000" cy="1217990"/>
-        </a:xfrm>
-        <a:prstGeom prst="roundRect">
-          <a:avLst>
-            <a:gd name="adj" fmla="val 10000"/>
-          </a:avLst>
-        </a:prstGeom>
-        <a:solidFill>
-          <a:schemeClr val="accent1">
-            <a:tint val="40000"/>
-            <a:hueOff val="0"/>
-            <a:satOff val="0"/>
-            <a:lumOff val="0"/>
-            <a:alphaOff val="0"/>
-          </a:schemeClr>
-        </a:solidFill>
-        <a:ln>
-          <a:noFill/>
-        </a:ln>
-        <a:effectLst/>
-      </dsp:spPr>
-      <dsp:style>
-        <a:lnRef idx="0">
-          <a:scrgbClr r="0" g="0" b="0"/>
-        </a:lnRef>
-        <a:fillRef idx="1">
-          <a:scrgbClr r="0" g="0" b="0"/>
-        </a:fillRef>
-        <a:effectRef idx="0">
-          <a:scrgbClr r="0" g="0" b="0"/>
-        </a:effectRef>
-        <a:fontRef idx="minor"/>
-      </dsp:style>
-      <dsp:txBody>
-        <a:bodyPr spcFirstLastPara="0" vert="horz" wrap="square" lIns="305816" tIns="305816" rIns="305816" bIns="305816" numCol="1" spcCol="1270" anchor="ctr" anchorCtr="0">
-          <a:noAutofit/>
-        </a:bodyPr>
-        <a:lstStyle/>
-        <a:p>
-          <a:pPr marL="0" lvl="0" indent="0" algn="ctr" defTabSz="1911350">
-            <a:lnSpc>
-              <a:spcPct val="90000"/>
-            </a:lnSpc>
-            <a:spcBef>
-              <a:spcPct val="0"/>
-            </a:spcBef>
-            <a:spcAft>
-              <a:spcPct val="35000"/>
-            </a:spcAft>
-            <a:buNone/>
-          </a:pPr>
-          <a:r>
-            <a:rPr lang="en-US" sz="4300" kern="1200" dirty="0"/>
-            <a:t> </a:t>
-          </a:r>
-        </a:p>
-      </dsp:txBody>
-      <dsp:txXfrm>
-        <a:off x="0" y="1423004"/>
-        <a:ext cx="1828800" cy="1217990"/>
-      </dsp:txXfrm>
-    </dsp:sp>
-    <dsp:sp modelId="{81D8F765-1C2B-47E8-9104-BC25204BF581}">
-      <dsp:nvSpPr>
-        <dsp:cNvPr id="0" name=""/>
-        <dsp:cNvSpPr/>
-      </dsp:nvSpPr>
-      <dsp:spPr>
-        <a:xfrm>
-          <a:off x="0" y="1020"/>
-          <a:ext cx="6096000" cy="1217990"/>
-        </a:xfrm>
-        <a:prstGeom prst="roundRect">
-          <a:avLst>
-            <a:gd name="adj" fmla="val 10000"/>
-          </a:avLst>
-        </a:prstGeom>
-        <a:solidFill>
-          <a:schemeClr val="accent1">
-            <a:tint val="40000"/>
-            <a:hueOff val="0"/>
-            <a:satOff val="0"/>
-            <a:lumOff val="0"/>
-            <a:alphaOff val="0"/>
-          </a:schemeClr>
-        </a:solidFill>
-        <a:ln>
-          <a:noFill/>
-        </a:ln>
-        <a:effectLst/>
-      </dsp:spPr>
-      <dsp:style>
-        <a:lnRef idx="0">
-          <a:scrgbClr r="0" g="0" b="0"/>
-        </a:lnRef>
-        <a:fillRef idx="1">
-          <a:scrgbClr r="0" g="0" b="0"/>
-        </a:fillRef>
-        <a:effectRef idx="0">
-          <a:scrgbClr r="0" g="0" b="0"/>
-        </a:effectRef>
-        <a:fontRef idx="minor"/>
-      </dsp:style>
-      <dsp:txBody>
-        <a:bodyPr spcFirstLastPara="0" vert="horz" wrap="square" lIns="305816" tIns="305816" rIns="305816" bIns="305816" numCol="1" spcCol="1270" anchor="ctr" anchorCtr="0">
-          <a:noAutofit/>
-        </a:bodyPr>
-        <a:lstStyle/>
-        <a:p>
-          <a:pPr marL="0" lvl="0" indent="0" algn="ctr" defTabSz="1911350">
-            <a:lnSpc>
-              <a:spcPct val="90000"/>
-            </a:lnSpc>
-            <a:spcBef>
-              <a:spcPct val="0"/>
-            </a:spcBef>
-            <a:spcAft>
-              <a:spcPct val="35000"/>
-            </a:spcAft>
-            <a:buNone/>
-          </a:pPr>
-          <a:r>
-            <a:rPr lang="en-US" sz="4300" kern="1200" dirty="0"/>
-            <a:t> </a:t>
-          </a:r>
-        </a:p>
-      </dsp:txBody>
-      <dsp:txXfrm>
-        <a:off x="0" y="1020"/>
-        <a:ext cx="1828800" cy="1217990"/>
-      </dsp:txXfrm>
-    </dsp:sp>
     <dsp:sp modelId="{DAEBC06F-7250-4148-A5DF-9E74C1131D38}">
       <dsp:nvSpPr>
         <dsp:cNvPr id="0" name=""/>
@@ -5209,8 +3955,8 @@
       </dsp:nvSpPr>
       <dsp:spPr>
         <a:xfrm>
-          <a:off x="3136463" y="103016"/>
-          <a:ext cx="1529953" cy="1019968"/>
+          <a:off x="3117764" y="445"/>
+          <a:ext cx="1603858" cy="1069239"/>
         </a:xfrm>
         <a:prstGeom prst="roundRect">
           <a:avLst>
@@ -5254,12 +4000,12 @@
         </a:fontRef>
       </dsp:style>
       <dsp:txBody>
-        <a:bodyPr spcFirstLastPara="0" vert="horz" wrap="square" lIns="83820" tIns="83820" rIns="83820" bIns="83820" numCol="1" spcCol="1270" anchor="ctr" anchorCtr="0">
+        <a:bodyPr spcFirstLastPara="0" vert="horz" wrap="square" lIns="87630" tIns="87630" rIns="87630" bIns="87630" numCol="1" spcCol="1270" anchor="ctr" anchorCtr="0">
           <a:noAutofit/>
         </a:bodyPr>
         <a:lstStyle/>
         <a:p>
-          <a:pPr marL="0" lvl="0" indent="0" algn="ctr" defTabSz="977900">
+          <a:pPr marL="0" lvl="0" indent="0" algn="ctr" defTabSz="1022350">
             <a:lnSpc>
               <a:spcPct val="90000"/>
             </a:lnSpc>
@@ -5272,14 +4018,14 @@
             <a:buNone/>
           </a:pPr>
           <a:r>
-            <a:rPr lang="en-US" sz="2200" kern="1200" dirty="0"/>
+            <a:rPr lang="en-US" sz="2300" kern="1200" dirty="0"/>
             <a:t>Sequence alignment</a:t>
           </a:r>
         </a:p>
       </dsp:txBody>
       <dsp:txXfrm>
-        <a:off x="3166337" y="132890"/>
-        <a:ext cx="1470205" cy="960220"/>
+        <a:off x="3149081" y="31762"/>
+        <a:ext cx="1541224" cy="1006605"/>
       </dsp:txXfrm>
     </dsp:sp>
     <dsp:sp modelId="{96C48980-A0CD-4E4A-BC68-F2194729EB0A}">
@@ -5289,8 +4035,8 @@
       </dsp:nvSpPr>
       <dsp:spPr>
         <a:xfrm>
-          <a:off x="2906970" y="1122985"/>
-          <a:ext cx="994469" cy="407987"/>
+          <a:off x="2877185" y="1069684"/>
+          <a:ext cx="1042508" cy="427695"/>
         </a:xfrm>
         <a:custGeom>
           <a:avLst/>
@@ -5301,16 +4047,16 @@
           <a:pathLst>
             <a:path>
               <a:moveTo>
-                <a:pt x="994469" y="0"/>
+                <a:pt x="1042508" y="0"/>
               </a:moveTo>
               <a:lnTo>
-                <a:pt x="994469" y="203993"/>
+                <a:pt x="1042508" y="213847"/>
               </a:lnTo>
               <a:lnTo>
-                <a:pt x="0" y="203993"/>
+                <a:pt x="0" y="213847"/>
               </a:lnTo>
               <a:lnTo>
-                <a:pt x="0" y="407987"/>
+                <a:pt x="0" y="427695"/>
               </a:lnTo>
             </a:path>
           </a:pathLst>
@@ -5351,8 +4097,8 @@
       </dsp:nvSpPr>
       <dsp:spPr>
         <a:xfrm>
-          <a:off x="2141993" y="1530973"/>
-          <a:ext cx="1529953" cy="1019968"/>
+          <a:off x="2075255" y="1497380"/>
+          <a:ext cx="1603858" cy="1069239"/>
         </a:xfrm>
         <a:prstGeom prst="roundRect">
           <a:avLst>
@@ -5396,12 +4142,12 @@
         </a:fontRef>
       </dsp:style>
       <dsp:txBody>
-        <a:bodyPr spcFirstLastPara="0" vert="horz" wrap="square" lIns="83820" tIns="83820" rIns="83820" bIns="83820" numCol="1" spcCol="1270" anchor="ctr" anchorCtr="0">
+        <a:bodyPr spcFirstLastPara="0" vert="horz" wrap="square" lIns="87630" tIns="87630" rIns="87630" bIns="87630" numCol="1" spcCol="1270" anchor="ctr" anchorCtr="0">
           <a:noAutofit/>
         </a:bodyPr>
         <a:lstStyle/>
         <a:p>
-          <a:pPr marL="0" lvl="0" indent="0" algn="ctr" defTabSz="977900">
+          <a:pPr marL="0" lvl="0" indent="0" algn="ctr" defTabSz="1022350">
             <a:lnSpc>
               <a:spcPct val="90000"/>
             </a:lnSpc>
@@ -5414,14 +4160,14 @@
             <a:buNone/>
           </a:pPr>
           <a:r>
-            <a:rPr lang="en-US" sz="2200" kern="1200" dirty="0"/>
+            <a:rPr lang="en-US" sz="2300" kern="1200" dirty="0"/>
             <a:t>RSEM</a:t>
           </a:r>
         </a:p>
       </dsp:txBody>
       <dsp:txXfrm>
-        <a:off x="2171867" y="1560847"/>
-        <a:ext cx="1470205" cy="960220"/>
+        <a:off x="2106572" y="1528697"/>
+        <a:ext cx="1541224" cy="1006605"/>
       </dsp:txXfrm>
     </dsp:sp>
     <dsp:sp modelId="{667A4CE5-1C37-4F92-B905-3AD81A3D9953}">
@@ -5431,8 +4177,8 @@
       </dsp:nvSpPr>
       <dsp:spPr>
         <a:xfrm>
-          <a:off x="3901440" y="1122985"/>
-          <a:ext cx="994469" cy="407987"/>
+          <a:off x="3919693" y="1069684"/>
+          <a:ext cx="1042508" cy="427695"/>
         </a:xfrm>
         <a:custGeom>
           <a:avLst/>
@@ -5446,13 +4192,13 @@
                 <a:pt x="0" y="0"/>
               </a:moveTo>
               <a:lnTo>
-                <a:pt x="0" y="203993"/>
+                <a:pt x="0" y="213847"/>
               </a:lnTo>
               <a:lnTo>
-                <a:pt x="994469" y="203993"/>
+                <a:pt x="1042508" y="213847"/>
               </a:lnTo>
               <a:lnTo>
-                <a:pt x="994469" y="407987"/>
+                <a:pt x="1042508" y="427695"/>
               </a:lnTo>
             </a:path>
           </a:pathLst>
@@ -5493,8 +4239,8 @@
       </dsp:nvSpPr>
       <dsp:spPr>
         <a:xfrm>
-          <a:off x="4130932" y="1530973"/>
-          <a:ext cx="1529953" cy="1019968"/>
+          <a:off x="4160272" y="1497380"/>
+          <a:ext cx="1603858" cy="1069239"/>
         </a:xfrm>
         <a:prstGeom prst="roundRect">
           <a:avLst>
@@ -5538,12 +4284,12 @@
         </a:fontRef>
       </dsp:style>
       <dsp:txBody>
-        <a:bodyPr spcFirstLastPara="0" vert="horz" wrap="square" lIns="83820" tIns="83820" rIns="83820" bIns="83820" numCol="1" spcCol="1270" anchor="ctr" anchorCtr="0">
+        <a:bodyPr spcFirstLastPara="0" vert="horz" wrap="square" lIns="87630" tIns="87630" rIns="87630" bIns="87630" numCol="1" spcCol="1270" anchor="ctr" anchorCtr="0">
           <a:noAutofit/>
         </a:bodyPr>
         <a:lstStyle/>
         <a:p>
-          <a:pPr marL="0" lvl="0" indent="0" algn="ctr" defTabSz="977900">
+          <a:pPr marL="0" lvl="0" indent="0" algn="ctr" defTabSz="1022350">
             <a:lnSpc>
               <a:spcPct val="90000"/>
             </a:lnSpc>
@@ -5556,14 +4302,14 @@
             <a:buNone/>
           </a:pPr>
           <a:r>
-            <a:rPr lang="en-US" sz="2200" kern="1200" dirty="0"/>
+            <a:rPr lang="en-US" sz="2300" kern="1200" dirty="0"/>
             <a:t>Bowtie2</a:t>
           </a:r>
         </a:p>
       </dsp:txBody>
       <dsp:txXfrm>
-        <a:off x="4160806" y="1560847"/>
-        <a:ext cx="1470205" cy="960220"/>
+        <a:off x="4191589" y="1528697"/>
+        <a:ext cx="1541224" cy="1006605"/>
       </dsp:txXfrm>
     </dsp:sp>
     <dsp:sp modelId="{6060F710-9C30-484B-BCA4-695BA2D8448A}">
@@ -5573,8 +4319,8 @@
       </dsp:nvSpPr>
       <dsp:spPr>
         <a:xfrm>
-          <a:off x="3891066" y="2550941"/>
-          <a:ext cx="1004842" cy="363506"/>
+          <a:off x="3908819" y="2566619"/>
+          <a:ext cx="1053382" cy="381066"/>
         </a:xfrm>
         <a:custGeom>
           <a:avLst/>
@@ -5585,16 +4331,16 @@
           <a:pathLst>
             <a:path>
               <a:moveTo>
-                <a:pt x="1004842" y="0"/>
+                <a:pt x="1053382" y="0"/>
               </a:moveTo>
               <a:lnTo>
-                <a:pt x="1004842" y="181753"/>
+                <a:pt x="1053382" y="190533"/>
               </a:lnTo>
               <a:lnTo>
-                <a:pt x="0" y="181753"/>
+                <a:pt x="0" y="190533"/>
               </a:lnTo>
               <a:lnTo>
-                <a:pt x="0" y="363506"/>
+                <a:pt x="0" y="381066"/>
               </a:lnTo>
             </a:path>
           </a:pathLst>
@@ -5635,8 +4381,8 @@
       </dsp:nvSpPr>
       <dsp:spPr>
         <a:xfrm>
-          <a:off x="3126090" y="2914448"/>
-          <a:ext cx="1529953" cy="1019968"/>
+          <a:off x="3106889" y="2947685"/>
+          <a:ext cx="1603858" cy="1069239"/>
         </a:xfrm>
         <a:prstGeom prst="roundRect">
           <a:avLst>
@@ -5680,12 +4426,12 @@
         </a:fontRef>
       </dsp:style>
       <dsp:txBody>
-        <a:bodyPr spcFirstLastPara="0" vert="horz" wrap="square" lIns="83820" tIns="83820" rIns="83820" bIns="83820" numCol="1" spcCol="1270" anchor="ctr" anchorCtr="0">
+        <a:bodyPr spcFirstLastPara="0" vert="horz" wrap="square" lIns="87630" tIns="87630" rIns="87630" bIns="87630" numCol="1" spcCol="1270" anchor="ctr" anchorCtr="0">
           <a:noAutofit/>
         </a:bodyPr>
         <a:lstStyle/>
         <a:p>
-          <a:pPr marL="0" lvl="0" indent="0" algn="ctr" defTabSz="977900">
+          <a:pPr marL="0" lvl="0" indent="0" algn="ctr" defTabSz="1022350">
             <a:lnSpc>
               <a:spcPct val="90000"/>
             </a:lnSpc>
@@ -5698,19 +4444,19 @@
             <a:buNone/>
           </a:pPr>
           <a:r>
-            <a:rPr lang="en-US" sz="2200" kern="1200" dirty="0"/>
+            <a:rPr lang="en-US" sz="2300" kern="1200" dirty="0"/>
             <a:t>Count Data for </a:t>
           </a:r>
           <a:r>
-            <a:rPr lang="en-US" sz="2200" kern="1200" dirty="0" err="1"/>
+            <a:rPr lang="en-US" sz="2300" kern="1200" dirty="0" err="1"/>
             <a:t>DESeq</a:t>
           </a:r>
-          <a:endParaRPr lang="en-US" sz="2200" kern="1200" dirty="0"/>
+          <a:endParaRPr lang="en-US" sz="2300" kern="1200" dirty="0"/>
         </a:p>
       </dsp:txBody>
       <dsp:txXfrm>
-        <a:off x="3155964" y="2944322"/>
-        <a:ext cx="1470205" cy="960220"/>
+        <a:off x="3138206" y="2979002"/>
+        <a:ext cx="1541224" cy="1006605"/>
       </dsp:txXfrm>
     </dsp:sp>
   </dsp:spTree>
@@ -5725,207 +4471,6 @@
       <dsp:cNvGrpSpPr/>
     </dsp:nvGrpSpPr>
     <dsp:grpSpPr/>
-    <dsp:sp modelId="{7EB3B241-9331-4643-88DB-BC87C28C8D72}">
-      <dsp:nvSpPr>
-        <dsp:cNvPr id="0" name=""/>
-        <dsp:cNvSpPr/>
-      </dsp:nvSpPr>
-      <dsp:spPr>
-        <a:xfrm>
-          <a:off x="0" y="2844989"/>
-          <a:ext cx="6096000" cy="1217990"/>
-        </a:xfrm>
-        <a:prstGeom prst="roundRect">
-          <a:avLst>
-            <a:gd name="adj" fmla="val 10000"/>
-          </a:avLst>
-        </a:prstGeom>
-        <a:solidFill>
-          <a:schemeClr val="accent1">
-            <a:tint val="40000"/>
-            <a:hueOff val="0"/>
-            <a:satOff val="0"/>
-            <a:lumOff val="0"/>
-            <a:alphaOff val="0"/>
-          </a:schemeClr>
-        </a:solidFill>
-        <a:ln>
-          <a:noFill/>
-        </a:ln>
-        <a:effectLst/>
-      </dsp:spPr>
-      <dsp:style>
-        <a:lnRef idx="0">
-          <a:scrgbClr r="0" g="0" b="0"/>
-        </a:lnRef>
-        <a:fillRef idx="1">
-          <a:scrgbClr r="0" g="0" b="0"/>
-        </a:fillRef>
-        <a:effectRef idx="0">
-          <a:scrgbClr r="0" g="0" b="0"/>
-        </a:effectRef>
-        <a:fontRef idx="minor"/>
-      </dsp:style>
-      <dsp:txBody>
-        <a:bodyPr spcFirstLastPara="0" vert="horz" wrap="square" lIns="298704" tIns="298704" rIns="298704" bIns="298704" numCol="1" spcCol="1270" anchor="ctr" anchorCtr="0">
-          <a:noAutofit/>
-        </a:bodyPr>
-        <a:lstStyle/>
-        <a:p>
-          <a:pPr marL="0" lvl="0" indent="0" algn="ctr" defTabSz="1866900">
-            <a:lnSpc>
-              <a:spcPct val="90000"/>
-            </a:lnSpc>
-            <a:spcBef>
-              <a:spcPct val="0"/>
-            </a:spcBef>
-            <a:spcAft>
-              <a:spcPct val="35000"/>
-            </a:spcAft>
-            <a:buNone/>
-          </a:pPr>
-          <a:endParaRPr lang="en-US" sz="4200" kern="1200" dirty="0"/>
-        </a:p>
-      </dsp:txBody>
-      <dsp:txXfrm>
-        <a:off x="0" y="2844989"/>
-        <a:ext cx="1828800" cy="1217990"/>
-      </dsp:txXfrm>
-    </dsp:sp>
-    <dsp:sp modelId="{A05F9B63-8F7E-4D2E-A54D-E75C443C0853}">
-      <dsp:nvSpPr>
-        <dsp:cNvPr id="0" name=""/>
-        <dsp:cNvSpPr/>
-      </dsp:nvSpPr>
-      <dsp:spPr>
-        <a:xfrm>
-          <a:off x="0" y="1423004"/>
-          <a:ext cx="6096000" cy="1217990"/>
-        </a:xfrm>
-        <a:prstGeom prst="roundRect">
-          <a:avLst>
-            <a:gd name="adj" fmla="val 10000"/>
-          </a:avLst>
-        </a:prstGeom>
-        <a:solidFill>
-          <a:schemeClr val="accent1">
-            <a:tint val="40000"/>
-            <a:hueOff val="0"/>
-            <a:satOff val="0"/>
-            <a:lumOff val="0"/>
-            <a:alphaOff val="0"/>
-          </a:schemeClr>
-        </a:solidFill>
-        <a:ln>
-          <a:noFill/>
-        </a:ln>
-        <a:effectLst/>
-      </dsp:spPr>
-      <dsp:style>
-        <a:lnRef idx="0">
-          <a:scrgbClr r="0" g="0" b="0"/>
-        </a:lnRef>
-        <a:fillRef idx="1">
-          <a:scrgbClr r="0" g="0" b="0"/>
-        </a:fillRef>
-        <a:effectRef idx="0">
-          <a:scrgbClr r="0" g="0" b="0"/>
-        </a:effectRef>
-        <a:fontRef idx="minor"/>
-      </dsp:style>
-      <dsp:txBody>
-        <a:bodyPr spcFirstLastPara="0" vert="horz" wrap="square" lIns="298704" tIns="298704" rIns="298704" bIns="298704" numCol="1" spcCol="1270" anchor="ctr" anchorCtr="0">
-          <a:noAutofit/>
-        </a:bodyPr>
-        <a:lstStyle/>
-        <a:p>
-          <a:pPr marL="0" lvl="0" indent="0" algn="ctr" defTabSz="1866900">
-            <a:lnSpc>
-              <a:spcPct val="90000"/>
-            </a:lnSpc>
-            <a:spcBef>
-              <a:spcPct val="0"/>
-            </a:spcBef>
-            <a:spcAft>
-              <a:spcPct val="35000"/>
-            </a:spcAft>
-            <a:buNone/>
-          </a:pPr>
-          <a:endParaRPr lang="en-US" sz="4200" kern="1200" dirty="0"/>
-        </a:p>
-      </dsp:txBody>
-      <dsp:txXfrm>
-        <a:off x="0" y="1423004"/>
-        <a:ext cx="1828800" cy="1217990"/>
-      </dsp:txXfrm>
-    </dsp:sp>
-    <dsp:sp modelId="{81D8F765-1C2B-47E8-9104-BC25204BF581}">
-      <dsp:nvSpPr>
-        <dsp:cNvPr id="0" name=""/>
-        <dsp:cNvSpPr/>
-      </dsp:nvSpPr>
-      <dsp:spPr>
-        <a:xfrm>
-          <a:off x="0" y="0"/>
-          <a:ext cx="6096000" cy="1217990"/>
-        </a:xfrm>
-        <a:prstGeom prst="roundRect">
-          <a:avLst>
-            <a:gd name="adj" fmla="val 10000"/>
-          </a:avLst>
-        </a:prstGeom>
-        <a:solidFill>
-          <a:schemeClr val="accent1">
-            <a:tint val="40000"/>
-            <a:hueOff val="0"/>
-            <a:satOff val="0"/>
-            <a:lumOff val="0"/>
-            <a:alphaOff val="0"/>
-          </a:schemeClr>
-        </a:solidFill>
-        <a:ln>
-          <a:noFill/>
-        </a:ln>
-        <a:effectLst/>
-      </dsp:spPr>
-      <dsp:style>
-        <a:lnRef idx="0">
-          <a:scrgbClr r="0" g="0" b="0"/>
-        </a:lnRef>
-        <a:fillRef idx="1">
-          <a:scrgbClr r="0" g="0" b="0"/>
-        </a:fillRef>
-        <a:effectRef idx="0">
-          <a:scrgbClr r="0" g="0" b="0"/>
-        </a:effectRef>
-        <a:fontRef idx="minor"/>
-      </dsp:style>
-      <dsp:txBody>
-        <a:bodyPr spcFirstLastPara="0" vert="horz" wrap="square" lIns="298704" tIns="298704" rIns="298704" bIns="298704" numCol="1" spcCol="1270" anchor="ctr" anchorCtr="0">
-          <a:noAutofit/>
-        </a:bodyPr>
-        <a:lstStyle/>
-        <a:p>
-          <a:pPr marL="0" lvl="0" indent="0" algn="ctr" defTabSz="1866900">
-            <a:lnSpc>
-              <a:spcPct val="90000"/>
-            </a:lnSpc>
-            <a:spcBef>
-              <a:spcPct val="0"/>
-            </a:spcBef>
-            <a:spcAft>
-              <a:spcPct val="35000"/>
-            </a:spcAft>
-            <a:buNone/>
-          </a:pPr>
-          <a:endParaRPr lang="en-US" sz="4200" kern="1200" dirty="0"/>
-        </a:p>
-      </dsp:txBody>
-      <dsp:txXfrm>
-        <a:off x="0" y="0"/>
-        <a:ext cx="1828800" cy="1217990"/>
-      </dsp:txXfrm>
-    </dsp:sp>
     <dsp:sp modelId="{DAEBC06F-7250-4148-A5DF-9E74C1131D38}">
       <dsp:nvSpPr>
         <dsp:cNvPr id="0" name=""/>
@@ -5933,8 +4478,8 @@
       </dsp:nvSpPr>
       <dsp:spPr>
         <a:xfrm>
-          <a:off x="3136463" y="103016"/>
-          <a:ext cx="1529953" cy="1019968"/>
+          <a:off x="2247304" y="3571"/>
+          <a:ext cx="1601390" cy="1067593"/>
         </a:xfrm>
         <a:prstGeom prst="roundRect">
           <a:avLst>
@@ -5978,12 +4523,12 @@
         </a:fontRef>
       </dsp:style>
       <dsp:txBody>
-        <a:bodyPr spcFirstLastPara="0" vert="horz" wrap="square" lIns="76200" tIns="76200" rIns="76200" bIns="76200" numCol="1" spcCol="1270" anchor="ctr" anchorCtr="0">
+        <a:bodyPr spcFirstLastPara="0" vert="horz" wrap="square" lIns="80010" tIns="80010" rIns="80010" bIns="80010" numCol="1" spcCol="1270" anchor="ctr" anchorCtr="0">
           <a:noAutofit/>
         </a:bodyPr>
         <a:lstStyle/>
         <a:p>
-          <a:pPr marL="0" lvl="0" indent="0" algn="ctr" defTabSz="889000">
+          <a:pPr marL="0" lvl="0" indent="0" algn="ctr" defTabSz="933450">
             <a:lnSpc>
               <a:spcPct val="90000"/>
             </a:lnSpc>
@@ -5996,14 +4541,14 @@
             <a:buNone/>
           </a:pPr>
           <a:r>
-            <a:rPr lang="en-US" sz="2000" kern="1200" dirty="0"/>
+            <a:rPr lang="en-US" sz="2100" kern="1200" dirty="0"/>
             <a:t>Count data</a:t>
           </a:r>
         </a:p>
       </dsp:txBody>
       <dsp:txXfrm>
-        <a:off x="3166337" y="132890"/>
-        <a:ext cx="1470205" cy="960220"/>
+        <a:off x="2278573" y="34840"/>
+        <a:ext cx="1538852" cy="1005055"/>
       </dsp:txXfrm>
     </dsp:sp>
     <dsp:sp modelId="{96C48980-A0CD-4E4A-BC68-F2194729EB0A}">
@@ -6013,8 +4558,8 @@
       </dsp:nvSpPr>
       <dsp:spPr>
         <a:xfrm>
-          <a:off x="3855720" y="1122985"/>
-          <a:ext cx="91440" cy="407987"/>
+          <a:off x="3002280" y="1071165"/>
+          <a:ext cx="91440" cy="427037"/>
         </a:xfrm>
         <a:custGeom>
           <a:avLst/>
@@ -6028,7 +4573,7 @@
                 <a:pt x="45720" y="0"/>
               </a:moveTo>
               <a:lnTo>
-                <a:pt x="45720" y="407987"/>
+                <a:pt x="45720" y="427037"/>
               </a:lnTo>
             </a:path>
           </a:pathLst>
@@ -6069,8 +4614,8 @@
       </dsp:nvSpPr>
       <dsp:spPr>
         <a:xfrm>
-          <a:off x="3136463" y="1530973"/>
-          <a:ext cx="1529953" cy="1019968"/>
+          <a:off x="2247304" y="1498203"/>
+          <a:ext cx="1601390" cy="1067593"/>
         </a:xfrm>
         <a:prstGeom prst="roundRect">
           <a:avLst>
@@ -6114,12 +4659,12 @@
         </a:fontRef>
       </dsp:style>
       <dsp:txBody>
-        <a:bodyPr spcFirstLastPara="0" vert="horz" wrap="square" lIns="76200" tIns="76200" rIns="76200" bIns="76200" numCol="1" spcCol="1270" anchor="ctr" anchorCtr="0">
+        <a:bodyPr spcFirstLastPara="0" vert="horz" wrap="square" lIns="80010" tIns="80010" rIns="80010" bIns="80010" numCol="1" spcCol="1270" anchor="ctr" anchorCtr="0">
           <a:noAutofit/>
         </a:bodyPr>
         <a:lstStyle/>
         <a:p>
-          <a:pPr marL="0" lvl="0" indent="0" algn="ctr" defTabSz="889000">
+          <a:pPr marL="0" lvl="0" indent="0" algn="ctr" defTabSz="933450">
             <a:lnSpc>
               <a:spcPct val="90000"/>
             </a:lnSpc>
@@ -6132,18 +4677,18 @@
             <a:buNone/>
           </a:pPr>
           <a:r>
-            <a:rPr lang="en-US" sz="2000" kern="1200" dirty="0" err="1"/>
+            <a:rPr lang="en-US" sz="2100" kern="1200" dirty="0" err="1"/>
             <a:t>DESeq</a:t>
           </a:r>
           <a:r>
-            <a:rPr lang="en-US" sz="2000" kern="1200" dirty="0"/>
+            <a:rPr lang="en-US" sz="2100" kern="1200" dirty="0"/>
             <a:t> normalized</a:t>
           </a:r>
         </a:p>
       </dsp:txBody>
       <dsp:txXfrm>
-        <a:off x="3166337" y="1560847"/>
-        <a:ext cx="1470205" cy="960220"/>
+        <a:off x="2278573" y="1529472"/>
+        <a:ext cx="1538852" cy="1005055"/>
       </dsp:txXfrm>
     </dsp:sp>
     <dsp:sp modelId="{ECFCD44B-153F-47BE-AC0B-085156E5B810}">
@@ -6153,8 +4698,8 @@
       </dsp:nvSpPr>
       <dsp:spPr>
         <a:xfrm>
-          <a:off x="3855720" y="2550941"/>
-          <a:ext cx="91440" cy="407987"/>
+          <a:off x="3002280" y="2565796"/>
+          <a:ext cx="91440" cy="427037"/>
         </a:xfrm>
         <a:custGeom>
           <a:avLst/>
@@ -6168,7 +4713,7 @@
                 <a:pt x="45720" y="0"/>
               </a:moveTo>
               <a:lnTo>
-                <a:pt x="45720" y="407987"/>
+                <a:pt x="45720" y="427037"/>
               </a:lnTo>
             </a:path>
           </a:pathLst>
@@ -6209,8 +4754,8 @@
       </dsp:nvSpPr>
       <dsp:spPr>
         <a:xfrm>
-          <a:off x="3136463" y="2958929"/>
-          <a:ext cx="1529953" cy="1019968"/>
+          <a:off x="2247304" y="2992834"/>
+          <a:ext cx="1601390" cy="1067593"/>
         </a:xfrm>
         <a:prstGeom prst="roundRect">
           <a:avLst>
@@ -6254,12 +4799,12 @@
         </a:fontRef>
       </dsp:style>
       <dsp:txBody>
-        <a:bodyPr spcFirstLastPara="0" vert="horz" wrap="square" lIns="76200" tIns="76200" rIns="76200" bIns="76200" numCol="1" spcCol="1270" anchor="ctr" anchorCtr="0">
+        <a:bodyPr spcFirstLastPara="0" vert="horz" wrap="square" lIns="80010" tIns="80010" rIns="80010" bIns="80010" numCol="1" spcCol="1270" anchor="ctr" anchorCtr="0">
           <a:noAutofit/>
         </a:bodyPr>
         <a:lstStyle/>
         <a:p>
-          <a:pPr marL="0" lvl="0" indent="0" algn="ctr" defTabSz="889000">
+          <a:pPr marL="0" lvl="0" indent="0" algn="ctr" defTabSz="933450">
             <a:lnSpc>
               <a:spcPct val="90000"/>
             </a:lnSpc>
@@ -6272,14 +4817,14 @@
             <a:buNone/>
           </a:pPr>
           <a:r>
-            <a:rPr lang="en-US" sz="2000" kern="1200" dirty="0"/>
+            <a:rPr lang="en-US" sz="2100" kern="1200" dirty="0"/>
             <a:t>Visualization</a:t>
           </a:r>
         </a:p>
       </dsp:txBody>
       <dsp:txXfrm>
-        <a:off x="3166337" y="2988803"/>
-        <a:ext cx="1470205" cy="960220"/>
+        <a:off x="2278573" y="3024103"/>
+        <a:ext cx="1538852" cy="1005055"/>
       </dsp:txXfrm>
     </dsp:sp>
   </dsp:spTree>
@@ -19202,14 +17747,14 @@
           <p:nvPr>
             <p:extLst>
               <p:ext uri="{D42A27DB-BD31-4B8C-83A1-F6EECF244321}">
-                <p14:modId xmlns:p14="http://schemas.microsoft.com/office/powerpoint/2010/main" val="981771673"/>
+                <p14:modId xmlns:p14="http://schemas.microsoft.com/office/powerpoint/2010/main" val="1445895160"/>
               </p:ext>
             </p:extLst>
           </p:nvPr>
         </p:nvGraphicFramePr>
         <p:xfrm>
-          <a:off x="852792" y="1726252"/>
-          <a:ext cx="6096000" cy="4064000"/>
+          <a:off x="852792" y="1521857"/>
+          <a:ext cx="7376808" cy="5131748"/>
         </p:xfrm>
         <a:graphic>
           <a:graphicData uri="http://schemas.openxmlformats.org/drawingml/2006/diagram">
@@ -19525,14 +18070,14 @@
           <p:nvPr>
             <p:extLst>
               <p:ext uri="{D42A27DB-BD31-4B8C-83A1-F6EECF244321}">
-                <p14:modId xmlns:p14="http://schemas.microsoft.com/office/powerpoint/2010/main" val="2475013993"/>
+                <p14:modId xmlns:p14="http://schemas.microsoft.com/office/powerpoint/2010/main" val="801953623"/>
               </p:ext>
             </p:extLst>
           </p:nvPr>
         </p:nvGraphicFramePr>
         <p:xfrm>
           <a:off x="852792" y="1726252"/>
-          <a:ext cx="6096000" cy="4064000"/>
+          <a:ext cx="7839387" cy="4064000"/>
         </p:xfrm>
         <a:graphic>
           <a:graphicData uri="http://schemas.openxmlformats.org/drawingml/2006/diagram">
@@ -19994,13 +18539,13 @@
           <p:nvPr>
             <p:extLst>
               <p:ext uri="{D42A27DB-BD31-4B8C-83A1-F6EECF244321}">
-                <p14:modId xmlns:p14="http://schemas.microsoft.com/office/powerpoint/2010/main" val="3965263398"/>
+                <p14:modId xmlns:p14="http://schemas.microsoft.com/office/powerpoint/2010/main" val="4138148851"/>
               </p:ext>
             </p:extLst>
           </p:nvPr>
         </p:nvGraphicFramePr>
         <p:xfrm>
-          <a:off x="852792" y="1726252"/>
+          <a:off x="1524000" y="1976772"/>
           <a:ext cx="6096000" cy="4064000"/>
         </p:xfrm>
         <a:graphic>

--- a/Presentation.pptx
+++ b/Presentation.pptx
@@ -16068,314 +16068,6 @@
   <p:clrMapOvr>
     <a:masterClrMapping/>
   </p:clrMapOvr>
-  <p:timing>
-    <p:tnLst>
-      <p:par>
-        <p:cTn id="1" dur="indefinite" restart="never" nodeType="tmRoot">
-          <p:childTnLst>
-            <p:seq concurrent="1" nextAc="seek">
-              <p:cTn id="2" dur="indefinite" nodeType="mainSeq">
-                <p:childTnLst>
-                  <p:par>
-                    <p:cTn id="3" fill="hold">
-                      <p:stCondLst>
-                        <p:cond delay="indefinite"/>
-                      </p:stCondLst>
-                      <p:childTnLst>
-                        <p:par>
-                          <p:cTn id="4" fill="hold">
-                            <p:stCondLst>
-                              <p:cond delay="0"/>
-                            </p:stCondLst>
-                            <p:childTnLst>
-                              <p:par>
-                                <p:cTn id="5" presetID="1" presetClass="entr" presetSubtype="0" fill="hold" grpId="0" nodeType="clickEffect">
-                                  <p:stCondLst>
-                                    <p:cond delay="0"/>
-                                  </p:stCondLst>
-                                  <p:childTnLst>
-                                    <p:set>
-                                      <p:cBhvr>
-                                        <p:cTn id="6" dur="1" fill="hold">
-                                          <p:stCondLst>
-                                            <p:cond delay="0"/>
-                                          </p:stCondLst>
-                                        </p:cTn>
-                                        <p:tgtEl>
-                                          <p:spTgt spid="12"/>
-                                        </p:tgtEl>
-                                        <p:attrNameLst>
-                                          <p:attrName>style.visibility</p:attrName>
-                                        </p:attrNameLst>
-                                      </p:cBhvr>
-                                      <p:to>
-                                        <p:strVal val="visible"/>
-                                      </p:to>
-                                    </p:set>
-                                  </p:childTnLst>
-                                </p:cTn>
-                              </p:par>
-                            </p:childTnLst>
-                          </p:cTn>
-                        </p:par>
-                      </p:childTnLst>
-                    </p:cTn>
-                  </p:par>
-                  <p:par>
-                    <p:cTn id="7" fill="hold">
-                      <p:stCondLst>
-                        <p:cond delay="indefinite"/>
-                      </p:stCondLst>
-                      <p:childTnLst>
-                        <p:par>
-                          <p:cTn id="8" fill="hold">
-                            <p:stCondLst>
-                              <p:cond delay="0"/>
-                            </p:stCondLst>
-                            <p:childTnLst>
-                              <p:par>
-                                <p:cTn id="9" presetID="1" presetClass="entr" presetSubtype="0" fill="hold" grpId="0" nodeType="clickEffect">
-                                  <p:stCondLst>
-                                    <p:cond delay="0"/>
-                                  </p:stCondLst>
-                                  <p:childTnLst>
-                                    <p:set>
-                                      <p:cBhvr>
-                                        <p:cTn id="10" dur="1" fill="hold">
-                                          <p:stCondLst>
-                                            <p:cond delay="0"/>
-                                          </p:stCondLst>
-                                        </p:cTn>
-                                        <p:tgtEl>
-                                          <p:spTgt spid="13"/>
-                                        </p:tgtEl>
-                                        <p:attrNameLst>
-                                          <p:attrName>style.visibility</p:attrName>
-                                        </p:attrNameLst>
-                                      </p:cBhvr>
-                                      <p:to>
-                                        <p:strVal val="visible"/>
-                                      </p:to>
-                                    </p:set>
-                                  </p:childTnLst>
-                                </p:cTn>
-                              </p:par>
-                            </p:childTnLst>
-                          </p:cTn>
-                        </p:par>
-                      </p:childTnLst>
-                    </p:cTn>
-                  </p:par>
-                  <p:par>
-                    <p:cTn id="11" fill="hold">
-                      <p:stCondLst>
-                        <p:cond delay="indefinite"/>
-                      </p:stCondLst>
-                      <p:childTnLst>
-                        <p:par>
-                          <p:cTn id="12" fill="hold">
-                            <p:stCondLst>
-                              <p:cond delay="0"/>
-                            </p:stCondLst>
-                            <p:childTnLst>
-                              <p:par>
-                                <p:cTn id="13" presetID="1" presetClass="entr" presetSubtype="0" fill="hold" grpId="0" nodeType="clickEffect">
-                                  <p:stCondLst>
-                                    <p:cond delay="0"/>
-                                  </p:stCondLst>
-                                  <p:childTnLst>
-                                    <p:set>
-                                      <p:cBhvr>
-                                        <p:cTn id="14" dur="1" fill="hold">
-                                          <p:stCondLst>
-                                            <p:cond delay="0"/>
-                                          </p:stCondLst>
-                                        </p:cTn>
-                                        <p:tgtEl>
-                                          <p:spTgt spid="14"/>
-                                        </p:tgtEl>
-                                        <p:attrNameLst>
-                                          <p:attrName>style.visibility</p:attrName>
-                                        </p:attrNameLst>
-                                      </p:cBhvr>
-                                      <p:to>
-                                        <p:strVal val="visible"/>
-                                      </p:to>
-                                    </p:set>
-                                  </p:childTnLst>
-                                </p:cTn>
-                              </p:par>
-                            </p:childTnLst>
-                          </p:cTn>
-                        </p:par>
-                      </p:childTnLst>
-                    </p:cTn>
-                  </p:par>
-                  <p:par>
-                    <p:cTn id="15" fill="hold">
-                      <p:stCondLst>
-                        <p:cond delay="indefinite"/>
-                      </p:stCondLst>
-                      <p:childTnLst>
-                        <p:par>
-                          <p:cTn id="16" fill="hold">
-                            <p:stCondLst>
-                              <p:cond delay="0"/>
-                            </p:stCondLst>
-                            <p:childTnLst>
-                              <p:par>
-                                <p:cTn id="17" presetID="1" presetClass="entr" presetSubtype="0" fill="hold" grpId="0" nodeType="clickEffect">
-                                  <p:stCondLst>
-                                    <p:cond delay="0"/>
-                                  </p:stCondLst>
-                                  <p:childTnLst>
-                                    <p:set>
-                                      <p:cBhvr>
-                                        <p:cTn id="18" dur="1" fill="hold">
-                                          <p:stCondLst>
-                                            <p:cond delay="0"/>
-                                          </p:stCondLst>
-                                        </p:cTn>
-                                        <p:tgtEl>
-                                          <p:spTgt spid="15"/>
-                                        </p:tgtEl>
-                                        <p:attrNameLst>
-                                          <p:attrName>style.visibility</p:attrName>
-                                        </p:attrNameLst>
-                                      </p:cBhvr>
-                                      <p:to>
-                                        <p:strVal val="visible"/>
-                                      </p:to>
-                                    </p:set>
-                                  </p:childTnLst>
-                                </p:cTn>
-                              </p:par>
-                            </p:childTnLst>
-                          </p:cTn>
-                        </p:par>
-                      </p:childTnLst>
-                    </p:cTn>
-                  </p:par>
-                  <p:par>
-                    <p:cTn id="19" fill="hold">
-                      <p:stCondLst>
-                        <p:cond delay="indefinite"/>
-                      </p:stCondLst>
-                      <p:childTnLst>
-                        <p:par>
-                          <p:cTn id="20" fill="hold">
-                            <p:stCondLst>
-                              <p:cond delay="0"/>
-                            </p:stCondLst>
-                            <p:childTnLst>
-                              <p:par>
-                                <p:cTn id="21" presetID="1" presetClass="entr" presetSubtype="0" fill="hold" grpId="0" nodeType="clickEffect">
-                                  <p:stCondLst>
-                                    <p:cond delay="0"/>
-                                  </p:stCondLst>
-                                  <p:childTnLst>
-                                    <p:set>
-                                      <p:cBhvr>
-                                        <p:cTn id="22" dur="1" fill="hold">
-                                          <p:stCondLst>
-                                            <p:cond delay="0"/>
-                                          </p:stCondLst>
-                                        </p:cTn>
-                                        <p:tgtEl>
-                                          <p:spTgt spid="16"/>
-                                        </p:tgtEl>
-                                        <p:attrNameLst>
-                                          <p:attrName>style.visibility</p:attrName>
-                                        </p:attrNameLst>
-                                      </p:cBhvr>
-                                      <p:to>
-                                        <p:strVal val="visible"/>
-                                      </p:to>
-                                    </p:set>
-                                  </p:childTnLst>
-                                </p:cTn>
-                              </p:par>
-                            </p:childTnLst>
-                          </p:cTn>
-                        </p:par>
-                      </p:childTnLst>
-                    </p:cTn>
-                  </p:par>
-                  <p:par>
-                    <p:cTn id="23" fill="hold">
-                      <p:stCondLst>
-                        <p:cond delay="indefinite"/>
-                      </p:stCondLst>
-                      <p:childTnLst>
-                        <p:par>
-                          <p:cTn id="24" fill="hold">
-                            <p:stCondLst>
-                              <p:cond delay="0"/>
-                            </p:stCondLst>
-                            <p:childTnLst>
-                              <p:par>
-                                <p:cTn id="25" presetID="1" presetClass="entr" presetSubtype="0" fill="hold" grpId="0" nodeType="clickEffect">
-                                  <p:stCondLst>
-                                    <p:cond delay="0"/>
-                                  </p:stCondLst>
-                                  <p:childTnLst>
-                                    <p:set>
-                                      <p:cBhvr>
-                                        <p:cTn id="26" dur="1" fill="hold">
-                                          <p:stCondLst>
-                                            <p:cond delay="0"/>
-                                          </p:stCondLst>
-                                        </p:cTn>
-                                        <p:tgtEl>
-                                          <p:spTgt spid="2"/>
-                                        </p:tgtEl>
-                                        <p:attrNameLst>
-                                          <p:attrName>style.visibility</p:attrName>
-                                        </p:attrNameLst>
-                                      </p:cBhvr>
-                                      <p:to>
-                                        <p:strVal val="visible"/>
-                                      </p:to>
-                                    </p:set>
-                                  </p:childTnLst>
-                                </p:cTn>
-                              </p:par>
-                            </p:childTnLst>
-                          </p:cTn>
-                        </p:par>
-                      </p:childTnLst>
-                    </p:cTn>
-                  </p:par>
-                </p:childTnLst>
-              </p:cTn>
-              <p:prevCondLst>
-                <p:cond evt="onPrev" delay="0">
-                  <p:tgtEl>
-                    <p:sldTgt/>
-                  </p:tgtEl>
-                </p:cond>
-              </p:prevCondLst>
-              <p:nextCondLst>
-                <p:cond evt="onNext" delay="0">
-                  <p:tgtEl>
-                    <p:sldTgt/>
-                  </p:tgtEl>
-                </p:cond>
-              </p:nextCondLst>
-            </p:seq>
-          </p:childTnLst>
-        </p:cTn>
-      </p:par>
-    </p:tnLst>
-    <p:bldLst>
-      <p:bldP spid="12" grpId="0"/>
-      <p:bldP spid="13" grpId="0"/>
-      <p:bldP spid="14" grpId="0"/>
-      <p:bldP spid="15" grpId="0"/>
-      <p:bldP spid="16" grpId="0"/>
-      <p:bldP spid="2" grpId="0"/>
-    </p:bldLst>
-  </p:timing>
 </p:sld>
 </file>
 
@@ -16893,176 +16585,6 @@
   <p:clrMapOvr>
     <a:masterClrMapping/>
   </p:clrMapOvr>
-  <p:timing>
-    <p:tnLst>
-      <p:par>
-        <p:cTn id="1" dur="indefinite" restart="never" nodeType="tmRoot">
-          <p:childTnLst>
-            <p:seq concurrent="1" nextAc="seek">
-              <p:cTn id="2" dur="indefinite" nodeType="mainSeq">
-                <p:childTnLst>
-                  <p:par>
-                    <p:cTn id="3" fill="hold">
-                      <p:stCondLst>
-                        <p:cond delay="indefinite"/>
-                      </p:stCondLst>
-                      <p:childTnLst>
-                        <p:par>
-                          <p:cTn id="4" fill="hold">
-                            <p:stCondLst>
-                              <p:cond delay="0"/>
-                            </p:stCondLst>
-                            <p:childTnLst>
-                              <p:par>
-                                <p:cTn id="5" presetID="1" presetClass="entr" presetSubtype="0" fill="hold" grpId="0" nodeType="clickEffect">
-                                  <p:stCondLst>
-                                    <p:cond delay="0"/>
-                                  </p:stCondLst>
-                                  <p:childTnLst>
-                                    <p:set>
-                                      <p:cBhvr>
-                                        <p:cTn id="6" dur="1" fill="hold">
-                                          <p:stCondLst>
-                                            <p:cond delay="0"/>
-                                          </p:stCondLst>
-                                        </p:cTn>
-                                        <p:tgtEl>
-                                          <p:spTgt spid="12"/>
-                                        </p:tgtEl>
-                                        <p:attrNameLst>
-                                          <p:attrName>style.visibility</p:attrName>
-                                        </p:attrNameLst>
-                                      </p:cBhvr>
-                                      <p:to>
-                                        <p:strVal val="visible"/>
-                                      </p:to>
-                                    </p:set>
-                                  </p:childTnLst>
-                                </p:cTn>
-                              </p:par>
-                            </p:childTnLst>
-                          </p:cTn>
-                        </p:par>
-                      </p:childTnLst>
-                    </p:cTn>
-                  </p:par>
-                  <p:par>
-                    <p:cTn id="7" fill="hold">
-                      <p:stCondLst>
-                        <p:cond delay="indefinite"/>
-                      </p:stCondLst>
-                      <p:childTnLst>
-                        <p:par>
-                          <p:cTn id="8" fill="hold">
-                            <p:stCondLst>
-                              <p:cond delay="0"/>
-                            </p:stCondLst>
-                            <p:childTnLst>
-                              <p:par>
-                                <p:cTn id="9" presetID="1" presetClass="entr" presetSubtype="0" fill="hold" grpId="0" nodeType="clickEffect">
-                                  <p:stCondLst>
-                                    <p:cond delay="0"/>
-                                  </p:stCondLst>
-                                  <p:childTnLst>
-                                    <p:set>
-                                      <p:cBhvr>
-                                        <p:cTn id="10" dur="1" fill="hold">
-                                          <p:stCondLst>
-                                            <p:cond delay="0"/>
-                                          </p:stCondLst>
-                                        </p:cTn>
-                                        <p:tgtEl>
-                                          <p:spTgt spid="13"/>
-                                        </p:tgtEl>
-                                        <p:attrNameLst>
-                                          <p:attrName>style.visibility</p:attrName>
-                                        </p:attrNameLst>
-                                      </p:cBhvr>
-                                      <p:to>
-                                        <p:strVal val="visible"/>
-                                      </p:to>
-                                    </p:set>
-                                  </p:childTnLst>
-                                </p:cTn>
-                              </p:par>
-                            </p:childTnLst>
-                          </p:cTn>
-                        </p:par>
-                      </p:childTnLst>
-                    </p:cTn>
-                  </p:par>
-                  <p:par>
-                    <p:cTn id="11" fill="hold">
-                      <p:stCondLst>
-                        <p:cond delay="indefinite"/>
-                      </p:stCondLst>
-                      <p:childTnLst>
-                        <p:par>
-                          <p:cTn id="12" fill="hold">
-                            <p:stCondLst>
-                              <p:cond delay="0"/>
-                            </p:stCondLst>
-                            <p:childTnLst>
-                              <p:par>
-                                <p:cTn id="13" presetID="1" presetClass="entr" presetSubtype="0" fill="hold" grpId="0" nodeType="clickEffect">
-                                  <p:stCondLst>
-                                    <p:cond delay="0"/>
-                                  </p:stCondLst>
-                                  <p:childTnLst>
-                                    <p:set>
-                                      <p:cBhvr>
-                                        <p:cTn id="14" dur="1" fill="hold">
-                                          <p:stCondLst>
-                                            <p:cond delay="0"/>
-                                          </p:stCondLst>
-                                        </p:cTn>
-                                        <p:tgtEl>
-                                          <p:spTgt spid="17"/>
-                                        </p:tgtEl>
-                                        <p:attrNameLst>
-                                          <p:attrName>style.visibility</p:attrName>
-                                        </p:attrNameLst>
-                                      </p:cBhvr>
-                                      <p:to>
-                                        <p:strVal val="visible"/>
-                                      </p:to>
-                                    </p:set>
-                                  </p:childTnLst>
-                                </p:cTn>
-                              </p:par>
-                            </p:childTnLst>
-                          </p:cTn>
-                        </p:par>
-                      </p:childTnLst>
-                    </p:cTn>
-                  </p:par>
-                </p:childTnLst>
-              </p:cTn>
-              <p:prevCondLst>
-                <p:cond evt="onPrev" delay="0">
-                  <p:tgtEl>
-                    <p:sldTgt/>
-                  </p:tgtEl>
-                </p:cond>
-              </p:prevCondLst>
-              <p:nextCondLst>
-                <p:cond evt="onNext" delay="0">
-                  <p:tgtEl>
-                    <p:sldTgt/>
-                  </p:tgtEl>
-                </p:cond>
-              </p:nextCondLst>
-            </p:seq>
-          </p:childTnLst>
-        </p:cTn>
-      </p:par>
-    </p:tnLst>
-    <p:bldLst>
-      <p:bldP spid="12" grpId="0"/>
-      <p:bldP spid="13" grpId="0"/>
-      <p:bldP spid="17" grpId="0"/>
-    </p:bldLst>
-  </p:timing>
 </p:sld>
 </file>
 
@@ -22373,6 +21895,110 @@
           <a:ln w="57150">
             <a:solidFill>
               <a:srgbClr val="0AB45A"/>
+            </a:solidFill>
+          </a:ln>
+        </p:spPr>
+        <p:style>
+          <a:lnRef idx="2">
+            <a:schemeClr val="accent1">
+              <a:shade val="50000"/>
+            </a:schemeClr>
+          </a:lnRef>
+          <a:fillRef idx="1">
+            <a:schemeClr val="accent1"/>
+          </a:fillRef>
+          <a:effectRef idx="0">
+            <a:schemeClr val="accent1"/>
+          </a:effectRef>
+          <a:fontRef idx="minor">
+            <a:schemeClr val="lt1"/>
+          </a:fontRef>
+        </p:style>
+        <p:txBody>
+          <a:bodyPr rtlCol="0" anchor="ctr"/>
+          <a:lstStyle/>
+          <a:p>
+            <a:pPr algn="ctr"/>
+            <a:endParaRPr lang="en-US"/>
+          </a:p>
+        </p:txBody>
+      </p:sp>
+      <p:sp>
+        <p:nvSpPr>
+          <p:cNvPr id="16" name="Rectangle 15">
+            <a:extLst>
+              <a:ext uri="{FF2B5EF4-FFF2-40B4-BE49-F238E27FC236}">
+                <a16:creationId xmlns:a16="http://schemas.microsoft.com/office/drawing/2014/main" id="{EF1B0E8B-0E7F-4171-9BC8-2B08B0F3AA8B}"/>
+              </a:ext>
+            </a:extLst>
+          </p:cNvPr>
+          <p:cNvSpPr/>
+          <p:nvPr/>
+        </p:nvSpPr>
+        <p:spPr>
+          <a:xfrm>
+            <a:off x="3623507" y="749552"/>
+            <a:ext cx="180210" cy="976700"/>
+          </a:xfrm>
+          <a:prstGeom prst="rect">
+            <a:avLst/>
+          </a:prstGeom>
+          <a:noFill/>
+          <a:ln w="57150">
+            <a:solidFill>
+              <a:srgbClr val="005AC8"/>
+            </a:solidFill>
+          </a:ln>
+        </p:spPr>
+        <p:style>
+          <a:lnRef idx="2">
+            <a:schemeClr val="accent1">
+              <a:shade val="50000"/>
+            </a:schemeClr>
+          </a:lnRef>
+          <a:fillRef idx="1">
+            <a:schemeClr val="accent1"/>
+          </a:fillRef>
+          <a:effectRef idx="0">
+            <a:schemeClr val="accent1"/>
+          </a:effectRef>
+          <a:fontRef idx="minor">
+            <a:schemeClr val="lt1"/>
+          </a:fontRef>
+        </p:style>
+        <p:txBody>
+          <a:bodyPr rtlCol="0" anchor="ctr"/>
+          <a:lstStyle/>
+          <a:p>
+            <a:pPr algn="ctr"/>
+            <a:endParaRPr lang="en-US"/>
+          </a:p>
+        </p:txBody>
+      </p:sp>
+      <p:sp>
+        <p:nvSpPr>
+          <p:cNvPr id="17" name="Rectangle 16">
+            <a:extLst>
+              <a:ext uri="{FF2B5EF4-FFF2-40B4-BE49-F238E27FC236}">
+                <a16:creationId xmlns:a16="http://schemas.microsoft.com/office/drawing/2014/main" id="{71AB93DC-7740-4632-9C27-7783A0219BD0}"/>
+              </a:ext>
+            </a:extLst>
+          </p:cNvPr>
+          <p:cNvSpPr/>
+          <p:nvPr/>
+        </p:nvSpPr>
+        <p:spPr>
+          <a:xfrm>
+            <a:off x="7706884" y="699275"/>
+            <a:ext cx="180210" cy="976700"/>
+          </a:xfrm>
+          <a:prstGeom prst="rect">
+            <a:avLst/>
+          </a:prstGeom>
+          <a:noFill/>
+          <a:ln w="57150">
+            <a:solidFill>
+              <a:srgbClr val="005AC8"/>
             </a:solidFill>
           </a:ln>
         </p:spPr>
@@ -22631,6 +22257,112 @@
                       </p:childTnLst>
                     </p:cTn>
                   </p:par>
+                  <p:par>
+                    <p:cTn id="23" fill="hold">
+                      <p:stCondLst>
+                        <p:cond delay="indefinite"/>
+                      </p:stCondLst>
+                      <p:childTnLst>
+                        <p:par>
+                          <p:cTn id="24" fill="hold">
+                            <p:stCondLst>
+                              <p:cond delay="0"/>
+                            </p:stCondLst>
+                            <p:childTnLst>
+                              <p:par>
+                                <p:cTn id="25" presetID="10" presetClass="entr" presetSubtype="0" fill="hold" grpId="0" nodeType="clickEffect">
+                                  <p:stCondLst>
+                                    <p:cond delay="0"/>
+                                  </p:stCondLst>
+                                  <p:childTnLst>
+                                    <p:set>
+                                      <p:cBhvr>
+                                        <p:cTn id="26" dur="1" fill="hold">
+                                          <p:stCondLst>
+                                            <p:cond delay="0"/>
+                                          </p:stCondLst>
+                                        </p:cTn>
+                                        <p:tgtEl>
+                                          <p:spTgt spid="16"/>
+                                        </p:tgtEl>
+                                        <p:attrNameLst>
+                                          <p:attrName>style.visibility</p:attrName>
+                                        </p:attrNameLst>
+                                      </p:cBhvr>
+                                      <p:to>
+                                        <p:strVal val="visible"/>
+                                      </p:to>
+                                    </p:set>
+                                    <p:animEffect transition="in" filter="fade">
+                                      <p:cBhvr>
+                                        <p:cTn id="27" dur="500"/>
+                                        <p:tgtEl>
+                                          <p:spTgt spid="16"/>
+                                        </p:tgtEl>
+                                      </p:cBhvr>
+                                    </p:animEffect>
+                                  </p:childTnLst>
+                                </p:cTn>
+                              </p:par>
+                            </p:childTnLst>
+                          </p:cTn>
+                        </p:par>
+                      </p:childTnLst>
+                    </p:cTn>
+                  </p:par>
+                  <p:par>
+                    <p:cTn id="28" fill="hold">
+                      <p:stCondLst>
+                        <p:cond delay="indefinite"/>
+                      </p:stCondLst>
+                      <p:childTnLst>
+                        <p:par>
+                          <p:cTn id="29" fill="hold">
+                            <p:stCondLst>
+                              <p:cond delay="0"/>
+                            </p:stCondLst>
+                            <p:childTnLst>
+                              <p:par>
+                                <p:cTn id="30" presetID="10" presetClass="entr" presetSubtype="0" fill="hold" grpId="0" nodeType="clickEffect">
+                                  <p:stCondLst>
+                                    <p:cond delay="0"/>
+                                  </p:stCondLst>
+                                  <p:childTnLst>
+                                    <p:set>
+                                      <p:cBhvr>
+                                        <p:cTn id="31" dur="1" fill="hold">
+                                          <p:stCondLst>
+                                            <p:cond delay="0"/>
+                                          </p:stCondLst>
+                                        </p:cTn>
+                                        <p:tgtEl>
+                                          <p:spTgt spid="17"/>
+                                        </p:tgtEl>
+                                        <p:attrNameLst>
+                                          <p:attrName>style.visibility</p:attrName>
+                                        </p:attrNameLst>
+                                      </p:cBhvr>
+                                      <p:to>
+                                        <p:strVal val="visible"/>
+                                      </p:to>
+                                    </p:set>
+                                    <p:animEffect transition="in" filter="fade">
+                                      <p:cBhvr>
+                                        <p:cTn id="32" dur="500"/>
+                                        <p:tgtEl>
+                                          <p:spTgt spid="17"/>
+                                        </p:tgtEl>
+                                      </p:cBhvr>
+                                    </p:animEffect>
+                                  </p:childTnLst>
+                                </p:cTn>
+                              </p:par>
+                            </p:childTnLst>
+                          </p:cTn>
+                        </p:par>
+                      </p:childTnLst>
+                    </p:cTn>
+                  </p:par>
                 </p:childTnLst>
               </p:cTn>
               <p:prevCondLst>
@@ -22657,6 +22389,8 @@
       <p:bldP spid="13" grpId="0" animBg="1"/>
       <p:bldP spid="14" grpId="0" animBg="1"/>
       <p:bldP spid="15" grpId="0" animBg="1"/>
+      <p:bldP spid="16" grpId="0" animBg="1"/>
+      <p:bldP spid="17" grpId="0" animBg="1"/>
     </p:bldLst>
   </p:timing>
 </p:sld>
